--- a/database/7강 SQL CRUD.pptx
+++ b/database/7강 SQL CRUD.pptx
@@ -20,15 +20,16 @@
     <p:sldId id="418" r:id="rId14"/>
     <p:sldId id="420" r:id="rId15"/>
     <p:sldId id="421" r:id="rId16"/>
-    <p:sldId id="419" r:id="rId17"/>
-    <p:sldId id="422" r:id="rId18"/>
-    <p:sldId id="408" r:id="rId19"/>
-    <p:sldId id="424" r:id="rId20"/>
-    <p:sldId id="426" r:id="rId21"/>
-    <p:sldId id="409" r:id="rId22"/>
-    <p:sldId id="427" r:id="rId23"/>
-    <p:sldId id="428" r:id="rId24"/>
-    <p:sldId id="412" r:id="rId25"/>
+    <p:sldId id="429" r:id="rId17"/>
+    <p:sldId id="419" r:id="rId18"/>
+    <p:sldId id="422" r:id="rId19"/>
+    <p:sldId id="408" r:id="rId20"/>
+    <p:sldId id="424" r:id="rId21"/>
+    <p:sldId id="426" r:id="rId22"/>
+    <p:sldId id="409" r:id="rId23"/>
+    <p:sldId id="427" r:id="rId24"/>
+    <p:sldId id="428" r:id="rId25"/>
+    <p:sldId id="412" r:id="rId26"/>
   </p:sldIdLst>
   <p:sldSz cx="12192000" cy="6858000"/>
   <p:notesSz cx="6858000" cy="9144000"/>
@@ -150,6 +151,7 @@
             <p14:sldId id="418"/>
             <p14:sldId id="420"/>
             <p14:sldId id="421"/>
+            <p14:sldId id="429"/>
             <p14:sldId id="419"/>
             <p14:sldId id="422"/>
             <p14:sldId id="408"/>
@@ -10549,6 +10551,414 @@
             </a:pPr>
             <a:r>
               <a:rPr lang="en-US" altLang="ko-KR" dirty="0" smtClean="0"/>
+              <a:t>2.3) </a:t>
+            </a:r>
+            <a:r>
+              <a:rPr lang="en-US" altLang="ko-KR" dirty="0" smtClean="0"/>
+              <a:t>Select - group by , </a:t>
+            </a:r>
+            <a:r>
+              <a:rPr lang="ko-KR" altLang="en-US" dirty="0" smtClean="0"/>
+              <a:t>그룹 함수</a:t>
+            </a:r>
+            <a:endParaRPr lang="en-US" altLang="ko-KR" dirty="0"/>
+          </a:p>
+          <a:p>
+            <a:pPr marL="0" indent="0">
+              <a:buNone/>
+            </a:pPr>
+            <a:r>
+              <a:rPr lang="ko-KR" altLang="en-US" dirty="0" smtClean="0"/>
+              <a:t>발급</a:t>
+            </a:r>
+            <a:r>
+              <a:rPr lang="ko-KR" altLang="en-US" dirty="0"/>
+              <a:t>된</a:t>
+            </a:r>
+            <a:r>
+              <a:rPr lang="ko-KR" altLang="en-US" dirty="0" smtClean="0"/>
+              <a:t> </a:t>
+            </a:r>
+            <a:r>
+              <a:rPr lang="ko-KR" altLang="en-US" dirty="0" smtClean="0"/>
+              <a:t>상품권</a:t>
+            </a:r>
+            <a:r>
+              <a:rPr lang="ko-KR" altLang="en-US" dirty="0" smtClean="0"/>
+              <a:t>의 평균 금액 출력</a:t>
+            </a:r>
+            <a:endParaRPr lang="en-US" altLang="ko-KR" dirty="0" smtClean="0"/>
+          </a:p>
+          <a:p>
+            <a:pPr marL="0" indent="0">
+              <a:buNone/>
+            </a:pPr>
+            <a:r>
+              <a:rPr lang="en-US" altLang="ko-KR" dirty="0" smtClean="0"/>
+              <a:t>Select </a:t>
+            </a:r>
+            <a:r>
+              <a:rPr lang="en-US" altLang="ko-KR" dirty="0" err="1" smtClean="0"/>
+              <a:t>avg</a:t>
+            </a:r>
+            <a:r>
+              <a:rPr lang="en-US" altLang="ko-KR" dirty="0" smtClean="0"/>
+              <a:t>(</a:t>
+            </a:r>
+            <a:r>
+              <a:rPr lang="en-US" altLang="ko-KR" dirty="0" err="1" smtClean="0"/>
+              <a:t>voucher_amount</a:t>
+            </a:r>
+            <a:r>
+              <a:rPr lang="en-US" altLang="ko-KR" dirty="0" smtClean="0"/>
+              <a:t>)</a:t>
+            </a:r>
+          </a:p>
+          <a:p>
+            <a:pPr marL="0" indent="0">
+              <a:buNone/>
+            </a:pPr>
+            <a:r>
+              <a:rPr lang="en-US" altLang="ko-KR" dirty="0"/>
+              <a:t> </a:t>
+            </a:r>
+            <a:r>
+              <a:rPr lang="en-US" altLang="ko-KR" dirty="0" smtClean="0"/>
+              <a:t> from voucher;</a:t>
+            </a:r>
+            <a:endParaRPr lang="en-US" altLang="ko-KR" dirty="0"/>
+          </a:p>
+        </p:txBody>
+      </p:sp>
+      <p:sp>
+        <p:nvSpPr>
+          <p:cNvPr id="3" name="직사각형 2"/>
+          <p:cNvSpPr/>
+          <p:nvPr/>
+        </p:nvSpPr>
+        <p:spPr>
+          <a:xfrm>
+            <a:off x="3807842" y="358710"/>
+            <a:ext cx="2622256" cy="369332"/>
+          </a:xfrm>
+          <a:prstGeom prst="rect">
+            <a:avLst/>
+          </a:prstGeom>
+        </p:spPr>
+        <p:txBody>
+          <a:bodyPr wrap="none">
+            <a:spAutoFit/>
+          </a:bodyPr>
+          <a:lstStyle/>
+          <a:p>
+            <a:r>
+              <a:rPr lang="en-US" altLang="ko-KR" dirty="0"/>
+              <a:t>2) Read : </a:t>
+            </a:r>
+            <a:r>
+              <a:rPr lang="ko-KR" altLang="en-US" dirty="0"/>
+              <a:t>조회 </a:t>
+            </a:r>
+            <a:r>
+              <a:rPr lang="en-US" altLang="ko-KR" dirty="0"/>
+              <a:t>(SELECT)</a:t>
+            </a:r>
+          </a:p>
+        </p:txBody>
+      </p:sp>
+      <p:pic>
+        <p:nvPicPr>
+          <p:cNvPr id="2" name="그림 1"/>
+          <p:cNvPicPr>
+            <a:picLocks noChangeAspect="1"/>
+          </p:cNvPicPr>
+          <p:nvPr/>
+        </p:nvPicPr>
+        <p:blipFill>
+          <a:blip r:embed="rId2"/>
+          <a:stretch>
+            <a:fillRect/>
+          </a:stretch>
+        </p:blipFill>
+        <p:spPr>
+          <a:xfrm>
+            <a:off x="6102350" y="4263121"/>
+            <a:ext cx="5379867" cy="2029614"/>
+          </a:xfrm>
+          <a:prstGeom prst="rect">
+            <a:avLst/>
+          </a:prstGeom>
+        </p:spPr>
+      </p:pic>
+    </p:spTree>
+    <p:extLst>
+      <p:ext uri="{BB962C8B-B14F-4D97-AF65-F5344CB8AC3E}">
+        <p14:creationId xmlns:p14="http://schemas.microsoft.com/office/powerpoint/2010/main" val="1159606159"/>
+      </p:ext>
+    </p:extLst>
+  </p:cSld>
+  <p:clrMapOvr>
+    <a:masterClrMapping/>
+  </p:clrMapOvr>
+</p:sld>
+</file>
+
+<file path=ppt/slides/slide16.xml><?xml version="1.0" encoding="utf-8"?>
+<p:sld xmlns:a="http://schemas.openxmlformats.org/drawingml/2006/main" xmlns:r="http://schemas.openxmlformats.org/officeDocument/2006/relationships" xmlns:p="http://schemas.openxmlformats.org/presentationml/2006/main">
+  <p:cSld>
+    <p:spTree>
+      <p:nvGrpSpPr>
+        <p:cNvPr id="1" name=""/>
+        <p:cNvGrpSpPr/>
+        <p:nvPr/>
+      </p:nvGrpSpPr>
+      <p:grpSpPr>
+        <a:xfrm>
+          <a:off x="0" y="0"/>
+          <a:ext cx="0" cy="0"/>
+          <a:chOff x="0" y="0"/>
+          <a:chExt cx="0" cy="0"/>
+        </a:xfrm>
+      </p:grpSpPr>
+      <p:sp>
+        <p:nvSpPr>
+          <p:cNvPr id="44" name="도형 17"/>
+          <p:cNvSpPr>
+            <a:spLocks/>
+          </p:cNvSpPr>
+          <p:nvPr/>
+        </p:nvSpPr>
+        <p:spPr>
+          <a:xfrm>
+            <a:off x="765868" y="316230"/>
+            <a:ext cx="1293944" cy="454292"/>
+          </a:xfrm>
+          <a:prstGeom prst="rect">
+            <a:avLst/>
+          </a:prstGeom>
+          <a:ln w="0">
+            <a:noFill/>
+            <a:prstDash/>
+          </a:ln>
+        </p:spPr>
+        <p:txBody>
+          <a:bodyPr vert="horz" wrap="none" lIns="91440" tIns="45720" rIns="91440" bIns="45720" numCol="1" anchor="t">
+            <a:spAutoFit/>
+          </a:bodyPr>
+          <a:lstStyle/>
+          <a:p>
+            <a:pPr marL="0" indent="0" latinLnBrk="0">
+              <a:lnSpc>
+                <a:spcPct val="150000"/>
+              </a:lnSpc>
+              <a:buFontTx/>
+              <a:buNone/>
+            </a:pPr>
+            <a:r>
+              <a:rPr lang="en-US" altLang="ko-KR" dirty="0">
+                <a:solidFill>
+                  <a:schemeClr val="bg1"/>
+                </a:solidFill>
+              </a:rPr>
+              <a:t>SQL CRUD</a:t>
+            </a:r>
+            <a:endParaRPr lang="ko-KR" altLang="en-US" dirty="0">
+              <a:solidFill>
+                <a:schemeClr val="bg1"/>
+              </a:solidFill>
+            </a:endParaRPr>
+          </a:p>
+        </p:txBody>
+      </p:sp>
+      <p:sp>
+        <p:nvSpPr>
+          <p:cNvPr id="7" name="내용 개체 틀 2"/>
+          <p:cNvSpPr txBox="1">
+            <a:spLocks/>
+          </p:cNvSpPr>
+          <p:nvPr/>
+        </p:nvSpPr>
+        <p:spPr>
+          <a:xfrm>
+            <a:off x="457200" y="1600200"/>
+            <a:ext cx="11290300" cy="4525963"/>
+          </a:xfrm>
+          <a:prstGeom prst="rect">
+            <a:avLst/>
+          </a:prstGeom>
+        </p:spPr>
+        <p:txBody>
+          <a:bodyPr/>
+          <a:lstStyle>
+            <a:lvl1pPr marL="228600" indent="-228600" algn="l" defTabSz="914400" rtl="0" eaLnBrk="1" latinLnBrk="1" hangingPunct="1">
+              <a:lnSpc>
+                <a:spcPct val="90000"/>
+              </a:lnSpc>
+              <a:spcBef>
+                <a:spcPts val="1000"/>
+              </a:spcBef>
+              <a:buFont typeface="Arial" panose="020B0604020202020204" pitchFamily="34" charset="0"/>
+              <a:buChar char="•"/>
+              <a:defRPr sz="2800" kern="1200">
+                <a:solidFill>
+                  <a:schemeClr val="tx1"/>
+                </a:solidFill>
+                <a:latin typeface="+mn-lt"/>
+                <a:ea typeface="+mn-ea"/>
+                <a:cs typeface="+mn-cs"/>
+              </a:defRPr>
+            </a:lvl1pPr>
+            <a:lvl2pPr marL="685800" indent="-228600" algn="l" defTabSz="914400" rtl="0" eaLnBrk="1" latinLnBrk="1" hangingPunct="1">
+              <a:lnSpc>
+                <a:spcPct val="90000"/>
+              </a:lnSpc>
+              <a:spcBef>
+                <a:spcPts val="500"/>
+              </a:spcBef>
+              <a:buFont typeface="Arial" panose="020B0604020202020204" pitchFamily="34" charset="0"/>
+              <a:buChar char="•"/>
+              <a:defRPr sz="2400" kern="1200">
+                <a:solidFill>
+                  <a:schemeClr val="tx1"/>
+                </a:solidFill>
+                <a:latin typeface="+mn-lt"/>
+                <a:ea typeface="+mn-ea"/>
+                <a:cs typeface="+mn-cs"/>
+              </a:defRPr>
+            </a:lvl2pPr>
+            <a:lvl3pPr marL="1143000" indent="-228600" algn="l" defTabSz="914400" rtl="0" eaLnBrk="1" latinLnBrk="1" hangingPunct="1">
+              <a:lnSpc>
+                <a:spcPct val="90000"/>
+              </a:lnSpc>
+              <a:spcBef>
+                <a:spcPts val="500"/>
+              </a:spcBef>
+              <a:buFont typeface="Arial" panose="020B0604020202020204" pitchFamily="34" charset="0"/>
+              <a:buChar char="•"/>
+              <a:defRPr sz="2000" kern="1200">
+                <a:solidFill>
+                  <a:schemeClr val="tx1"/>
+                </a:solidFill>
+                <a:latin typeface="+mn-lt"/>
+                <a:ea typeface="+mn-ea"/>
+                <a:cs typeface="+mn-cs"/>
+              </a:defRPr>
+            </a:lvl3pPr>
+            <a:lvl4pPr marL="1600200" indent="-228600" algn="l" defTabSz="914400" rtl="0" eaLnBrk="1" latinLnBrk="1" hangingPunct="1">
+              <a:lnSpc>
+                <a:spcPct val="90000"/>
+              </a:lnSpc>
+              <a:spcBef>
+                <a:spcPts val="500"/>
+              </a:spcBef>
+              <a:buFont typeface="Arial" panose="020B0604020202020204" pitchFamily="34" charset="0"/>
+              <a:buChar char="•"/>
+              <a:defRPr sz="1800" kern="1200">
+                <a:solidFill>
+                  <a:schemeClr val="tx1"/>
+                </a:solidFill>
+                <a:latin typeface="+mn-lt"/>
+                <a:ea typeface="+mn-ea"/>
+                <a:cs typeface="+mn-cs"/>
+              </a:defRPr>
+            </a:lvl4pPr>
+            <a:lvl5pPr marL="2057400" indent="-228600" algn="l" defTabSz="914400" rtl="0" eaLnBrk="1" latinLnBrk="1" hangingPunct="1">
+              <a:lnSpc>
+                <a:spcPct val="90000"/>
+              </a:lnSpc>
+              <a:spcBef>
+                <a:spcPts val="500"/>
+              </a:spcBef>
+              <a:buFont typeface="Arial" panose="020B0604020202020204" pitchFamily="34" charset="0"/>
+              <a:buChar char="•"/>
+              <a:defRPr sz="1800" kern="1200">
+                <a:solidFill>
+                  <a:schemeClr val="tx1"/>
+                </a:solidFill>
+                <a:latin typeface="+mn-lt"/>
+                <a:ea typeface="+mn-ea"/>
+                <a:cs typeface="+mn-cs"/>
+              </a:defRPr>
+            </a:lvl5pPr>
+            <a:lvl6pPr marL="2514600" indent="-228600" algn="l" defTabSz="914400" rtl="0" eaLnBrk="1" latinLnBrk="1" hangingPunct="1">
+              <a:lnSpc>
+                <a:spcPct val="90000"/>
+              </a:lnSpc>
+              <a:spcBef>
+                <a:spcPts val="500"/>
+              </a:spcBef>
+              <a:buFont typeface="Arial" panose="020B0604020202020204" pitchFamily="34" charset="0"/>
+              <a:buChar char="•"/>
+              <a:defRPr sz="1800" kern="1200">
+                <a:solidFill>
+                  <a:schemeClr val="tx1"/>
+                </a:solidFill>
+                <a:latin typeface="+mn-lt"/>
+                <a:ea typeface="+mn-ea"/>
+                <a:cs typeface="+mn-cs"/>
+              </a:defRPr>
+            </a:lvl6pPr>
+            <a:lvl7pPr marL="2971800" indent="-228600" algn="l" defTabSz="914400" rtl="0" eaLnBrk="1" latinLnBrk="1" hangingPunct="1">
+              <a:lnSpc>
+                <a:spcPct val="90000"/>
+              </a:lnSpc>
+              <a:spcBef>
+                <a:spcPts val="500"/>
+              </a:spcBef>
+              <a:buFont typeface="Arial" panose="020B0604020202020204" pitchFamily="34" charset="0"/>
+              <a:buChar char="•"/>
+              <a:defRPr sz="1800" kern="1200">
+                <a:solidFill>
+                  <a:schemeClr val="tx1"/>
+                </a:solidFill>
+                <a:latin typeface="+mn-lt"/>
+                <a:ea typeface="+mn-ea"/>
+                <a:cs typeface="+mn-cs"/>
+              </a:defRPr>
+            </a:lvl7pPr>
+            <a:lvl8pPr marL="3429000" indent="-228600" algn="l" defTabSz="914400" rtl="0" eaLnBrk="1" latinLnBrk="1" hangingPunct="1">
+              <a:lnSpc>
+                <a:spcPct val="90000"/>
+              </a:lnSpc>
+              <a:spcBef>
+                <a:spcPts val="500"/>
+              </a:spcBef>
+              <a:buFont typeface="Arial" panose="020B0604020202020204" pitchFamily="34" charset="0"/>
+              <a:buChar char="•"/>
+              <a:defRPr sz="1800" kern="1200">
+                <a:solidFill>
+                  <a:schemeClr val="tx1"/>
+                </a:solidFill>
+                <a:latin typeface="+mn-lt"/>
+                <a:ea typeface="+mn-ea"/>
+                <a:cs typeface="+mn-cs"/>
+              </a:defRPr>
+            </a:lvl8pPr>
+            <a:lvl9pPr marL="3886200" indent="-228600" algn="l" defTabSz="914400" rtl="0" eaLnBrk="1" latinLnBrk="1" hangingPunct="1">
+              <a:lnSpc>
+                <a:spcPct val="90000"/>
+              </a:lnSpc>
+              <a:spcBef>
+                <a:spcPts val="500"/>
+              </a:spcBef>
+              <a:buFont typeface="Arial" panose="020B0604020202020204" pitchFamily="34" charset="0"/>
+              <a:buChar char="•"/>
+              <a:defRPr sz="1800" kern="1200">
+                <a:solidFill>
+                  <a:schemeClr val="tx1"/>
+                </a:solidFill>
+                <a:latin typeface="+mn-lt"/>
+                <a:ea typeface="+mn-ea"/>
+                <a:cs typeface="+mn-cs"/>
+              </a:defRPr>
+            </a:lvl9pPr>
+          </a:lstStyle>
+          <a:p>
+            <a:pPr marL="0" indent="0">
+              <a:buNone/>
+            </a:pPr>
+            <a:r>
+              <a:rPr lang="en-US" altLang="ko-KR" dirty="0" smtClean="0"/>
               <a:t>2.4) Select - having</a:t>
             </a:r>
             <a:endParaRPr lang="en-US" altLang="ko-KR" dirty="0"/>
@@ -10715,453 +11125,6 @@
 </p:sld>
 </file>
 
-<file path=ppt/slides/slide16.xml><?xml version="1.0" encoding="utf-8"?>
-<p:sld xmlns:a="http://schemas.openxmlformats.org/drawingml/2006/main" xmlns:r="http://schemas.openxmlformats.org/officeDocument/2006/relationships" xmlns:p="http://schemas.openxmlformats.org/presentationml/2006/main">
-  <p:cSld>
-    <p:spTree>
-      <p:nvGrpSpPr>
-        <p:cNvPr id="1" name=""/>
-        <p:cNvGrpSpPr/>
-        <p:nvPr/>
-      </p:nvGrpSpPr>
-      <p:grpSpPr>
-        <a:xfrm>
-          <a:off x="0" y="0"/>
-          <a:ext cx="0" cy="0"/>
-          <a:chOff x="0" y="0"/>
-          <a:chExt cx="0" cy="0"/>
-        </a:xfrm>
-      </p:grpSpPr>
-      <p:sp>
-        <p:nvSpPr>
-          <p:cNvPr id="2" name="도형 17"/>
-          <p:cNvSpPr>
-            <a:spLocks/>
-          </p:cNvSpPr>
-          <p:nvPr/>
-        </p:nvSpPr>
-        <p:spPr>
-          <a:xfrm>
-            <a:off x="765868" y="316230"/>
-            <a:ext cx="1293944" cy="454292"/>
-          </a:xfrm>
-          <a:prstGeom prst="rect">
-            <a:avLst/>
-          </a:prstGeom>
-          <a:ln w="0">
-            <a:noFill/>
-            <a:prstDash/>
-          </a:ln>
-        </p:spPr>
-        <p:txBody>
-          <a:bodyPr vert="horz" wrap="none" lIns="91440" tIns="45720" rIns="91440" bIns="45720" numCol="1" anchor="t">
-            <a:spAutoFit/>
-          </a:bodyPr>
-          <a:lstStyle/>
-          <a:p>
-            <a:pPr marL="0" indent="0" latinLnBrk="0">
-              <a:lnSpc>
-                <a:spcPct val="150000"/>
-              </a:lnSpc>
-              <a:buFontTx/>
-              <a:buNone/>
-            </a:pPr>
-            <a:r>
-              <a:rPr lang="en-US" altLang="ko-KR" dirty="0">
-                <a:solidFill>
-                  <a:schemeClr val="bg1"/>
-                </a:solidFill>
-              </a:rPr>
-              <a:t>SQL CRUD</a:t>
-            </a:r>
-            <a:endParaRPr lang="ko-KR" altLang="en-US" dirty="0">
-              <a:solidFill>
-                <a:schemeClr val="bg1"/>
-              </a:solidFill>
-            </a:endParaRPr>
-          </a:p>
-        </p:txBody>
-      </p:sp>
-      <p:sp>
-        <p:nvSpPr>
-          <p:cNvPr id="3" name="내용 개체 틀 2"/>
-          <p:cNvSpPr txBox="1">
-            <a:spLocks/>
-          </p:cNvSpPr>
-          <p:nvPr/>
-        </p:nvSpPr>
-        <p:spPr>
-          <a:xfrm>
-            <a:off x="457200" y="1600200"/>
-            <a:ext cx="11290300" cy="4525963"/>
-          </a:xfrm>
-          <a:prstGeom prst="rect">
-            <a:avLst/>
-          </a:prstGeom>
-        </p:spPr>
-        <p:txBody>
-          <a:bodyPr/>
-          <a:lstStyle>
-            <a:lvl1pPr marL="228600" indent="-228600" algn="l" defTabSz="914400" rtl="0" eaLnBrk="1" latinLnBrk="1" hangingPunct="1">
-              <a:lnSpc>
-                <a:spcPct val="90000"/>
-              </a:lnSpc>
-              <a:spcBef>
-                <a:spcPts val="1000"/>
-              </a:spcBef>
-              <a:buFont typeface="Arial" panose="020B0604020202020204" pitchFamily="34" charset="0"/>
-              <a:buChar char="•"/>
-              <a:defRPr sz="2800" kern="1200">
-                <a:solidFill>
-                  <a:schemeClr val="tx1"/>
-                </a:solidFill>
-                <a:latin typeface="+mn-lt"/>
-                <a:ea typeface="+mn-ea"/>
-                <a:cs typeface="+mn-cs"/>
-              </a:defRPr>
-            </a:lvl1pPr>
-            <a:lvl2pPr marL="685800" indent="-228600" algn="l" defTabSz="914400" rtl="0" eaLnBrk="1" latinLnBrk="1" hangingPunct="1">
-              <a:lnSpc>
-                <a:spcPct val="90000"/>
-              </a:lnSpc>
-              <a:spcBef>
-                <a:spcPts val="500"/>
-              </a:spcBef>
-              <a:buFont typeface="Arial" panose="020B0604020202020204" pitchFamily="34" charset="0"/>
-              <a:buChar char="•"/>
-              <a:defRPr sz="2400" kern="1200">
-                <a:solidFill>
-                  <a:schemeClr val="tx1"/>
-                </a:solidFill>
-                <a:latin typeface="+mn-lt"/>
-                <a:ea typeface="+mn-ea"/>
-                <a:cs typeface="+mn-cs"/>
-              </a:defRPr>
-            </a:lvl2pPr>
-            <a:lvl3pPr marL="1143000" indent="-228600" algn="l" defTabSz="914400" rtl="0" eaLnBrk="1" latinLnBrk="1" hangingPunct="1">
-              <a:lnSpc>
-                <a:spcPct val="90000"/>
-              </a:lnSpc>
-              <a:spcBef>
-                <a:spcPts val="500"/>
-              </a:spcBef>
-              <a:buFont typeface="Arial" panose="020B0604020202020204" pitchFamily="34" charset="0"/>
-              <a:buChar char="•"/>
-              <a:defRPr sz="2000" kern="1200">
-                <a:solidFill>
-                  <a:schemeClr val="tx1"/>
-                </a:solidFill>
-                <a:latin typeface="+mn-lt"/>
-                <a:ea typeface="+mn-ea"/>
-                <a:cs typeface="+mn-cs"/>
-              </a:defRPr>
-            </a:lvl3pPr>
-            <a:lvl4pPr marL="1600200" indent="-228600" algn="l" defTabSz="914400" rtl="0" eaLnBrk="1" latinLnBrk="1" hangingPunct="1">
-              <a:lnSpc>
-                <a:spcPct val="90000"/>
-              </a:lnSpc>
-              <a:spcBef>
-                <a:spcPts val="500"/>
-              </a:spcBef>
-              <a:buFont typeface="Arial" panose="020B0604020202020204" pitchFamily="34" charset="0"/>
-              <a:buChar char="•"/>
-              <a:defRPr sz="1800" kern="1200">
-                <a:solidFill>
-                  <a:schemeClr val="tx1"/>
-                </a:solidFill>
-                <a:latin typeface="+mn-lt"/>
-                <a:ea typeface="+mn-ea"/>
-                <a:cs typeface="+mn-cs"/>
-              </a:defRPr>
-            </a:lvl4pPr>
-            <a:lvl5pPr marL="2057400" indent="-228600" algn="l" defTabSz="914400" rtl="0" eaLnBrk="1" latinLnBrk="1" hangingPunct="1">
-              <a:lnSpc>
-                <a:spcPct val="90000"/>
-              </a:lnSpc>
-              <a:spcBef>
-                <a:spcPts val="500"/>
-              </a:spcBef>
-              <a:buFont typeface="Arial" panose="020B0604020202020204" pitchFamily="34" charset="0"/>
-              <a:buChar char="•"/>
-              <a:defRPr sz="1800" kern="1200">
-                <a:solidFill>
-                  <a:schemeClr val="tx1"/>
-                </a:solidFill>
-                <a:latin typeface="+mn-lt"/>
-                <a:ea typeface="+mn-ea"/>
-                <a:cs typeface="+mn-cs"/>
-              </a:defRPr>
-            </a:lvl5pPr>
-            <a:lvl6pPr marL="2514600" indent="-228600" algn="l" defTabSz="914400" rtl="0" eaLnBrk="1" latinLnBrk="1" hangingPunct="1">
-              <a:lnSpc>
-                <a:spcPct val="90000"/>
-              </a:lnSpc>
-              <a:spcBef>
-                <a:spcPts val="500"/>
-              </a:spcBef>
-              <a:buFont typeface="Arial" panose="020B0604020202020204" pitchFamily="34" charset="0"/>
-              <a:buChar char="•"/>
-              <a:defRPr sz="1800" kern="1200">
-                <a:solidFill>
-                  <a:schemeClr val="tx1"/>
-                </a:solidFill>
-                <a:latin typeface="+mn-lt"/>
-                <a:ea typeface="+mn-ea"/>
-                <a:cs typeface="+mn-cs"/>
-              </a:defRPr>
-            </a:lvl6pPr>
-            <a:lvl7pPr marL="2971800" indent="-228600" algn="l" defTabSz="914400" rtl="0" eaLnBrk="1" latinLnBrk="1" hangingPunct="1">
-              <a:lnSpc>
-                <a:spcPct val="90000"/>
-              </a:lnSpc>
-              <a:spcBef>
-                <a:spcPts val="500"/>
-              </a:spcBef>
-              <a:buFont typeface="Arial" panose="020B0604020202020204" pitchFamily="34" charset="0"/>
-              <a:buChar char="•"/>
-              <a:defRPr sz="1800" kern="1200">
-                <a:solidFill>
-                  <a:schemeClr val="tx1"/>
-                </a:solidFill>
-                <a:latin typeface="+mn-lt"/>
-                <a:ea typeface="+mn-ea"/>
-                <a:cs typeface="+mn-cs"/>
-              </a:defRPr>
-            </a:lvl7pPr>
-            <a:lvl8pPr marL="3429000" indent="-228600" algn="l" defTabSz="914400" rtl="0" eaLnBrk="1" latinLnBrk="1" hangingPunct="1">
-              <a:lnSpc>
-                <a:spcPct val="90000"/>
-              </a:lnSpc>
-              <a:spcBef>
-                <a:spcPts val="500"/>
-              </a:spcBef>
-              <a:buFont typeface="Arial" panose="020B0604020202020204" pitchFamily="34" charset="0"/>
-              <a:buChar char="•"/>
-              <a:defRPr sz="1800" kern="1200">
-                <a:solidFill>
-                  <a:schemeClr val="tx1"/>
-                </a:solidFill>
-                <a:latin typeface="+mn-lt"/>
-                <a:ea typeface="+mn-ea"/>
-                <a:cs typeface="+mn-cs"/>
-              </a:defRPr>
-            </a:lvl8pPr>
-            <a:lvl9pPr marL="3886200" indent="-228600" algn="l" defTabSz="914400" rtl="0" eaLnBrk="1" latinLnBrk="1" hangingPunct="1">
-              <a:lnSpc>
-                <a:spcPct val="90000"/>
-              </a:lnSpc>
-              <a:spcBef>
-                <a:spcPts val="500"/>
-              </a:spcBef>
-              <a:buFont typeface="Arial" panose="020B0604020202020204" pitchFamily="34" charset="0"/>
-              <a:buChar char="•"/>
-              <a:defRPr sz="1800" kern="1200">
-                <a:solidFill>
-                  <a:schemeClr val="tx1"/>
-                </a:solidFill>
-                <a:latin typeface="+mn-lt"/>
-                <a:ea typeface="+mn-ea"/>
-                <a:cs typeface="+mn-cs"/>
-              </a:defRPr>
-            </a:lvl9pPr>
-          </a:lstStyle>
-          <a:p>
-            <a:pPr marL="0" indent="0">
-              <a:buNone/>
-            </a:pPr>
-            <a:r>
-              <a:rPr lang="ko-KR" altLang="en-US" dirty="0" smtClean="0"/>
-              <a:t>실습 </a:t>
-            </a:r>
-            <a:r>
-              <a:rPr lang="en-US" altLang="ko-KR" dirty="0"/>
-              <a:t>4</a:t>
-            </a:r>
-            <a:r>
-              <a:rPr lang="en-US" altLang="ko-KR" dirty="0" smtClean="0"/>
-              <a:t>. </a:t>
-            </a:r>
-            <a:r>
-              <a:rPr lang="ko-KR" altLang="en-US" dirty="0" smtClean="0"/>
-              <a:t>상품권발급대장 내용 중 가장 낮은 금액들의 총 합계를 출력 하시오</a:t>
-            </a:r>
-            <a:r>
-              <a:rPr lang="en-US" altLang="ko-KR" dirty="0" smtClean="0"/>
-              <a:t>.</a:t>
-            </a:r>
-          </a:p>
-          <a:p>
-            <a:pPr marL="0" indent="0">
-              <a:buNone/>
-            </a:pPr>
-            <a:endParaRPr lang="en-US" altLang="ko-KR" dirty="0"/>
-          </a:p>
-          <a:p>
-            <a:pPr marL="0" indent="0">
-              <a:buNone/>
-            </a:pPr>
-            <a:r>
-              <a:rPr lang="ko-KR" altLang="en-US" dirty="0" smtClean="0"/>
-              <a:t>실습 </a:t>
-            </a:r>
-            <a:r>
-              <a:rPr lang="en-US" altLang="ko-KR" dirty="0"/>
-              <a:t>5</a:t>
-            </a:r>
-            <a:r>
-              <a:rPr lang="en-US" altLang="ko-KR" dirty="0" smtClean="0"/>
-              <a:t>. </a:t>
-            </a:r>
-            <a:r>
-              <a:rPr lang="ko-KR" altLang="en-US" dirty="0" smtClean="0"/>
-              <a:t>상품권을 많이 받은 순서대로 </a:t>
-            </a:r>
-            <a:r>
-              <a:rPr lang="ko-KR" altLang="en-US" dirty="0" err="1" smtClean="0"/>
-              <a:t>출력하시오</a:t>
-            </a:r>
-            <a:r>
-              <a:rPr lang="en-US" altLang="ko-KR" dirty="0" smtClean="0"/>
-              <a:t>.(</a:t>
-            </a:r>
-            <a:r>
-              <a:rPr lang="ko-KR" altLang="en-US" dirty="0" smtClean="0"/>
-              <a:t>상품권의 개수만</a:t>
-            </a:r>
-            <a:r>
-              <a:rPr lang="en-US" altLang="ko-KR" dirty="0" smtClean="0"/>
-              <a:t>)</a:t>
-            </a:r>
-          </a:p>
-          <a:p>
-            <a:pPr marL="0" indent="0">
-              <a:buNone/>
-            </a:pPr>
-            <a:endParaRPr lang="en-US" altLang="ko-KR" dirty="0"/>
-          </a:p>
-          <a:p>
-            <a:pPr marL="0" indent="0">
-              <a:buNone/>
-            </a:pPr>
-            <a:r>
-              <a:rPr lang="ko-KR" altLang="en-US" dirty="0" smtClean="0"/>
-              <a:t>실습 </a:t>
-            </a:r>
-            <a:r>
-              <a:rPr lang="en-US" altLang="ko-KR" dirty="0"/>
-              <a:t>6</a:t>
-            </a:r>
-            <a:r>
-              <a:rPr lang="en-US" altLang="ko-KR" dirty="0" smtClean="0"/>
-              <a:t>. </a:t>
-            </a:r>
-            <a:r>
-              <a:rPr lang="ko-KR" altLang="en-US" dirty="0" smtClean="0"/>
-              <a:t>고객관리대장 중 </a:t>
-            </a:r>
-            <a:r>
-              <a:rPr lang="ko-KR" altLang="en-US" dirty="0" err="1" smtClean="0"/>
-              <a:t>고객등급의</a:t>
-            </a:r>
-            <a:r>
-              <a:rPr lang="ko-KR" altLang="en-US" dirty="0" smtClean="0"/>
-              <a:t> 종류를 출력 하시오</a:t>
-            </a:r>
-            <a:r>
-              <a:rPr lang="en-US" altLang="ko-KR" dirty="0" smtClean="0"/>
-              <a:t>.</a:t>
-            </a:r>
-          </a:p>
-          <a:p>
-            <a:pPr marL="0" indent="0">
-              <a:buNone/>
-            </a:pPr>
-            <a:endParaRPr lang="en-US" altLang="ko-KR" dirty="0"/>
-          </a:p>
-          <a:p>
-            <a:pPr marL="0" indent="0">
-              <a:buNone/>
-            </a:pPr>
-            <a:r>
-              <a:rPr lang="ko-KR" altLang="en-US" dirty="0" smtClean="0"/>
-              <a:t>실습 </a:t>
-            </a:r>
-            <a:r>
-              <a:rPr lang="en-US" altLang="ko-KR" dirty="0"/>
-              <a:t>7</a:t>
-            </a:r>
-            <a:r>
-              <a:rPr lang="en-US" altLang="ko-KR" dirty="0" smtClean="0"/>
-              <a:t>. </a:t>
-            </a:r>
-            <a:r>
-              <a:rPr lang="ko-KR" altLang="en-US" dirty="0" smtClean="0"/>
-              <a:t>고객관리대장 중 </a:t>
-            </a:r>
-            <a:r>
-              <a:rPr lang="ko-KR" altLang="en-US" dirty="0" err="1" smtClean="0"/>
-              <a:t>고객등급별</a:t>
-            </a:r>
-            <a:r>
-              <a:rPr lang="ko-KR" altLang="en-US" dirty="0" smtClean="0"/>
-              <a:t> 고객 수를 출력 하시오</a:t>
-            </a:r>
-            <a:r>
-              <a:rPr lang="en-US" altLang="ko-KR" dirty="0" smtClean="0"/>
-              <a:t>.</a:t>
-            </a:r>
-          </a:p>
-          <a:p>
-            <a:pPr marL="0" indent="0">
-              <a:buNone/>
-            </a:pPr>
-            <a:endParaRPr lang="en-US" altLang="ko-KR" dirty="0"/>
-          </a:p>
-          <a:p>
-            <a:pPr marL="0" indent="0">
-              <a:buNone/>
-            </a:pPr>
-            <a:r>
-              <a:rPr lang="ko-KR" altLang="en-US" dirty="0" smtClean="0"/>
-              <a:t>실습 </a:t>
-            </a:r>
-            <a:r>
-              <a:rPr lang="en-US" altLang="ko-KR" dirty="0" smtClean="0"/>
-              <a:t>8. </a:t>
-            </a:r>
-            <a:r>
-              <a:rPr lang="ko-KR" altLang="en-US" dirty="0" smtClean="0"/>
-              <a:t>고객관리대장 중 같은 나이가 </a:t>
-            </a:r>
-            <a:r>
-              <a:rPr lang="en-US" altLang="ko-KR" dirty="0" smtClean="0"/>
-              <a:t>2</a:t>
-            </a:r>
-            <a:r>
-              <a:rPr lang="ko-KR" altLang="en-US" dirty="0" smtClean="0"/>
-              <a:t>명 이상인 나이를 출력 하시오</a:t>
-            </a:r>
-            <a:r>
-              <a:rPr lang="en-US" altLang="ko-KR" dirty="0" smtClean="0"/>
-              <a:t>.</a:t>
-            </a:r>
-            <a:endParaRPr lang="en-US" altLang="ko-KR" dirty="0"/>
-          </a:p>
-        </p:txBody>
-      </p:sp>
-    </p:spTree>
-    <p:extLst>
-      <p:ext uri="{BB962C8B-B14F-4D97-AF65-F5344CB8AC3E}">
-        <p14:creationId xmlns:p14="http://schemas.microsoft.com/office/powerpoint/2010/main" val="784779482"/>
-      </p:ext>
-    </p:extLst>
-  </p:cSld>
-  <p:clrMapOvr>
-    <a:masterClrMapping/>
-  </p:clrMapOvr>
-</p:sld>
-</file>
-
 <file path=ppt/slides/slide17.xml><?xml version="1.0" encoding="utf-8"?>
 <p:sld xmlns:a="http://schemas.openxmlformats.org/drawingml/2006/main" xmlns:r="http://schemas.openxmlformats.org/officeDocument/2006/relationships" xmlns:p="http://schemas.openxmlformats.org/presentationml/2006/main">
   <p:cSld>
@@ -11181,7 +11144,7 @@
       </p:grpSpPr>
       <p:sp>
         <p:nvSpPr>
-          <p:cNvPr id="44" name="도형 17"/>
+          <p:cNvPr id="2" name="도형 17"/>
           <p:cNvSpPr>
             <a:spLocks/>
           </p:cNvSpPr>
@@ -11231,6 +11194,453 @@
       </p:sp>
       <p:sp>
         <p:nvSpPr>
+          <p:cNvPr id="3" name="내용 개체 틀 2"/>
+          <p:cNvSpPr txBox="1">
+            <a:spLocks/>
+          </p:cNvSpPr>
+          <p:nvPr/>
+        </p:nvSpPr>
+        <p:spPr>
+          <a:xfrm>
+            <a:off x="457200" y="1600200"/>
+            <a:ext cx="11290300" cy="4525963"/>
+          </a:xfrm>
+          <a:prstGeom prst="rect">
+            <a:avLst/>
+          </a:prstGeom>
+        </p:spPr>
+        <p:txBody>
+          <a:bodyPr/>
+          <a:lstStyle>
+            <a:lvl1pPr marL="228600" indent="-228600" algn="l" defTabSz="914400" rtl="0" eaLnBrk="1" latinLnBrk="1" hangingPunct="1">
+              <a:lnSpc>
+                <a:spcPct val="90000"/>
+              </a:lnSpc>
+              <a:spcBef>
+                <a:spcPts val="1000"/>
+              </a:spcBef>
+              <a:buFont typeface="Arial" panose="020B0604020202020204" pitchFamily="34" charset="0"/>
+              <a:buChar char="•"/>
+              <a:defRPr sz="2800" kern="1200">
+                <a:solidFill>
+                  <a:schemeClr val="tx1"/>
+                </a:solidFill>
+                <a:latin typeface="+mn-lt"/>
+                <a:ea typeface="+mn-ea"/>
+                <a:cs typeface="+mn-cs"/>
+              </a:defRPr>
+            </a:lvl1pPr>
+            <a:lvl2pPr marL="685800" indent="-228600" algn="l" defTabSz="914400" rtl="0" eaLnBrk="1" latinLnBrk="1" hangingPunct="1">
+              <a:lnSpc>
+                <a:spcPct val="90000"/>
+              </a:lnSpc>
+              <a:spcBef>
+                <a:spcPts val="500"/>
+              </a:spcBef>
+              <a:buFont typeface="Arial" panose="020B0604020202020204" pitchFamily="34" charset="0"/>
+              <a:buChar char="•"/>
+              <a:defRPr sz="2400" kern="1200">
+                <a:solidFill>
+                  <a:schemeClr val="tx1"/>
+                </a:solidFill>
+                <a:latin typeface="+mn-lt"/>
+                <a:ea typeface="+mn-ea"/>
+                <a:cs typeface="+mn-cs"/>
+              </a:defRPr>
+            </a:lvl2pPr>
+            <a:lvl3pPr marL="1143000" indent="-228600" algn="l" defTabSz="914400" rtl="0" eaLnBrk="1" latinLnBrk="1" hangingPunct="1">
+              <a:lnSpc>
+                <a:spcPct val="90000"/>
+              </a:lnSpc>
+              <a:spcBef>
+                <a:spcPts val="500"/>
+              </a:spcBef>
+              <a:buFont typeface="Arial" panose="020B0604020202020204" pitchFamily="34" charset="0"/>
+              <a:buChar char="•"/>
+              <a:defRPr sz="2000" kern="1200">
+                <a:solidFill>
+                  <a:schemeClr val="tx1"/>
+                </a:solidFill>
+                <a:latin typeface="+mn-lt"/>
+                <a:ea typeface="+mn-ea"/>
+                <a:cs typeface="+mn-cs"/>
+              </a:defRPr>
+            </a:lvl3pPr>
+            <a:lvl4pPr marL="1600200" indent="-228600" algn="l" defTabSz="914400" rtl="0" eaLnBrk="1" latinLnBrk="1" hangingPunct="1">
+              <a:lnSpc>
+                <a:spcPct val="90000"/>
+              </a:lnSpc>
+              <a:spcBef>
+                <a:spcPts val="500"/>
+              </a:spcBef>
+              <a:buFont typeface="Arial" panose="020B0604020202020204" pitchFamily="34" charset="0"/>
+              <a:buChar char="•"/>
+              <a:defRPr sz="1800" kern="1200">
+                <a:solidFill>
+                  <a:schemeClr val="tx1"/>
+                </a:solidFill>
+                <a:latin typeface="+mn-lt"/>
+                <a:ea typeface="+mn-ea"/>
+                <a:cs typeface="+mn-cs"/>
+              </a:defRPr>
+            </a:lvl4pPr>
+            <a:lvl5pPr marL="2057400" indent="-228600" algn="l" defTabSz="914400" rtl="0" eaLnBrk="1" latinLnBrk="1" hangingPunct="1">
+              <a:lnSpc>
+                <a:spcPct val="90000"/>
+              </a:lnSpc>
+              <a:spcBef>
+                <a:spcPts val="500"/>
+              </a:spcBef>
+              <a:buFont typeface="Arial" panose="020B0604020202020204" pitchFamily="34" charset="0"/>
+              <a:buChar char="•"/>
+              <a:defRPr sz="1800" kern="1200">
+                <a:solidFill>
+                  <a:schemeClr val="tx1"/>
+                </a:solidFill>
+                <a:latin typeface="+mn-lt"/>
+                <a:ea typeface="+mn-ea"/>
+                <a:cs typeface="+mn-cs"/>
+              </a:defRPr>
+            </a:lvl5pPr>
+            <a:lvl6pPr marL="2514600" indent="-228600" algn="l" defTabSz="914400" rtl="0" eaLnBrk="1" latinLnBrk="1" hangingPunct="1">
+              <a:lnSpc>
+                <a:spcPct val="90000"/>
+              </a:lnSpc>
+              <a:spcBef>
+                <a:spcPts val="500"/>
+              </a:spcBef>
+              <a:buFont typeface="Arial" panose="020B0604020202020204" pitchFamily="34" charset="0"/>
+              <a:buChar char="•"/>
+              <a:defRPr sz="1800" kern="1200">
+                <a:solidFill>
+                  <a:schemeClr val="tx1"/>
+                </a:solidFill>
+                <a:latin typeface="+mn-lt"/>
+                <a:ea typeface="+mn-ea"/>
+                <a:cs typeface="+mn-cs"/>
+              </a:defRPr>
+            </a:lvl6pPr>
+            <a:lvl7pPr marL="2971800" indent="-228600" algn="l" defTabSz="914400" rtl="0" eaLnBrk="1" latinLnBrk="1" hangingPunct="1">
+              <a:lnSpc>
+                <a:spcPct val="90000"/>
+              </a:lnSpc>
+              <a:spcBef>
+                <a:spcPts val="500"/>
+              </a:spcBef>
+              <a:buFont typeface="Arial" panose="020B0604020202020204" pitchFamily="34" charset="0"/>
+              <a:buChar char="•"/>
+              <a:defRPr sz="1800" kern="1200">
+                <a:solidFill>
+                  <a:schemeClr val="tx1"/>
+                </a:solidFill>
+                <a:latin typeface="+mn-lt"/>
+                <a:ea typeface="+mn-ea"/>
+                <a:cs typeface="+mn-cs"/>
+              </a:defRPr>
+            </a:lvl7pPr>
+            <a:lvl8pPr marL="3429000" indent="-228600" algn="l" defTabSz="914400" rtl="0" eaLnBrk="1" latinLnBrk="1" hangingPunct="1">
+              <a:lnSpc>
+                <a:spcPct val="90000"/>
+              </a:lnSpc>
+              <a:spcBef>
+                <a:spcPts val="500"/>
+              </a:spcBef>
+              <a:buFont typeface="Arial" panose="020B0604020202020204" pitchFamily="34" charset="0"/>
+              <a:buChar char="•"/>
+              <a:defRPr sz="1800" kern="1200">
+                <a:solidFill>
+                  <a:schemeClr val="tx1"/>
+                </a:solidFill>
+                <a:latin typeface="+mn-lt"/>
+                <a:ea typeface="+mn-ea"/>
+                <a:cs typeface="+mn-cs"/>
+              </a:defRPr>
+            </a:lvl8pPr>
+            <a:lvl9pPr marL="3886200" indent="-228600" algn="l" defTabSz="914400" rtl="0" eaLnBrk="1" latinLnBrk="1" hangingPunct="1">
+              <a:lnSpc>
+                <a:spcPct val="90000"/>
+              </a:lnSpc>
+              <a:spcBef>
+                <a:spcPts val="500"/>
+              </a:spcBef>
+              <a:buFont typeface="Arial" panose="020B0604020202020204" pitchFamily="34" charset="0"/>
+              <a:buChar char="•"/>
+              <a:defRPr sz="1800" kern="1200">
+                <a:solidFill>
+                  <a:schemeClr val="tx1"/>
+                </a:solidFill>
+                <a:latin typeface="+mn-lt"/>
+                <a:ea typeface="+mn-ea"/>
+                <a:cs typeface="+mn-cs"/>
+              </a:defRPr>
+            </a:lvl9pPr>
+          </a:lstStyle>
+          <a:p>
+            <a:pPr marL="0" indent="0">
+              <a:buNone/>
+            </a:pPr>
+            <a:r>
+              <a:rPr lang="ko-KR" altLang="en-US" dirty="0" smtClean="0"/>
+              <a:t>실습 </a:t>
+            </a:r>
+            <a:r>
+              <a:rPr lang="en-US" altLang="ko-KR" dirty="0"/>
+              <a:t>4</a:t>
+            </a:r>
+            <a:r>
+              <a:rPr lang="en-US" altLang="ko-KR" dirty="0" smtClean="0"/>
+              <a:t>. </a:t>
+            </a:r>
+            <a:r>
+              <a:rPr lang="ko-KR" altLang="en-US" dirty="0" smtClean="0"/>
+              <a:t>상품권발급대장 내용 중 가장 낮은 금액들의 총 합계를 출력 하시오</a:t>
+            </a:r>
+            <a:r>
+              <a:rPr lang="en-US" altLang="ko-KR" dirty="0" smtClean="0"/>
+              <a:t>.</a:t>
+            </a:r>
+          </a:p>
+          <a:p>
+            <a:pPr marL="0" indent="0">
+              <a:buNone/>
+            </a:pPr>
+            <a:endParaRPr lang="en-US" altLang="ko-KR" dirty="0"/>
+          </a:p>
+          <a:p>
+            <a:pPr marL="0" indent="0">
+              <a:buNone/>
+            </a:pPr>
+            <a:r>
+              <a:rPr lang="ko-KR" altLang="en-US" dirty="0" smtClean="0"/>
+              <a:t>실습 </a:t>
+            </a:r>
+            <a:r>
+              <a:rPr lang="en-US" altLang="ko-KR" dirty="0"/>
+              <a:t>5</a:t>
+            </a:r>
+            <a:r>
+              <a:rPr lang="en-US" altLang="ko-KR" dirty="0" smtClean="0"/>
+              <a:t>. </a:t>
+            </a:r>
+            <a:r>
+              <a:rPr lang="ko-KR" altLang="en-US" dirty="0" smtClean="0"/>
+              <a:t>상품권을 많이 받은 순서대로 </a:t>
+            </a:r>
+            <a:r>
+              <a:rPr lang="ko-KR" altLang="en-US" dirty="0" err="1" smtClean="0"/>
+              <a:t>출력하시오</a:t>
+            </a:r>
+            <a:r>
+              <a:rPr lang="en-US" altLang="ko-KR" dirty="0" smtClean="0"/>
+              <a:t>.(</a:t>
+            </a:r>
+            <a:r>
+              <a:rPr lang="ko-KR" altLang="en-US" dirty="0" smtClean="0"/>
+              <a:t>상품권의 개수만</a:t>
+            </a:r>
+            <a:r>
+              <a:rPr lang="en-US" altLang="ko-KR" dirty="0" smtClean="0"/>
+              <a:t>)</a:t>
+            </a:r>
+          </a:p>
+          <a:p>
+            <a:pPr marL="0" indent="0">
+              <a:buNone/>
+            </a:pPr>
+            <a:endParaRPr lang="en-US" altLang="ko-KR" dirty="0"/>
+          </a:p>
+          <a:p>
+            <a:pPr marL="0" indent="0">
+              <a:buNone/>
+            </a:pPr>
+            <a:r>
+              <a:rPr lang="ko-KR" altLang="en-US" dirty="0" smtClean="0"/>
+              <a:t>실습 </a:t>
+            </a:r>
+            <a:r>
+              <a:rPr lang="en-US" altLang="ko-KR" dirty="0"/>
+              <a:t>6</a:t>
+            </a:r>
+            <a:r>
+              <a:rPr lang="en-US" altLang="ko-KR" dirty="0" smtClean="0"/>
+              <a:t>. </a:t>
+            </a:r>
+            <a:r>
+              <a:rPr lang="ko-KR" altLang="en-US" dirty="0" smtClean="0"/>
+              <a:t>고객관리대장 중 </a:t>
+            </a:r>
+            <a:r>
+              <a:rPr lang="ko-KR" altLang="en-US" dirty="0" err="1" smtClean="0"/>
+              <a:t>고객등급의</a:t>
+            </a:r>
+            <a:r>
+              <a:rPr lang="ko-KR" altLang="en-US" dirty="0" smtClean="0"/>
+              <a:t> 종류를 출력 하시오</a:t>
+            </a:r>
+            <a:r>
+              <a:rPr lang="en-US" altLang="ko-KR" dirty="0" smtClean="0"/>
+              <a:t>.</a:t>
+            </a:r>
+          </a:p>
+          <a:p>
+            <a:pPr marL="0" indent="0">
+              <a:buNone/>
+            </a:pPr>
+            <a:endParaRPr lang="en-US" altLang="ko-KR" dirty="0"/>
+          </a:p>
+          <a:p>
+            <a:pPr marL="0" indent="0">
+              <a:buNone/>
+            </a:pPr>
+            <a:r>
+              <a:rPr lang="ko-KR" altLang="en-US" dirty="0" smtClean="0"/>
+              <a:t>실습 </a:t>
+            </a:r>
+            <a:r>
+              <a:rPr lang="en-US" altLang="ko-KR" dirty="0"/>
+              <a:t>7</a:t>
+            </a:r>
+            <a:r>
+              <a:rPr lang="en-US" altLang="ko-KR" dirty="0" smtClean="0"/>
+              <a:t>. </a:t>
+            </a:r>
+            <a:r>
+              <a:rPr lang="ko-KR" altLang="en-US" dirty="0" smtClean="0"/>
+              <a:t>고객관리대장 중 </a:t>
+            </a:r>
+            <a:r>
+              <a:rPr lang="ko-KR" altLang="en-US" dirty="0" err="1" smtClean="0"/>
+              <a:t>고객등급별</a:t>
+            </a:r>
+            <a:r>
+              <a:rPr lang="ko-KR" altLang="en-US" dirty="0" smtClean="0"/>
+              <a:t> 고객 수를 출력 하시오</a:t>
+            </a:r>
+            <a:r>
+              <a:rPr lang="en-US" altLang="ko-KR" dirty="0" smtClean="0"/>
+              <a:t>.</a:t>
+            </a:r>
+          </a:p>
+          <a:p>
+            <a:pPr marL="0" indent="0">
+              <a:buNone/>
+            </a:pPr>
+            <a:endParaRPr lang="en-US" altLang="ko-KR" dirty="0"/>
+          </a:p>
+          <a:p>
+            <a:pPr marL="0" indent="0">
+              <a:buNone/>
+            </a:pPr>
+            <a:r>
+              <a:rPr lang="ko-KR" altLang="en-US" dirty="0" smtClean="0"/>
+              <a:t>실습 </a:t>
+            </a:r>
+            <a:r>
+              <a:rPr lang="en-US" altLang="ko-KR" dirty="0" smtClean="0"/>
+              <a:t>8. </a:t>
+            </a:r>
+            <a:r>
+              <a:rPr lang="ko-KR" altLang="en-US" dirty="0" smtClean="0"/>
+              <a:t>고객관리대장 중 같은 나이가 </a:t>
+            </a:r>
+            <a:r>
+              <a:rPr lang="en-US" altLang="ko-KR" dirty="0" smtClean="0"/>
+              <a:t>2</a:t>
+            </a:r>
+            <a:r>
+              <a:rPr lang="ko-KR" altLang="en-US" dirty="0" smtClean="0"/>
+              <a:t>명 이상인 나이를 출력 하시오</a:t>
+            </a:r>
+            <a:r>
+              <a:rPr lang="en-US" altLang="ko-KR" dirty="0" smtClean="0"/>
+              <a:t>.</a:t>
+            </a:r>
+            <a:endParaRPr lang="en-US" altLang="ko-KR" dirty="0"/>
+          </a:p>
+        </p:txBody>
+      </p:sp>
+    </p:spTree>
+    <p:extLst>
+      <p:ext uri="{BB962C8B-B14F-4D97-AF65-F5344CB8AC3E}">
+        <p14:creationId xmlns:p14="http://schemas.microsoft.com/office/powerpoint/2010/main" val="784779482"/>
+      </p:ext>
+    </p:extLst>
+  </p:cSld>
+  <p:clrMapOvr>
+    <a:masterClrMapping/>
+  </p:clrMapOvr>
+</p:sld>
+</file>
+
+<file path=ppt/slides/slide18.xml><?xml version="1.0" encoding="utf-8"?>
+<p:sld xmlns:a="http://schemas.openxmlformats.org/drawingml/2006/main" xmlns:r="http://schemas.openxmlformats.org/officeDocument/2006/relationships" xmlns:p="http://schemas.openxmlformats.org/presentationml/2006/main">
+  <p:cSld>
+    <p:spTree>
+      <p:nvGrpSpPr>
+        <p:cNvPr id="1" name=""/>
+        <p:cNvGrpSpPr/>
+        <p:nvPr/>
+      </p:nvGrpSpPr>
+      <p:grpSpPr>
+        <a:xfrm>
+          <a:off x="0" y="0"/>
+          <a:ext cx="0" cy="0"/>
+          <a:chOff x="0" y="0"/>
+          <a:chExt cx="0" cy="0"/>
+        </a:xfrm>
+      </p:grpSpPr>
+      <p:sp>
+        <p:nvSpPr>
+          <p:cNvPr id="44" name="도형 17"/>
+          <p:cNvSpPr>
+            <a:spLocks/>
+          </p:cNvSpPr>
+          <p:nvPr/>
+        </p:nvSpPr>
+        <p:spPr>
+          <a:xfrm>
+            <a:off x="765868" y="316230"/>
+            <a:ext cx="1293944" cy="454292"/>
+          </a:xfrm>
+          <a:prstGeom prst="rect">
+            <a:avLst/>
+          </a:prstGeom>
+          <a:ln w="0">
+            <a:noFill/>
+            <a:prstDash/>
+          </a:ln>
+        </p:spPr>
+        <p:txBody>
+          <a:bodyPr vert="horz" wrap="none" lIns="91440" tIns="45720" rIns="91440" bIns="45720" numCol="1" anchor="t">
+            <a:spAutoFit/>
+          </a:bodyPr>
+          <a:lstStyle/>
+          <a:p>
+            <a:pPr marL="0" indent="0" latinLnBrk="0">
+              <a:lnSpc>
+                <a:spcPct val="150000"/>
+              </a:lnSpc>
+              <a:buFontTx/>
+              <a:buNone/>
+            </a:pPr>
+            <a:r>
+              <a:rPr lang="en-US" altLang="ko-KR" dirty="0">
+                <a:solidFill>
+                  <a:schemeClr val="bg1"/>
+                </a:solidFill>
+              </a:rPr>
+              <a:t>SQL CRUD</a:t>
+            </a:r>
+            <a:endParaRPr lang="ko-KR" altLang="en-US" dirty="0">
+              <a:solidFill>
+                <a:schemeClr val="bg1"/>
+              </a:solidFill>
+            </a:endParaRPr>
+          </a:p>
+        </p:txBody>
+      </p:sp>
+      <p:sp>
+        <p:nvSpPr>
           <p:cNvPr id="7" name="내용 개체 틀 2"/>
           <p:cNvSpPr txBox="1">
             <a:spLocks/>
@@ -11523,7 +11933,7 @@
 </p:sld>
 </file>
 
-<file path=ppt/slides/slide18.xml><?xml version="1.0" encoding="utf-8"?>
+<file path=ppt/slides/slide19.xml><?xml version="1.0" encoding="utf-8"?>
 <p:sld xmlns:a="http://schemas.openxmlformats.org/drawingml/2006/main" xmlns:r="http://schemas.openxmlformats.org/officeDocument/2006/relationships" xmlns:p="http://schemas.openxmlformats.org/presentationml/2006/main">
   <p:cSld>
     <p:spTree>
@@ -11908,369 +12318,6 @@
 </p:sld>
 </file>
 
-<file path=ppt/slides/slide19.xml><?xml version="1.0" encoding="utf-8"?>
-<p:sld xmlns:a="http://schemas.openxmlformats.org/drawingml/2006/main" xmlns:r="http://schemas.openxmlformats.org/officeDocument/2006/relationships" xmlns:p="http://schemas.openxmlformats.org/presentationml/2006/main">
-  <p:cSld>
-    <p:spTree>
-      <p:nvGrpSpPr>
-        <p:cNvPr id="1" name=""/>
-        <p:cNvGrpSpPr/>
-        <p:nvPr/>
-      </p:nvGrpSpPr>
-      <p:grpSpPr>
-        <a:xfrm>
-          <a:off x="0" y="0"/>
-          <a:ext cx="0" cy="0"/>
-          <a:chOff x="0" y="0"/>
-          <a:chExt cx="0" cy="0"/>
-        </a:xfrm>
-      </p:grpSpPr>
-      <p:sp>
-        <p:nvSpPr>
-          <p:cNvPr id="2" name="도형 17"/>
-          <p:cNvSpPr>
-            <a:spLocks/>
-          </p:cNvSpPr>
-          <p:nvPr/>
-        </p:nvSpPr>
-        <p:spPr>
-          <a:xfrm>
-            <a:off x="765868" y="316230"/>
-            <a:ext cx="1293944" cy="454292"/>
-          </a:xfrm>
-          <a:prstGeom prst="rect">
-            <a:avLst/>
-          </a:prstGeom>
-          <a:ln w="0">
-            <a:noFill/>
-            <a:prstDash/>
-          </a:ln>
-        </p:spPr>
-        <p:txBody>
-          <a:bodyPr vert="horz" wrap="none" lIns="91440" tIns="45720" rIns="91440" bIns="45720" numCol="1" anchor="t">
-            <a:spAutoFit/>
-          </a:bodyPr>
-          <a:lstStyle/>
-          <a:p>
-            <a:pPr marL="0" indent="0" latinLnBrk="0">
-              <a:lnSpc>
-                <a:spcPct val="150000"/>
-              </a:lnSpc>
-              <a:buFontTx/>
-              <a:buNone/>
-            </a:pPr>
-            <a:r>
-              <a:rPr lang="en-US" altLang="ko-KR" dirty="0">
-                <a:solidFill>
-                  <a:schemeClr val="bg1"/>
-                </a:solidFill>
-              </a:rPr>
-              <a:t>SQL CRUD</a:t>
-            </a:r>
-            <a:endParaRPr lang="ko-KR" altLang="en-US" dirty="0">
-              <a:solidFill>
-                <a:schemeClr val="bg1"/>
-              </a:solidFill>
-            </a:endParaRPr>
-          </a:p>
-        </p:txBody>
-      </p:sp>
-      <p:sp>
-        <p:nvSpPr>
-          <p:cNvPr id="3" name="내용 개체 틀 2"/>
-          <p:cNvSpPr txBox="1">
-            <a:spLocks/>
-          </p:cNvSpPr>
-          <p:nvPr/>
-        </p:nvSpPr>
-        <p:spPr>
-          <a:xfrm>
-            <a:off x="457200" y="1600200"/>
-            <a:ext cx="11290300" cy="4525963"/>
-          </a:xfrm>
-          <a:prstGeom prst="rect">
-            <a:avLst/>
-          </a:prstGeom>
-        </p:spPr>
-        <p:txBody>
-          <a:bodyPr/>
-          <a:lstStyle>
-            <a:lvl1pPr marL="228600" indent="-228600" algn="l" defTabSz="914400" rtl="0" eaLnBrk="1" latinLnBrk="1" hangingPunct="1">
-              <a:lnSpc>
-                <a:spcPct val="90000"/>
-              </a:lnSpc>
-              <a:spcBef>
-                <a:spcPts val="1000"/>
-              </a:spcBef>
-              <a:buFont typeface="Arial" panose="020B0604020202020204" pitchFamily="34" charset="0"/>
-              <a:buChar char="•"/>
-              <a:defRPr sz="2800" kern="1200">
-                <a:solidFill>
-                  <a:schemeClr val="tx1"/>
-                </a:solidFill>
-                <a:latin typeface="+mn-lt"/>
-                <a:ea typeface="+mn-ea"/>
-                <a:cs typeface="+mn-cs"/>
-              </a:defRPr>
-            </a:lvl1pPr>
-            <a:lvl2pPr marL="685800" indent="-228600" algn="l" defTabSz="914400" rtl="0" eaLnBrk="1" latinLnBrk="1" hangingPunct="1">
-              <a:lnSpc>
-                <a:spcPct val="90000"/>
-              </a:lnSpc>
-              <a:spcBef>
-                <a:spcPts val="500"/>
-              </a:spcBef>
-              <a:buFont typeface="Arial" panose="020B0604020202020204" pitchFamily="34" charset="0"/>
-              <a:buChar char="•"/>
-              <a:defRPr sz="2400" kern="1200">
-                <a:solidFill>
-                  <a:schemeClr val="tx1"/>
-                </a:solidFill>
-                <a:latin typeface="+mn-lt"/>
-                <a:ea typeface="+mn-ea"/>
-                <a:cs typeface="+mn-cs"/>
-              </a:defRPr>
-            </a:lvl2pPr>
-            <a:lvl3pPr marL="1143000" indent="-228600" algn="l" defTabSz="914400" rtl="0" eaLnBrk="1" latinLnBrk="1" hangingPunct="1">
-              <a:lnSpc>
-                <a:spcPct val="90000"/>
-              </a:lnSpc>
-              <a:spcBef>
-                <a:spcPts val="500"/>
-              </a:spcBef>
-              <a:buFont typeface="Arial" panose="020B0604020202020204" pitchFamily="34" charset="0"/>
-              <a:buChar char="•"/>
-              <a:defRPr sz="2000" kern="1200">
-                <a:solidFill>
-                  <a:schemeClr val="tx1"/>
-                </a:solidFill>
-                <a:latin typeface="+mn-lt"/>
-                <a:ea typeface="+mn-ea"/>
-                <a:cs typeface="+mn-cs"/>
-              </a:defRPr>
-            </a:lvl3pPr>
-            <a:lvl4pPr marL="1600200" indent="-228600" algn="l" defTabSz="914400" rtl="0" eaLnBrk="1" latinLnBrk="1" hangingPunct="1">
-              <a:lnSpc>
-                <a:spcPct val="90000"/>
-              </a:lnSpc>
-              <a:spcBef>
-                <a:spcPts val="500"/>
-              </a:spcBef>
-              <a:buFont typeface="Arial" panose="020B0604020202020204" pitchFamily="34" charset="0"/>
-              <a:buChar char="•"/>
-              <a:defRPr sz="1800" kern="1200">
-                <a:solidFill>
-                  <a:schemeClr val="tx1"/>
-                </a:solidFill>
-                <a:latin typeface="+mn-lt"/>
-                <a:ea typeface="+mn-ea"/>
-                <a:cs typeface="+mn-cs"/>
-              </a:defRPr>
-            </a:lvl4pPr>
-            <a:lvl5pPr marL="2057400" indent="-228600" algn="l" defTabSz="914400" rtl="0" eaLnBrk="1" latinLnBrk="1" hangingPunct="1">
-              <a:lnSpc>
-                <a:spcPct val="90000"/>
-              </a:lnSpc>
-              <a:spcBef>
-                <a:spcPts val="500"/>
-              </a:spcBef>
-              <a:buFont typeface="Arial" panose="020B0604020202020204" pitchFamily="34" charset="0"/>
-              <a:buChar char="•"/>
-              <a:defRPr sz="1800" kern="1200">
-                <a:solidFill>
-                  <a:schemeClr val="tx1"/>
-                </a:solidFill>
-                <a:latin typeface="+mn-lt"/>
-                <a:ea typeface="+mn-ea"/>
-                <a:cs typeface="+mn-cs"/>
-              </a:defRPr>
-            </a:lvl5pPr>
-            <a:lvl6pPr marL="2514600" indent="-228600" algn="l" defTabSz="914400" rtl="0" eaLnBrk="1" latinLnBrk="1" hangingPunct="1">
-              <a:lnSpc>
-                <a:spcPct val="90000"/>
-              </a:lnSpc>
-              <a:spcBef>
-                <a:spcPts val="500"/>
-              </a:spcBef>
-              <a:buFont typeface="Arial" panose="020B0604020202020204" pitchFamily="34" charset="0"/>
-              <a:buChar char="•"/>
-              <a:defRPr sz="1800" kern="1200">
-                <a:solidFill>
-                  <a:schemeClr val="tx1"/>
-                </a:solidFill>
-                <a:latin typeface="+mn-lt"/>
-                <a:ea typeface="+mn-ea"/>
-                <a:cs typeface="+mn-cs"/>
-              </a:defRPr>
-            </a:lvl6pPr>
-            <a:lvl7pPr marL="2971800" indent="-228600" algn="l" defTabSz="914400" rtl="0" eaLnBrk="1" latinLnBrk="1" hangingPunct="1">
-              <a:lnSpc>
-                <a:spcPct val="90000"/>
-              </a:lnSpc>
-              <a:spcBef>
-                <a:spcPts val="500"/>
-              </a:spcBef>
-              <a:buFont typeface="Arial" panose="020B0604020202020204" pitchFamily="34" charset="0"/>
-              <a:buChar char="•"/>
-              <a:defRPr sz="1800" kern="1200">
-                <a:solidFill>
-                  <a:schemeClr val="tx1"/>
-                </a:solidFill>
-                <a:latin typeface="+mn-lt"/>
-                <a:ea typeface="+mn-ea"/>
-                <a:cs typeface="+mn-cs"/>
-              </a:defRPr>
-            </a:lvl7pPr>
-            <a:lvl8pPr marL="3429000" indent="-228600" algn="l" defTabSz="914400" rtl="0" eaLnBrk="1" latinLnBrk="1" hangingPunct="1">
-              <a:lnSpc>
-                <a:spcPct val="90000"/>
-              </a:lnSpc>
-              <a:spcBef>
-                <a:spcPts val="500"/>
-              </a:spcBef>
-              <a:buFont typeface="Arial" panose="020B0604020202020204" pitchFamily="34" charset="0"/>
-              <a:buChar char="•"/>
-              <a:defRPr sz="1800" kern="1200">
-                <a:solidFill>
-                  <a:schemeClr val="tx1"/>
-                </a:solidFill>
-                <a:latin typeface="+mn-lt"/>
-                <a:ea typeface="+mn-ea"/>
-                <a:cs typeface="+mn-cs"/>
-              </a:defRPr>
-            </a:lvl8pPr>
-            <a:lvl9pPr marL="3886200" indent="-228600" algn="l" defTabSz="914400" rtl="0" eaLnBrk="1" latinLnBrk="1" hangingPunct="1">
-              <a:lnSpc>
-                <a:spcPct val="90000"/>
-              </a:lnSpc>
-              <a:spcBef>
-                <a:spcPts val="500"/>
-              </a:spcBef>
-              <a:buFont typeface="Arial" panose="020B0604020202020204" pitchFamily="34" charset="0"/>
-              <a:buChar char="•"/>
-              <a:defRPr sz="1800" kern="1200">
-                <a:solidFill>
-                  <a:schemeClr val="tx1"/>
-                </a:solidFill>
-                <a:latin typeface="+mn-lt"/>
-                <a:ea typeface="+mn-ea"/>
-                <a:cs typeface="+mn-cs"/>
-              </a:defRPr>
-            </a:lvl9pPr>
-          </a:lstStyle>
-          <a:p>
-            <a:pPr marL="0" indent="0">
-              <a:buNone/>
-            </a:pPr>
-            <a:r>
-              <a:rPr lang="ko-KR" altLang="en-US" dirty="0" smtClean="0"/>
-              <a:t>실습 </a:t>
-            </a:r>
-            <a:r>
-              <a:rPr lang="en-US" altLang="ko-KR" dirty="0" smtClean="0"/>
-              <a:t>9. </a:t>
-            </a:r>
-            <a:r>
-              <a:rPr lang="ko-KR" altLang="en-US" dirty="0" smtClean="0"/>
-              <a:t>고객관리대장의 </a:t>
-            </a:r>
-            <a:r>
-              <a:rPr lang="en-US" altLang="ko-KR" dirty="0" err="1" smtClean="0"/>
-              <a:t>c_id</a:t>
-            </a:r>
-            <a:r>
-              <a:rPr lang="en-US" altLang="ko-KR" dirty="0" smtClean="0"/>
-              <a:t> =22 </a:t>
-            </a:r>
-            <a:r>
-              <a:rPr lang="ko-KR" altLang="en-US" dirty="0" smtClean="0"/>
-              <a:t>의 </a:t>
-            </a:r>
-            <a:r>
-              <a:rPr lang="en-US" altLang="ko-KR" dirty="0" smtClean="0"/>
-              <a:t>level </a:t>
-            </a:r>
-            <a:r>
-              <a:rPr lang="ko-KR" altLang="en-US" dirty="0" smtClean="0"/>
-              <a:t>을 </a:t>
-            </a:r>
-            <a:r>
-              <a:rPr lang="en-US" altLang="ko-KR" dirty="0" smtClean="0"/>
-              <a:t>GREEN</a:t>
-            </a:r>
-            <a:r>
-              <a:rPr lang="ko-KR" altLang="en-US" dirty="0" smtClean="0"/>
-              <a:t>으로 변경 하시오</a:t>
-            </a:r>
-            <a:r>
-              <a:rPr lang="en-US" altLang="ko-KR" dirty="0" smtClean="0"/>
-              <a:t>.</a:t>
-            </a:r>
-          </a:p>
-          <a:p>
-            <a:pPr marL="0" indent="0">
-              <a:buNone/>
-            </a:pPr>
-            <a:endParaRPr lang="en-US" altLang="ko-KR" dirty="0"/>
-          </a:p>
-          <a:p>
-            <a:pPr marL="0" indent="0">
-              <a:buNone/>
-            </a:pPr>
-            <a:r>
-              <a:rPr lang="ko-KR" altLang="en-US" dirty="0" smtClean="0"/>
-              <a:t>실습 </a:t>
-            </a:r>
-            <a:r>
-              <a:rPr lang="en-US" altLang="ko-KR" dirty="0" smtClean="0"/>
-              <a:t>10. </a:t>
-            </a:r>
-            <a:r>
-              <a:rPr lang="ko-KR" altLang="en-US" dirty="0" smtClean="0"/>
-              <a:t>고객관리대장의 등급 중 </a:t>
-            </a:r>
-            <a:r>
-              <a:rPr lang="en-US" altLang="ko-KR" dirty="0" smtClean="0"/>
-              <a:t>BLACK</a:t>
-            </a:r>
-            <a:r>
-              <a:rPr lang="ko-KR" altLang="en-US" dirty="0" smtClean="0"/>
-              <a:t>를 </a:t>
-            </a:r>
-            <a:r>
-              <a:rPr lang="en-US" altLang="ko-KR" dirty="0" smtClean="0"/>
-              <a:t>WHITE</a:t>
-            </a:r>
-            <a:r>
-              <a:rPr lang="ko-KR" altLang="en-US" dirty="0" smtClean="0"/>
-              <a:t>로 변경 하시오</a:t>
-            </a:r>
-            <a:r>
-              <a:rPr lang="en-US" altLang="ko-KR" dirty="0" smtClean="0"/>
-              <a:t>.</a:t>
-            </a:r>
-          </a:p>
-          <a:p>
-            <a:pPr marL="0" indent="0">
-              <a:buNone/>
-            </a:pPr>
-            <a:endParaRPr lang="en-US" altLang="ko-KR" dirty="0"/>
-          </a:p>
-        </p:txBody>
-      </p:sp>
-    </p:spTree>
-    <p:extLst>
-      <p:ext uri="{BB962C8B-B14F-4D97-AF65-F5344CB8AC3E}">
-        <p14:creationId xmlns:p14="http://schemas.microsoft.com/office/powerpoint/2010/main" val="3189188132"/>
-      </p:ext>
-    </p:extLst>
-  </p:cSld>
-  <p:clrMapOvr>
-    <a:masterClrMapping/>
-  </p:clrMapOvr>
-</p:sld>
-</file>
-
 <file path=ppt/slides/slide2.xml><?xml version="1.0" encoding="utf-8"?>
 <p:sld xmlns:a="http://schemas.openxmlformats.org/drawingml/2006/main" xmlns:r="http://schemas.openxmlformats.org/officeDocument/2006/relationships" xmlns:p="http://schemas.openxmlformats.org/presentationml/2006/main">
   <p:cSld>
@@ -12627,7 +12674,7 @@
       </p:grpSpPr>
       <p:sp>
         <p:nvSpPr>
-          <p:cNvPr id="44" name="도형 17"/>
+          <p:cNvPr id="2" name="도형 17"/>
           <p:cNvSpPr>
             <a:spLocks/>
           </p:cNvSpPr>
@@ -12677,7 +12724,7 @@
       </p:sp>
       <p:sp>
         <p:nvSpPr>
-          <p:cNvPr id="7" name="내용 개체 틀 2"/>
+          <p:cNvPr id="3" name="내용 개체 틀 2"/>
           <p:cNvSpPr txBox="1">
             <a:spLocks/>
           </p:cNvSpPr>
@@ -12863,78 +12910,96 @@
               <a:buNone/>
             </a:pPr>
             <a:r>
-              <a:rPr lang="en-US" altLang="ko-KR" dirty="0"/>
-              <a:t>4) Delete : </a:t>
-            </a:r>
-            <a:r>
-              <a:rPr lang="ko-KR" altLang="en-US" dirty="0"/>
-              <a:t>삭제 </a:t>
-            </a:r>
-            <a:r>
-              <a:rPr lang="en-US" altLang="ko-KR" dirty="0"/>
-              <a:t>(DELETE)</a:t>
+              <a:rPr lang="ko-KR" altLang="en-US" dirty="0" smtClean="0"/>
+              <a:t>실습 </a:t>
+            </a:r>
+            <a:r>
+              <a:rPr lang="en-US" altLang="ko-KR" dirty="0" smtClean="0"/>
+              <a:t>9. </a:t>
+            </a:r>
+            <a:r>
+              <a:rPr lang="ko-KR" altLang="en-US" dirty="0" smtClean="0"/>
+              <a:t>고객관리대장의 </a:t>
+            </a:r>
+            <a:r>
+              <a:rPr lang="en-US" altLang="ko-KR" dirty="0" err="1" smtClean="0"/>
+              <a:t>c_id</a:t>
+            </a:r>
+            <a:r>
+              <a:rPr lang="en-US" altLang="ko-KR" dirty="0" smtClean="0"/>
+              <a:t> =22 </a:t>
+            </a:r>
+            <a:r>
+              <a:rPr lang="ko-KR" altLang="en-US" dirty="0" smtClean="0"/>
+              <a:t>의 </a:t>
+            </a:r>
+            <a:r>
+              <a:rPr lang="en-US" altLang="ko-KR" dirty="0" smtClean="0"/>
+              <a:t>level </a:t>
+            </a:r>
+            <a:r>
+              <a:rPr lang="ko-KR" altLang="en-US" dirty="0" smtClean="0"/>
+              <a:t>을 </a:t>
+            </a:r>
+            <a:r>
+              <a:rPr lang="en-US" altLang="ko-KR" dirty="0" smtClean="0"/>
+              <a:t>GREEN</a:t>
+            </a:r>
+            <a:r>
+              <a:rPr lang="ko-KR" altLang="en-US" dirty="0" smtClean="0"/>
+              <a:t>으로 변경 하시오</a:t>
+            </a:r>
+            <a:r>
+              <a:rPr lang="en-US" altLang="ko-KR" dirty="0" smtClean="0"/>
+              <a:t>.</a:t>
             </a:r>
           </a:p>
           <a:p>
             <a:pPr marL="0" indent="0">
               <a:buNone/>
             </a:pPr>
-            <a:r>
-              <a:rPr lang="en-US" altLang="ko-KR" sz="2400" dirty="0"/>
-              <a:t>   - </a:t>
-            </a:r>
-            <a:r>
-              <a:rPr lang="ko-KR" altLang="en-US" sz="2400" dirty="0"/>
-              <a:t>테이블에 저장된 내용을 삭제 하는 명령어</a:t>
-            </a:r>
-            <a:endParaRPr lang="en-US" altLang="ko-KR" sz="2400" dirty="0"/>
-          </a:p>
-          <a:p>
-            <a:pPr marL="457200" indent="-457200">
-              <a:lnSpc>
-                <a:spcPct val="150000"/>
-              </a:lnSpc>
-              <a:buFont typeface="Arial" panose="020B0604020202020204" pitchFamily="34" charset="0"/>
-              <a:buChar char="•"/>
-            </a:pPr>
-            <a:r>
-              <a:rPr lang="ko-KR" altLang="en-US" sz="2800" dirty="0"/>
-              <a:t>기본유형</a:t>
-            </a:r>
-            <a:endParaRPr lang="en-US" altLang="ko-KR" sz="2800" dirty="0"/>
-          </a:p>
-          <a:p>
-            <a:pPr marL="800100" lvl="1" indent="-342900">
-              <a:lnSpc>
-                <a:spcPct val="150000"/>
-              </a:lnSpc>
-              <a:buFont typeface="Arial" panose="020B0604020202020204" pitchFamily="34" charset="0"/>
-              <a:buChar char="•"/>
-            </a:pPr>
-            <a:r>
-              <a:rPr lang="en-US" altLang="ko-KR" sz="2400" dirty="0"/>
-              <a:t>Delete from </a:t>
-            </a:r>
-            <a:r>
-              <a:rPr lang="ko-KR" altLang="en-US" sz="2400" dirty="0"/>
-              <a:t>테이블명 </a:t>
-            </a:r>
-            <a:r>
-              <a:rPr lang="en-US" altLang="ko-KR" sz="2400" dirty="0"/>
-              <a:t>where </a:t>
-            </a:r>
-            <a:r>
-              <a:rPr lang="ko-KR" altLang="en-US" sz="2400" dirty="0"/>
-              <a:t>조건</a:t>
-            </a:r>
-            <a:r>
-              <a:rPr lang="en-US" altLang="ko-KR" sz="2400" dirty="0"/>
-              <a:t>;</a:t>
-            </a:r>
-          </a:p>
-          <a:p>
-            <a:pPr marL="514350" indent="-514350">
-              <a:buAutoNum type="arabicParenR"/>
+            <a:endParaRPr lang="en-US" altLang="ko-KR" dirty="0"/>
+          </a:p>
+          <a:p>
+            <a:pPr marL="0" indent="0">
+              <a:buNone/>
+            </a:pPr>
+            <a:r>
+              <a:rPr lang="ko-KR" altLang="en-US" dirty="0" smtClean="0"/>
+              <a:t>실습 </a:t>
+            </a:r>
+            <a:r>
+              <a:rPr lang="en-US" altLang="ko-KR" dirty="0" smtClean="0"/>
+              <a:t>10. </a:t>
+            </a:r>
+            <a:r>
+              <a:rPr lang="ko-KR" altLang="en-US" dirty="0" smtClean="0"/>
+              <a:t>고객관리대장의 등급 중 </a:t>
+            </a:r>
+            <a:r>
+              <a:rPr lang="en-US" altLang="ko-KR" dirty="0" smtClean="0"/>
+              <a:t>BLACK</a:t>
+            </a:r>
+            <a:r>
+              <a:rPr lang="ko-KR" altLang="en-US" dirty="0" smtClean="0"/>
+              <a:t>를 </a:t>
+            </a:r>
+            <a:r>
+              <a:rPr lang="en-US" altLang="ko-KR" dirty="0" smtClean="0"/>
+              <a:t>WHITE</a:t>
+            </a:r>
+            <a:r>
+              <a:rPr lang="ko-KR" altLang="en-US" dirty="0" smtClean="0"/>
+              <a:t>로 변경 하시오</a:t>
+            </a:r>
+            <a:r>
+              <a:rPr lang="en-US" altLang="ko-KR" dirty="0" smtClean="0"/>
+              <a:t>.</a:t>
+            </a:r>
+          </a:p>
+          <a:p>
+            <a:pPr marL="0" indent="0">
+              <a:buNone/>
             </a:pPr>
             <a:endParaRPr lang="en-US" altLang="ko-KR" dirty="0"/>
           </a:p>
@@ -12943,7 +13008,7 @@
     </p:spTree>
     <p:extLst>
       <p:ext uri="{BB962C8B-B14F-4D97-AF65-F5344CB8AC3E}">
-        <p14:creationId xmlns:p14="http://schemas.microsoft.com/office/powerpoint/2010/main" val="563273446"/>
+        <p14:creationId xmlns:p14="http://schemas.microsoft.com/office/powerpoint/2010/main" val="3189188132"/>
       </p:ext>
     </p:extLst>
   </p:cSld>
@@ -13229,6 +13294,351 @@
               <a:t>   - </a:t>
             </a:r>
             <a:r>
+              <a:rPr lang="ko-KR" altLang="en-US" sz="2400" dirty="0"/>
+              <a:t>테이블에 저장된 내용을 삭제 하는 명령어</a:t>
+            </a:r>
+            <a:endParaRPr lang="en-US" altLang="ko-KR" sz="2400" dirty="0"/>
+          </a:p>
+          <a:p>
+            <a:pPr marL="457200" indent="-457200">
+              <a:lnSpc>
+                <a:spcPct val="150000"/>
+              </a:lnSpc>
+              <a:buFont typeface="Arial" panose="020B0604020202020204" pitchFamily="34" charset="0"/>
+              <a:buChar char="•"/>
+            </a:pPr>
+            <a:r>
+              <a:rPr lang="ko-KR" altLang="en-US" sz="2800" dirty="0"/>
+              <a:t>기본유형</a:t>
+            </a:r>
+            <a:endParaRPr lang="en-US" altLang="ko-KR" sz="2800" dirty="0"/>
+          </a:p>
+          <a:p>
+            <a:pPr marL="800100" lvl="1" indent="-342900">
+              <a:lnSpc>
+                <a:spcPct val="150000"/>
+              </a:lnSpc>
+              <a:buFont typeface="Arial" panose="020B0604020202020204" pitchFamily="34" charset="0"/>
+              <a:buChar char="•"/>
+            </a:pPr>
+            <a:r>
+              <a:rPr lang="en-US" altLang="ko-KR" sz="2400" dirty="0"/>
+              <a:t>Delete from </a:t>
+            </a:r>
+            <a:r>
+              <a:rPr lang="ko-KR" altLang="en-US" sz="2400" dirty="0"/>
+              <a:t>테이블명 </a:t>
+            </a:r>
+            <a:r>
+              <a:rPr lang="en-US" altLang="ko-KR" sz="2400" dirty="0"/>
+              <a:t>where </a:t>
+            </a:r>
+            <a:r>
+              <a:rPr lang="ko-KR" altLang="en-US" sz="2400" dirty="0"/>
+              <a:t>조건</a:t>
+            </a:r>
+            <a:r>
+              <a:rPr lang="en-US" altLang="ko-KR" sz="2400" dirty="0"/>
+              <a:t>;</a:t>
+            </a:r>
+          </a:p>
+          <a:p>
+            <a:pPr marL="514350" indent="-514350">
+              <a:buAutoNum type="arabicParenR"/>
+            </a:pPr>
+            <a:endParaRPr lang="en-US" altLang="ko-KR" dirty="0"/>
+          </a:p>
+        </p:txBody>
+      </p:sp>
+    </p:spTree>
+    <p:extLst>
+      <p:ext uri="{BB962C8B-B14F-4D97-AF65-F5344CB8AC3E}">
+        <p14:creationId xmlns:p14="http://schemas.microsoft.com/office/powerpoint/2010/main" val="563273446"/>
+      </p:ext>
+    </p:extLst>
+  </p:cSld>
+  <p:clrMapOvr>
+    <a:masterClrMapping/>
+  </p:clrMapOvr>
+</p:sld>
+</file>
+
+<file path=ppt/slides/slide22.xml><?xml version="1.0" encoding="utf-8"?>
+<p:sld xmlns:a="http://schemas.openxmlformats.org/drawingml/2006/main" xmlns:r="http://schemas.openxmlformats.org/officeDocument/2006/relationships" xmlns:p="http://schemas.openxmlformats.org/presentationml/2006/main">
+  <p:cSld>
+    <p:spTree>
+      <p:nvGrpSpPr>
+        <p:cNvPr id="1" name=""/>
+        <p:cNvGrpSpPr/>
+        <p:nvPr/>
+      </p:nvGrpSpPr>
+      <p:grpSpPr>
+        <a:xfrm>
+          <a:off x="0" y="0"/>
+          <a:ext cx="0" cy="0"/>
+          <a:chOff x="0" y="0"/>
+          <a:chExt cx="0" cy="0"/>
+        </a:xfrm>
+      </p:grpSpPr>
+      <p:sp>
+        <p:nvSpPr>
+          <p:cNvPr id="44" name="도형 17"/>
+          <p:cNvSpPr>
+            <a:spLocks/>
+          </p:cNvSpPr>
+          <p:nvPr/>
+        </p:nvSpPr>
+        <p:spPr>
+          <a:xfrm>
+            <a:off x="765868" y="316230"/>
+            <a:ext cx="1293944" cy="454292"/>
+          </a:xfrm>
+          <a:prstGeom prst="rect">
+            <a:avLst/>
+          </a:prstGeom>
+          <a:ln w="0">
+            <a:noFill/>
+            <a:prstDash/>
+          </a:ln>
+        </p:spPr>
+        <p:txBody>
+          <a:bodyPr vert="horz" wrap="none" lIns="91440" tIns="45720" rIns="91440" bIns="45720" numCol="1" anchor="t">
+            <a:spAutoFit/>
+          </a:bodyPr>
+          <a:lstStyle/>
+          <a:p>
+            <a:pPr marL="0" indent="0" latinLnBrk="0">
+              <a:lnSpc>
+                <a:spcPct val="150000"/>
+              </a:lnSpc>
+              <a:buFontTx/>
+              <a:buNone/>
+            </a:pPr>
+            <a:r>
+              <a:rPr lang="en-US" altLang="ko-KR" dirty="0">
+                <a:solidFill>
+                  <a:schemeClr val="bg1"/>
+                </a:solidFill>
+              </a:rPr>
+              <a:t>SQL CRUD</a:t>
+            </a:r>
+            <a:endParaRPr lang="ko-KR" altLang="en-US" dirty="0">
+              <a:solidFill>
+                <a:schemeClr val="bg1"/>
+              </a:solidFill>
+            </a:endParaRPr>
+          </a:p>
+        </p:txBody>
+      </p:sp>
+      <p:sp>
+        <p:nvSpPr>
+          <p:cNvPr id="7" name="내용 개체 틀 2"/>
+          <p:cNvSpPr txBox="1">
+            <a:spLocks/>
+          </p:cNvSpPr>
+          <p:nvPr/>
+        </p:nvSpPr>
+        <p:spPr>
+          <a:xfrm>
+            <a:off x="457200" y="1600200"/>
+            <a:ext cx="11290300" cy="4525963"/>
+          </a:xfrm>
+          <a:prstGeom prst="rect">
+            <a:avLst/>
+          </a:prstGeom>
+        </p:spPr>
+        <p:txBody>
+          <a:bodyPr/>
+          <a:lstStyle>
+            <a:lvl1pPr marL="228600" indent="-228600" algn="l" defTabSz="914400" rtl="0" eaLnBrk="1" latinLnBrk="1" hangingPunct="1">
+              <a:lnSpc>
+                <a:spcPct val="90000"/>
+              </a:lnSpc>
+              <a:spcBef>
+                <a:spcPts val="1000"/>
+              </a:spcBef>
+              <a:buFont typeface="Arial" panose="020B0604020202020204" pitchFamily="34" charset="0"/>
+              <a:buChar char="•"/>
+              <a:defRPr sz="2800" kern="1200">
+                <a:solidFill>
+                  <a:schemeClr val="tx1"/>
+                </a:solidFill>
+                <a:latin typeface="+mn-lt"/>
+                <a:ea typeface="+mn-ea"/>
+                <a:cs typeface="+mn-cs"/>
+              </a:defRPr>
+            </a:lvl1pPr>
+            <a:lvl2pPr marL="685800" indent="-228600" algn="l" defTabSz="914400" rtl="0" eaLnBrk="1" latinLnBrk="1" hangingPunct="1">
+              <a:lnSpc>
+                <a:spcPct val="90000"/>
+              </a:lnSpc>
+              <a:spcBef>
+                <a:spcPts val="500"/>
+              </a:spcBef>
+              <a:buFont typeface="Arial" panose="020B0604020202020204" pitchFamily="34" charset="0"/>
+              <a:buChar char="•"/>
+              <a:defRPr sz="2400" kern="1200">
+                <a:solidFill>
+                  <a:schemeClr val="tx1"/>
+                </a:solidFill>
+                <a:latin typeface="+mn-lt"/>
+                <a:ea typeface="+mn-ea"/>
+                <a:cs typeface="+mn-cs"/>
+              </a:defRPr>
+            </a:lvl2pPr>
+            <a:lvl3pPr marL="1143000" indent="-228600" algn="l" defTabSz="914400" rtl="0" eaLnBrk="1" latinLnBrk="1" hangingPunct="1">
+              <a:lnSpc>
+                <a:spcPct val="90000"/>
+              </a:lnSpc>
+              <a:spcBef>
+                <a:spcPts val="500"/>
+              </a:spcBef>
+              <a:buFont typeface="Arial" panose="020B0604020202020204" pitchFamily="34" charset="0"/>
+              <a:buChar char="•"/>
+              <a:defRPr sz="2000" kern="1200">
+                <a:solidFill>
+                  <a:schemeClr val="tx1"/>
+                </a:solidFill>
+                <a:latin typeface="+mn-lt"/>
+                <a:ea typeface="+mn-ea"/>
+                <a:cs typeface="+mn-cs"/>
+              </a:defRPr>
+            </a:lvl3pPr>
+            <a:lvl4pPr marL="1600200" indent="-228600" algn="l" defTabSz="914400" rtl="0" eaLnBrk="1" latinLnBrk="1" hangingPunct="1">
+              <a:lnSpc>
+                <a:spcPct val="90000"/>
+              </a:lnSpc>
+              <a:spcBef>
+                <a:spcPts val="500"/>
+              </a:spcBef>
+              <a:buFont typeface="Arial" panose="020B0604020202020204" pitchFamily="34" charset="0"/>
+              <a:buChar char="•"/>
+              <a:defRPr sz="1800" kern="1200">
+                <a:solidFill>
+                  <a:schemeClr val="tx1"/>
+                </a:solidFill>
+                <a:latin typeface="+mn-lt"/>
+                <a:ea typeface="+mn-ea"/>
+                <a:cs typeface="+mn-cs"/>
+              </a:defRPr>
+            </a:lvl4pPr>
+            <a:lvl5pPr marL="2057400" indent="-228600" algn="l" defTabSz="914400" rtl="0" eaLnBrk="1" latinLnBrk="1" hangingPunct="1">
+              <a:lnSpc>
+                <a:spcPct val="90000"/>
+              </a:lnSpc>
+              <a:spcBef>
+                <a:spcPts val="500"/>
+              </a:spcBef>
+              <a:buFont typeface="Arial" panose="020B0604020202020204" pitchFamily="34" charset="0"/>
+              <a:buChar char="•"/>
+              <a:defRPr sz="1800" kern="1200">
+                <a:solidFill>
+                  <a:schemeClr val="tx1"/>
+                </a:solidFill>
+                <a:latin typeface="+mn-lt"/>
+                <a:ea typeface="+mn-ea"/>
+                <a:cs typeface="+mn-cs"/>
+              </a:defRPr>
+            </a:lvl5pPr>
+            <a:lvl6pPr marL="2514600" indent="-228600" algn="l" defTabSz="914400" rtl="0" eaLnBrk="1" latinLnBrk="1" hangingPunct="1">
+              <a:lnSpc>
+                <a:spcPct val="90000"/>
+              </a:lnSpc>
+              <a:spcBef>
+                <a:spcPts val="500"/>
+              </a:spcBef>
+              <a:buFont typeface="Arial" panose="020B0604020202020204" pitchFamily="34" charset="0"/>
+              <a:buChar char="•"/>
+              <a:defRPr sz="1800" kern="1200">
+                <a:solidFill>
+                  <a:schemeClr val="tx1"/>
+                </a:solidFill>
+                <a:latin typeface="+mn-lt"/>
+                <a:ea typeface="+mn-ea"/>
+                <a:cs typeface="+mn-cs"/>
+              </a:defRPr>
+            </a:lvl6pPr>
+            <a:lvl7pPr marL="2971800" indent="-228600" algn="l" defTabSz="914400" rtl="0" eaLnBrk="1" latinLnBrk="1" hangingPunct="1">
+              <a:lnSpc>
+                <a:spcPct val="90000"/>
+              </a:lnSpc>
+              <a:spcBef>
+                <a:spcPts val="500"/>
+              </a:spcBef>
+              <a:buFont typeface="Arial" panose="020B0604020202020204" pitchFamily="34" charset="0"/>
+              <a:buChar char="•"/>
+              <a:defRPr sz="1800" kern="1200">
+                <a:solidFill>
+                  <a:schemeClr val="tx1"/>
+                </a:solidFill>
+                <a:latin typeface="+mn-lt"/>
+                <a:ea typeface="+mn-ea"/>
+                <a:cs typeface="+mn-cs"/>
+              </a:defRPr>
+            </a:lvl7pPr>
+            <a:lvl8pPr marL="3429000" indent="-228600" algn="l" defTabSz="914400" rtl="0" eaLnBrk="1" latinLnBrk="1" hangingPunct="1">
+              <a:lnSpc>
+                <a:spcPct val="90000"/>
+              </a:lnSpc>
+              <a:spcBef>
+                <a:spcPts val="500"/>
+              </a:spcBef>
+              <a:buFont typeface="Arial" panose="020B0604020202020204" pitchFamily="34" charset="0"/>
+              <a:buChar char="•"/>
+              <a:defRPr sz="1800" kern="1200">
+                <a:solidFill>
+                  <a:schemeClr val="tx1"/>
+                </a:solidFill>
+                <a:latin typeface="+mn-lt"/>
+                <a:ea typeface="+mn-ea"/>
+                <a:cs typeface="+mn-cs"/>
+              </a:defRPr>
+            </a:lvl8pPr>
+            <a:lvl9pPr marL="3886200" indent="-228600" algn="l" defTabSz="914400" rtl="0" eaLnBrk="1" latinLnBrk="1" hangingPunct="1">
+              <a:lnSpc>
+                <a:spcPct val="90000"/>
+              </a:lnSpc>
+              <a:spcBef>
+                <a:spcPts val="500"/>
+              </a:spcBef>
+              <a:buFont typeface="Arial" panose="020B0604020202020204" pitchFamily="34" charset="0"/>
+              <a:buChar char="•"/>
+              <a:defRPr sz="1800" kern="1200">
+                <a:solidFill>
+                  <a:schemeClr val="tx1"/>
+                </a:solidFill>
+                <a:latin typeface="+mn-lt"/>
+                <a:ea typeface="+mn-ea"/>
+                <a:cs typeface="+mn-cs"/>
+              </a:defRPr>
+            </a:lvl9pPr>
+          </a:lstStyle>
+          <a:p>
+            <a:pPr marL="0" indent="0">
+              <a:buNone/>
+            </a:pPr>
+            <a:r>
+              <a:rPr lang="en-US" altLang="ko-KR" dirty="0"/>
+              <a:t>4) Delete : </a:t>
+            </a:r>
+            <a:r>
+              <a:rPr lang="ko-KR" altLang="en-US" dirty="0"/>
+              <a:t>삭제 </a:t>
+            </a:r>
+            <a:r>
+              <a:rPr lang="en-US" altLang="ko-KR" dirty="0"/>
+              <a:t>(DELETE)</a:t>
+            </a:r>
+          </a:p>
+          <a:p>
+            <a:pPr marL="0" indent="0">
+              <a:buNone/>
+            </a:pPr>
+            <a:r>
+              <a:rPr lang="en-US" altLang="ko-KR" sz="2400" dirty="0"/>
+              <a:t>   - </a:t>
+            </a:r>
+            <a:r>
               <a:rPr lang="en-US" altLang="ko-KR" sz="2400" dirty="0" smtClean="0"/>
               <a:t>delete </a:t>
             </a:r>
@@ -13254,11 +13664,7 @@
             </a:r>
             <a:r>
               <a:rPr lang="en-US" altLang="ko-KR" sz="2400" dirty="0" smtClean="0"/>
-              <a:t> = 23</a:t>
-            </a:r>
-            <a:r>
-              <a:rPr lang="en-US" altLang="ko-KR" sz="2400" dirty="0" smtClean="0"/>
-              <a:t>;</a:t>
+              <a:t> = 23;</a:t>
             </a:r>
             <a:endParaRPr lang="en-US" altLang="ko-KR" sz="2400" dirty="0"/>
           </a:p>
@@ -13307,393 +13713,6 @@
 </p:sld>
 </file>
 
-<file path=ppt/slides/slide22.xml><?xml version="1.0" encoding="utf-8"?>
-<p:sld xmlns:a="http://schemas.openxmlformats.org/drawingml/2006/main" xmlns:r="http://schemas.openxmlformats.org/officeDocument/2006/relationships" xmlns:p="http://schemas.openxmlformats.org/presentationml/2006/main">
-  <p:cSld>
-    <p:spTree>
-      <p:nvGrpSpPr>
-        <p:cNvPr id="1" name=""/>
-        <p:cNvGrpSpPr/>
-        <p:nvPr/>
-      </p:nvGrpSpPr>
-      <p:grpSpPr>
-        <a:xfrm>
-          <a:off x="0" y="0"/>
-          <a:ext cx="0" cy="0"/>
-          <a:chOff x="0" y="0"/>
-          <a:chExt cx="0" cy="0"/>
-        </a:xfrm>
-      </p:grpSpPr>
-      <p:sp>
-        <p:nvSpPr>
-          <p:cNvPr id="2" name="도형 17"/>
-          <p:cNvSpPr>
-            <a:spLocks/>
-          </p:cNvSpPr>
-          <p:nvPr/>
-        </p:nvSpPr>
-        <p:spPr>
-          <a:xfrm>
-            <a:off x="765868" y="316230"/>
-            <a:ext cx="1293944" cy="454292"/>
-          </a:xfrm>
-          <a:prstGeom prst="rect">
-            <a:avLst/>
-          </a:prstGeom>
-          <a:ln w="0">
-            <a:noFill/>
-            <a:prstDash/>
-          </a:ln>
-        </p:spPr>
-        <p:txBody>
-          <a:bodyPr vert="horz" wrap="none" lIns="91440" tIns="45720" rIns="91440" bIns="45720" numCol="1" anchor="t">
-            <a:spAutoFit/>
-          </a:bodyPr>
-          <a:lstStyle/>
-          <a:p>
-            <a:pPr marL="0" indent="0" latinLnBrk="0">
-              <a:lnSpc>
-                <a:spcPct val="150000"/>
-              </a:lnSpc>
-              <a:buFontTx/>
-              <a:buNone/>
-            </a:pPr>
-            <a:r>
-              <a:rPr lang="en-US" altLang="ko-KR" dirty="0">
-                <a:solidFill>
-                  <a:schemeClr val="bg1"/>
-                </a:solidFill>
-              </a:rPr>
-              <a:t>SQL CRUD</a:t>
-            </a:r>
-            <a:endParaRPr lang="ko-KR" altLang="en-US" dirty="0">
-              <a:solidFill>
-                <a:schemeClr val="bg1"/>
-              </a:solidFill>
-            </a:endParaRPr>
-          </a:p>
-        </p:txBody>
-      </p:sp>
-      <p:sp>
-        <p:nvSpPr>
-          <p:cNvPr id="3" name="내용 개체 틀 2"/>
-          <p:cNvSpPr txBox="1">
-            <a:spLocks/>
-          </p:cNvSpPr>
-          <p:nvPr/>
-        </p:nvSpPr>
-        <p:spPr>
-          <a:xfrm>
-            <a:off x="457200" y="1600200"/>
-            <a:ext cx="11290300" cy="4525963"/>
-          </a:xfrm>
-          <a:prstGeom prst="rect">
-            <a:avLst/>
-          </a:prstGeom>
-        </p:spPr>
-        <p:txBody>
-          <a:bodyPr/>
-          <a:lstStyle>
-            <a:lvl1pPr marL="228600" indent="-228600" algn="l" defTabSz="914400" rtl="0" eaLnBrk="1" latinLnBrk="1" hangingPunct="1">
-              <a:lnSpc>
-                <a:spcPct val="90000"/>
-              </a:lnSpc>
-              <a:spcBef>
-                <a:spcPts val="1000"/>
-              </a:spcBef>
-              <a:buFont typeface="Arial" panose="020B0604020202020204" pitchFamily="34" charset="0"/>
-              <a:buChar char="•"/>
-              <a:defRPr sz="2800" kern="1200">
-                <a:solidFill>
-                  <a:schemeClr val="tx1"/>
-                </a:solidFill>
-                <a:latin typeface="+mn-lt"/>
-                <a:ea typeface="+mn-ea"/>
-                <a:cs typeface="+mn-cs"/>
-              </a:defRPr>
-            </a:lvl1pPr>
-            <a:lvl2pPr marL="685800" indent="-228600" algn="l" defTabSz="914400" rtl="0" eaLnBrk="1" latinLnBrk="1" hangingPunct="1">
-              <a:lnSpc>
-                <a:spcPct val="90000"/>
-              </a:lnSpc>
-              <a:spcBef>
-                <a:spcPts val="500"/>
-              </a:spcBef>
-              <a:buFont typeface="Arial" panose="020B0604020202020204" pitchFamily="34" charset="0"/>
-              <a:buChar char="•"/>
-              <a:defRPr sz="2400" kern="1200">
-                <a:solidFill>
-                  <a:schemeClr val="tx1"/>
-                </a:solidFill>
-                <a:latin typeface="+mn-lt"/>
-                <a:ea typeface="+mn-ea"/>
-                <a:cs typeface="+mn-cs"/>
-              </a:defRPr>
-            </a:lvl2pPr>
-            <a:lvl3pPr marL="1143000" indent="-228600" algn="l" defTabSz="914400" rtl="0" eaLnBrk="1" latinLnBrk="1" hangingPunct="1">
-              <a:lnSpc>
-                <a:spcPct val="90000"/>
-              </a:lnSpc>
-              <a:spcBef>
-                <a:spcPts val="500"/>
-              </a:spcBef>
-              <a:buFont typeface="Arial" panose="020B0604020202020204" pitchFamily="34" charset="0"/>
-              <a:buChar char="•"/>
-              <a:defRPr sz="2000" kern="1200">
-                <a:solidFill>
-                  <a:schemeClr val="tx1"/>
-                </a:solidFill>
-                <a:latin typeface="+mn-lt"/>
-                <a:ea typeface="+mn-ea"/>
-                <a:cs typeface="+mn-cs"/>
-              </a:defRPr>
-            </a:lvl3pPr>
-            <a:lvl4pPr marL="1600200" indent="-228600" algn="l" defTabSz="914400" rtl="0" eaLnBrk="1" latinLnBrk="1" hangingPunct="1">
-              <a:lnSpc>
-                <a:spcPct val="90000"/>
-              </a:lnSpc>
-              <a:spcBef>
-                <a:spcPts val="500"/>
-              </a:spcBef>
-              <a:buFont typeface="Arial" panose="020B0604020202020204" pitchFamily="34" charset="0"/>
-              <a:buChar char="•"/>
-              <a:defRPr sz="1800" kern="1200">
-                <a:solidFill>
-                  <a:schemeClr val="tx1"/>
-                </a:solidFill>
-                <a:latin typeface="+mn-lt"/>
-                <a:ea typeface="+mn-ea"/>
-                <a:cs typeface="+mn-cs"/>
-              </a:defRPr>
-            </a:lvl4pPr>
-            <a:lvl5pPr marL="2057400" indent="-228600" algn="l" defTabSz="914400" rtl="0" eaLnBrk="1" latinLnBrk="1" hangingPunct="1">
-              <a:lnSpc>
-                <a:spcPct val="90000"/>
-              </a:lnSpc>
-              <a:spcBef>
-                <a:spcPts val="500"/>
-              </a:spcBef>
-              <a:buFont typeface="Arial" panose="020B0604020202020204" pitchFamily="34" charset="0"/>
-              <a:buChar char="•"/>
-              <a:defRPr sz="1800" kern="1200">
-                <a:solidFill>
-                  <a:schemeClr val="tx1"/>
-                </a:solidFill>
-                <a:latin typeface="+mn-lt"/>
-                <a:ea typeface="+mn-ea"/>
-                <a:cs typeface="+mn-cs"/>
-              </a:defRPr>
-            </a:lvl5pPr>
-            <a:lvl6pPr marL="2514600" indent="-228600" algn="l" defTabSz="914400" rtl="0" eaLnBrk="1" latinLnBrk="1" hangingPunct="1">
-              <a:lnSpc>
-                <a:spcPct val="90000"/>
-              </a:lnSpc>
-              <a:spcBef>
-                <a:spcPts val="500"/>
-              </a:spcBef>
-              <a:buFont typeface="Arial" panose="020B0604020202020204" pitchFamily="34" charset="0"/>
-              <a:buChar char="•"/>
-              <a:defRPr sz="1800" kern="1200">
-                <a:solidFill>
-                  <a:schemeClr val="tx1"/>
-                </a:solidFill>
-                <a:latin typeface="+mn-lt"/>
-                <a:ea typeface="+mn-ea"/>
-                <a:cs typeface="+mn-cs"/>
-              </a:defRPr>
-            </a:lvl6pPr>
-            <a:lvl7pPr marL="2971800" indent="-228600" algn="l" defTabSz="914400" rtl="0" eaLnBrk="1" latinLnBrk="1" hangingPunct="1">
-              <a:lnSpc>
-                <a:spcPct val="90000"/>
-              </a:lnSpc>
-              <a:spcBef>
-                <a:spcPts val="500"/>
-              </a:spcBef>
-              <a:buFont typeface="Arial" panose="020B0604020202020204" pitchFamily="34" charset="0"/>
-              <a:buChar char="•"/>
-              <a:defRPr sz="1800" kern="1200">
-                <a:solidFill>
-                  <a:schemeClr val="tx1"/>
-                </a:solidFill>
-                <a:latin typeface="+mn-lt"/>
-                <a:ea typeface="+mn-ea"/>
-                <a:cs typeface="+mn-cs"/>
-              </a:defRPr>
-            </a:lvl7pPr>
-            <a:lvl8pPr marL="3429000" indent="-228600" algn="l" defTabSz="914400" rtl="0" eaLnBrk="1" latinLnBrk="1" hangingPunct="1">
-              <a:lnSpc>
-                <a:spcPct val="90000"/>
-              </a:lnSpc>
-              <a:spcBef>
-                <a:spcPts val="500"/>
-              </a:spcBef>
-              <a:buFont typeface="Arial" panose="020B0604020202020204" pitchFamily="34" charset="0"/>
-              <a:buChar char="•"/>
-              <a:defRPr sz="1800" kern="1200">
-                <a:solidFill>
-                  <a:schemeClr val="tx1"/>
-                </a:solidFill>
-                <a:latin typeface="+mn-lt"/>
-                <a:ea typeface="+mn-ea"/>
-                <a:cs typeface="+mn-cs"/>
-              </a:defRPr>
-            </a:lvl8pPr>
-            <a:lvl9pPr marL="3886200" indent="-228600" algn="l" defTabSz="914400" rtl="0" eaLnBrk="1" latinLnBrk="1" hangingPunct="1">
-              <a:lnSpc>
-                <a:spcPct val="90000"/>
-              </a:lnSpc>
-              <a:spcBef>
-                <a:spcPts val="500"/>
-              </a:spcBef>
-              <a:buFont typeface="Arial" panose="020B0604020202020204" pitchFamily="34" charset="0"/>
-              <a:buChar char="•"/>
-              <a:defRPr sz="1800" kern="1200">
-                <a:solidFill>
-                  <a:schemeClr val="tx1"/>
-                </a:solidFill>
-                <a:latin typeface="+mn-lt"/>
-                <a:ea typeface="+mn-ea"/>
-                <a:cs typeface="+mn-cs"/>
-              </a:defRPr>
-            </a:lvl9pPr>
-          </a:lstStyle>
-          <a:p>
-            <a:pPr marL="0" indent="0">
-              <a:buNone/>
-            </a:pPr>
-            <a:r>
-              <a:rPr lang="ko-KR" altLang="en-US" dirty="0" smtClean="0"/>
-              <a:t>실습 </a:t>
-            </a:r>
-            <a:r>
-              <a:rPr lang="en-US" altLang="ko-KR" dirty="0" smtClean="0"/>
-              <a:t>11. </a:t>
-            </a:r>
-            <a:r>
-              <a:rPr lang="ko-KR" altLang="en-US" dirty="0" smtClean="0"/>
-              <a:t>고객관리대장의 </a:t>
-            </a:r>
-            <a:r>
-              <a:rPr lang="en-US" altLang="ko-KR" dirty="0" smtClean="0"/>
-              <a:t>‘</a:t>
-            </a:r>
-            <a:r>
-              <a:rPr lang="ko-KR" altLang="en-US" dirty="0" smtClean="0"/>
-              <a:t>무명이</a:t>
-            </a:r>
-            <a:r>
-              <a:rPr lang="en-US" altLang="ko-KR" dirty="0" smtClean="0"/>
-              <a:t>‘</a:t>
-            </a:r>
-            <a:r>
-              <a:rPr lang="ko-KR" altLang="en-US" dirty="0" smtClean="0"/>
-              <a:t>를 삭제 하시오</a:t>
-            </a:r>
-            <a:r>
-              <a:rPr lang="en-US" altLang="ko-KR" dirty="0" smtClean="0"/>
-              <a:t>.</a:t>
-            </a:r>
-          </a:p>
-          <a:p>
-            <a:pPr marL="0" indent="0">
-              <a:buNone/>
-            </a:pPr>
-            <a:endParaRPr lang="en-US" altLang="ko-KR" dirty="0"/>
-          </a:p>
-          <a:p>
-            <a:pPr marL="0" indent="0">
-              <a:buNone/>
-            </a:pPr>
-            <a:r>
-              <a:rPr lang="ko-KR" altLang="en-US" dirty="0" smtClean="0"/>
-              <a:t>실습 </a:t>
-            </a:r>
-            <a:r>
-              <a:rPr lang="en-US" altLang="ko-KR" dirty="0" smtClean="0"/>
-              <a:t>12. </a:t>
-            </a:r>
-            <a:r>
-              <a:rPr lang="ko-KR" altLang="en-US" dirty="0" smtClean="0"/>
-              <a:t>고객관리대장의 </a:t>
-            </a:r>
-            <a:r>
-              <a:rPr lang="en-US" altLang="ko-KR" dirty="0" smtClean="0"/>
-              <a:t>WHITE </a:t>
-            </a:r>
-            <a:r>
-              <a:rPr lang="ko-KR" altLang="en-US" dirty="0" smtClean="0"/>
-              <a:t>등급을 모두 삭제 하시오</a:t>
-            </a:r>
-            <a:r>
-              <a:rPr lang="en-US" altLang="ko-KR" dirty="0" smtClean="0"/>
-              <a:t>.</a:t>
-            </a:r>
-          </a:p>
-          <a:p>
-            <a:pPr marL="0" indent="0">
-              <a:buNone/>
-            </a:pPr>
-            <a:endParaRPr lang="en-US" altLang="ko-KR" dirty="0"/>
-          </a:p>
-          <a:p>
-            <a:pPr marL="0" indent="0">
-              <a:buNone/>
-            </a:pPr>
-            <a:r>
-              <a:rPr lang="ko-KR" altLang="en-US" dirty="0" smtClean="0"/>
-              <a:t>실습 </a:t>
-            </a:r>
-            <a:r>
-              <a:rPr lang="en-US" altLang="ko-KR" dirty="0" smtClean="0"/>
-              <a:t>13. </a:t>
-            </a:r>
-            <a:r>
-              <a:rPr lang="ko-KR" altLang="en-US" dirty="0" smtClean="0"/>
-              <a:t>상품권발급대장의 지급 금액을 변경 하시오</a:t>
-            </a:r>
-            <a:endParaRPr lang="en-US" altLang="ko-KR" dirty="0" smtClean="0"/>
-          </a:p>
-          <a:p>
-            <a:pPr marL="0" indent="0">
-              <a:buNone/>
-            </a:pPr>
-            <a:r>
-              <a:rPr lang="en-US" altLang="ko-KR" dirty="0"/>
-              <a:t> </a:t>
-            </a:r>
-            <a:r>
-              <a:rPr lang="en-US" altLang="ko-KR" dirty="0" smtClean="0"/>
-              <a:t>          (200000 -&gt; 300000)</a:t>
-            </a:r>
-            <a:endParaRPr lang="en-US" altLang="ko-KR" dirty="0" smtClean="0"/>
-          </a:p>
-          <a:p>
-            <a:pPr marL="0" indent="0">
-              <a:buNone/>
-            </a:pPr>
-            <a:endParaRPr lang="en-US" altLang="ko-KR" dirty="0"/>
-          </a:p>
-          <a:p>
-            <a:pPr marL="0" indent="0">
-              <a:buNone/>
-            </a:pPr>
-            <a:endParaRPr lang="en-US" altLang="ko-KR" dirty="0"/>
-          </a:p>
-        </p:txBody>
-      </p:sp>
-    </p:spTree>
-    <p:extLst>
-      <p:ext uri="{BB962C8B-B14F-4D97-AF65-F5344CB8AC3E}">
-        <p14:creationId xmlns:p14="http://schemas.microsoft.com/office/powerpoint/2010/main" val="1451357317"/>
-      </p:ext>
-    </p:extLst>
-  </p:cSld>
-  <p:clrMapOvr>
-    <a:masterClrMapping/>
-  </p:clrMapOvr>
-</p:sld>
-</file>
-
 <file path=ppt/slides/slide23.xml><?xml version="1.0" encoding="utf-8"?>
 <p:sld xmlns:a="http://schemas.openxmlformats.org/drawingml/2006/main" xmlns:r="http://schemas.openxmlformats.org/officeDocument/2006/relationships" xmlns:p="http://schemas.openxmlformats.org/presentationml/2006/main">
   <p:cSld>
@@ -13950,6 +13969,392 @@
             </a:pPr>
             <a:r>
               <a:rPr lang="ko-KR" altLang="en-US" dirty="0" smtClean="0"/>
+              <a:t>실습 </a:t>
+            </a:r>
+            <a:r>
+              <a:rPr lang="en-US" altLang="ko-KR" dirty="0" smtClean="0"/>
+              <a:t>11. </a:t>
+            </a:r>
+            <a:r>
+              <a:rPr lang="ko-KR" altLang="en-US" dirty="0" smtClean="0"/>
+              <a:t>고객관리대장의 </a:t>
+            </a:r>
+            <a:r>
+              <a:rPr lang="en-US" altLang="ko-KR" dirty="0" smtClean="0"/>
+              <a:t>‘</a:t>
+            </a:r>
+            <a:r>
+              <a:rPr lang="ko-KR" altLang="en-US" dirty="0" smtClean="0"/>
+              <a:t>무명이</a:t>
+            </a:r>
+            <a:r>
+              <a:rPr lang="en-US" altLang="ko-KR" dirty="0" smtClean="0"/>
+              <a:t>‘</a:t>
+            </a:r>
+            <a:r>
+              <a:rPr lang="ko-KR" altLang="en-US" dirty="0" smtClean="0"/>
+              <a:t>를 삭제 하시오</a:t>
+            </a:r>
+            <a:r>
+              <a:rPr lang="en-US" altLang="ko-KR" dirty="0" smtClean="0"/>
+              <a:t>.</a:t>
+            </a:r>
+          </a:p>
+          <a:p>
+            <a:pPr marL="0" indent="0">
+              <a:buNone/>
+            </a:pPr>
+            <a:endParaRPr lang="en-US" altLang="ko-KR" dirty="0"/>
+          </a:p>
+          <a:p>
+            <a:pPr marL="0" indent="0">
+              <a:buNone/>
+            </a:pPr>
+            <a:r>
+              <a:rPr lang="ko-KR" altLang="en-US" dirty="0" smtClean="0"/>
+              <a:t>실습 </a:t>
+            </a:r>
+            <a:r>
+              <a:rPr lang="en-US" altLang="ko-KR" dirty="0" smtClean="0"/>
+              <a:t>12. </a:t>
+            </a:r>
+            <a:r>
+              <a:rPr lang="ko-KR" altLang="en-US" dirty="0" smtClean="0"/>
+              <a:t>고객관리대장의 </a:t>
+            </a:r>
+            <a:r>
+              <a:rPr lang="en-US" altLang="ko-KR" dirty="0" smtClean="0"/>
+              <a:t>WHITE </a:t>
+            </a:r>
+            <a:r>
+              <a:rPr lang="ko-KR" altLang="en-US" dirty="0" smtClean="0"/>
+              <a:t>등급을 모두 삭제 하시오</a:t>
+            </a:r>
+            <a:r>
+              <a:rPr lang="en-US" altLang="ko-KR" dirty="0" smtClean="0"/>
+              <a:t>.</a:t>
+            </a:r>
+          </a:p>
+          <a:p>
+            <a:pPr marL="0" indent="0">
+              <a:buNone/>
+            </a:pPr>
+            <a:endParaRPr lang="en-US" altLang="ko-KR" dirty="0"/>
+          </a:p>
+          <a:p>
+            <a:pPr marL="0" indent="0">
+              <a:buNone/>
+            </a:pPr>
+            <a:r>
+              <a:rPr lang="ko-KR" altLang="en-US" dirty="0" smtClean="0"/>
+              <a:t>실습 </a:t>
+            </a:r>
+            <a:r>
+              <a:rPr lang="en-US" altLang="ko-KR" dirty="0" smtClean="0"/>
+              <a:t>13. </a:t>
+            </a:r>
+            <a:r>
+              <a:rPr lang="ko-KR" altLang="en-US" dirty="0" smtClean="0"/>
+              <a:t>상품권발급대장의 지급 금액을 변경 하시오</a:t>
+            </a:r>
+            <a:endParaRPr lang="en-US" altLang="ko-KR" dirty="0" smtClean="0"/>
+          </a:p>
+          <a:p>
+            <a:pPr marL="0" indent="0">
+              <a:buNone/>
+            </a:pPr>
+            <a:r>
+              <a:rPr lang="en-US" altLang="ko-KR" dirty="0"/>
+              <a:t> </a:t>
+            </a:r>
+            <a:r>
+              <a:rPr lang="en-US" altLang="ko-KR" dirty="0" smtClean="0"/>
+              <a:t>          (200000 -&gt; 300000)</a:t>
+            </a:r>
+          </a:p>
+          <a:p>
+            <a:pPr marL="0" indent="0">
+              <a:buNone/>
+            </a:pPr>
+            <a:endParaRPr lang="en-US" altLang="ko-KR" dirty="0"/>
+          </a:p>
+          <a:p>
+            <a:pPr marL="0" indent="0">
+              <a:buNone/>
+            </a:pPr>
+            <a:endParaRPr lang="en-US" altLang="ko-KR" dirty="0"/>
+          </a:p>
+        </p:txBody>
+      </p:sp>
+    </p:spTree>
+    <p:extLst>
+      <p:ext uri="{BB962C8B-B14F-4D97-AF65-F5344CB8AC3E}">
+        <p14:creationId xmlns:p14="http://schemas.microsoft.com/office/powerpoint/2010/main" val="1451357317"/>
+      </p:ext>
+    </p:extLst>
+  </p:cSld>
+  <p:clrMapOvr>
+    <a:masterClrMapping/>
+  </p:clrMapOvr>
+</p:sld>
+</file>
+
+<file path=ppt/slides/slide24.xml><?xml version="1.0" encoding="utf-8"?>
+<p:sld xmlns:a="http://schemas.openxmlformats.org/drawingml/2006/main" xmlns:r="http://schemas.openxmlformats.org/officeDocument/2006/relationships" xmlns:p="http://schemas.openxmlformats.org/presentationml/2006/main">
+  <p:cSld>
+    <p:spTree>
+      <p:nvGrpSpPr>
+        <p:cNvPr id="1" name=""/>
+        <p:cNvGrpSpPr/>
+        <p:nvPr/>
+      </p:nvGrpSpPr>
+      <p:grpSpPr>
+        <a:xfrm>
+          <a:off x="0" y="0"/>
+          <a:ext cx="0" cy="0"/>
+          <a:chOff x="0" y="0"/>
+          <a:chExt cx="0" cy="0"/>
+        </a:xfrm>
+      </p:grpSpPr>
+      <p:sp>
+        <p:nvSpPr>
+          <p:cNvPr id="2" name="도형 17"/>
+          <p:cNvSpPr>
+            <a:spLocks/>
+          </p:cNvSpPr>
+          <p:nvPr/>
+        </p:nvSpPr>
+        <p:spPr>
+          <a:xfrm>
+            <a:off x="765868" y="316230"/>
+            <a:ext cx="1293944" cy="454292"/>
+          </a:xfrm>
+          <a:prstGeom prst="rect">
+            <a:avLst/>
+          </a:prstGeom>
+          <a:ln w="0">
+            <a:noFill/>
+            <a:prstDash/>
+          </a:ln>
+        </p:spPr>
+        <p:txBody>
+          <a:bodyPr vert="horz" wrap="none" lIns="91440" tIns="45720" rIns="91440" bIns="45720" numCol="1" anchor="t">
+            <a:spAutoFit/>
+          </a:bodyPr>
+          <a:lstStyle/>
+          <a:p>
+            <a:pPr marL="0" indent="0" latinLnBrk="0">
+              <a:lnSpc>
+                <a:spcPct val="150000"/>
+              </a:lnSpc>
+              <a:buFontTx/>
+              <a:buNone/>
+            </a:pPr>
+            <a:r>
+              <a:rPr lang="en-US" altLang="ko-KR" dirty="0">
+                <a:solidFill>
+                  <a:schemeClr val="bg1"/>
+                </a:solidFill>
+              </a:rPr>
+              <a:t>SQL CRUD</a:t>
+            </a:r>
+            <a:endParaRPr lang="ko-KR" altLang="en-US" dirty="0">
+              <a:solidFill>
+                <a:schemeClr val="bg1"/>
+              </a:solidFill>
+            </a:endParaRPr>
+          </a:p>
+        </p:txBody>
+      </p:sp>
+      <p:sp>
+        <p:nvSpPr>
+          <p:cNvPr id="3" name="내용 개체 틀 2"/>
+          <p:cNvSpPr txBox="1">
+            <a:spLocks/>
+          </p:cNvSpPr>
+          <p:nvPr/>
+        </p:nvSpPr>
+        <p:spPr>
+          <a:xfrm>
+            <a:off x="457200" y="1600200"/>
+            <a:ext cx="11290300" cy="4525963"/>
+          </a:xfrm>
+          <a:prstGeom prst="rect">
+            <a:avLst/>
+          </a:prstGeom>
+        </p:spPr>
+        <p:txBody>
+          <a:bodyPr/>
+          <a:lstStyle>
+            <a:lvl1pPr marL="228600" indent="-228600" algn="l" defTabSz="914400" rtl="0" eaLnBrk="1" latinLnBrk="1" hangingPunct="1">
+              <a:lnSpc>
+                <a:spcPct val="90000"/>
+              </a:lnSpc>
+              <a:spcBef>
+                <a:spcPts val="1000"/>
+              </a:spcBef>
+              <a:buFont typeface="Arial" panose="020B0604020202020204" pitchFamily="34" charset="0"/>
+              <a:buChar char="•"/>
+              <a:defRPr sz="2800" kern="1200">
+                <a:solidFill>
+                  <a:schemeClr val="tx1"/>
+                </a:solidFill>
+                <a:latin typeface="+mn-lt"/>
+                <a:ea typeface="+mn-ea"/>
+                <a:cs typeface="+mn-cs"/>
+              </a:defRPr>
+            </a:lvl1pPr>
+            <a:lvl2pPr marL="685800" indent="-228600" algn="l" defTabSz="914400" rtl="0" eaLnBrk="1" latinLnBrk="1" hangingPunct="1">
+              <a:lnSpc>
+                <a:spcPct val="90000"/>
+              </a:lnSpc>
+              <a:spcBef>
+                <a:spcPts val="500"/>
+              </a:spcBef>
+              <a:buFont typeface="Arial" panose="020B0604020202020204" pitchFamily="34" charset="0"/>
+              <a:buChar char="•"/>
+              <a:defRPr sz="2400" kern="1200">
+                <a:solidFill>
+                  <a:schemeClr val="tx1"/>
+                </a:solidFill>
+                <a:latin typeface="+mn-lt"/>
+                <a:ea typeface="+mn-ea"/>
+                <a:cs typeface="+mn-cs"/>
+              </a:defRPr>
+            </a:lvl2pPr>
+            <a:lvl3pPr marL="1143000" indent="-228600" algn="l" defTabSz="914400" rtl="0" eaLnBrk="1" latinLnBrk="1" hangingPunct="1">
+              <a:lnSpc>
+                <a:spcPct val="90000"/>
+              </a:lnSpc>
+              <a:spcBef>
+                <a:spcPts val="500"/>
+              </a:spcBef>
+              <a:buFont typeface="Arial" panose="020B0604020202020204" pitchFamily="34" charset="0"/>
+              <a:buChar char="•"/>
+              <a:defRPr sz="2000" kern="1200">
+                <a:solidFill>
+                  <a:schemeClr val="tx1"/>
+                </a:solidFill>
+                <a:latin typeface="+mn-lt"/>
+                <a:ea typeface="+mn-ea"/>
+                <a:cs typeface="+mn-cs"/>
+              </a:defRPr>
+            </a:lvl3pPr>
+            <a:lvl4pPr marL="1600200" indent="-228600" algn="l" defTabSz="914400" rtl="0" eaLnBrk="1" latinLnBrk="1" hangingPunct="1">
+              <a:lnSpc>
+                <a:spcPct val="90000"/>
+              </a:lnSpc>
+              <a:spcBef>
+                <a:spcPts val="500"/>
+              </a:spcBef>
+              <a:buFont typeface="Arial" panose="020B0604020202020204" pitchFamily="34" charset="0"/>
+              <a:buChar char="•"/>
+              <a:defRPr sz="1800" kern="1200">
+                <a:solidFill>
+                  <a:schemeClr val="tx1"/>
+                </a:solidFill>
+                <a:latin typeface="+mn-lt"/>
+                <a:ea typeface="+mn-ea"/>
+                <a:cs typeface="+mn-cs"/>
+              </a:defRPr>
+            </a:lvl4pPr>
+            <a:lvl5pPr marL="2057400" indent="-228600" algn="l" defTabSz="914400" rtl="0" eaLnBrk="1" latinLnBrk="1" hangingPunct="1">
+              <a:lnSpc>
+                <a:spcPct val="90000"/>
+              </a:lnSpc>
+              <a:spcBef>
+                <a:spcPts val="500"/>
+              </a:spcBef>
+              <a:buFont typeface="Arial" panose="020B0604020202020204" pitchFamily="34" charset="0"/>
+              <a:buChar char="•"/>
+              <a:defRPr sz="1800" kern="1200">
+                <a:solidFill>
+                  <a:schemeClr val="tx1"/>
+                </a:solidFill>
+                <a:latin typeface="+mn-lt"/>
+                <a:ea typeface="+mn-ea"/>
+                <a:cs typeface="+mn-cs"/>
+              </a:defRPr>
+            </a:lvl5pPr>
+            <a:lvl6pPr marL="2514600" indent="-228600" algn="l" defTabSz="914400" rtl="0" eaLnBrk="1" latinLnBrk="1" hangingPunct="1">
+              <a:lnSpc>
+                <a:spcPct val="90000"/>
+              </a:lnSpc>
+              <a:spcBef>
+                <a:spcPts val="500"/>
+              </a:spcBef>
+              <a:buFont typeface="Arial" panose="020B0604020202020204" pitchFamily="34" charset="0"/>
+              <a:buChar char="•"/>
+              <a:defRPr sz="1800" kern="1200">
+                <a:solidFill>
+                  <a:schemeClr val="tx1"/>
+                </a:solidFill>
+                <a:latin typeface="+mn-lt"/>
+                <a:ea typeface="+mn-ea"/>
+                <a:cs typeface="+mn-cs"/>
+              </a:defRPr>
+            </a:lvl6pPr>
+            <a:lvl7pPr marL="2971800" indent="-228600" algn="l" defTabSz="914400" rtl="0" eaLnBrk="1" latinLnBrk="1" hangingPunct="1">
+              <a:lnSpc>
+                <a:spcPct val="90000"/>
+              </a:lnSpc>
+              <a:spcBef>
+                <a:spcPts val="500"/>
+              </a:spcBef>
+              <a:buFont typeface="Arial" panose="020B0604020202020204" pitchFamily="34" charset="0"/>
+              <a:buChar char="•"/>
+              <a:defRPr sz="1800" kern="1200">
+                <a:solidFill>
+                  <a:schemeClr val="tx1"/>
+                </a:solidFill>
+                <a:latin typeface="+mn-lt"/>
+                <a:ea typeface="+mn-ea"/>
+                <a:cs typeface="+mn-cs"/>
+              </a:defRPr>
+            </a:lvl7pPr>
+            <a:lvl8pPr marL="3429000" indent="-228600" algn="l" defTabSz="914400" rtl="0" eaLnBrk="1" latinLnBrk="1" hangingPunct="1">
+              <a:lnSpc>
+                <a:spcPct val="90000"/>
+              </a:lnSpc>
+              <a:spcBef>
+                <a:spcPts val="500"/>
+              </a:spcBef>
+              <a:buFont typeface="Arial" panose="020B0604020202020204" pitchFamily="34" charset="0"/>
+              <a:buChar char="•"/>
+              <a:defRPr sz="1800" kern="1200">
+                <a:solidFill>
+                  <a:schemeClr val="tx1"/>
+                </a:solidFill>
+                <a:latin typeface="+mn-lt"/>
+                <a:ea typeface="+mn-ea"/>
+                <a:cs typeface="+mn-cs"/>
+              </a:defRPr>
+            </a:lvl8pPr>
+            <a:lvl9pPr marL="3886200" indent="-228600" algn="l" defTabSz="914400" rtl="0" eaLnBrk="1" latinLnBrk="1" hangingPunct="1">
+              <a:lnSpc>
+                <a:spcPct val="90000"/>
+              </a:lnSpc>
+              <a:spcBef>
+                <a:spcPts val="500"/>
+              </a:spcBef>
+              <a:buFont typeface="Arial" panose="020B0604020202020204" pitchFamily="34" charset="0"/>
+              <a:buChar char="•"/>
+              <a:defRPr sz="1800" kern="1200">
+                <a:solidFill>
+                  <a:schemeClr val="tx1"/>
+                </a:solidFill>
+                <a:latin typeface="+mn-lt"/>
+                <a:ea typeface="+mn-ea"/>
+                <a:cs typeface="+mn-cs"/>
+              </a:defRPr>
+            </a:lvl9pPr>
+          </a:lstStyle>
+          <a:p>
+            <a:pPr marL="0" indent="0">
+              <a:buNone/>
+            </a:pPr>
+            <a:r>
+              <a:rPr lang="ko-KR" altLang="en-US" dirty="0" smtClean="0"/>
               <a:t>추가 실습 </a:t>
             </a:r>
             <a:r>
@@ -13999,6 +14404,78 @@
             <a:pPr marL="0" indent="0">
               <a:buNone/>
             </a:pPr>
+            <a:endParaRPr lang="en-US" altLang="ko-KR" sz="2400" dirty="0" smtClean="0"/>
+          </a:p>
+          <a:p>
+            <a:pPr marL="0" indent="0">
+              <a:buNone/>
+            </a:pPr>
+            <a:endParaRPr lang="en-US" altLang="ko-KR" sz="2400" dirty="0"/>
+          </a:p>
+          <a:p>
+            <a:pPr marL="0" indent="0">
+              <a:buNone/>
+            </a:pPr>
+            <a:endParaRPr lang="en-US" altLang="ko-KR" sz="2400" dirty="0" smtClean="0"/>
+          </a:p>
+          <a:p>
+            <a:pPr marL="0" indent="0">
+              <a:buNone/>
+            </a:pPr>
+            <a:endParaRPr lang="en-US" altLang="ko-KR" sz="2400" dirty="0"/>
+          </a:p>
+          <a:p>
+            <a:pPr marL="0" indent="0">
+              <a:buNone/>
+            </a:pPr>
+            <a:r>
+              <a:rPr lang="ko-KR" altLang="en-US" sz="2400" dirty="0"/>
+              <a:t>추가 실습 </a:t>
+            </a:r>
+            <a:r>
+              <a:rPr lang="en-US" altLang="ko-KR" sz="2400" dirty="0" smtClean="0"/>
+              <a:t>2. </a:t>
+            </a:r>
+            <a:r>
+              <a:rPr lang="ko-KR" altLang="en-US" sz="2400" dirty="0" err="1" smtClean="0"/>
+              <a:t>상품권발급</a:t>
+            </a:r>
+            <a:r>
+              <a:rPr lang="ko-KR" altLang="en-US" sz="2400" dirty="0"/>
+              <a:t> </a:t>
+            </a:r>
+            <a:r>
+              <a:rPr lang="ko-KR" altLang="en-US" sz="2400" dirty="0" smtClean="0"/>
+              <a:t>내용을 </a:t>
+            </a:r>
+            <a:r>
+              <a:rPr lang="ko-KR" altLang="en-US" sz="2400" dirty="0" err="1" smtClean="0"/>
+              <a:t>일자별로</a:t>
+            </a:r>
+            <a:r>
+              <a:rPr lang="ko-KR" altLang="en-US" sz="2400" dirty="0" smtClean="0"/>
+              <a:t> 합계</a:t>
+            </a:r>
+            <a:r>
+              <a:rPr lang="en-US" altLang="ko-KR" sz="2400" dirty="0" smtClean="0"/>
+              <a:t>, </a:t>
+            </a:r>
+            <a:r>
+              <a:rPr lang="ko-KR" altLang="en-US" sz="2400" dirty="0" smtClean="0"/>
+              <a:t>평균</a:t>
+            </a:r>
+            <a:r>
+              <a:rPr lang="en-US" altLang="ko-KR" sz="2400" dirty="0" smtClean="0"/>
+              <a:t>, </a:t>
+            </a:r>
+            <a:r>
+              <a:rPr lang="ko-KR" altLang="en-US" sz="2400" dirty="0" smtClean="0"/>
+              <a:t>건수를 출력 하시오</a:t>
+            </a:r>
+            <a:r>
+              <a:rPr lang="en-US" altLang="ko-KR" sz="2400" smtClean="0"/>
+              <a:t>.</a:t>
+            </a:r>
             <a:endParaRPr lang="en-US" altLang="ko-KR" sz="2400" dirty="0" smtClean="0"/>
           </a:p>
           <a:p>
@@ -15645,23 +16122,7 @@
             </a:r>
             <a:r>
               <a:rPr lang="ko-KR" altLang="en-US" dirty="0" smtClean="0"/>
-              <a:t>상품권 </a:t>
-            </a:r>
-            <a:r>
-              <a:rPr lang="ko-KR" altLang="en-US" dirty="0" err="1" smtClean="0"/>
-              <a:t>관리대장에</a:t>
-            </a:r>
-            <a:r>
-              <a:rPr lang="ko-KR" altLang="en-US" dirty="0" smtClean="0"/>
-              <a:t> </a:t>
-            </a:r>
-            <a:r>
-              <a:rPr lang="ko-KR" altLang="en-US" dirty="0" err="1" smtClean="0"/>
-              <a:t>당첨정보</a:t>
-            </a:r>
-            <a:r>
-              <a:rPr lang="ko-KR" altLang="en-US" dirty="0" smtClean="0"/>
-              <a:t> </a:t>
+              <a:t>상품권관리대장에 당첨 정보 </a:t>
             </a:r>
             <a:r>
               <a:rPr lang="en-US" altLang="ko-KR" dirty="0" smtClean="0"/>
@@ -16085,12 +16546,12 @@
               <a:buChar char="•"/>
             </a:pPr>
             <a:r>
-              <a:rPr lang="ko-KR" altLang="en-US" sz="2400" dirty="0"/>
-              <a:t>추가로 </a:t>
+              <a:rPr lang="en-US" altLang="ko-KR" sz="2400" dirty="0" smtClean="0"/>
+              <a:t>group </a:t>
             </a:r>
             <a:r>
               <a:rPr lang="en-US" altLang="ko-KR" sz="2400" dirty="0"/>
-              <a:t>group by, order by, having</a:t>
+              <a:t>by, order by, having</a:t>
             </a:r>
             <a:r>
               <a:rPr lang="ko-KR" altLang="en-US" sz="2400" dirty="0"/>

--- a/database/7강 SQL CRUD.pptx
+++ b/database/7강 SQL CRUD.pptx
@@ -11,25 +11,27 @@
     <p:sldId id="406" r:id="rId5"/>
     <p:sldId id="410" r:id="rId6"/>
     <p:sldId id="423" r:id="rId7"/>
-    <p:sldId id="411" r:id="rId8"/>
-    <p:sldId id="407" r:id="rId9"/>
-    <p:sldId id="413" r:id="rId10"/>
-    <p:sldId id="416" r:id="rId11"/>
-    <p:sldId id="415" r:id="rId12"/>
-    <p:sldId id="417" r:id="rId13"/>
-    <p:sldId id="418" r:id="rId14"/>
-    <p:sldId id="420" r:id="rId15"/>
-    <p:sldId id="421" r:id="rId16"/>
-    <p:sldId id="429" r:id="rId17"/>
-    <p:sldId id="419" r:id="rId18"/>
-    <p:sldId id="422" r:id="rId19"/>
-    <p:sldId id="408" r:id="rId20"/>
-    <p:sldId id="424" r:id="rId21"/>
-    <p:sldId id="426" r:id="rId22"/>
-    <p:sldId id="409" r:id="rId23"/>
-    <p:sldId id="427" r:id="rId24"/>
-    <p:sldId id="428" r:id="rId25"/>
-    <p:sldId id="412" r:id="rId26"/>
+    <p:sldId id="430" r:id="rId8"/>
+    <p:sldId id="411" r:id="rId9"/>
+    <p:sldId id="407" r:id="rId10"/>
+    <p:sldId id="413" r:id="rId11"/>
+    <p:sldId id="416" r:id="rId12"/>
+    <p:sldId id="415" r:id="rId13"/>
+    <p:sldId id="417" r:id="rId14"/>
+    <p:sldId id="418" r:id="rId15"/>
+    <p:sldId id="420" r:id="rId16"/>
+    <p:sldId id="421" r:id="rId17"/>
+    <p:sldId id="429" r:id="rId18"/>
+    <p:sldId id="419" r:id="rId19"/>
+    <p:sldId id="422" r:id="rId20"/>
+    <p:sldId id="431" r:id="rId21"/>
+    <p:sldId id="408" r:id="rId22"/>
+    <p:sldId id="424" r:id="rId23"/>
+    <p:sldId id="426" r:id="rId24"/>
+    <p:sldId id="409" r:id="rId25"/>
+    <p:sldId id="427" r:id="rId26"/>
+    <p:sldId id="428" r:id="rId27"/>
+    <p:sldId id="412" r:id="rId28"/>
   </p:sldIdLst>
   <p:sldSz cx="12192000" cy="6858000"/>
   <p:notesSz cx="6858000" cy="9144000"/>
@@ -142,6 +144,7 @@
             <p14:sldId id="406"/>
             <p14:sldId id="410"/>
             <p14:sldId id="423"/>
+            <p14:sldId id="430"/>
             <p14:sldId id="411"/>
             <p14:sldId id="407"/>
             <p14:sldId id="413"/>
@@ -154,6 +157,7 @@
             <p14:sldId id="429"/>
             <p14:sldId id="419"/>
             <p14:sldId id="422"/>
+            <p14:sldId id="431"/>
             <p14:sldId id="408"/>
             <p14:sldId id="424"/>
             <p14:sldId id="426"/>
@@ -337,7 +341,7 @@
                 </a:solidFill>
               </a:rPr>
               <a:pPr/>
-              <a:t>2022-06-02</a:t>
+              <a:t>2022-06-03</a:t>
             </a:fld>
             <a:endParaRPr lang="ko-KR" altLang="en-US">
               <a:solidFill>
@@ -567,7 +571,7 @@
                 </a:solidFill>
               </a:rPr>
               <a:pPr/>
-              <a:t>2022-06-02</a:t>
+              <a:t>2022-06-03</a:t>
             </a:fld>
             <a:endParaRPr lang="ko-KR" altLang="en-US">
               <a:solidFill>
@@ -807,7 +811,7 @@
                 </a:solidFill>
               </a:rPr>
               <a:pPr/>
-              <a:t>2022-06-02</a:t>
+              <a:t>2022-06-03</a:t>
             </a:fld>
             <a:endParaRPr lang="ko-KR" altLang="en-US">
               <a:solidFill>
@@ -1039,7 +1043,7 @@
                 <a:latin typeface="맑은 고딕" charset="0"/>
                 <a:ea typeface="맑은 고딕" charset="0"/>
               </a:rPr>
-              <a:t>2022-06-02</a:t>
+              <a:t>2022-06-03</a:t>
             </a:fld>
             <a:endParaRPr lang="ko-KR" altLang="en-US">
               <a:solidFill>
@@ -1318,7 +1322,7 @@
                 <a:latin typeface="맑은 고딕" charset="0"/>
                 <a:ea typeface="맑은 고딕" charset="0"/>
               </a:rPr>
-              <a:t>2022-06-02</a:t>
+              <a:t>2022-06-03</a:t>
             </a:fld>
             <a:endParaRPr lang="ko-KR" altLang="en-US">
               <a:solidFill>
@@ -1560,7 +1564,7 @@
                 <a:latin typeface="맑은 고딕" charset="0"/>
                 <a:ea typeface="맑은 고딕" charset="0"/>
               </a:rPr>
-              <a:t>2022-06-02</a:t>
+              <a:t>2022-06-03</a:t>
             </a:fld>
             <a:endParaRPr lang="ko-KR" altLang="en-US">
               <a:solidFill>
@@ -1915,7 +1919,7 @@
                 <a:latin typeface="맑은 고딕" charset="0"/>
                 <a:ea typeface="맑은 고딕" charset="0"/>
               </a:rPr>
-              <a:t>2022-06-02</a:t>
+              <a:t>2022-06-03</a:t>
             </a:fld>
             <a:endParaRPr lang="ko-KR" altLang="en-US">
               <a:solidFill>
@@ -2348,7 +2352,7 @@
                 <a:latin typeface="맑은 고딕" charset="0"/>
                 <a:ea typeface="맑은 고딕" charset="0"/>
               </a:rPr>
-              <a:t>2022-06-02</a:t>
+              <a:t>2022-06-03</a:t>
             </a:fld>
             <a:endParaRPr lang="ko-KR" altLang="en-US">
               <a:solidFill>
@@ -2551,7 +2555,7 @@
                 <a:latin typeface="맑은 고딕" charset="0"/>
                 <a:ea typeface="맑은 고딕" charset="0"/>
               </a:rPr>
-              <a:t>2022-06-02</a:t>
+              <a:t>2022-06-03</a:t>
             </a:fld>
             <a:endParaRPr lang="ko-KR" altLang="en-US">
               <a:solidFill>
@@ -2715,7 +2719,7 @@
                 <a:latin typeface="맑은 고딕" charset="0"/>
                 <a:ea typeface="맑은 고딕" charset="0"/>
               </a:rPr>
-              <a:t>2022-06-02</a:t>
+              <a:t>2022-06-03</a:t>
             </a:fld>
             <a:endParaRPr lang="ko-KR" altLang="en-US">
               <a:solidFill>
@@ -3033,7 +3037,7 @@
                 <a:latin typeface="맑은 고딕" charset="0"/>
                 <a:ea typeface="맑은 고딕" charset="0"/>
               </a:rPr>
-              <a:t>2022-06-02</a:t>
+              <a:t>2022-06-03</a:t>
             </a:fld>
             <a:endParaRPr lang="ko-KR" altLang="en-US">
               <a:solidFill>
@@ -3273,7 +3277,7 @@
                 </a:solidFill>
               </a:rPr>
               <a:pPr/>
-              <a:t>2022-06-02</a:t>
+              <a:t>2022-06-03</a:t>
             </a:fld>
             <a:endParaRPr lang="ko-KR" altLang="en-US">
               <a:solidFill>
@@ -3525,7 +3529,7 @@
                 <a:latin typeface="맑은 고딕" charset="0"/>
                 <a:ea typeface="맑은 고딕" charset="0"/>
               </a:rPr>
-              <a:t>2022-06-02</a:t>
+              <a:t>2022-06-03</a:t>
             </a:fld>
             <a:endParaRPr lang="ko-KR" altLang="en-US">
               <a:solidFill>
@@ -3804,7 +3808,7 @@
                 <a:latin typeface="맑은 고딕" charset="0"/>
                 <a:ea typeface="맑은 고딕" charset="0"/>
               </a:rPr>
-              <a:t>2022-06-02</a:t>
+              <a:t>2022-06-03</a:t>
             </a:fld>
             <a:endParaRPr lang="ko-KR" altLang="en-US">
               <a:solidFill>
@@ -4083,7 +4087,7 @@
                 <a:latin typeface="맑은 고딕" charset="0"/>
                 <a:ea typeface="맑은 고딕" charset="0"/>
               </a:rPr>
-              <a:t>2022-06-02</a:t>
+              <a:t>2022-06-03</a:t>
             </a:fld>
             <a:endParaRPr lang="ko-KR" altLang="en-US">
               <a:solidFill>
@@ -4400,7 +4404,7 @@
                 </a:solidFill>
               </a:rPr>
               <a:pPr/>
-              <a:t>2022-06-02</a:t>
+              <a:t>2022-06-03</a:t>
             </a:fld>
             <a:endParaRPr lang="ko-KR" altLang="en-US">
               <a:solidFill>
@@ -4697,7 +4701,7 @@
                 </a:solidFill>
               </a:rPr>
               <a:pPr/>
-              <a:t>2022-06-02</a:t>
+              <a:t>2022-06-03</a:t>
             </a:fld>
             <a:endParaRPr lang="ko-KR" altLang="en-US">
               <a:solidFill>
@@ -5141,7 +5145,7 @@
                 </a:solidFill>
               </a:rPr>
               <a:pPr/>
-              <a:t>2022-06-02</a:t>
+              <a:t>2022-06-03</a:t>
             </a:fld>
             <a:endParaRPr lang="ko-KR" altLang="en-US">
               <a:solidFill>
@@ -5314,7 +5318,7 @@
                 </a:solidFill>
               </a:rPr>
               <a:pPr/>
-              <a:t>2022-06-02</a:t>
+              <a:t>2022-06-03</a:t>
             </a:fld>
             <a:endParaRPr lang="ko-KR" altLang="en-US">
               <a:solidFill>
@@ -5459,7 +5463,7 @@
                 </a:solidFill>
               </a:rPr>
               <a:pPr/>
-              <a:t>2022-06-02</a:t>
+              <a:t>2022-06-03</a:t>
             </a:fld>
             <a:endParaRPr lang="ko-KR" altLang="en-US">
               <a:solidFill>
@@ -6828,7 +6832,7 @@
                 </a:solidFill>
               </a:rPr>
               <a:pPr/>
-              <a:t>2022-06-02</a:t>
+              <a:t>2022-06-03</a:t>
             </a:fld>
             <a:endParaRPr lang="ko-KR" altLang="en-US">
               <a:solidFill>
@@ -7148,7 +7152,7 @@
                 </a:solidFill>
               </a:rPr>
               <a:pPr/>
-              <a:t>2022-06-02</a:t>
+              <a:t>2022-06-03</a:t>
             </a:fld>
             <a:endParaRPr lang="ko-KR" altLang="en-US">
               <a:solidFill>
@@ -7421,7 +7425,7 @@
                 </a:solidFill>
               </a:rPr>
               <a:pPr/>
-              <a:t>2022-06-02</a:t>
+              <a:t>2022-06-03</a:t>
             </a:fld>
             <a:endParaRPr lang="ko-KR" altLang="en-US">
               <a:solidFill>
@@ -8022,7 +8026,7 @@
                 <a:latin typeface="맑은 고딕" charset="0"/>
                 <a:ea typeface="맑은 고딕" charset="0"/>
               </a:rPr>
-              <a:t>2022-06-02</a:t>
+              <a:t>2022-06-03</a:t>
             </a:fld>
             <a:endParaRPr lang="ko-KR" altLang="en-US">
               <a:solidFill>
@@ -8552,6 +8556,400 @@
             </a:pPr>
             <a:r>
               <a:rPr lang="en-US" altLang="ko-KR" dirty="0" smtClean="0"/>
+              <a:t>2.2) Select – </a:t>
+            </a:r>
+            <a:r>
+              <a:rPr lang="ko-KR" altLang="en-US" dirty="0" smtClean="0"/>
+              <a:t>정렬</a:t>
+            </a:r>
+            <a:endParaRPr lang="en-US" altLang="ko-KR" dirty="0"/>
+          </a:p>
+          <a:p>
+            <a:pPr marL="0" indent="0">
+              <a:buNone/>
+            </a:pPr>
+            <a:r>
+              <a:rPr lang="ko-KR" altLang="en-US" dirty="0" smtClean="0"/>
+              <a:t>발급된 상품권의 일자 순서 별 출력</a:t>
+            </a:r>
+            <a:endParaRPr lang="en-US" altLang="ko-KR" dirty="0" smtClean="0"/>
+          </a:p>
+          <a:p>
+            <a:pPr marL="0" indent="0">
+              <a:buNone/>
+            </a:pPr>
+            <a:r>
+              <a:rPr lang="en-US" altLang="ko-KR" dirty="0" smtClean="0"/>
+              <a:t>select </a:t>
+            </a:r>
+            <a:r>
+              <a:rPr lang="en-US" altLang="ko-KR" dirty="0" err="1" smtClean="0"/>
+              <a:t>voucher_amount</a:t>
+            </a:r>
+            <a:endParaRPr lang="en-US" altLang="ko-KR" dirty="0" smtClean="0"/>
+          </a:p>
+          <a:p>
+            <a:pPr marL="0" indent="0">
+              <a:buNone/>
+            </a:pPr>
+            <a:r>
+              <a:rPr lang="en-US" altLang="ko-KR" dirty="0" smtClean="0"/>
+              <a:t>  from voucher</a:t>
+            </a:r>
+          </a:p>
+          <a:p>
+            <a:pPr marL="0" indent="0">
+              <a:buNone/>
+            </a:pPr>
+            <a:r>
+              <a:rPr lang="en-US" altLang="ko-KR" dirty="0"/>
+              <a:t> </a:t>
+            </a:r>
+            <a:r>
+              <a:rPr lang="en-US" altLang="ko-KR" dirty="0" smtClean="0"/>
+              <a:t>order by </a:t>
+            </a:r>
+            <a:r>
+              <a:rPr lang="en-US" altLang="ko-KR" dirty="0" err="1" smtClean="0"/>
+              <a:t>issue_date</a:t>
+            </a:r>
+            <a:r>
+              <a:rPr lang="en-US" altLang="ko-KR" dirty="0" smtClean="0"/>
+              <a:t>;</a:t>
+            </a:r>
+            <a:endParaRPr lang="en-US" altLang="ko-KR" dirty="0"/>
+          </a:p>
+        </p:txBody>
+      </p:sp>
+      <p:sp>
+        <p:nvSpPr>
+          <p:cNvPr id="3" name="직사각형 2"/>
+          <p:cNvSpPr/>
+          <p:nvPr/>
+        </p:nvSpPr>
+        <p:spPr>
+          <a:xfrm>
+            <a:off x="3807842" y="358710"/>
+            <a:ext cx="2622256" cy="369332"/>
+          </a:xfrm>
+          <a:prstGeom prst="rect">
+            <a:avLst/>
+          </a:prstGeom>
+        </p:spPr>
+        <p:txBody>
+          <a:bodyPr wrap="none">
+            <a:spAutoFit/>
+          </a:bodyPr>
+          <a:lstStyle/>
+          <a:p>
+            <a:r>
+              <a:rPr lang="en-US" altLang="ko-KR" dirty="0"/>
+              <a:t>2) Read : </a:t>
+            </a:r>
+            <a:r>
+              <a:rPr lang="ko-KR" altLang="en-US" dirty="0"/>
+              <a:t>조회 </a:t>
+            </a:r>
+            <a:r>
+              <a:rPr lang="en-US" altLang="ko-KR" dirty="0"/>
+              <a:t>(SELECT)</a:t>
+            </a:r>
+          </a:p>
+        </p:txBody>
+      </p:sp>
+      <p:pic>
+        <p:nvPicPr>
+          <p:cNvPr id="4" name="그림 3"/>
+          <p:cNvPicPr>
+            <a:picLocks noChangeAspect="1"/>
+          </p:cNvPicPr>
+          <p:nvPr/>
+        </p:nvPicPr>
+        <p:blipFill>
+          <a:blip r:embed="rId2"/>
+          <a:stretch>
+            <a:fillRect/>
+          </a:stretch>
+        </p:blipFill>
+        <p:spPr>
+          <a:xfrm>
+            <a:off x="6790512" y="1600200"/>
+            <a:ext cx="4172532" cy="4839375"/>
+          </a:xfrm>
+          <a:prstGeom prst="rect">
+            <a:avLst/>
+          </a:prstGeom>
+        </p:spPr>
+      </p:pic>
+    </p:spTree>
+    <p:extLst>
+      <p:ext uri="{BB962C8B-B14F-4D97-AF65-F5344CB8AC3E}">
+        <p14:creationId xmlns:p14="http://schemas.microsoft.com/office/powerpoint/2010/main" val="3263055344"/>
+      </p:ext>
+    </p:extLst>
+  </p:cSld>
+  <p:clrMapOvr>
+    <a:masterClrMapping/>
+  </p:clrMapOvr>
+</p:sld>
+</file>
+
+<file path=ppt/slides/slide11.xml><?xml version="1.0" encoding="utf-8"?>
+<p:sld xmlns:a="http://schemas.openxmlformats.org/drawingml/2006/main" xmlns:r="http://schemas.openxmlformats.org/officeDocument/2006/relationships" xmlns:p="http://schemas.openxmlformats.org/presentationml/2006/main">
+  <p:cSld>
+    <p:spTree>
+      <p:nvGrpSpPr>
+        <p:cNvPr id="1" name=""/>
+        <p:cNvGrpSpPr/>
+        <p:nvPr/>
+      </p:nvGrpSpPr>
+      <p:grpSpPr>
+        <a:xfrm>
+          <a:off x="0" y="0"/>
+          <a:ext cx="0" cy="0"/>
+          <a:chOff x="0" y="0"/>
+          <a:chExt cx="0" cy="0"/>
+        </a:xfrm>
+      </p:grpSpPr>
+      <p:sp>
+        <p:nvSpPr>
+          <p:cNvPr id="44" name="도형 17"/>
+          <p:cNvSpPr>
+            <a:spLocks/>
+          </p:cNvSpPr>
+          <p:nvPr/>
+        </p:nvSpPr>
+        <p:spPr>
+          <a:xfrm>
+            <a:off x="765868" y="316230"/>
+            <a:ext cx="1293944" cy="454292"/>
+          </a:xfrm>
+          <a:prstGeom prst="rect">
+            <a:avLst/>
+          </a:prstGeom>
+          <a:ln w="0">
+            <a:noFill/>
+            <a:prstDash/>
+          </a:ln>
+        </p:spPr>
+        <p:txBody>
+          <a:bodyPr vert="horz" wrap="none" lIns="91440" tIns="45720" rIns="91440" bIns="45720" numCol="1" anchor="t">
+            <a:spAutoFit/>
+          </a:bodyPr>
+          <a:lstStyle/>
+          <a:p>
+            <a:pPr marL="0" indent="0" latinLnBrk="0">
+              <a:lnSpc>
+                <a:spcPct val="150000"/>
+              </a:lnSpc>
+              <a:buFontTx/>
+              <a:buNone/>
+            </a:pPr>
+            <a:r>
+              <a:rPr lang="en-US" altLang="ko-KR" dirty="0">
+                <a:solidFill>
+                  <a:schemeClr val="bg1"/>
+                </a:solidFill>
+              </a:rPr>
+              <a:t>SQL CRUD</a:t>
+            </a:r>
+            <a:endParaRPr lang="ko-KR" altLang="en-US" dirty="0">
+              <a:solidFill>
+                <a:schemeClr val="bg1"/>
+              </a:solidFill>
+            </a:endParaRPr>
+          </a:p>
+        </p:txBody>
+      </p:sp>
+      <p:sp>
+        <p:nvSpPr>
+          <p:cNvPr id="7" name="내용 개체 틀 2"/>
+          <p:cNvSpPr txBox="1">
+            <a:spLocks/>
+          </p:cNvSpPr>
+          <p:nvPr/>
+        </p:nvSpPr>
+        <p:spPr>
+          <a:xfrm>
+            <a:off x="457200" y="1600200"/>
+            <a:ext cx="11290300" cy="4525963"/>
+          </a:xfrm>
+          <a:prstGeom prst="rect">
+            <a:avLst/>
+          </a:prstGeom>
+        </p:spPr>
+        <p:txBody>
+          <a:bodyPr/>
+          <a:lstStyle>
+            <a:lvl1pPr marL="228600" indent="-228600" algn="l" defTabSz="914400" rtl="0" eaLnBrk="1" latinLnBrk="1" hangingPunct="1">
+              <a:lnSpc>
+                <a:spcPct val="90000"/>
+              </a:lnSpc>
+              <a:spcBef>
+                <a:spcPts val="1000"/>
+              </a:spcBef>
+              <a:buFont typeface="Arial" panose="020B0604020202020204" pitchFamily="34" charset="0"/>
+              <a:buChar char="•"/>
+              <a:defRPr sz="2800" kern="1200">
+                <a:solidFill>
+                  <a:schemeClr val="tx1"/>
+                </a:solidFill>
+                <a:latin typeface="+mn-lt"/>
+                <a:ea typeface="+mn-ea"/>
+                <a:cs typeface="+mn-cs"/>
+              </a:defRPr>
+            </a:lvl1pPr>
+            <a:lvl2pPr marL="685800" indent="-228600" algn="l" defTabSz="914400" rtl="0" eaLnBrk="1" latinLnBrk="1" hangingPunct="1">
+              <a:lnSpc>
+                <a:spcPct val="90000"/>
+              </a:lnSpc>
+              <a:spcBef>
+                <a:spcPts val="500"/>
+              </a:spcBef>
+              <a:buFont typeface="Arial" panose="020B0604020202020204" pitchFamily="34" charset="0"/>
+              <a:buChar char="•"/>
+              <a:defRPr sz="2400" kern="1200">
+                <a:solidFill>
+                  <a:schemeClr val="tx1"/>
+                </a:solidFill>
+                <a:latin typeface="+mn-lt"/>
+                <a:ea typeface="+mn-ea"/>
+                <a:cs typeface="+mn-cs"/>
+              </a:defRPr>
+            </a:lvl2pPr>
+            <a:lvl3pPr marL="1143000" indent="-228600" algn="l" defTabSz="914400" rtl="0" eaLnBrk="1" latinLnBrk="1" hangingPunct="1">
+              <a:lnSpc>
+                <a:spcPct val="90000"/>
+              </a:lnSpc>
+              <a:spcBef>
+                <a:spcPts val="500"/>
+              </a:spcBef>
+              <a:buFont typeface="Arial" panose="020B0604020202020204" pitchFamily="34" charset="0"/>
+              <a:buChar char="•"/>
+              <a:defRPr sz="2000" kern="1200">
+                <a:solidFill>
+                  <a:schemeClr val="tx1"/>
+                </a:solidFill>
+                <a:latin typeface="+mn-lt"/>
+                <a:ea typeface="+mn-ea"/>
+                <a:cs typeface="+mn-cs"/>
+              </a:defRPr>
+            </a:lvl3pPr>
+            <a:lvl4pPr marL="1600200" indent="-228600" algn="l" defTabSz="914400" rtl="0" eaLnBrk="1" latinLnBrk="1" hangingPunct="1">
+              <a:lnSpc>
+                <a:spcPct val="90000"/>
+              </a:lnSpc>
+              <a:spcBef>
+                <a:spcPts val="500"/>
+              </a:spcBef>
+              <a:buFont typeface="Arial" panose="020B0604020202020204" pitchFamily="34" charset="0"/>
+              <a:buChar char="•"/>
+              <a:defRPr sz="1800" kern="1200">
+                <a:solidFill>
+                  <a:schemeClr val="tx1"/>
+                </a:solidFill>
+                <a:latin typeface="+mn-lt"/>
+                <a:ea typeface="+mn-ea"/>
+                <a:cs typeface="+mn-cs"/>
+              </a:defRPr>
+            </a:lvl4pPr>
+            <a:lvl5pPr marL="2057400" indent="-228600" algn="l" defTabSz="914400" rtl="0" eaLnBrk="1" latinLnBrk="1" hangingPunct="1">
+              <a:lnSpc>
+                <a:spcPct val="90000"/>
+              </a:lnSpc>
+              <a:spcBef>
+                <a:spcPts val="500"/>
+              </a:spcBef>
+              <a:buFont typeface="Arial" panose="020B0604020202020204" pitchFamily="34" charset="0"/>
+              <a:buChar char="•"/>
+              <a:defRPr sz="1800" kern="1200">
+                <a:solidFill>
+                  <a:schemeClr val="tx1"/>
+                </a:solidFill>
+                <a:latin typeface="+mn-lt"/>
+                <a:ea typeface="+mn-ea"/>
+                <a:cs typeface="+mn-cs"/>
+              </a:defRPr>
+            </a:lvl5pPr>
+            <a:lvl6pPr marL="2514600" indent="-228600" algn="l" defTabSz="914400" rtl="0" eaLnBrk="1" latinLnBrk="1" hangingPunct="1">
+              <a:lnSpc>
+                <a:spcPct val="90000"/>
+              </a:lnSpc>
+              <a:spcBef>
+                <a:spcPts val="500"/>
+              </a:spcBef>
+              <a:buFont typeface="Arial" panose="020B0604020202020204" pitchFamily="34" charset="0"/>
+              <a:buChar char="•"/>
+              <a:defRPr sz="1800" kern="1200">
+                <a:solidFill>
+                  <a:schemeClr val="tx1"/>
+                </a:solidFill>
+                <a:latin typeface="+mn-lt"/>
+                <a:ea typeface="+mn-ea"/>
+                <a:cs typeface="+mn-cs"/>
+              </a:defRPr>
+            </a:lvl6pPr>
+            <a:lvl7pPr marL="2971800" indent="-228600" algn="l" defTabSz="914400" rtl="0" eaLnBrk="1" latinLnBrk="1" hangingPunct="1">
+              <a:lnSpc>
+                <a:spcPct val="90000"/>
+              </a:lnSpc>
+              <a:spcBef>
+                <a:spcPts val="500"/>
+              </a:spcBef>
+              <a:buFont typeface="Arial" panose="020B0604020202020204" pitchFamily="34" charset="0"/>
+              <a:buChar char="•"/>
+              <a:defRPr sz="1800" kern="1200">
+                <a:solidFill>
+                  <a:schemeClr val="tx1"/>
+                </a:solidFill>
+                <a:latin typeface="+mn-lt"/>
+                <a:ea typeface="+mn-ea"/>
+                <a:cs typeface="+mn-cs"/>
+              </a:defRPr>
+            </a:lvl7pPr>
+            <a:lvl8pPr marL="3429000" indent="-228600" algn="l" defTabSz="914400" rtl="0" eaLnBrk="1" latinLnBrk="1" hangingPunct="1">
+              <a:lnSpc>
+                <a:spcPct val="90000"/>
+              </a:lnSpc>
+              <a:spcBef>
+                <a:spcPts val="500"/>
+              </a:spcBef>
+              <a:buFont typeface="Arial" panose="020B0604020202020204" pitchFamily="34" charset="0"/>
+              <a:buChar char="•"/>
+              <a:defRPr sz="1800" kern="1200">
+                <a:solidFill>
+                  <a:schemeClr val="tx1"/>
+                </a:solidFill>
+                <a:latin typeface="+mn-lt"/>
+                <a:ea typeface="+mn-ea"/>
+                <a:cs typeface="+mn-cs"/>
+              </a:defRPr>
+            </a:lvl8pPr>
+            <a:lvl9pPr marL="3886200" indent="-228600" algn="l" defTabSz="914400" rtl="0" eaLnBrk="1" latinLnBrk="1" hangingPunct="1">
+              <a:lnSpc>
+                <a:spcPct val="90000"/>
+              </a:lnSpc>
+              <a:spcBef>
+                <a:spcPts val="500"/>
+              </a:spcBef>
+              <a:buFont typeface="Arial" panose="020B0604020202020204" pitchFamily="34" charset="0"/>
+              <a:buChar char="•"/>
+              <a:defRPr sz="1800" kern="1200">
+                <a:solidFill>
+                  <a:schemeClr val="tx1"/>
+                </a:solidFill>
+                <a:latin typeface="+mn-lt"/>
+                <a:ea typeface="+mn-ea"/>
+                <a:cs typeface="+mn-cs"/>
+              </a:defRPr>
+            </a:lvl9pPr>
+          </a:lstStyle>
+          <a:p>
+            <a:pPr marL="0" indent="0">
+              <a:buNone/>
+            </a:pPr>
+            <a:r>
+              <a:rPr lang="en-US" altLang="ko-KR" dirty="0" smtClean="0"/>
               <a:t>2.3) Select - group by</a:t>
             </a:r>
             <a:endParaRPr lang="en-US" altLang="ko-KR" dirty="0"/>
@@ -8698,7 +9096,7 @@
 </p:sld>
 </file>
 
-<file path=ppt/slides/slide11.xml><?xml version="1.0" encoding="utf-8"?>
+<file path=ppt/slides/slide12.xml><?xml version="1.0" encoding="utf-8"?>
 <p:sld xmlns:a="http://schemas.openxmlformats.org/drawingml/2006/main" xmlns:r="http://schemas.openxmlformats.org/officeDocument/2006/relationships" xmlns:p="http://schemas.openxmlformats.org/presentationml/2006/main">
   <p:cSld>
     <p:spTree>
@@ -9115,7 +9513,7 @@
 </p:sld>
 </file>
 
-<file path=ppt/slides/slide12.xml><?xml version="1.0" encoding="utf-8"?>
+<file path=ppt/slides/slide13.xml><?xml version="1.0" encoding="utf-8"?>
 <p:sld xmlns:a="http://schemas.openxmlformats.org/drawingml/2006/main" xmlns:r="http://schemas.openxmlformats.org/officeDocument/2006/relationships" xmlns:p="http://schemas.openxmlformats.org/presentationml/2006/main">
   <p:cSld>
     <p:spTree>
@@ -9503,7 +9901,7 @@
 </p:sld>
 </file>
 
-<file path=ppt/slides/slide13.xml><?xml version="1.0" encoding="utf-8"?>
+<file path=ppt/slides/slide14.xml><?xml version="1.0" encoding="utf-8"?>
 <p:sld xmlns:a="http://schemas.openxmlformats.org/drawingml/2006/main" xmlns:r="http://schemas.openxmlformats.org/officeDocument/2006/relationships" xmlns:p="http://schemas.openxmlformats.org/presentationml/2006/main">
   <p:cSld>
     <p:spTree>
@@ -9899,7 +10297,7 @@
 </p:sld>
 </file>
 
-<file path=ppt/slides/slide14.xml><?xml version="1.0" encoding="utf-8"?>
+<file path=ppt/slides/slide15.xml><?xml version="1.0" encoding="utf-8"?>
 <p:sld xmlns:a="http://schemas.openxmlformats.org/drawingml/2006/main" xmlns:r="http://schemas.openxmlformats.org/officeDocument/2006/relationships" xmlns:p="http://schemas.openxmlformats.org/presentationml/2006/main">
   <p:cSld>
     <p:spTree>
@@ -10295,7 +10693,7 @@
 </p:sld>
 </file>
 
-<file path=ppt/slides/slide15.xml><?xml version="1.0" encoding="utf-8"?>
+<file path=ppt/slides/slide16.xml><?xml version="1.0" encoding="utf-8"?>
 <p:sld xmlns:a="http://schemas.openxmlformats.org/drawingml/2006/main" xmlns:r="http://schemas.openxmlformats.org/officeDocument/2006/relationships" xmlns:p="http://schemas.openxmlformats.org/presentationml/2006/main">
   <p:cSld>
     <p:spTree>
@@ -10551,11 +10949,7 @@
             </a:pPr>
             <a:r>
               <a:rPr lang="en-US" altLang="ko-KR" dirty="0" smtClean="0"/>
-              <a:t>2.3) </a:t>
-            </a:r>
-            <a:r>
-              <a:rPr lang="en-US" altLang="ko-KR" dirty="0" smtClean="0"/>
-              <a:t>Select - group by , </a:t>
+              <a:t>2.3) Select - group by , </a:t>
             </a:r>
             <a:r>
               <a:rPr lang="ko-KR" altLang="en-US" dirty="0" smtClean="0"/>
@@ -10577,15 +10971,7 @@
             </a:r>
             <a:r>
               <a:rPr lang="ko-KR" altLang="en-US" dirty="0" smtClean="0"/>
-              <a:t> </a:t>
-            </a:r>
-            <a:r>
-              <a:rPr lang="ko-KR" altLang="en-US" dirty="0" smtClean="0"/>
-              <a:t>상품권</a:t>
-            </a:r>
-            <a:r>
-              <a:rPr lang="ko-KR" altLang="en-US" dirty="0" smtClean="0"/>
-              <a:t>의 평균 금액 출력</a:t>
+              <a:t> 상품권의 평균 금액 출력</a:t>
             </a:r>
             <a:endParaRPr lang="en-US" altLang="ko-KR" dirty="0" smtClean="0"/>
           </a:p>
@@ -10703,7 +11089,7 @@
 </p:sld>
 </file>
 
-<file path=ppt/slides/slide16.xml><?xml version="1.0" encoding="utf-8"?>
+<file path=ppt/slides/slide17.xml><?xml version="1.0" encoding="utf-8"?>
 <p:sld xmlns:a="http://schemas.openxmlformats.org/drawingml/2006/main" xmlns:r="http://schemas.openxmlformats.org/officeDocument/2006/relationships" xmlns:p="http://schemas.openxmlformats.org/presentationml/2006/main">
   <p:cSld>
     <p:spTree>
@@ -11125,453 +11511,6 @@
 </p:sld>
 </file>
 
-<file path=ppt/slides/slide17.xml><?xml version="1.0" encoding="utf-8"?>
-<p:sld xmlns:a="http://schemas.openxmlformats.org/drawingml/2006/main" xmlns:r="http://schemas.openxmlformats.org/officeDocument/2006/relationships" xmlns:p="http://schemas.openxmlformats.org/presentationml/2006/main">
-  <p:cSld>
-    <p:spTree>
-      <p:nvGrpSpPr>
-        <p:cNvPr id="1" name=""/>
-        <p:cNvGrpSpPr/>
-        <p:nvPr/>
-      </p:nvGrpSpPr>
-      <p:grpSpPr>
-        <a:xfrm>
-          <a:off x="0" y="0"/>
-          <a:ext cx="0" cy="0"/>
-          <a:chOff x="0" y="0"/>
-          <a:chExt cx="0" cy="0"/>
-        </a:xfrm>
-      </p:grpSpPr>
-      <p:sp>
-        <p:nvSpPr>
-          <p:cNvPr id="2" name="도형 17"/>
-          <p:cNvSpPr>
-            <a:spLocks/>
-          </p:cNvSpPr>
-          <p:nvPr/>
-        </p:nvSpPr>
-        <p:spPr>
-          <a:xfrm>
-            <a:off x="765868" y="316230"/>
-            <a:ext cx="1293944" cy="454292"/>
-          </a:xfrm>
-          <a:prstGeom prst="rect">
-            <a:avLst/>
-          </a:prstGeom>
-          <a:ln w="0">
-            <a:noFill/>
-            <a:prstDash/>
-          </a:ln>
-        </p:spPr>
-        <p:txBody>
-          <a:bodyPr vert="horz" wrap="none" lIns="91440" tIns="45720" rIns="91440" bIns="45720" numCol="1" anchor="t">
-            <a:spAutoFit/>
-          </a:bodyPr>
-          <a:lstStyle/>
-          <a:p>
-            <a:pPr marL="0" indent="0" latinLnBrk="0">
-              <a:lnSpc>
-                <a:spcPct val="150000"/>
-              </a:lnSpc>
-              <a:buFontTx/>
-              <a:buNone/>
-            </a:pPr>
-            <a:r>
-              <a:rPr lang="en-US" altLang="ko-KR" dirty="0">
-                <a:solidFill>
-                  <a:schemeClr val="bg1"/>
-                </a:solidFill>
-              </a:rPr>
-              <a:t>SQL CRUD</a:t>
-            </a:r>
-            <a:endParaRPr lang="ko-KR" altLang="en-US" dirty="0">
-              <a:solidFill>
-                <a:schemeClr val="bg1"/>
-              </a:solidFill>
-            </a:endParaRPr>
-          </a:p>
-        </p:txBody>
-      </p:sp>
-      <p:sp>
-        <p:nvSpPr>
-          <p:cNvPr id="3" name="내용 개체 틀 2"/>
-          <p:cNvSpPr txBox="1">
-            <a:spLocks/>
-          </p:cNvSpPr>
-          <p:nvPr/>
-        </p:nvSpPr>
-        <p:spPr>
-          <a:xfrm>
-            <a:off x="457200" y="1600200"/>
-            <a:ext cx="11290300" cy="4525963"/>
-          </a:xfrm>
-          <a:prstGeom prst="rect">
-            <a:avLst/>
-          </a:prstGeom>
-        </p:spPr>
-        <p:txBody>
-          <a:bodyPr/>
-          <a:lstStyle>
-            <a:lvl1pPr marL="228600" indent="-228600" algn="l" defTabSz="914400" rtl="0" eaLnBrk="1" latinLnBrk="1" hangingPunct="1">
-              <a:lnSpc>
-                <a:spcPct val="90000"/>
-              </a:lnSpc>
-              <a:spcBef>
-                <a:spcPts val="1000"/>
-              </a:spcBef>
-              <a:buFont typeface="Arial" panose="020B0604020202020204" pitchFamily="34" charset="0"/>
-              <a:buChar char="•"/>
-              <a:defRPr sz="2800" kern="1200">
-                <a:solidFill>
-                  <a:schemeClr val="tx1"/>
-                </a:solidFill>
-                <a:latin typeface="+mn-lt"/>
-                <a:ea typeface="+mn-ea"/>
-                <a:cs typeface="+mn-cs"/>
-              </a:defRPr>
-            </a:lvl1pPr>
-            <a:lvl2pPr marL="685800" indent="-228600" algn="l" defTabSz="914400" rtl="0" eaLnBrk="1" latinLnBrk="1" hangingPunct="1">
-              <a:lnSpc>
-                <a:spcPct val="90000"/>
-              </a:lnSpc>
-              <a:spcBef>
-                <a:spcPts val="500"/>
-              </a:spcBef>
-              <a:buFont typeface="Arial" panose="020B0604020202020204" pitchFamily="34" charset="0"/>
-              <a:buChar char="•"/>
-              <a:defRPr sz="2400" kern="1200">
-                <a:solidFill>
-                  <a:schemeClr val="tx1"/>
-                </a:solidFill>
-                <a:latin typeface="+mn-lt"/>
-                <a:ea typeface="+mn-ea"/>
-                <a:cs typeface="+mn-cs"/>
-              </a:defRPr>
-            </a:lvl2pPr>
-            <a:lvl3pPr marL="1143000" indent="-228600" algn="l" defTabSz="914400" rtl="0" eaLnBrk="1" latinLnBrk="1" hangingPunct="1">
-              <a:lnSpc>
-                <a:spcPct val="90000"/>
-              </a:lnSpc>
-              <a:spcBef>
-                <a:spcPts val="500"/>
-              </a:spcBef>
-              <a:buFont typeface="Arial" panose="020B0604020202020204" pitchFamily="34" charset="0"/>
-              <a:buChar char="•"/>
-              <a:defRPr sz="2000" kern="1200">
-                <a:solidFill>
-                  <a:schemeClr val="tx1"/>
-                </a:solidFill>
-                <a:latin typeface="+mn-lt"/>
-                <a:ea typeface="+mn-ea"/>
-                <a:cs typeface="+mn-cs"/>
-              </a:defRPr>
-            </a:lvl3pPr>
-            <a:lvl4pPr marL="1600200" indent="-228600" algn="l" defTabSz="914400" rtl="0" eaLnBrk="1" latinLnBrk="1" hangingPunct="1">
-              <a:lnSpc>
-                <a:spcPct val="90000"/>
-              </a:lnSpc>
-              <a:spcBef>
-                <a:spcPts val="500"/>
-              </a:spcBef>
-              <a:buFont typeface="Arial" panose="020B0604020202020204" pitchFamily="34" charset="0"/>
-              <a:buChar char="•"/>
-              <a:defRPr sz="1800" kern="1200">
-                <a:solidFill>
-                  <a:schemeClr val="tx1"/>
-                </a:solidFill>
-                <a:latin typeface="+mn-lt"/>
-                <a:ea typeface="+mn-ea"/>
-                <a:cs typeface="+mn-cs"/>
-              </a:defRPr>
-            </a:lvl4pPr>
-            <a:lvl5pPr marL="2057400" indent="-228600" algn="l" defTabSz="914400" rtl="0" eaLnBrk="1" latinLnBrk="1" hangingPunct="1">
-              <a:lnSpc>
-                <a:spcPct val="90000"/>
-              </a:lnSpc>
-              <a:spcBef>
-                <a:spcPts val="500"/>
-              </a:spcBef>
-              <a:buFont typeface="Arial" panose="020B0604020202020204" pitchFamily="34" charset="0"/>
-              <a:buChar char="•"/>
-              <a:defRPr sz="1800" kern="1200">
-                <a:solidFill>
-                  <a:schemeClr val="tx1"/>
-                </a:solidFill>
-                <a:latin typeface="+mn-lt"/>
-                <a:ea typeface="+mn-ea"/>
-                <a:cs typeface="+mn-cs"/>
-              </a:defRPr>
-            </a:lvl5pPr>
-            <a:lvl6pPr marL="2514600" indent="-228600" algn="l" defTabSz="914400" rtl="0" eaLnBrk="1" latinLnBrk="1" hangingPunct="1">
-              <a:lnSpc>
-                <a:spcPct val="90000"/>
-              </a:lnSpc>
-              <a:spcBef>
-                <a:spcPts val="500"/>
-              </a:spcBef>
-              <a:buFont typeface="Arial" panose="020B0604020202020204" pitchFamily="34" charset="0"/>
-              <a:buChar char="•"/>
-              <a:defRPr sz="1800" kern="1200">
-                <a:solidFill>
-                  <a:schemeClr val="tx1"/>
-                </a:solidFill>
-                <a:latin typeface="+mn-lt"/>
-                <a:ea typeface="+mn-ea"/>
-                <a:cs typeface="+mn-cs"/>
-              </a:defRPr>
-            </a:lvl6pPr>
-            <a:lvl7pPr marL="2971800" indent="-228600" algn="l" defTabSz="914400" rtl="0" eaLnBrk="1" latinLnBrk="1" hangingPunct="1">
-              <a:lnSpc>
-                <a:spcPct val="90000"/>
-              </a:lnSpc>
-              <a:spcBef>
-                <a:spcPts val="500"/>
-              </a:spcBef>
-              <a:buFont typeface="Arial" panose="020B0604020202020204" pitchFamily="34" charset="0"/>
-              <a:buChar char="•"/>
-              <a:defRPr sz="1800" kern="1200">
-                <a:solidFill>
-                  <a:schemeClr val="tx1"/>
-                </a:solidFill>
-                <a:latin typeface="+mn-lt"/>
-                <a:ea typeface="+mn-ea"/>
-                <a:cs typeface="+mn-cs"/>
-              </a:defRPr>
-            </a:lvl7pPr>
-            <a:lvl8pPr marL="3429000" indent="-228600" algn="l" defTabSz="914400" rtl="0" eaLnBrk="1" latinLnBrk="1" hangingPunct="1">
-              <a:lnSpc>
-                <a:spcPct val="90000"/>
-              </a:lnSpc>
-              <a:spcBef>
-                <a:spcPts val="500"/>
-              </a:spcBef>
-              <a:buFont typeface="Arial" panose="020B0604020202020204" pitchFamily="34" charset="0"/>
-              <a:buChar char="•"/>
-              <a:defRPr sz="1800" kern="1200">
-                <a:solidFill>
-                  <a:schemeClr val="tx1"/>
-                </a:solidFill>
-                <a:latin typeface="+mn-lt"/>
-                <a:ea typeface="+mn-ea"/>
-                <a:cs typeface="+mn-cs"/>
-              </a:defRPr>
-            </a:lvl8pPr>
-            <a:lvl9pPr marL="3886200" indent="-228600" algn="l" defTabSz="914400" rtl="0" eaLnBrk="1" latinLnBrk="1" hangingPunct="1">
-              <a:lnSpc>
-                <a:spcPct val="90000"/>
-              </a:lnSpc>
-              <a:spcBef>
-                <a:spcPts val="500"/>
-              </a:spcBef>
-              <a:buFont typeface="Arial" panose="020B0604020202020204" pitchFamily="34" charset="0"/>
-              <a:buChar char="•"/>
-              <a:defRPr sz="1800" kern="1200">
-                <a:solidFill>
-                  <a:schemeClr val="tx1"/>
-                </a:solidFill>
-                <a:latin typeface="+mn-lt"/>
-                <a:ea typeface="+mn-ea"/>
-                <a:cs typeface="+mn-cs"/>
-              </a:defRPr>
-            </a:lvl9pPr>
-          </a:lstStyle>
-          <a:p>
-            <a:pPr marL="0" indent="0">
-              <a:buNone/>
-            </a:pPr>
-            <a:r>
-              <a:rPr lang="ko-KR" altLang="en-US" dirty="0" smtClean="0"/>
-              <a:t>실습 </a:t>
-            </a:r>
-            <a:r>
-              <a:rPr lang="en-US" altLang="ko-KR" dirty="0"/>
-              <a:t>4</a:t>
-            </a:r>
-            <a:r>
-              <a:rPr lang="en-US" altLang="ko-KR" dirty="0" smtClean="0"/>
-              <a:t>. </a:t>
-            </a:r>
-            <a:r>
-              <a:rPr lang="ko-KR" altLang="en-US" dirty="0" smtClean="0"/>
-              <a:t>상품권발급대장 내용 중 가장 낮은 금액들의 총 합계를 출력 하시오</a:t>
-            </a:r>
-            <a:r>
-              <a:rPr lang="en-US" altLang="ko-KR" dirty="0" smtClean="0"/>
-              <a:t>.</a:t>
-            </a:r>
-          </a:p>
-          <a:p>
-            <a:pPr marL="0" indent="0">
-              <a:buNone/>
-            </a:pPr>
-            <a:endParaRPr lang="en-US" altLang="ko-KR" dirty="0"/>
-          </a:p>
-          <a:p>
-            <a:pPr marL="0" indent="0">
-              <a:buNone/>
-            </a:pPr>
-            <a:r>
-              <a:rPr lang="ko-KR" altLang="en-US" dirty="0" smtClean="0"/>
-              <a:t>실습 </a:t>
-            </a:r>
-            <a:r>
-              <a:rPr lang="en-US" altLang="ko-KR" dirty="0"/>
-              <a:t>5</a:t>
-            </a:r>
-            <a:r>
-              <a:rPr lang="en-US" altLang="ko-KR" dirty="0" smtClean="0"/>
-              <a:t>. </a:t>
-            </a:r>
-            <a:r>
-              <a:rPr lang="ko-KR" altLang="en-US" dirty="0" smtClean="0"/>
-              <a:t>상품권을 많이 받은 순서대로 </a:t>
-            </a:r>
-            <a:r>
-              <a:rPr lang="ko-KR" altLang="en-US" dirty="0" err="1" smtClean="0"/>
-              <a:t>출력하시오</a:t>
-            </a:r>
-            <a:r>
-              <a:rPr lang="en-US" altLang="ko-KR" dirty="0" smtClean="0"/>
-              <a:t>.(</a:t>
-            </a:r>
-            <a:r>
-              <a:rPr lang="ko-KR" altLang="en-US" dirty="0" smtClean="0"/>
-              <a:t>상품권의 개수만</a:t>
-            </a:r>
-            <a:r>
-              <a:rPr lang="en-US" altLang="ko-KR" dirty="0" smtClean="0"/>
-              <a:t>)</a:t>
-            </a:r>
-          </a:p>
-          <a:p>
-            <a:pPr marL="0" indent="0">
-              <a:buNone/>
-            </a:pPr>
-            <a:endParaRPr lang="en-US" altLang="ko-KR" dirty="0"/>
-          </a:p>
-          <a:p>
-            <a:pPr marL="0" indent="0">
-              <a:buNone/>
-            </a:pPr>
-            <a:r>
-              <a:rPr lang="ko-KR" altLang="en-US" dirty="0" smtClean="0"/>
-              <a:t>실습 </a:t>
-            </a:r>
-            <a:r>
-              <a:rPr lang="en-US" altLang="ko-KR" dirty="0"/>
-              <a:t>6</a:t>
-            </a:r>
-            <a:r>
-              <a:rPr lang="en-US" altLang="ko-KR" dirty="0" smtClean="0"/>
-              <a:t>. </a:t>
-            </a:r>
-            <a:r>
-              <a:rPr lang="ko-KR" altLang="en-US" dirty="0" smtClean="0"/>
-              <a:t>고객관리대장 중 </a:t>
-            </a:r>
-            <a:r>
-              <a:rPr lang="ko-KR" altLang="en-US" dirty="0" err="1" smtClean="0"/>
-              <a:t>고객등급의</a:t>
-            </a:r>
-            <a:r>
-              <a:rPr lang="ko-KR" altLang="en-US" dirty="0" smtClean="0"/>
-              <a:t> 종류를 출력 하시오</a:t>
-            </a:r>
-            <a:r>
-              <a:rPr lang="en-US" altLang="ko-KR" dirty="0" smtClean="0"/>
-              <a:t>.</a:t>
-            </a:r>
-          </a:p>
-          <a:p>
-            <a:pPr marL="0" indent="0">
-              <a:buNone/>
-            </a:pPr>
-            <a:endParaRPr lang="en-US" altLang="ko-KR" dirty="0"/>
-          </a:p>
-          <a:p>
-            <a:pPr marL="0" indent="0">
-              <a:buNone/>
-            </a:pPr>
-            <a:r>
-              <a:rPr lang="ko-KR" altLang="en-US" dirty="0" smtClean="0"/>
-              <a:t>실습 </a:t>
-            </a:r>
-            <a:r>
-              <a:rPr lang="en-US" altLang="ko-KR" dirty="0"/>
-              <a:t>7</a:t>
-            </a:r>
-            <a:r>
-              <a:rPr lang="en-US" altLang="ko-KR" dirty="0" smtClean="0"/>
-              <a:t>. </a:t>
-            </a:r>
-            <a:r>
-              <a:rPr lang="ko-KR" altLang="en-US" dirty="0" smtClean="0"/>
-              <a:t>고객관리대장 중 </a:t>
-            </a:r>
-            <a:r>
-              <a:rPr lang="ko-KR" altLang="en-US" dirty="0" err="1" smtClean="0"/>
-              <a:t>고객등급별</a:t>
-            </a:r>
-            <a:r>
-              <a:rPr lang="ko-KR" altLang="en-US" dirty="0" smtClean="0"/>
-              <a:t> 고객 수를 출력 하시오</a:t>
-            </a:r>
-            <a:r>
-              <a:rPr lang="en-US" altLang="ko-KR" dirty="0" smtClean="0"/>
-              <a:t>.</a:t>
-            </a:r>
-          </a:p>
-          <a:p>
-            <a:pPr marL="0" indent="0">
-              <a:buNone/>
-            </a:pPr>
-            <a:endParaRPr lang="en-US" altLang="ko-KR" dirty="0"/>
-          </a:p>
-          <a:p>
-            <a:pPr marL="0" indent="0">
-              <a:buNone/>
-            </a:pPr>
-            <a:r>
-              <a:rPr lang="ko-KR" altLang="en-US" dirty="0" smtClean="0"/>
-              <a:t>실습 </a:t>
-            </a:r>
-            <a:r>
-              <a:rPr lang="en-US" altLang="ko-KR" dirty="0" smtClean="0"/>
-              <a:t>8. </a:t>
-            </a:r>
-            <a:r>
-              <a:rPr lang="ko-KR" altLang="en-US" dirty="0" smtClean="0"/>
-              <a:t>고객관리대장 중 같은 나이가 </a:t>
-            </a:r>
-            <a:r>
-              <a:rPr lang="en-US" altLang="ko-KR" dirty="0" smtClean="0"/>
-              <a:t>2</a:t>
-            </a:r>
-            <a:r>
-              <a:rPr lang="ko-KR" altLang="en-US" dirty="0" smtClean="0"/>
-              <a:t>명 이상인 나이를 출력 하시오</a:t>
-            </a:r>
-            <a:r>
-              <a:rPr lang="en-US" altLang="ko-KR" dirty="0" smtClean="0"/>
-              <a:t>.</a:t>
-            </a:r>
-            <a:endParaRPr lang="en-US" altLang="ko-KR" dirty="0"/>
-          </a:p>
-        </p:txBody>
-      </p:sp>
-    </p:spTree>
-    <p:extLst>
-      <p:ext uri="{BB962C8B-B14F-4D97-AF65-F5344CB8AC3E}">
-        <p14:creationId xmlns:p14="http://schemas.microsoft.com/office/powerpoint/2010/main" val="784779482"/>
-      </p:ext>
-    </p:extLst>
-  </p:cSld>
-  <p:clrMapOvr>
-    <a:masterClrMapping/>
-  </p:clrMapOvr>
-</p:sld>
-</file>
-
 <file path=ppt/slides/slide18.xml><?xml version="1.0" encoding="utf-8"?>
 <p:sld xmlns:a="http://schemas.openxmlformats.org/drawingml/2006/main" xmlns:r="http://schemas.openxmlformats.org/officeDocument/2006/relationships" xmlns:p="http://schemas.openxmlformats.org/presentationml/2006/main">
   <p:cSld>
@@ -11591,7 +11530,7 @@
       </p:grpSpPr>
       <p:sp>
         <p:nvSpPr>
-          <p:cNvPr id="44" name="도형 17"/>
+          <p:cNvPr id="2" name="도형 17"/>
           <p:cNvSpPr>
             <a:spLocks/>
           </p:cNvSpPr>
@@ -11641,6 +11580,1162 @@
       </p:sp>
       <p:sp>
         <p:nvSpPr>
+          <p:cNvPr id="3" name="내용 개체 틀 2"/>
+          <p:cNvSpPr txBox="1">
+            <a:spLocks/>
+          </p:cNvSpPr>
+          <p:nvPr/>
+        </p:nvSpPr>
+        <p:spPr>
+          <a:xfrm>
+            <a:off x="457200" y="1600200"/>
+            <a:ext cx="11290300" cy="4525963"/>
+          </a:xfrm>
+          <a:prstGeom prst="rect">
+            <a:avLst/>
+          </a:prstGeom>
+        </p:spPr>
+        <p:txBody>
+          <a:bodyPr/>
+          <a:lstStyle>
+            <a:lvl1pPr marL="228600" indent="-228600" algn="l" defTabSz="914400" rtl="0" eaLnBrk="1" latinLnBrk="1" hangingPunct="1">
+              <a:lnSpc>
+                <a:spcPct val="90000"/>
+              </a:lnSpc>
+              <a:spcBef>
+                <a:spcPts val="1000"/>
+              </a:spcBef>
+              <a:buFont typeface="Arial" panose="020B0604020202020204" pitchFamily="34" charset="0"/>
+              <a:buChar char="•"/>
+              <a:defRPr sz="2800" kern="1200">
+                <a:solidFill>
+                  <a:schemeClr val="tx1"/>
+                </a:solidFill>
+                <a:latin typeface="+mn-lt"/>
+                <a:ea typeface="+mn-ea"/>
+                <a:cs typeface="+mn-cs"/>
+              </a:defRPr>
+            </a:lvl1pPr>
+            <a:lvl2pPr marL="685800" indent="-228600" algn="l" defTabSz="914400" rtl="0" eaLnBrk="1" latinLnBrk="1" hangingPunct="1">
+              <a:lnSpc>
+                <a:spcPct val="90000"/>
+              </a:lnSpc>
+              <a:spcBef>
+                <a:spcPts val="500"/>
+              </a:spcBef>
+              <a:buFont typeface="Arial" panose="020B0604020202020204" pitchFamily="34" charset="0"/>
+              <a:buChar char="•"/>
+              <a:defRPr sz="2400" kern="1200">
+                <a:solidFill>
+                  <a:schemeClr val="tx1"/>
+                </a:solidFill>
+                <a:latin typeface="+mn-lt"/>
+                <a:ea typeface="+mn-ea"/>
+                <a:cs typeface="+mn-cs"/>
+              </a:defRPr>
+            </a:lvl2pPr>
+            <a:lvl3pPr marL="1143000" indent="-228600" algn="l" defTabSz="914400" rtl="0" eaLnBrk="1" latinLnBrk="1" hangingPunct="1">
+              <a:lnSpc>
+                <a:spcPct val="90000"/>
+              </a:lnSpc>
+              <a:spcBef>
+                <a:spcPts val="500"/>
+              </a:spcBef>
+              <a:buFont typeface="Arial" panose="020B0604020202020204" pitchFamily="34" charset="0"/>
+              <a:buChar char="•"/>
+              <a:defRPr sz="2000" kern="1200">
+                <a:solidFill>
+                  <a:schemeClr val="tx1"/>
+                </a:solidFill>
+                <a:latin typeface="+mn-lt"/>
+                <a:ea typeface="+mn-ea"/>
+                <a:cs typeface="+mn-cs"/>
+              </a:defRPr>
+            </a:lvl3pPr>
+            <a:lvl4pPr marL="1600200" indent="-228600" algn="l" defTabSz="914400" rtl="0" eaLnBrk="1" latinLnBrk="1" hangingPunct="1">
+              <a:lnSpc>
+                <a:spcPct val="90000"/>
+              </a:lnSpc>
+              <a:spcBef>
+                <a:spcPts val="500"/>
+              </a:spcBef>
+              <a:buFont typeface="Arial" panose="020B0604020202020204" pitchFamily="34" charset="0"/>
+              <a:buChar char="•"/>
+              <a:defRPr sz="1800" kern="1200">
+                <a:solidFill>
+                  <a:schemeClr val="tx1"/>
+                </a:solidFill>
+                <a:latin typeface="+mn-lt"/>
+                <a:ea typeface="+mn-ea"/>
+                <a:cs typeface="+mn-cs"/>
+              </a:defRPr>
+            </a:lvl4pPr>
+            <a:lvl5pPr marL="2057400" indent="-228600" algn="l" defTabSz="914400" rtl="0" eaLnBrk="1" latinLnBrk="1" hangingPunct="1">
+              <a:lnSpc>
+                <a:spcPct val="90000"/>
+              </a:lnSpc>
+              <a:spcBef>
+                <a:spcPts val="500"/>
+              </a:spcBef>
+              <a:buFont typeface="Arial" panose="020B0604020202020204" pitchFamily="34" charset="0"/>
+              <a:buChar char="•"/>
+              <a:defRPr sz="1800" kern="1200">
+                <a:solidFill>
+                  <a:schemeClr val="tx1"/>
+                </a:solidFill>
+                <a:latin typeface="+mn-lt"/>
+                <a:ea typeface="+mn-ea"/>
+                <a:cs typeface="+mn-cs"/>
+              </a:defRPr>
+            </a:lvl5pPr>
+            <a:lvl6pPr marL="2514600" indent="-228600" algn="l" defTabSz="914400" rtl="0" eaLnBrk="1" latinLnBrk="1" hangingPunct="1">
+              <a:lnSpc>
+                <a:spcPct val="90000"/>
+              </a:lnSpc>
+              <a:spcBef>
+                <a:spcPts val="500"/>
+              </a:spcBef>
+              <a:buFont typeface="Arial" panose="020B0604020202020204" pitchFamily="34" charset="0"/>
+              <a:buChar char="•"/>
+              <a:defRPr sz="1800" kern="1200">
+                <a:solidFill>
+                  <a:schemeClr val="tx1"/>
+                </a:solidFill>
+                <a:latin typeface="+mn-lt"/>
+                <a:ea typeface="+mn-ea"/>
+                <a:cs typeface="+mn-cs"/>
+              </a:defRPr>
+            </a:lvl6pPr>
+            <a:lvl7pPr marL="2971800" indent="-228600" algn="l" defTabSz="914400" rtl="0" eaLnBrk="1" latinLnBrk="1" hangingPunct="1">
+              <a:lnSpc>
+                <a:spcPct val="90000"/>
+              </a:lnSpc>
+              <a:spcBef>
+                <a:spcPts val="500"/>
+              </a:spcBef>
+              <a:buFont typeface="Arial" panose="020B0604020202020204" pitchFamily="34" charset="0"/>
+              <a:buChar char="•"/>
+              <a:defRPr sz="1800" kern="1200">
+                <a:solidFill>
+                  <a:schemeClr val="tx1"/>
+                </a:solidFill>
+                <a:latin typeface="+mn-lt"/>
+                <a:ea typeface="+mn-ea"/>
+                <a:cs typeface="+mn-cs"/>
+              </a:defRPr>
+            </a:lvl7pPr>
+            <a:lvl8pPr marL="3429000" indent="-228600" algn="l" defTabSz="914400" rtl="0" eaLnBrk="1" latinLnBrk="1" hangingPunct="1">
+              <a:lnSpc>
+                <a:spcPct val="90000"/>
+              </a:lnSpc>
+              <a:spcBef>
+                <a:spcPts val="500"/>
+              </a:spcBef>
+              <a:buFont typeface="Arial" panose="020B0604020202020204" pitchFamily="34" charset="0"/>
+              <a:buChar char="•"/>
+              <a:defRPr sz="1800" kern="1200">
+                <a:solidFill>
+                  <a:schemeClr val="tx1"/>
+                </a:solidFill>
+                <a:latin typeface="+mn-lt"/>
+                <a:ea typeface="+mn-ea"/>
+                <a:cs typeface="+mn-cs"/>
+              </a:defRPr>
+            </a:lvl8pPr>
+            <a:lvl9pPr marL="3886200" indent="-228600" algn="l" defTabSz="914400" rtl="0" eaLnBrk="1" latinLnBrk="1" hangingPunct="1">
+              <a:lnSpc>
+                <a:spcPct val="90000"/>
+              </a:lnSpc>
+              <a:spcBef>
+                <a:spcPts val="500"/>
+              </a:spcBef>
+              <a:buFont typeface="Arial" panose="020B0604020202020204" pitchFamily="34" charset="0"/>
+              <a:buChar char="•"/>
+              <a:defRPr sz="1800" kern="1200">
+                <a:solidFill>
+                  <a:schemeClr val="tx1"/>
+                </a:solidFill>
+                <a:latin typeface="+mn-lt"/>
+                <a:ea typeface="+mn-ea"/>
+                <a:cs typeface="+mn-cs"/>
+              </a:defRPr>
+            </a:lvl9pPr>
+          </a:lstStyle>
+          <a:p>
+            <a:pPr marL="0" indent="0">
+              <a:buNone/>
+            </a:pPr>
+            <a:r>
+              <a:rPr lang="ko-KR" altLang="en-US" dirty="0" smtClean="0"/>
+              <a:t>실습 </a:t>
+            </a:r>
+            <a:r>
+              <a:rPr lang="en-US" altLang="ko-KR" dirty="0"/>
+              <a:t>4</a:t>
+            </a:r>
+            <a:r>
+              <a:rPr lang="en-US" altLang="ko-KR" dirty="0" smtClean="0"/>
+              <a:t>. </a:t>
+            </a:r>
+            <a:r>
+              <a:rPr lang="ko-KR" altLang="en-US" dirty="0" smtClean="0"/>
+              <a:t>상품권발급대장 내용 중 가장 낮은 금액들의 총 합계를 출력 하시오</a:t>
+            </a:r>
+            <a:r>
+              <a:rPr lang="en-US" altLang="ko-KR" dirty="0" smtClean="0"/>
+              <a:t>.</a:t>
+            </a:r>
+          </a:p>
+          <a:p>
+            <a:pPr marL="0" indent="0">
+              <a:buNone/>
+            </a:pPr>
+            <a:endParaRPr lang="en-US" altLang="ko-KR" dirty="0"/>
+          </a:p>
+          <a:p>
+            <a:pPr marL="0" indent="0">
+              <a:buNone/>
+            </a:pPr>
+            <a:r>
+              <a:rPr lang="ko-KR" altLang="en-US" dirty="0" smtClean="0"/>
+              <a:t>실습 </a:t>
+            </a:r>
+            <a:r>
+              <a:rPr lang="en-US" altLang="ko-KR" dirty="0"/>
+              <a:t>5</a:t>
+            </a:r>
+            <a:r>
+              <a:rPr lang="en-US" altLang="ko-KR" dirty="0" smtClean="0"/>
+              <a:t>. </a:t>
+            </a:r>
+            <a:r>
+              <a:rPr lang="ko-KR" altLang="en-US" dirty="0" smtClean="0"/>
+              <a:t>상품권을 많이 받은 순서대로 </a:t>
+            </a:r>
+            <a:r>
+              <a:rPr lang="ko-KR" altLang="en-US" dirty="0" err="1" smtClean="0"/>
+              <a:t>출력하시오</a:t>
+            </a:r>
+            <a:r>
+              <a:rPr lang="en-US" altLang="ko-KR" dirty="0" smtClean="0"/>
+              <a:t>.(</a:t>
+            </a:r>
+            <a:r>
+              <a:rPr lang="ko-KR" altLang="en-US" dirty="0" smtClean="0"/>
+              <a:t>상품권의 개수만</a:t>
+            </a:r>
+            <a:r>
+              <a:rPr lang="en-US" altLang="ko-KR" dirty="0" smtClean="0"/>
+              <a:t>)</a:t>
+            </a:r>
+          </a:p>
+          <a:p>
+            <a:pPr marL="0" indent="0">
+              <a:buNone/>
+            </a:pPr>
+            <a:endParaRPr lang="en-US" altLang="ko-KR" dirty="0"/>
+          </a:p>
+          <a:p>
+            <a:pPr marL="0" indent="0">
+              <a:buNone/>
+            </a:pPr>
+            <a:r>
+              <a:rPr lang="ko-KR" altLang="en-US" dirty="0" smtClean="0"/>
+              <a:t>실습 </a:t>
+            </a:r>
+            <a:r>
+              <a:rPr lang="en-US" altLang="ko-KR" dirty="0"/>
+              <a:t>6</a:t>
+            </a:r>
+            <a:r>
+              <a:rPr lang="en-US" altLang="ko-KR" dirty="0" smtClean="0"/>
+              <a:t>. </a:t>
+            </a:r>
+            <a:r>
+              <a:rPr lang="ko-KR" altLang="en-US" dirty="0" smtClean="0"/>
+              <a:t>고객관리대장 중 </a:t>
+            </a:r>
+            <a:r>
+              <a:rPr lang="ko-KR" altLang="en-US" dirty="0" err="1" smtClean="0"/>
+              <a:t>고객등급의</a:t>
+            </a:r>
+            <a:r>
+              <a:rPr lang="ko-KR" altLang="en-US" dirty="0" smtClean="0"/>
+              <a:t> 종류를 출력 하시오</a:t>
+            </a:r>
+            <a:r>
+              <a:rPr lang="en-US" altLang="ko-KR" dirty="0" smtClean="0"/>
+              <a:t>.</a:t>
+            </a:r>
+          </a:p>
+          <a:p>
+            <a:pPr marL="0" indent="0">
+              <a:buNone/>
+            </a:pPr>
+            <a:endParaRPr lang="en-US" altLang="ko-KR" dirty="0"/>
+          </a:p>
+          <a:p>
+            <a:pPr marL="0" indent="0">
+              <a:buNone/>
+            </a:pPr>
+            <a:r>
+              <a:rPr lang="ko-KR" altLang="en-US" dirty="0" smtClean="0"/>
+              <a:t>실습 </a:t>
+            </a:r>
+            <a:r>
+              <a:rPr lang="en-US" altLang="ko-KR" dirty="0"/>
+              <a:t>7</a:t>
+            </a:r>
+            <a:r>
+              <a:rPr lang="en-US" altLang="ko-KR" dirty="0" smtClean="0"/>
+              <a:t>. </a:t>
+            </a:r>
+            <a:r>
+              <a:rPr lang="ko-KR" altLang="en-US" dirty="0" smtClean="0"/>
+              <a:t>고객관리대장 중 </a:t>
+            </a:r>
+            <a:r>
+              <a:rPr lang="ko-KR" altLang="en-US" dirty="0" err="1" smtClean="0"/>
+              <a:t>고객등급별</a:t>
+            </a:r>
+            <a:r>
+              <a:rPr lang="ko-KR" altLang="en-US" dirty="0" smtClean="0"/>
+              <a:t> 고객 수를 출력 하시오</a:t>
+            </a:r>
+            <a:r>
+              <a:rPr lang="en-US" altLang="ko-KR" dirty="0" smtClean="0"/>
+              <a:t>.</a:t>
+            </a:r>
+          </a:p>
+          <a:p>
+            <a:pPr marL="0" indent="0">
+              <a:buNone/>
+            </a:pPr>
+            <a:endParaRPr lang="en-US" altLang="ko-KR" dirty="0"/>
+          </a:p>
+          <a:p>
+            <a:pPr marL="0" indent="0">
+              <a:buNone/>
+            </a:pPr>
+            <a:r>
+              <a:rPr lang="ko-KR" altLang="en-US" dirty="0" smtClean="0"/>
+              <a:t>실습 </a:t>
+            </a:r>
+            <a:r>
+              <a:rPr lang="en-US" altLang="ko-KR" dirty="0" smtClean="0"/>
+              <a:t>8. </a:t>
+            </a:r>
+            <a:r>
+              <a:rPr lang="ko-KR" altLang="en-US" dirty="0" smtClean="0"/>
+              <a:t>고객관리대장 중 같은 나이가 </a:t>
+            </a:r>
+            <a:r>
+              <a:rPr lang="en-US" altLang="ko-KR" dirty="0" smtClean="0"/>
+              <a:t>2</a:t>
+            </a:r>
+            <a:r>
+              <a:rPr lang="ko-KR" altLang="en-US" dirty="0" smtClean="0"/>
+              <a:t>명 이상인 나이를 출력 하시오</a:t>
+            </a:r>
+            <a:r>
+              <a:rPr lang="en-US" altLang="ko-KR" dirty="0" smtClean="0"/>
+              <a:t>.</a:t>
+            </a:r>
+            <a:endParaRPr lang="en-US" altLang="ko-KR" dirty="0"/>
+          </a:p>
+        </p:txBody>
+      </p:sp>
+    </p:spTree>
+    <p:extLst>
+      <p:ext uri="{BB962C8B-B14F-4D97-AF65-F5344CB8AC3E}">
+        <p14:creationId xmlns:p14="http://schemas.microsoft.com/office/powerpoint/2010/main" val="784779482"/>
+      </p:ext>
+    </p:extLst>
+  </p:cSld>
+  <p:clrMapOvr>
+    <a:masterClrMapping/>
+  </p:clrMapOvr>
+</p:sld>
+</file>
+
+<file path=ppt/slides/slide19.xml><?xml version="1.0" encoding="utf-8"?>
+<p:sld xmlns:a="http://schemas.openxmlformats.org/drawingml/2006/main" xmlns:r="http://schemas.openxmlformats.org/officeDocument/2006/relationships" xmlns:p="http://schemas.openxmlformats.org/presentationml/2006/main">
+  <p:cSld>
+    <p:spTree>
+      <p:nvGrpSpPr>
+        <p:cNvPr id="1" name=""/>
+        <p:cNvGrpSpPr/>
+        <p:nvPr/>
+      </p:nvGrpSpPr>
+      <p:grpSpPr>
+        <a:xfrm>
+          <a:off x="0" y="0"/>
+          <a:ext cx="0" cy="0"/>
+          <a:chOff x="0" y="0"/>
+          <a:chExt cx="0" cy="0"/>
+        </a:xfrm>
+      </p:grpSpPr>
+      <p:sp>
+        <p:nvSpPr>
+          <p:cNvPr id="2" name="도형 17"/>
+          <p:cNvSpPr>
+            <a:spLocks/>
+          </p:cNvSpPr>
+          <p:nvPr/>
+        </p:nvSpPr>
+        <p:spPr>
+          <a:xfrm>
+            <a:off x="765868" y="316230"/>
+            <a:ext cx="1293944" cy="454292"/>
+          </a:xfrm>
+          <a:prstGeom prst="rect">
+            <a:avLst/>
+          </a:prstGeom>
+          <a:ln w="0">
+            <a:noFill/>
+            <a:prstDash/>
+          </a:ln>
+        </p:spPr>
+        <p:txBody>
+          <a:bodyPr vert="horz" wrap="none" lIns="91440" tIns="45720" rIns="91440" bIns="45720" numCol="1" anchor="t">
+            <a:spAutoFit/>
+          </a:bodyPr>
+          <a:lstStyle/>
+          <a:p>
+            <a:pPr marL="0" indent="0" latinLnBrk="0">
+              <a:lnSpc>
+                <a:spcPct val="150000"/>
+              </a:lnSpc>
+              <a:buFontTx/>
+              <a:buNone/>
+            </a:pPr>
+            <a:r>
+              <a:rPr lang="en-US" altLang="ko-KR" dirty="0">
+                <a:solidFill>
+                  <a:schemeClr val="bg1"/>
+                </a:solidFill>
+              </a:rPr>
+              <a:t>SQL CRUD</a:t>
+            </a:r>
+            <a:endParaRPr lang="ko-KR" altLang="en-US" dirty="0">
+              <a:solidFill>
+                <a:schemeClr val="bg1"/>
+              </a:solidFill>
+            </a:endParaRPr>
+          </a:p>
+        </p:txBody>
+      </p:sp>
+      <p:sp>
+        <p:nvSpPr>
+          <p:cNvPr id="3" name="내용 개체 틀 2"/>
+          <p:cNvSpPr txBox="1">
+            <a:spLocks/>
+          </p:cNvSpPr>
+          <p:nvPr/>
+        </p:nvSpPr>
+        <p:spPr>
+          <a:xfrm>
+            <a:off x="457200" y="1600200"/>
+            <a:ext cx="11290300" cy="4525963"/>
+          </a:xfrm>
+          <a:prstGeom prst="rect">
+            <a:avLst/>
+          </a:prstGeom>
+        </p:spPr>
+        <p:txBody>
+          <a:bodyPr/>
+          <a:lstStyle>
+            <a:lvl1pPr marL="228600" indent="-228600" algn="l" defTabSz="914400" rtl="0" eaLnBrk="1" latinLnBrk="1" hangingPunct="1">
+              <a:lnSpc>
+                <a:spcPct val="90000"/>
+              </a:lnSpc>
+              <a:spcBef>
+                <a:spcPts val="1000"/>
+              </a:spcBef>
+              <a:buFont typeface="Arial" panose="020B0604020202020204" pitchFamily="34" charset="0"/>
+              <a:buChar char="•"/>
+              <a:defRPr sz="2800" kern="1200">
+                <a:solidFill>
+                  <a:schemeClr val="tx1"/>
+                </a:solidFill>
+                <a:latin typeface="+mn-lt"/>
+                <a:ea typeface="+mn-ea"/>
+                <a:cs typeface="+mn-cs"/>
+              </a:defRPr>
+            </a:lvl1pPr>
+            <a:lvl2pPr marL="685800" indent="-228600" algn="l" defTabSz="914400" rtl="0" eaLnBrk="1" latinLnBrk="1" hangingPunct="1">
+              <a:lnSpc>
+                <a:spcPct val="90000"/>
+              </a:lnSpc>
+              <a:spcBef>
+                <a:spcPts val="500"/>
+              </a:spcBef>
+              <a:buFont typeface="Arial" panose="020B0604020202020204" pitchFamily="34" charset="0"/>
+              <a:buChar char="•"/>
+              <a:defRPr sz="2400" kern="1200">
+                <a:solidFill>
+                  <a:schemeClr val="tx1"/>
+                </a:solidFill>
+                <a:latin typeface="+mn-lt"/>
+                <a:ea typeface="+mn-ea"/>
+                <a:cs typeface="+mn-cs"/>
+              </a:defRPr>
+            </a:lvl2pPr>
+            <a:lvl3pPr marL="1143000" indent="-228600" algn="l" defTabSz="914400" rtl="0" eaLnBrk="1" latinLnBrk="1" hangingPunct="1">
+              <a:lnSpc>
+                <a:spcPct val="90000"/>
+              </a:lnSpc>
+              <a:spcBef>
+                <a:spcPts val="500"/>
+              </a:spcBef>
+              <a:buFont typeface="Arial" panose="020B0604020202020204" pitchFamily="34" charset="0"/>
+              <a:buChar char="•"/>
+              <a:defRPr sz="2000" kern="1200">
+                <a:solidFill>
+                  <a:schemeClr val="tx1"/>
+                </a:solidFill>
+                <a:latin typeface="+mn-lt"/>
+                <a:ea typeface="+mn-ea"/>
+                <a:cs typeface="+mn-cs"/>
+              </a:defRPr>
+            </a:lvl3pPr>
+            <a:lvl4pPr marL="1600200" indent="-228600" algn="l" defTabSz="914400" rtl="0" eaLnBrk="1" latinLnBrk="1" hangingPunct="1">
+              <a:lnSpc>
+                <a:spcPct val="90000"/>
+              </a:lnSpc>
+              <a:spcBef>
+                <a:spcPts val="500"/>
+              </a:spcBef>
+              <a:buFont typeface="Arial" panose="020B0604020202020204" pitchFamily="34" charset="0"/>
+              <a:buChar char="•"/>
+              <a:defRPr sz="1800" kern="1200">
+                <a:solidFill>
+                  <a:schemeClr val="tx1"/>
+                </a:solidFill>
+                <a:latin typeface="+mn-lt"/>
+                <a:ea typeface="+mn-ea"/>
+                <a:cs typeface="+mn-cs"/>
+              </a:defRPr>
+            </a:lvl4pPr>
+            <a:lvl5pPr marL="2057400" indent="-228600" algn="l" defTabSz="914400" rtl="0" eaLnBrk="1" latinLnBrk="1" hangingPunct="1">
+              <a:lnSpc>
+                <a:spcPct val="90000"/>
+              </a:lnSpc>
+              <a:spcBef>
+                <a:spcPts val="500"/>
+              </a:spcBef>
+              <a:buFont typeface="Arial" panose="020B0604020202020204" pitchFamily="34" charset="0"/>
+              <a:buChar char="•"/>
+              <a:defRPr sz="1800" kern="1200">
+                <a:solidFill>
+                  <a:schemeClr val="tx1"/>
+                </a:solidFill>
+                <a:latin typeface="+mn-lt"/>
+                <a:ea typeface="+mn-ea"/>
+                <a:cs typeface="+mn-cs"/>
+              </a:defRPr>
+            </a:lvl5pPr>
+            <a:lvl6pPr marL="2514600" indent="-228600" algn="l" defTabSz="914400" rtl="0" eaLnBrk="1" latinLnBrk="1" hangingPunct="1">
+              <a:lnSpc>
+                <a:spcPct val="90000"/>
+              </a:lnSpc>
+              <a:spcBef>
+                <a:spcPts val="500"/>
+              </a:spcBef>
+              <a:buFont typeface="Arial" panose="020B0604020202020204" pitchFamily="34" charset="0"/>
+              <a:buChar char="•"/>
+              <a:defRPr sz="1800" kern="1200">
+                <a:solidFill>
+                  <a:schemeClr val="tx1"/>
+                </a:solidFill>
+                <a:latin typeface="+mn-lt"/>
+                <a:ea typeface="+mn-ea"/>
+                <a:cs typeface="+mn-cs"/>
+              </a:defRPr>
+            </a:lvl6pPr>
+            <a:lvl7pPr marL="2971800" indent="-228600" algn="l" defTabSz="914400" rtl="0" eaLnBrk="1" latinLnBrk="1" hangingPunct="1">
+              <a:lnSpc>
+                <a:spcPct val="90000"/>
+              </a:lnSpc>
+              <a:spcBef>
+                <a:spcPts val="500"/>
+              </a:spcBef>
+              <a:buFont typeface="Arial" panose="020B0604020202020204" pitchFamily="34" charset="0"/>
+              <a:buChar char="•"/>
+              <a:defRPr sz="1800" kern="1200">
+                <a:solidFill>
+                  <a:schemeClr val="tx1"/>
+                </a:solidFill>
+                <a:latin typeface="+mn-lt"/>
+                <a:ea typeface="+mn-ea"/>
+                <a:cs typeface="+mn-cs"/>
+              </a:defRPr>
+            </a:lvl7pPr>
+            <a:lvl8pPr marL="3429000" indent="-228600" algn="l" defTabSz="914400" rtl="0" eaLnBrk="1" latinLnBrk="1" hangingPunct="1">
+              <a:lnSpc>
+                <a:spcPct val="90000"/>
+              </a:lnSpc>
+              <a:spcBef>
+                <a:spcPts val="500"/>
+              </a:spcBef>
+              <a:buFont typeface="Arial" panose="020B0604020202020204" pitchFamily="34" charset="0"/>
+              <a:buChar char="•"/>
+              <a:defRPr sz="1800" kern="1200">
+                <a:solidFill>
+                  <a:schemeClr val="tx1"/>
+                </a:solidFill>
+                <a:latin typeface="+mn-lt"/>
+                <a:ea typeface="+mn-ea"/>
+                <a:cs typeface="+mn-cs"/>
+              </a:defRPr>
+            </a:lvl8pPr>
+            <a:lvl9pPr marL="3886200" indent="-228600" algn="l" defTabSz="914400" rtl="0" eaLnBrk="1" latinLnBrk="1" hangingPunct="1">
+              <a:lnSpc>
+                <a:spcPct val="90000"/>
+              </a:lnSpc>
+              <a:spcBef>
+                <a:spcPts val="500"/>
+              </a:spcBef>
+              <a:buFont typeface="Arial" panose="020B0604020202020204" pitchFamily="34" charset="0"/>
+              <a:buChar char="•"/>
+              <a:defRPr sz="1800" kern="1200">
+                <a:solidFill>
+                  <a:schemeClr val="tx1"/>
+                </a:solidFill>
+                <a:latin typeface="+mn-lt"/>
+                <a:ea typeface="+mn-ea"/>
+                <a:cs typeface="+mn-cs"/>
+              </a:defRPr>
+            </a:lvl9pPr>
+          </a:lstStyle>
+          <a:p>
+            <a:pPr marL="0" indent="0">
+              <a:buNone/>
+            </a:pPr>
+            <a:r>
+              <a:rPr lang="ko-KR" altLang="en-US" dirty="0" smtClean="0"/>
+              <a:t>실습 </a:t>
+            </a:r>
+            <a:r>
+              <a:rPr lang="en-US" altLang="ko-KR" dirty="0" smtClean="0"/>
+              <a:t>9. </a:t>
+            </a:r>
+            <a:r>
+              <a:rPr lang="ko-KR" altLang="en-US" dirty="0" smtClean="0"/>
+              <a:t>고객관리대장의 고객 나이 평균을 구하시오</a:t>
+            </a:r>
+            <a:r>
+              <a:rPr lang="en-US" altLang="ko-KR" dirty="0" smtClean="0"/>
+              <a:t>.</a:t>
+            </a:r>
+            <a:endParaRPr lang="en-US" altLang="ko-KR" dirty="0" smtClean="0"/>
+          </a:p>
+          <a:p>
+            <a:pPr marL="0" indent="0">
+              <a:buNone/>
+            </a:pPr>
+            <a:endParaRPr lang="en-US" altLang="ko-KR" dirty="0"/>
+          </a:p>
+          <a:p>
+            <a:pPr marL="0" indent="0">
+              <a:buNone/>
+            </a:pPr>
+            <a:r>
+              <a:rPr lang="ko-KR" altLang="en-US" dirty="0" smtClean="0"/>
+              <a:t>실습 </a:t>
+            </a:r>
+            <a:r>
+              <a:rPr lang="en-US" altLang="ko-KR" dirty="0" smtClean="0"/>
+              <a:t>10. </a:t>
+            </a:r>
+            <a:r>
+              <a:rPr lang="ko-KR" altLang="en-US" dirty="0" smtClean="0"/>
+              <a:t>상품권발급대장의 내용으로 금액별 건수를 출력 하시오</a:t>
+            </a:r>
+            <a:r>
+              <a:rPr lang="en-US" altLang="ko-KR" dirty="0" smtClean="0"/>
+              <a:t>.</a:t>
+            </a:r>
+            <a:endParaRPr lang="en-US" altLang="ko-KR" dirty="0" smtClean="0"/>
+          </a:p>
+          <a:p>
+            <a:pPr marL="0" indent="0">
+              <a:buNone/>
+            </a:pPr>
+            <a:endParaRPr lang="en-US" altLang="ko-KR" dirty="0" smtClean="0"/>
+          </a:p>
+          <a:p>
+            <a:pPr marL="0" indent="0">
+              <a:buNone/>
+            </a:pPr>
+            <a:r>
+              <a:rPr lang="ko-KR" altLang="en-US" dirty="0" smtClean="0"/>
+              <a:t>실습 </a:t>
+            </a:r>
+            <a:r>
+              <a:rPr lang="en-US" altLang="ko-KR" dirty="0" smtClean="0"/>
+              <a:t>11. </a:t>
+            </a:r>
+            <a:r>
+              <a:rPr lang="ko-KR" altLang="en-US" dirty="0" smtClean="0"/>
+              <a:t>상품권발급대장의 내용으로 최대값</a:t>
+            </a:r>
+            <a:r>
+              <a:rPr lang="en-US" altLang="ko-KR" dirty="0" smtClean="0"/>
+              <a:t>, </a:t>
+            </a:r>
+            <a:r>
+              <a:rPr lang="ko-KR" altLang="en-US" dirty="0" smtClean="0"/>
+              <a:t>최소값</a:t>
+            </a:r>
+            <a:r>
+              <a:rPr lang="en-US" altLang="ko-KR" dirty="0" smtClean="0"/>
+              <a:t>, </a:t>
+            </a:r>
+            <a:r>
+              <a:rPr lang="ko-KR" altLang="en-US" dirty="0" smtClean="0"/>
+              <a:t>평균값</a:t>
+            </a:r>
+            <a:r>
+              <a:rPr lang="en-US" altLang="ko-KR" dirty="0" smtClean="0"/>
+              <a:t>, </a:t>
+            </a:r>
+            <a:r>
+              <a:rPr lang="ko-KR" altLang="en-US" dirty="0" smtClean="0"/>
+              <a:t>합계를 구하시오</a:t>
+            </a:r>
+            <a:r>
+              <a:rPr lang="en-US" altLang="ko-KR" dirty="0" smtClean="0"/>
+              <a:t>.</a:t>
+            </a:r>
+          </a:p>
+          <a:p>
+            <a:pPr marL="0" indent="0">
+              <a:buNone/>
+            </a:pPr>
+            <a:endParaRPr lang="en-US" altLang="ko-KR" dirty="0"/>
+          </a:p>
+        </p:txBody>
+      </p:sp>
+    </p:spTree>
+    <p:extLst>
+      <p:ext uri="{BB962C8B-B14F-4D97-AF65-F5344CB8AC3E}">
+        <p14:creationId xmlns:p14="http://schemas.microsoft.com/office/powerpoint/2010/main" val="1107778778"/>
+      </p:ext>
+    </p:extLst>
+  </p:cSld>
+  <p:clrMapOvr>
+    <a:masterClrMapping/>
+  </p:clrMapOvr>
+</p:sld>
+</file>
+
+<file path=ppt/slides/slide2.xml><?xml version="1.0" encoding="utf-8"?>
+<p:sld xmlns:a="http://schemas.openxmlformats.org/drawingml/2006/main" xmlns:r="http://schemas.openxmlformats.org/officeDocument/2006/relationships" xmlns:p="http://schemas.openxmlformats.org/presentationml/2006/main">
+  <p:cSld>
+    <p:spTree>
+      <p:nvGrpSpPr>
+        <p:cNvPr id="1" name=""/>
+        <p:cNvGrpSpPr/>
+        <p:nvPr/>
+      </p:nvGrpSpPr>
+      <p:grpSpPr>
+        <a:xfrm>
+          <a:off x="0" y="0"/>
+          <a:ext cx="0" cy="0"/>
+          <a:chOff x="0" y="0"/>
+          <a:chExt cx="0" cy="0"/>
+        </a:xfrm>
+      </p:grpSpPr>
+      <p:sp>
+        <p:nvSpPr>
+          <p:cNvPr id="44" name="도형 17"/>
+          <p:cNvSpPr>
+            <a:spLocks/>
+          </p:cNvSpPr>
+          <p:nvPr/>
+        </p:nvSpPr>
+        <p:spPr>
+          <a:xfrm>
+            <a:off x="765868" y="316230"/>
+            <a:ext cx="1293944" cy="454292"/>
+          </a:xfrm>
+          <a:prstGeom prst="rect">
+            <a:avLst/>
+          </a:prstGeom>
+          <a:ln w="0">
+            <a:noFill/>
+            <a:prstDash/>
+          </a:ln>
+        </p:spPr>
+        <p:txBody>
+          <a:bodyPr vert="horz" wrap="none" lIns="91440" tIns="45720" rIns="91440" bIns="45720" numCol="1" anchor="t">
+            <a:spAutoFit/>
+          </a:bodyPr>
+          <a:lstStyle/>
+          <a:p>
+            <a:pPr marL="0" indent="0" latinLnBrk="0">
+              <a:lnSpc>
+                <a:spcPct val="150000"/>
+              </a:lnSpc>
+              <a:buFontTx/>
+              <a:buNone/>
+            </a:pPr>
+            <a:r>
+              <a:rPr lang="en-US" altLang="ko-KR" dirty="0">
+                <a:solidFill>
+                  <a:schemeClr val="bg1"/>
+                </a:solidFill>
+              </a:rPr>
+              <a:t>SQL CRUD</a:t>
+            </a:r>
+            <a:endParaRPr lang="ko-KR" altLang="en-US" dirty="0">
+              <a:solidFill>
+                <a:schemeClr val="bg1"/>
+              </a:solidFill>
+            </a:endParaRPr>
+          </a:p>
+        </p:txBody>
+      </p:sp>
+      <p:sp>
+        <p:nvSpPr>
+          <p:cNvPr id="7" name="내용 개체 틀 2"/>
+          <p:cNvSpPr txBox="1">
+            <a:spLocks/>
+          </p:cNvSpPr>
+          <p:nvPr/>
+        </p:nvSpPr>
+        <p:spPr>
+          <a:xfrm>
+            <a:off x="457200" y="1600200"/>
+            <a:ext cx="8229600" cy="4525963"/>
+          </a:xfrm>
+          <a:prstGeom prst="rect">
+            <a:avLst/>
+          </a:prstGeom>
+        </p:spPr>
+        <p:txBody>
+          <a:bodyPr/>
+          <a:lstStyle>
+            <a:lvl1pPr marL="228600" indent="-228600" algn="l" defTabSz="914400" rtl="0" eaLnBrk="1" latinLnBrk="1" hangingPunct="1">
+              <a:lnSpc>
+                <a:spcPct val="90000"/>
+              </a:lnSpc>
+              <a:spcBef>
+                <a:spcPts val="1000"/>
+              </a:spcBef>
+              <a:buFont typeface="Arial" panose="020B0604020202020204" pitchFamily="34" charset="0"/>
+              <a:buChar char="•"/>
+              <a:defRPr sz="2800" kern="1200">
+                <a:solidFill>
+                  <a:schemeClr val="tx1"/>
+                </a:solidFill>
+                <a:latin typeface="+mn-lt"/>
+                <a:ea typeface="+mn-ea"/>
+                <a:cs typeface="+mn-cs"/>
+              </a:defRPr>
+            </a:lvl1pPr>
+            <a:lvl2pPr marL="685800" indent="-228600" algn="l" defTabSz="914400" rtl="0" eaLnBrk="1" latinLnBrk="1" hangingPunct="1">
+              <a:lnSpc>
+                <a:spcPct val="90000"/>
+              </a:lnSpc>
+              <a:spcBef>
+                <a:spcPts val="500"/>
+              </a:spcBef>
+              <a:buFont typeface="Arial" panose="020B0604020202020204" pitchFamily="34" charset="0"/>
+              <a:buChar char="•"/>
+              <a:defRPr sz="2400" kern="1200">
+                <a:solidFill>
+                  <a:schemeClr val="tx1"/>
+                </a:solidFill>
+                <a:latin typeface="+mn-lt"/>
+                <a:ea typeface="+mn-ea"/>
+                <a:cs typeface="+mn-cs"/>
+              </a:defRPr>
+            </a:lvl2pPr>
+            <a:lvl3pPr marL="1143000" indent="-228600" algn="l" defTabSz="914400" rtl="0" eaLnBrk="1" latinLnBrk="1" hangingPunct="1">
+              <a:lnSpc>
+                <a:spcPct val="90000"/>
+              </a:lnSpc>
+              <a:spcBef>
+                <a:spcPts val="500"/>
+              </a:spcBef>
+              <a:buFont typeface="Arial" panose="020B0604020202020204" pitchFamily="34" charset="0"/>
+              <a:buChar char="•"/>
+              <a:defRPr sz="2000" kern="1200">
+                <a:solidFill>
+                  <a:schemeClr val="tx1"/>
+                </a:solidFill>
+                <a:latin typeface="+mn-lt"/>
+                <a:ea typeface="+mn-ea"/>
+                <a:cs typeface="+mn-cs"/>
+              </a:defRPr>
+            </a:lvl3pPr>
+            <a:lvl4pPr marL="1600200" indent="-228600" algn="l" defTabSz="914400" rtl="0" eaLnBrk="1" latinLnBrk="1" hangingPunct="1">
+              <a:lnSpc>
+                <a:spcPct val="90000"/>
+              </a:lnSpc>
+              <a:spcBef>
+                <a:spcPts val="500"/>
+              </a:spcBef>
+              <a:buFont typeface="Arial" panose="020B0604020202020204" pitchFamily="34" charset="0"/>
+              <a:buChar char="•"/>
+              <a:defRPr sz="1800" kern="1200">
+                <a:solidFill>
+                  <a:schemeClr val="tx1"/>
+                </a:solidFill>
+                <a:latin typeface="+mn-lt"/>
+                <a:ea typeface="+mn-ea"/>
+                <a:cs typeface="+mn-cs"/>
+              </a:defRPr>
+            </a:lvl4pPr>
+            <a:lvl5pPr marL="2057400" indent="-228600" algn="l" defTabSz="914400" rtl="0" eaLnBrk="1" latinLnBrk="1" hangingPunct="1">
+              <a:lnSpc>
+                <a:spcPct val="90000"/>
+              </a:lnSpc>
+              <a:spcBef>
+                <a:spcPts val="500"/>
+              </a:spcBef>
+              <a:buFont typeface="Arial" panose="020B0604020202020204" pitchFamily="34" charset="0"/>
+              <a:buChar char="•"/>
+              <a:defRPr sz="1800" kern="1200">
+                <a:solidFill>
+                  <a:schemeClr val="tx1"/>
+                </a:solidFill>
+                <a:latin typeface="+mn-lt"/>
+                <a:ea typeface="+mn-ea"/>
+                <a:cs typeface="+mn-cs"/>
+              </a:defRPr>
+            </a:lvl5pPr>
+            <a:lvl6pPr marL="2514600" indent="-228600" algn="l" defTabSz="914400" rtl="0" eaLnBrk="1" latinLnBrk="1" hangingPunct="1">
+              <a:lnSpc>
+                <a:spcPct val="90000"/>
+              </a:lnSpc>
+              <a:spcBef>
+                <a:spcPts val="500"/>
+              </a:spcBef>
+              <a:buFont typeface="Arial" panose="020B0604020202020204" pitchFamily="34" charset="0"/>
+              <a:buChar char="•"/>
+              <a:defRPr sz="1800" kern="1200">
+                <a:solidFill>
+                  <a:schemeClr val="tx1"/>
+                </a:solidFill>
+                <a:latin typeface="+mn-lt"/>
+                <a:ea typeface="+mn-ea"/>
+                <a:cs typeface="+mn-cs"/>
+              </a:defRPr>
+            </a:lvl6pPr>
+            <a:lvl7pPr marL="2971800" indent="-228600" algn="l" defTabSz="914400" rtl="0" eaLnBrk="1" latinLnBrk="1" hangingPunct="1">
+              <a:lnSpc>
+                <a:spcPct val="90000"/>
+              </a:lnSpc>
+              <a:spcBef>
+                <a:spcPts val="500"/>
+              </a:spcBef>
+              <a:buFont typeface="Arial" panose="020B0604020202020204" pitchFamily="34" charset="0"/>
+              <a:buChar char="•"/>
+              <a:defRPr sz="1800" kern="1200">
+                <a:solidFill>
+                  <a:schemeClr val="tx1"/>
+                </a:solidFill>
+                <a:latin typeface="+mn-lt"/>
+                <a:ea typeface="+mn-ea"/>
+                <a:cs typeface="+mn-cs"/>
+              </a:defRPr>
+            </a:lvl7pPr>
+            <a:lvl8pPr marL="3429000" indent="-228600" algn="l" defTabSz="914400" rtl="0" eaLnBrk="1" latinLnBrk="1" hangingPunct="1">
+              <a:lnSpc>
+                <a:spcPct val="90000"/>
+              </a:lnSpc>
+              <a:spcBef>
+                <a:spcPts val="500"/>
+              </a:spcBef>
+              <a:buFont typeface="Arial" panose="020B0604020202020204" pitchFamily="34" charset="0"/>
+              <a:buChar char="•"/>
+              <a:defRPr sz="1800" kern="1200">
+                <a:solidFill>
+                  <a:schemeClr val="tx1"/>
+                </a:solidFill>
+                <a:latin typeface="+mn-lt"/>
+                <a:ea typeface="+mn-ea"/>
+                <a:cs typeface="+mn-cs"/>
+              </a:defRPr>
+            </a:lvl8pPr>
+            <a:lvl9pPr marL="3886200" indent="-228600" algn="l" defTabSz="914400" rtl="0" eaLnBrk="1" latinLnBrk="1" hangingPunct="1">
+              <a:lnSpc>
+                <a:spcPct val="90000"/>
+              </a:lnSpc>
+              <a:spcBef>
+                <a:spcPts val="500"/>
+              </a:spcBef>
+              <a:buFont typeface="Arial" panose="020B0604020202020204" pitchFamily="34" charset="0"/>
+              <a:buChar char="•"/>
+              <a:defRPr sz="1800" kern="1200">
+                <a:solidFill>
+                  <a:schemeClr val="tx1"/>
+                </a:solidFill>
+                <a:latin typeface="+mn-lt"/>
+                <a:ea typeface="+mn-ea"/>
+                <a:cs typeface="+mn-cs"/>
+              </a:defRPr>
+            </a:lvl9pPr>
+          </a:lstStyle>
+          <a:p>
+            <a:pPr marL="0" indent="0">
+              <a:buNone/>
+            </a:pPr>
+            <a:r>
+              <a:rPr lang="en-US" altLang="ko-KR" dirty="0"/>
+              <a:t>CRUD</a:t>
+            </a:r>
+          </a:p>
+          <a:p>
+            <a:pPr marL="0" indent="0">
+              <a:buNone/>
+            </a:pPr>
+            <a:r>
+              <a:rPr lang="en-US" altLang="ko-KR" dirty="0"/>
+              <a:t>  1) Create : </a:t>
+            </a:r>
+            <a:r>
+              <a:rPr lang="ko-KR" altLang="en-US" dirty="0"/>
+              <a:t>새로 생성 </a:t>
+            </a:r>
+            <a:r>
+              <a:rPr lang="en-US" altLang="ko-KR" dirty="0"/>
+              <a:t>(INSERT)</a:t>
+            </a:r>
+          </a:p>
+          <a:p>
+            <a:pPr marL="0" indent="0">
+              <a:buNone/>
+            </a:pPr>
+            <a:r>
+              <a:rPr lang="en-US" altLang="ko-KR" dirty="0"/>
+              <a:t>  2) Read : </a:t>
+            </a:r>
+            <a:r>
+              <a:rPr lang="ko-KR" altLang="en-US" dirty="0"/>
+              <a:t>조회 </a:t>
+            </a:r>
+            <a:r>
+              <a:rPr lang="en-US" altLang="ko-KR" dirty="0"/>
+              <a:t>(SELECT)</a:t>
+            </a:r>
+          </a:p>
+          <a:p>
+            <a:pPr marL="0" indent="0">
+              <a:buNone/>
+            </a:pPr>
+            <a:r>
+              <a:rPr lang="en-US" altLang="ko-KR" dirty="0"/>
+              <a:t>  3) Update : </a:t>
+            </a:r>
+            <a:r>
+              <a:rPr lang="ko-KR" altLang="en-US" dirty="0"/>
+              <a:t>수정 </a:t>
+            </a:r>
+            <a:r>
+              <a:rPr lang="en-US" altLang="ko-KR" dirty="0"/>
+              <a:t>(UPDATE)</a:t>
+            </a:r>
+          </a:p>
+          <a:p>
+            <a:pPr marL="0" indent="0">
+              <a:buNone/>
+            </a:pPr>
+            <a:r>
+              <a:rPr lang="en-US" altLang="ko-KR" dirty="0"/>
+              <a:t>  4) Delete : </a:t>
+            </a:r>
+            <a:r>
+              <a:rPr lang="ko-KR" altLang="en-US" dirty="0"/>
+              <a:t>삭제 </a:t>
+            </a:r>
+            <a:r>
+              <a:rPr lang="en-US" altLang="ko-KR" dirty="0"/>
+              <a:t>(DELETE)</a:t>
+            </a:r>
+          </a:p>
+        </p:txBody>
+      </p:sp>
+    </p:spTree>
+  </p:cSld>
+  <p:clrMapOvr>
+    <a:masterClrMapping/>
+  </p:clrMapOvr>
+</p:sld>
+</file>
+
+<file path=ppt/slides/slide20.xml><?xml version="1.0" encoding="utf-8"?>
+<p:sld xmlns:a="http://schemas.openxmlformats.org/drawingml/2006/main" xmlns:r="http://schemas.openxmlformats.org/officeDocument/2006/relationships" xmlns:p="http://schemas.openxmlformats.org/presentationml/2006/main">
+  <p:cSld>
+    <p:spTree>
+      <p:nvGrpSpPr>
+        <p:cNvPr id="1" name=""/>
+        <p:cNvGrpSpPr/>
+        <p:nvPr/>
+      </p:nvGrpSpPr>
+      <p:grpSpPr>
+        <a:xfrm>
+          <a:off x="0" y="0"/>
+          <a:ext cx="0" cy="0"/>
+          <a:chOff x="0" y="0"/>
+          <a:chExt cx="0" cy="0"/>
+        </a:xfrm>
+      </p:grpSpPr>
+      <p:sp>
+        <p:nvSpPr>
+          <p:cNvPr id="44" name="도형 17"/>
+          <p:cNvSpPr>
+            <a:spLocks/>
+          </p:cNvSpPr>
+          <p:nvPr/>
+        </p:nvSpPr>
+        <p:spPr>
+          <a:xfrm>
+            <a:off x="765868" y="316230"/>
+            <a:ext cx="1293944" cy="454292"/>
+          </a:xfrm>
+          <a:prstGeom prst="rect">
+            <a:avLst/>
+          </a:prstGeom>
+          <a:ln w="0">
+            <a:noFill/>
+            <a:prstDash/>
+          </a:ln>
+        </p:spPr>
+        <p:txBody>
+          <a:bodyPr vert="horz" wrap="none" lIns="91440" tIns="45720" rIns="91440" bIns="45720" numCol="1" anchor="t">
+            <a:spAutoFit/>
+          </a:bodyPr>
+          <a:lstStyle/>
+          <a:p>
+            <a:pPr marL="0" indent="0" latinLnBrk="0">
+              <a:lnSpc>
+                <a:spcPct val="150000"/>
+              </a:lnSpc>
+              <a:buFontTx/>
+              <a:buNone/>
+            </a:pPr>
+            <a:r>
+              <a:rPr lang="en-US" altLang="ko-KR" dirty="0">
+                <a:solidFill>
+                  <a:schemeClr val="bg1"/>
+                </a:solidFill>
+              </a:rPr>
+              <a:t>SQL CRUD</a:t>
+            </a:r>
+            <a:endParaRPr lang="ko-KR" altLang="en-US" dirty="0">
+              <a:solidFill>
+                <a:schemeClr val="bg1"/>
+              </a:solidFill>
+            </a:endParaRPr>
+          </a:p>
+        </p:txBody>
+      </p:sp>
+      <p:sp>
+        <p:nvSpPr>
           <p:cNvPr id="7" name="내용 개체 틀 2"/>
           <p:cNvSpPr txBox="1">
             <a:spLocks/>
@@ -11933,7 +13028,7 @@
 </p:sld>
 </file>
 
-<file path=ppt/slides/slide19.xml><?xml version="1.0" encoding="utf-8"?>
+<file path=ppt/slides/slide21.xml><?xml version="1.0" encoding="utf-8"?>
 <p:sld xmlns:a="http://schemas.openxmlformats.org/drawingml/2006/main" xmlns:r="http://schemas.openxmlformats.org/officeDocument/2006/relationships" xmlns:p="http://schemas.openxmlformats.org/presentationml/2006/main">
   <p:cSld>
     <p:spTree>
@@ -12318,7 +13413,7 @@
 </p:sld>
 </file>
 
-<file path=ppt/slides/slide2.xml><?xml version="1.0" encoding="utf-8"?>
+<file path=ppt/slides/slide22.xml><?xml version="1.0" encoding="utf-8"?>
 <p:sld xmlns:a="http://schemas.openxmlformats.org/drawingml/2006/main" xmlns:r="http://schemas.openxmlformats.org/officeDocument/2006/relationships" xmlns:p="http://schemas.openxmlformats.org/presentationml/2006/main">
   <p:cSld>
     <p:spTree>
@@ -12337,7 +13432,7 @@
       </p:grpSpPr>
       <p:sp>
         <p:nvSpPr>
-          <p:cNvPr id="44" name="도형 17"/>
+          <p:cNvPr id="2" name="도형 17"/>
           <p:cNvSpPr>
             <a:spLocks/>
           </p:cNvSpPr>
@@ -12387,7 +13482,7 @@
       </p:sp>
       <p:sp>
         <p:nvSpPr>
-          <p:cNvPr id="7" name="내용 개체 틀 2"/>
+          <p:cNvPr id="3" name="내용 개체 틀 2"/>
           <p:cNvSpPr txBox="1">
             <a:spLocks/>
           </p:cNvSpPr>
@@ -12396,7 +13491,7 @@
         <p:spPr>
           <a:xfrm>
             <a:off x="457200" y="1600200"/>
-            <a:ext cx="8229600" cy="4525963"/>
+            <a:ext cx="11290300" cy="4525963"/>
           </a:xfrm>
           <a:prstGeom prst="rect">
             <a:avLst/>
@@ -12573,81 +13668,224 @@
               <a:buNone/>
             </a:pPr>
             <a:r>
-              <a:rPr lang="en-US" altLang="ko-KR" dirty="0"/>
-              <a:t>CRUD</a:t>
+              <a:rPr lang="ko-KR" altLang="en-US" dirty="0" smtClean="0"/>
+              <a:t>실습 </a:t>
+            </a:r>
+            <a:r>
+              <a:rPr lang="en-US" altLang="ko-KR" dirty="0" smtClean="0"/>
+              <a:t>12. </a:t>
+            </a:r>
+            <a:r>
+              <a:rPr lang="ko-KR" altLang="en-US" dirty="0" smtClean="0"/>
+              <a:t>고객관리대장의 </a:t>
+            </a:r>
+            <a:r>
+              <a:rPr lang="en-US" altLang="ko-KR" dirty="0" err="1" smtClean="0"/>
+              <a:t>c_id</a:t>
+            </a:r>
+            <a:r>
+              <a:rPr lang="en-US" altLang="ko-KR" dirty="0" smtClean="0"/>
+              <a:t> =22 </a:t>
+            </a:r>
+            <a:r>
+              <a:rPr lang="ko-KR" altLang="en-US" dirty="0" smtClean="0"/>
+              <a:t>의 </a:t>
+            </a:r>
+            <a:r>
+              <a:rPr lang="en-US" altLang="ko-KR" dirty="0" smtClean="0"/>
+              <a:t>level </a:t>
+            </a:r>
+            <a:r>
+              <a:rPr lang="ko-KR" altLang="en-US" dirty="0" smtClean="0"/>
+              <a:t>을 </a:t>
+            </a:r>
+            <a:r>
+              <a:rPr lang="en-US" altLang="ko-KR" dirty="0" smtClean="0"/>
+              <a:t>GREEN</a:t>
+            </a:r>
+            <a:r>
+              <a:rPr lang="ko-KR" altLang="en-US" dirty="0" smtClean="0"/>
+              <a:t>으로 변경 하시오</a:t>
+            </a:r>
+            <a:r>
+              <a:rPr lang="en-US" altLang="ko-KR" dirty="0" smtClean="0"/>
+              <a:t>.</a:t>
             </a:r>
           </a:p>
           <a:p>
             <a:pPr marL="0" indent="0">
               <a:buNone/>
             </a:pPr>
-            <a:r>
-              <a:rPr lang="en-US" altLang="ko-KR" dirty="0"/>
-              <a:t>  1) Create : </a:t>
-            </a:r>
+            <a:endParaRPr lang="en-US" altLang="ko-KR" dirty="0"/>
+          </a:p>
+          <a:p>
+            <a:pPr marL="0" indent="0">
+              <a:buNone/>
+            </a:pPr>
+            <a:r>
+              <a:rPr lang="ko-KR" altLang="en-US" dirty="0" smtClean="0"/>
+              <a:t>실습 </a:t>
+            </a:r>
+            <a:r>
+              <a:rPr lang="en-US" altLang="ko-KR" dirty="0" smtClean="0"/>
+              <a:t>13. </a:t>
+            </a:r>
+            <a:r>
+              <a:rPr lang="ko-KR" altLang="en-US" dirty="0" smtClean="0"/>
+              <a:t>고객관리대장의 등급 중 </a:t>
+            </a:r>
+            <a:r>
+              <a:rPr lang="en-US" altLang="ko-KR" dirty="0" smtClean="0"/>
+              <a:t>BLACK</a:t>
+            </a:r>
+            <a:r>
+              <a:rPr lang="ko-KR" altLang="en-US" dirty="0" smtClean="0"/>
+              <a:t>를 </a:t>
+            </a:r>
+            <a:r>
+              <a:rPr lang="en-US" altLang="ko-KR" dirty="0" smtClean="0"/>
+              <a:t>WHITE</a:t>
+            </a:r>
+            <a:r>
+              <a:rPr lang="ko-KR" altLang="en-US" dirty="0" smtClean="0"/>
+              <a:t>로 변경 하시오</a:t>
+            </a:r>
+            <a:r>
+              <a:rPr lang="en-US" altLang="ko-KR" dirty="0" smtClean="0"/>
+              <a:t>.</a:t>
+            </a:r>
+          </a:p>
+          <a:p>
+            <a:pPr marL="0" indent="0">
+              <a:buNone/>
+            </a:pPr>
+            <a:endParaRPr lang="en-US" altLang="ko-KR" dirty="0"/>
+          </a:p>
+          <a:p>
+            <a:pPr marL="0" indent="0">
+              <a:buNone/>
+            </a:pPr>
             <a:r>
               <a:rPr lang="ko-KR" altLang="en-US" dirty="0"/>
-              <a:t>새로 생성 </a:t>
-            </a:r>
-            <a:r>
-              <a:rPr lang="en-US" altLang="ko-KR" dirty="0"/>
-              <a:t>(INSERT)</a:t>
+              <a:t>실습 </a:t>
+            </a:r>
+            <a:r>
+              <a:rPr lang="en-US" altLang="ko-KR" dirty="0" smtClean="0"/>
+              <a:t>14. </a:t>
+            </a:r>
+            <a:r>
+              <a:rPr lang="ko-KR" altLang="en-US" dirty="0" smtClean="0"/>
+              <a:t>고객관리대장의 나이가 </a:t>
+            </a:r>
+            <a:r>
+              <a:rPr lang="en-US" altLang="ko-KR" dirty="0" smtClean="0"/>
+              <a:t>30</a:t>
+            </a:r>
+            <a:r>
+              <a:rPr lang="ko-KR" altLang="en-US" dirty="0" smtClean="0"/>
+              <a:t>세 이상인 경우 등급을 </a:t>
+            </a:r>
+            <a:r>
+              <a:rPr lang="en-US" altLang="ko-KR" dirty="0" smtClean="0"/>
+              <a:t>VIP</a:t>
+            </a:r>
+            <a:r>
+              <a:rPr lang="ko-KR" altLang="en-US" dirty="0" smtClean="0"/>
+              <a:t>로 </a:t>
+            </a:r>
+            <a:r>
+              <a:rPr lang="ko-KR" altLang="en-US" dirty="0" err="1" smtClean="0"/>
+              <a:t>변경하시오</a:t>
+            </a:r>
+            <a:r>
+              <a:rPr lang="en-US" altLang="ko-KR" dirty="0" smtClean="0"/>
+              <a:t>.</a:t>
             </a:r>
           </a:p>
           <a:p>
             <a:pPr marL="0" indent="0">
               <a:buNone/>
             </a:pPr>
-            <a:r>
-              <a:rPr lang="en-US" altLang="ko-KR" dirty="0"/>
-              <a:t>  2) Read : </a:t>
-            </a:r>
-            <a:r>
-              <a:rPr lang="ko-KR" altLang="en-US" dirty="0"/>
-              <a:t>조회 </a:t>
-            </a:r>
-            <a:r>
-              <a:rPr lang="en-US" altLang="ko-KR" dirty="0"/>
-              <a:t>(SELECT)</a:t>
-            </a:r>
+            <a:endParaRPr lang="en-US" altLang="ko-KR" dirty="0"/>
           </a:p>
           <a:p>
             <a:pPr marL="0" indent="0">
               <a:buNone/>
             </a:pPr>
             <a:r>
-              <a:rPr lang="en-US" altLang="ko-KR" dirty="0"/>
-              <a:t>  3) Update : </a:t>
-            </a:r>
-            <a:r>
-              <a:rPr lang="ko-KR" altLang="en-US" dirty="0"/>
-              <a:t>수정 </a:t>
-            </a:r>
-            <a:r>
-              <a:rPr lang="en-US" altLang="ko-KR" dirty="0"/>
-              <a:t>(UPDATE)</a:t>
-            </a:r>
+              <a:rPr lang="ko-KR" altLang="en-US" dirty="0" smtClean="0"/>
+              <a:t>실습 </a:t>
+            </a:r>
+            <a:r>
+              <a:rPr lang="en-US" altLang="ko-KR" dirty="0" smtClean="0"/>
+              <a:t>15. </a:t>
+            </a:r>
+            <a:r>
+              <a:rPr lang="ko-KR" altLang="en-US" dirty="0" smtClean="0"/>
+              <a:t>고객관리대장의 </a:t>
+            </a:r>
+            <a:r>
+              <a:rPr lang="en-US" altLang="ko-KR" dirty="0" smtClean="0"/>
+              <a:t>level</a:t>
+            </a:r>
+            <a:r>
+              <a:rPr lang="ko-KR" altLang="en-US" dirty="0" smtClean="0"/>
+              <a:t>이 </a:t>
+            </a:r>
+            <a:r>
+              <a:rPr lang="en-US" altLang="ko-KR" dirty="0" smtClean="0"/>
+              <a:t>null </a:t>
+            </a:r>
+            <a:r>
+              <a:rPr lang="ko-KR" altLang="en-US" dirty="0" smtClean="0"/>
+              <a:t>인 경우 </a:t>
+            </a:r>
+            <a:r>
+              <a:rPr lang="en-US" altLang="ko-KR" dirty="0" smtClean="0"/>
+              <a:t>level</a:t>
+            </a:r>
+            <a:r>
+              <a:rPr lang="ko-KR" altLang="en-US" dirty="0" smtClean="0"/>
+              <a:t>을 </a:t>
+            </a:r>
+            <a:r>
+              <a:rPr lang="en-US" altLang="ko-KR" dirty="0" smtClean="0"/>
+              <a:t>GREEN</a:t>
+            </a:r>
+            <a:r>
+              <a:rPr lang="ko-KR" altLang="en-US" dirty="0" smtClean="0"/>
+              <a:t>으로 </a:t>
+            </a:r>
+            <a:r>
+              <a:rPr lang="ko-KR" altLang="en-US" dirty="0" err="1" smtClean="0"/>
+              <a:t>변경하시오</a:t>
+            </a:r>
+            <a:r>
+              <a:rPr lang="en-US" altLang="ko-KR" dirty="0" smtClean="0"/>
+              <a:t>.</a:t>
+            </a:r>
+            <a:endParaRPr lang="en-US" altLang="ko-KR" dirty="0"/>
           </a:p>
           <a:p>
             <a:pPr marL="0" indent="0">
               <a:buNone/>
             </a:pPr>
-            <a:r>
-              <a:rPr lang="en-US" altLang="ko-KR" dirty="0"/>
-              <a:t>  4) Delete : </a:t>
-            </a:r>
-            <a:r>
-              <a:rPr lang="ko-KR" altLang="en-US" dirty="0"/>
-              <a:t>삭제 </a:t>
-            </a:r>
-            <a:r>
-              <a:rPr lang="en-US" altLang="ko-KR" dirty="0"/>
-              <a:t>(DELETE)</a:t>
-            </a:r>
+            <a:endParaRPr lang="en-US" altLang="ko-KR" dirty="0" smtClean="0"/>
+          </a:p>
+          <a:p>
+            <a:pPr marL="0" indent="0">
+              <a:buNone/>
+            </a:pPr>
+            <a:endParaRPr lang="en-US" altLang="ko-KR" dirty="0"/>
           </a:p>
         </p:txBody>
       </p:sp>
     </p:spTree>
+    <p:extLst>
+      <p:ext uri="{BB962C8B-B14F-4D97-AF65-F5344CB8AC3E}">
+        <p14:creationId xmlns:p14="http://schemas.microsoft.com/office/powerpoint/2010/main" val="3189188132"/>
+      </p:ext>
+    </p:extLst>
   </p:cSld>
   <p:clrMapOvr>
     <a:masterClrMapping/>
@@ -12655,7 +13893,7 @@
 </p:sld>
 </file>
 
-<file path=ppt/slides/slide20.xml><?xml version="1.0" encoding="utf-8"?>
+<file path=ppt/slides/slide23.xml><?xml version="1.0" encoding="utf-8"?>
 <p:sld xmlns:a="http://schemas.openxmlformats.org/drawingml/2006/main" xmlns:r="http://schemas.openxmlformats.org/officeDocument/2006/relationships" xmlns:p="http://schemas.openxmlformats.org/presentationml/2006/main">
   <p:cSld>
     <p:spTree>
@@ -12674,7 +13912,7 @@
       </p:grpSpPr>
       <p:sp>
         <p:nvSpPr>
-          <p:cNvPr id="2" name="도형 17"/>
+          <p:cNvPr id="44" name="도형 17"/>
           <p:cNvSpPr>
             <a:spLocks/>
           </p:cNvSpPr>
@@ -12724,7 +13962,7 @@
       </p:sp>
       <p:sp>
         <p:nvSpPr>
-          <p:cNvPr id="3" name="내용 개체 틀 2"/>
+          <p:cNvPr id="7" name="내용 개체 틀 2"/>
           <p:cNvSpPr txBox="1">
             <a:spLocks/>
           </p:cNvSpPr>
@@ -12910,369 +14148,6 @@
               <a:buNone/>
             </a:pPr>
             <a:r>
-              <a:rPr lang="ko-KR" altLang="en-US" dirty="0" smtClean="0"/>
-              <a:t>실습 </a:t>
-            </a:r>
-            <a:r>
-              <a:rPr lang="en-US" altLang="ko-KR" dirty="0" smtClean="0"/>
-              <a:t>9. </a:t>
-            </a:r>
-            <a:r>
-              <a:rPr lang="ko-KR" altLang="en-US" dirty="0" smtClean="0"/>
-              <a:t>고객관리대장의 </a:t>
-            </a:r>
-            <a:r>
-              <a:rPr lang="en-US" altLang="ko-KR" dirty="0" err="1" smtClean="0"/>
-              <a:t>c_id</a:t>
-            </a:r>
-            <a:r>
-              <a:rPr lang="en-US" altLang="ko-KR" dirty="0" smtClean="0"/>
-              <a:t> =22 </a:t>
-            </a:r>
-            <a:r>
-              <a:rPr lang="ko-KR" altLang="en-US" dirty="0" smtClean="0"/>
-              <a:t>의 </a:t>
-            </a:r>
-            <a:r>
-              <a:rPr lang="en-US" altLang="ko-KR" dirty="0" smtClean="0"/>
-              <a:t>level </a:t>
-            </a:r>
-            <a:r>
-              <a:rPr lang="ko-KR" altLang="en-US" dirty="0" smtClean="0"/>
-              <a:t>을 </a:t>
-            </a:r>
-            <a:r>
-              <a:rPr lang="en-US" altLang="ko-KR" dirty="0" smtClean="0"/>
-              <a:t>GREEN</a:t>
-            </a:r>
-            <a:r>
-              <a:rPr lang="ko-KR" altLang="en-US" dirty="0" smtClean="0"/>
-              <a:t>으로 변경 하시오</a:t>
-            </a:r>
-            <a:r>
-              <a:rPr lang="en-US" altLang="ko-KR" dirty="0" smtClean="0"/>
-              <a:t>.</a:t>
-            </a:r>
-          </a:p>
-          <a:p>
-            <a:pPr marL="0" indent="0">
-              <a:buNone/>
-            </a:pPr>
-            <a:endParaRPr lang="en-US" altLang="ko-KR" dirty="0"/>
-          </a:p>
-          <a:p>
-            <a:pPr marL="0" indent="0">
-              <a:buNone/>
-            </a:pPr>
-            <a:r>
-              <a:rPr lang="ko-KR" altLang="en-US" dirty="0" smtClean="0"/>
-              <a:t>실습 </a:t>
-            </a:r>
-            <a:r>
-              <a:rPr lang="en-US" altLang="ko-KR" dirty="0" smtClean="0"/>
-              <a:t>10. </a:t>
-            </a:r>
-            <a:r>
-              <a:rPr lang="ko-KR" altLang="en-US" dirty="0" smtClean="0"/>
-              <a:t>고객관리대장의 등급 중 </a:t>
-            </a:r>
-            <a:r>
-              <a:rPr lang="en-US" altLang="ko-KR" dirty="0" smtClean="0"/>
-              <a:t>BLACK</a:t>
-            </a:r>
-            <a:r>
-              <a:rPr lang="ko-KR" altLang="en-US" dirty="0" smtClean="0"/>
-              <a:t>를 </a:t>
-            </a:r>
-            <a:r>
-              <a:rPr lang="en-US" altLang="ko-KR" dirty="0" smtClean="0"/>
-              <a:t>WHITE</a:t>
-            </a:r>
-            <a:r>
-              <a:rPr lang="ko-KR" altLang="en-US" dirty="0" smtClean="0"/>
-              <a:t>로 변경 하시오</a:t>
-            </a:r>
-            <a:r>
-              <a:rPr lang="en-US" altLang="ko-KR" dirty="0" smtClean="0"/>
-              <a:t>.</a:t>
-            </a:r>
-          </a:p>
-          <a:p>
-            <a:pPr marL="0" indent="0">
-              <a:buNone/>
-            </a:pPr>
-            <a:endParaRPr lang="en-US" altLang="ko-KR" dirty="0"/>
-          </a:p>
-        </p:txBody>
-      </p:sp>
-    </p:spTree>
-    <p:extLst>
-      <p:ext uri="{BB962C8B-B14F-4D97-AF65-F5344CB8AC3E}">
-        <p14:creationId xmlns:p14="http://schemas.microsoft.com/office/powerpoint/2010/main" val="3189188132"/>
-      </p:ext>
-    </p:extLst>
-  </p:cSld>
-  <p:clrMapOvr>
-    <a:masterClrMapping/>
-  </p:clrMapOvr>
-</p:sld>
-</file>
-
-<file path=ppt/slides/slide21.xml><?xml version="1.0" encoding="utf-8"?>
-<p:sld xmlns:a="http://schemas.openxmlformats.org/drawingml/2006/main" xmlns:r="http://schemas.openxmlformats.org/officeDocument/2006/relationships" xmlns:p="http://schemas.openxmlformats.org/presentationml/2006/main">
-  <p:cSld>
-    <p:spTree>
-      <p:nvGrpSpPr>
-        <p:cNvPr id="1" name=""/>
-        <p:cNvGrpSpPr/>
-        <p:nvPr/>
-      </p:nvGrpSpPr>
-      <p:grpSpPr>
-        <a:xfrm>
-          <a:off x="0" y="0"/>
-          <a:ext cx="0" cy="0"/>
-          <a:chOff x="0" y="0"/>
-          <a:chExt cx="0" cy="0"/>
-        </a:xfrm>
-      </p:grpSpPr>
-      <p:sp>
-        <p:nvSpPr>
-          <p:cNvPr id="44" name="도형 17"/>
-          <p:cNvSpPr>
-            <a:spLocks/>
-          </p:cNvSpPr>
-          <p:nvPr/>
-        </p:nvSpPr>
-        <p:spPr>
-          <a:xfrm>
-            <a:off x="765868" y="316230"/>
-            <a:ext cx="1293944" cy="454292"/>
-          </a:xfrm>
-          <a:prstGeom prst="rect">
-            <a:avLst/>
-          </a:prstGeom>
-          <a:ln w="0">
-            <a:noFill/>
-            <a:prstDash/>
-          </a:ln>
-        </p:spPr>
-        <p:txBody>
-          <a:bodyPr vert="horz" wrap="none" lIns="91440" tIns="45720" rIns="91440" bIns="45720" numCol="1" anchor="t">
-            <a:spAutoFit/>
-          </a:bodyPr>
-          <a:lstStyle/>
-          <a:p>
-            <a:pPr marL="0" indent="0" latinLnBrk="0">
-              <a:lnSpc>
-                <a:spcPct val="150000"/>
-              </a:lnSpc>
-              <a:buFontTx/>
-              <a:buNone/>
-            </a:pPr>
-            <a:r>
-              <a:rPr lang="en-US" altLang="ko-KR" dirty="0">
-                <a:solidFill>
-                  <a:schemeClr val="bg1"/>
-                </a:solidFill>
-              </a:rPr>
-              <a:t>SQL CRUD</a:t>
-            </a:r>
-            <a:endParaRPr lang="ko-KR" altLang="en-US" dirty="0">
-              <a:solidFill>
-                <a:schemeClr val="bg1"/>
-              </a:solidFill>
-            </a:endParaRPr>
-          </a:p>
-        </p:txBody>
-      </p:sp>
-      <p:sp>
-        <p:nvSpPr>
-          <p:cNvPr id="7" name="내용 개체 틀 2"/>
-          <p:cNvSpPr txBox="1">
-            <a:spLocks/>
-          </p:cNvSpPr>
-          <p:nvPr/>
-        </p:nvSpPr>
-        <p:spPr>
-          <a:xfrm>
-            <a:off x="457200" y="1600200"/>
-            <a:ext cx="11290300" cy="4525963"/>
-          </a:xfrm>
-          <a:prstGeom prst="rect">
-            <a:avLst/>
-          </a:prstGeom>
-        </p:spPr>
-        <p:txBody>
-          <a:bodyPr/>
-          <a:lstStyle>
-            <a:lvl1pPr marL="228600" indent="-228600" algn="l" defTabSz="914400" rtl="0" eaLnBrk="1" latinLnBrk="1" hangingPunct="1">
-              <a:lnSpc>
-                <a:spcPct val="90000"/>
-              </a:lnSpc>
-              <a:spcBef>
-                <a:spcPts val="1000"/>
-              </a:spcBef>
-              <a:buFont typeface="Arial" panose="020B0604020202020204" pitchFamily="34" charset="0"/>
-              <a:buChar char="•"/>
-              <a:defRPr sz="2800" kern="1200">
-                <a:solidFill>
-                  <a:schemeClr val="tx1"/>
-                </a:solidFill>
-                <a:latin typeface="+mn-lt"/>
-                <a:ea typeface="+mn-ea"/>
-                <a:cs typeface="+mn-cs"/>
-              </a:defRPr>
-            </a:lvl1pPr>
-            <a:lvl2pPr marL="685800" indent="-228600" algn="l" defTabSz="914400" rtl="0" eaLnBrk="1" latinLnBrk="1" hangingPunct="1">
-              <a:lnSpc>
-                <a:spcPct val="90000"/>
-              </a:lnSpc>
-              <a:spcBef>
-                <a:spcPts val="500"/>
-              </a:spcBef>
-              <a:buFont typeface="Arial" panose="020B0604020202020204" pitchFamily="34" charset="0"/>
-              <a:buChar char="•"/>
-              <a:defRPr sz="2400" kern="1200">
-                <a:solidFill>
-                  <a:schemeClr val="tx1"/>
-                </a:solidFill>
-                <a:latin typeface="+mn-lt"/>
-                <a:ea typeface="+mn-ea"/>
-                <a:cs typeface="+mn-cs"/>
-              </a:defRPr>
-            </a:lvl2pPr>
-            <a:lvl3pPr marL="1143000" indent="-228600" algn="l" defTabSz="914400" rtl="0" eaLnBrk="1" latinLnBrk="1" hangingPunct="1">
-              <a:lnSpc>
-                <a:spcPct val="90000"/>
-              </a:lnSpc>
-              <a:spcBef>
-                <a:spcPts val="500"/>
-              </a:spcBef>
-              <a:buFont typeface="Arial" panose="020B0604020202020204" pitchFamily="34" charset="0"/>
-              <a:buChar char="•"/>
-              <a:defRPr sz="2000" kern="1200">
-                <a:solidFill>
-                  <a:schemeClr val="tx1"/>
-                </a:solidFill>
-                <a:latin typeface="+mn-lt"/>
-                <a:ea typeface="+mn-ea"/>
-                <a:cs typeface="+mn-cs"/>
-              </a:defRPr>
-            </a:lvl3pPr>
-            <a:lvl4pPr marL="1600200" indent="-228600" algn="l" defTabSz="914400" rtl="0" eaLnBrk="1" latinLnBrk="1" hangingPunct="1">
-              <a:lnSpc>
-                <a:spcPct val="90000"/>
-              </a:lnSpc>
-              <a:spcBef>
-                <a:spcPts val="500"/>
-              </a:spcBef>
-              <a:buFont typeface="Arial" panose="020B0604020202020204" pitchFamily="34" charset="0"/>
-              <a:buChar char="•"/>
-              <a:defRPr sz="1800" kern="1200">
-                <a:solidFill>
-                  <a:schemeClr val="tx1"/>
-                </a:solidFill>
-                <a:latin typeface="+mn-lt"/>
-                <a:ea typeface="+mn-ea"/>
-                <a:cs typeface="+mn-cs"/>
-              </a:defRPr>
-            </a:lvl4pPr>
-            <a:lvl5pPr marL="2057400" indent="-228600" algn="l" defTabSz="914400" rtl="0" eaLnBrk="1" latinLnBrk="1" hangingPunct="1">
-              <a:lnSpc>
-                <a:spcPct val="90000"/>
-              </a:lnSpc>
-              <a:spcBef>
-                <a:spcPts val="500"/>
-              </a:spcBef>
-              <a:buFont typeface="Arial" panose="020B0604020202020204" pitchFamily="34" charset="0"/>
-              <a:buChar char="•"/>
-              <a:defRPr sz="1800" kern="1200">
-                <a:solidFill>
-                  <a:schemeClr val="tx1"/>
-                </a:solidFill>
-                <a:latin typeface="+mn-lt"/>
-                <a:ea typeface="+mn-ea"/>
-                <a:cs typeface="+mn-cs"/>
-              </a:defRPr>
-            </a:lvl5pPr>
-            <a:lvl6pPr marL="2514600" indent="-228600" algn="l" defTabSz="914400" rtl="0" eaLnBrk="1" latinLnBrk="1" hangingPunct="1">
-              <a:lnSpc>
-                <a:spcPct val="90000"/>
-              </a:lnSpc>
-              <a:spcBef>
-                <a:spcPts val="500"/>
-              </a:spcBef>
-              <a:buFont typeface="Arial" panose="020B0604020202020204" pitchFamily="34" charset="0"/>
-              <a:buChar char="•"/>
-              <a:defRPr sz="1800" kern="1200">
-                <a:solidFill>
-                  <a:schemeClr val="tx1"/>
-                </a:solidFill>
-                <a:latin typeface="+mn-lt"/>
-                <a:ea typeface="+mn-ea"/>
-                <a:cs typeface="+mn-cs"/>
-              </a:defRPr>
-            </a:lvl6pPr>
-            <a:lvl7pPr marL="2971800" indent="-228600" algn="l" defTabSz="914400" rtl="0" eaLnBrk="1" latinLnBrk="1" hangingPunct="1">
-              <a:lnSpc>
-                <a:spcPct val="90000"/>
-              </a:lnSpc>
-              <a:spcBef>
-                <a:spcPts val="500"/>
-              </a:spcBef>
-              <a:buFont typeface="Arial" panose="020B0604020202020204" pitchFamily="34" charset="0"/>
-              <a:buChar char="•"/>
-              <a:defRPr sz="1800" kern="1200">
-                <a:solidFill>
-                  <a:schemeClr val="tx1"/>
-                </a:solidFill>
-                <a:latin typeface="+mn-lt"/>
-                <a:ea typeface="+mn-ea"/>
-                <a:cs typeface="+mn-cs"/>
-              </a:defRPr>
-            </a:lvl7pPr>
-            <a:lvl8pPr marL="3429000" indent="-228600" algn="l" defTabSz="914400" rtl="0" eaLnBrk="1" latinLnBrk="1" hangingPunct="1">
-              <a:lnSpc>
-                <a:spcPct val="90000"/>
-              </a:lnSpc>
-              <a:spcBef>
-                <a:spcPts val="500"/>
-              </a:spcBef>
-              <a:buFont typeface="Arial" panose="020B0604020202020204" pitchFamily="34" charset="0"/>
-              <a:buChar char="•"/>
-              <a:defRPr sz="1800" kern="1200">
-                <a:solidFill>
-                  <a:schemeClr val="tx1"/>
-                </a:solidFill>
-                <a:latin typeface="+mn-lt"/>
-                <a:ea typeface="+mn-ea"/>
-                <a:cs typeface="+mn-cs"/>
-              </a:defRPr>
-            </a:lvl8pPr>
-            <a:lvl9pPr marL="3886200" indent="-228600" algn="l" defTabSz="914400" rtl="0" eaLnBrk="1" latinLnBrk="1" hangingPunct="1">
-              <a:lnSpc>
-                <a:spcPct val="90000"/>
-              </a:lnSpc>
-              <a:spcBef>
-                <a:spcPts val="500"/>
-              </a:spcBef>
-              <a:buFont typeface="Arial" panose="020B0604020202020204" pitchFamily="34" charset="0"/>
-              <a:buChar char="•"/>
-              <a:defRPr sz="1800" kern="1200">
-                <a:solidFill>
-                  <a:schemeClr val="tx1"/>
-                </a:solidFill>
-                <a:latin typeface="+mn-lt"/>
-                <a:ea typeface="+mn-ea"/>
-                <a:cs typeface="+mn-cs"/>
-              </a:defRPr>
-            </a:lvl9pPr>
-          </a:lstStyle>
-          <a:p>
-            <a:pPr marL="0" indent="0">
-              <a:buNone/>
-            </a:pPr>
-            <a:r>
               <a:rPr lang="en-US" altLang="ko-KR" dirty="0"/>
               <a:t>4) Delete : </a:t>
             </a:r>
@@ -13341,6 +14216,28 @@
               <a:rPr lang="en-US" altLang="ko-KR" sz="2400" dirty="0"/>
               <a:t>;</a:t>
             </a:r>
+          </a:p>
+          <a:p>
+            <a:pPr marL="0" indent="0">
+              <a:buNone/>
+            </a:pPr>
+            <a:r>
+              <a:rPr lang="en-US" altLang="ko-KR" dirty="0"/>
+              <a:t>* </a:t>
+            </a:r>
+            <a:r>
+              <a:rPr lang="ko-KR" altLang="en-US" dirty="0"/>
+              <a:t>조건 없는 </a:t>
+            </a:r>
+            <a:r>
+              <a:rPr lang="en-US" altLang="ko-KR" dirty="0" smtClean="0"/>
+              <a:t>delete </a:t>
+            </a:r>
+            <a:r>
+              <a:rPr lang="ko-KR" altLang="en-US" dirty="0"/>
+              <a:t>금지</a:t>
+            </a:r>
+            <a:endParaRPr lang="en-US" altLang="ko-KR" dirty="0"/>
           </a:p>
           <a:p>
             <a:pPr marL="514350" indent="-514350">
@@ -13363,7 +14260,7 @@
 </p:sld>
 </file>
 
-<file path=ppt/slides/slide22.xml><?xml version="1.0" encoding="utf-8"?>
+<file path=ppt/slides/slide24.xml><?xml version="1.0" encoding="utf-8"?>
 <p:sld xmlns:a="http://schemas.openxmlformats.org/drawingml/2006/main" xmlns:r="http://schemas.openxmlformats.org/officeDocument/2006/relationships" xmlns:p="http://schemas.openxmlformats.org/presentationml/2006/main">
   <p:cSld>
     <p:spTree>
@@ -13713,7 +14610,7 @@
 </p:sld>
 </file>
 
-<file path=ppt/slides/slide23.xml><?xml version="1.0" encoding="utf-8"?>
+<file path=ppt/slides/slide25.xml><?xml version="1.0" encoding="utf-8"?>
 <p:sld xmlns:a="http://schemas.openxmlformats.org/drawingml/2006/main" xmlns:r="http://schemas.openxmlformats.org/officeDocument/2006/relationships" xmlns:p="http://schemas.openxmlformats.org/presentationml/2006/main">
   <p:cSld>
     <p:spTree>
@@ -13973,7 +14870,7 @@
             </a:r>
             <a:r>
               <a:rPr lang="en-US" altLang="ko-KR" dirty="0" smtClean="0"/>
-              <a:t>11. </a:t>
+              <a:t>16. </a:t>
             </a:r>
             <a:r>
               <a:rPr lang="ko-KR" altLang="en-US" dirty="0" smtClean="0"/>
@@ -14016,7 +14913,7 @@
             </a:r>
             <a:r>
               <a:rPr lang="en-US" altLang="ko-KR" dirty="0" smtClean="0"/>
-              <a:t>12. </a:t>
+              <a:t>17. </a:t>
             </a:r>
             <a:r>
               <a:rPr lang="ko-KR" altLang="en-US" dirty="0" smtClean="0"/>
@@ -14051,11 +14948,11 @@
             </a:r>
             <a:r>
               <a:rPr lang="en-US" altLang="ko-KR" dirty="0" smtClean="0"/>
-              <a:t>13. </a:t>
+              <a:t>18. </a:t>
             </a:r>
             <a:r>
               <a:rPr lang="ko-KR" altLang="en-US" dirty="0" smtClean="0"/>
-              <a:t>상품권발급대장의 지급 금액을 변경 하시오</a:t>
+              <a:t>상품권발급대장의 지급된 금액을 변경 하시오</a:t>
             </a:r>
             <a:endParaRPr lang="en-US" altLang="ko-KR" dirty="0" smtClean="0"/>
           </a:p>
@@ -14076,7 +14973,7 @@
             <a:pPr marL="0" indent="0">
               <a:buNone/>
             </a:pPr>
-            <a:endParaRPr lang="en-US" altLang="ko-KR" dirty="0"/>
+            <a:endParaRPr lang="en-US" altLang="ko-KR" dirty="0" smtClean="0"/>
           </a:p>
           <a:p>
             <a:pPr marL="0" indent="0">
@@ -14099,7 +14996,7 @@
 </p:sld>
 </file>
 
-<file path=ppt/slides/slide24.xml><?xml version="1.0" encoding="utf-8"?>
+<file path=ppt/slides/slide26.xml><?xml version="1.0" encoding="utf-8"?>
 <p:sld xmlns:a="http://schemas.openxmlformats.org/drawingml/2006/main" xmlns:r="http://schemas.openxmlformats.org/officeDocument/2006/relationships" xmlns:p="http://schemas.openxmlformats.org/presentationml/2006/main">
   <p:cSld>
     <p:spTree>
@@ -14473,10 +15370,9 @@
               <a:t>건수를 출력 하시오</a:t>
             </a:r>
             <a:r>
-              <a:rPr lang="en-US" altLang="ko-KR" sz="2400" smtClean="0"/>
+              <a:rPr lang="en-US" altLang="ko-KR" sz="2400" dirty="0" smtClean="0"/>
               <a:t>.</a:t>
             </a:r>
-            <a:endParaRPr lang="en-US" altLang="ko-KR" sz="2400" dirty="0" smtClean="0"/>
           </a:p>
           <a:p>
             <a:pPr marL="0" indent="0">
@@ -15310,8 +16206,8 @@
         </p:blipFill>
         <p:spPr>
           <a:xfrm>
-            <a:off x="457200" y="1853697"/>
-            <a:ext cx="5668166" cy="2086266"/>
+            <a:off x="2260947" y="1306116"/>
+            <a:ext cx="7158626" cy="2634855"/>
           </a:xfrm>
           <a:prstGeom prst="rect">
             <a:avLst/>
@@ -15407,8 +16303,8 @@
         </p:blipFill>
         <p:spPr>
           <a:xfrm>
-            <a:off x="2358717" y="4462606"/>
-            <a:ext cx="4582164" cy="2067213"/>
+            <a:off x="2260946" y="4058950"/>
+            <a:ext cx="5818341" cy="2624906"/>
           </a:xfrm>
           <a:prstGeom prst="rect">
             <a:avLst/>
@@ -15798,8 +16694,8 @@
         </p:blipFill>
         <p:spPr>
           <a:xfrm>
-            <a:off x="457200" y="3223671"/>
-            <a:ext cx="4925112" cy="2657846"/>
+            <a:off x="2919755" y="2747682"/>
+            <a:ext cx="7564529" cy="4082212"/>
           </a:xfrm>
           <a:prstGeom prst="rect">
             <a:avLst/>
@@ -15838,7 +16734,7 @@
       </p:grpSpPr>
       <p:sp>
         <p:nvSpPr>
-          <p:cNvPr id="2" name="도형 17"/>
+          <p:cNvPr id="44" name="도형 17"/>
           <p:cNvSpPr>
             <a:spLocks/>
           </p:cNvSpPr>
@@ -15888,7 +16784,7 @@
       </p:sp>
       <p:sp>
         <p:nvSpPr>
-          <p:cNvPr id="3" name="내용 개체 틀 2"/>
+          <p:cNvPr id="7" name="내용 개체 틀 2"/>
           <p:cNvSpPr txBox="1">
             <a:spLocks/>
           </p:cNvSpPr>
@@ -16073,128 +16969,120 @@
             <a:pPr marL="0" indent="0">
               <a:buNone/>
             </a:pPr>
+            <a:endParaRPr lang="en-US" altLang="ko-KR" dirty="0"/>
+          </a:p>
+        </p:txBody>
+      </p:sp>
+      <p:sp>
+        <p:nvSpPr>
+          <p:cNvPr id="3" name="직사각형 2"/>
+          <p:cNvSpPr/>
+          <p:nvPr/>
+        </p:nvSpPr>
+        <p:spPr>
+          <a:xfrm>
+            <a:off x="457200" y="1306117"/>
+            <a:ext cx="11290300" cy="1477328"/>
+          </a:xfrm>
+          <a:prstGeom prst="rect">
+            <a:avLst/>
+          </a:prstGeom>
+        </p:spPr>
+        <p:txBody>
+          <a:bodyPr wrap="square">
+            <a:spAutoFit/>
+          </a:bodyPr>
+          <a:lstStyle/>
+          <a:p>
+            <a:r>
+              <a:rPr lang="en-US" altLang="ko-KR" dirty="0" smtClean="0"/>
+              <a:t>INSERT </a:t>
+            </a:r>
             <a:r>
               <a:rPr lang="ko-KR" altLang="en-US" dirty="0" smtClean="0"/>
-              <a:t>실습 </a:t>
+              <a:t>예제 </a:t>
             </a:r>
             <a:r>
               <a:rPr lang="en-US" altLang="ko-KR" dirty="0" smtClean="0"/>
-              <a:t>1. </a:t>
-            </a:r>
-            <a:r>
-              <a:rPr lang="ko-KR" altLang="en-US" dirty="0" smtClean="0"/>
-              <a:t>고객관리대장 테이블에 새로운 고객 </a:t>
-            </a:r>
-            <a:r>
-              <a:rPr lang="en-US" altLang="ko-KR" dirty="0" smtClean="0"/>
-              <a:t>5</a:t>
-            </a:r>
-            <a:r>
-              <a:rPr lang="ko-KR" altLang="en-US" dirty="0" smtClean="0"/>
-              <a:t>명을 더 입력하고 </a:t>
-            </a:r>
-            <a:r>
-              <a:rPr lang="ko-KR" altLang="en-US" dirty="0" err="1" smtClean="0"/>
-              <a:t>출력하시오</a:t>
-            </a:r>
-            <a:r>
-              <a:rPr lang="en-US" altLang="ko-KR" dirty="0" smtClean="0"/>
-              <a:t>.</a:t>
-            </a:r>
-          </a:p>
-          <a:p>
-            <a:pPr marL="0" indent="0">
-              <a:buNone/>
-            </a:pPr>
-            <a:endParaRPr lang="en-US" altLang="ko-KR" dirty="0"/>
-          </a:p>
-          <a:p>
-            <a:pPr marL="0" indent="0">
-              <a:buNone/>
-            </a:pPr>
-            <a:r>
-              <a:rPr lang="ko-KR" altLang="en-US" dirty="0" smtClean="0"/>
-              <a:t>실습 </a:t>
-            </a:r>
-            <a:r>
-              <a:rPr lang="en-US" altLang="ko-KR" dirty="0" smtClean="0"/>
-              <a:t>2. </a:t>
-            </a:r>
-            <a:r>
-              <a:rPr lang="ko-KR" altLang="en-US" dirty="0" smtClean="0"/>
-              <a:t>상품권관리대장에 당첨 정보 </a:t>
-            </a:r>
-            <a:r>
-              <a:rPr lang="en-US" altLang="ko-KR" dirty="0" smtClean="0"/>
-              <a:t>5</a:t>
-            </a:r>
-            <a:r>
-              <a:rPr lang="ko-KR" altLang="en-US" dirty="0" smtClean="0"/>
-              <a:t>건을 입력 후 출력 하시오</a:t>
-            </a:r>
-            <a:r>
-              <a:rPr lang="en-US" altLang="ko-KR" dirty="0" smtClean="0"/>
-              <a:t>. </a:t>
-            </a:r>
-          </a:p>
-          <a:p>
-            <a:pPr marL="0" indent="0">
-              <a:buNone/>
-            </a:pPr>
-            <a:endParaRPr lang="en-US" altLang="ko-KR" dirty="0"/>
-          </a:p>
-          <a:p>
-            <a:pPr marL="0" indent="0">
-              <a:buNone/>
-            </a:pPr>
-            <a:r>
-              <a:rPr lang="ko-KR" altLang="en-US" dirty="0" smtClean="0"/>
-              <a:t>실습 </a:t>
-            </a:r>
-            <a:r>
-              <a:rPr lang="en-US" altLang="ko-KR" dirty="0" smtClean="0"/>
-              <a:t>3. </a:t>
-            </a:r>
-            <a:r>
-              <a:rPr lang="ko-KR" altLang="en-US" dirty="0" smtClean="0"/>
-              <a:t>고객관리대장에 </a:t>
-            </a:r>
-            <a:r>
-              <a:rPr lang="en-US" altLang="ko-KR" dirty="0" err="1" smtClean="0"/>
+              <a:t>4</a:t>
+            </a:r>
+          </a:p>
+          <a:p>
+            <a:endParaRPr lang="en-US" altLang="ko-KR" dirty="0" smtClean="0"/>
+          </a:p>
+          <a:p>
+            <a:r>
+              <a:rPr lang="en-US" altLang="ko-KR" dirty="0"/>
+              <a:t>insert into voucher(</a:t>
+            </a:r>
+            <a:r>
+              <a:rPr lang="en-US" altLang="ko-KR" dirty="0" err="1"/>
               <a:t>c_id</a:t>
             </a:r>
             <a:r>
-              <a:rPr lang="en-US" altLang="ko-KR" dirty="0" smtClean="0"/>
-              <a:t> = 2 </a:t>
-            </a:r>
-            <a:r>
-              <a:rPr lang="ko-KR" altLang="en-US" dirty="0" smtClean="0"/>
-              <a:t>인 내용으로 </a:t>
-            </a:r>
-            <a:r>
-              <a:rPr lang="en-US" altLang="ko-KR" dirty="0" err="1" smtClean="0"/>
-              <a:t>c_id</a:t>
-            </a:r>
-            <a:r>
-              <a:rPr lang="ko-KR" altLang="en-US" dirty="0" smtClean="0"/>
-              <a:t>와 </a:t>
-            </a:r>
-            <a:r>
-              <a:rPr lang="en-US" altLang="ko-KR" dirty="0" err="1" smtClean="0"/>
-              <a:t>c_name</a:t>
-            </a:r>
-            <a:r>
-              <a:rPr lang="ko-KR" altLang="en-US" dirty="0" smtClean="0"/>
-              <a:t>을 바꾸어 새로운 고객을 생성 하시오</a:t>
-            </a:r>
-            <a:endParaRPr lang="en-US" altLang="ko-KR" dirty="0"/>
-          </a:p>
-        </p:txBody>
-      </p:sp>
+              <a:rPr lang="en-US" altLang="ko-KR" dirty="0"/>
+              <a:t>, </a:t>
+            </a:r>
+            <a:r>
+              <a:rPr lang="en-US" altLang="ko-KR" dirty="0" err="1"/>
+              <a:t>voucher_amount</a:t>
+            </a:r>
+            <a:r>
+              <a:rPr lang="en-US" altLang="ko-KR" dirty="0"/>
+              <a:t>, </a:t>
+            </a:r>
+            <a:r>
+              <a:rPr lang="en-US" altLang="ko-KR" dirty="0" err="1"/>
+              <a:t>issue_date</a:t>
+            </a:r>
+            <a:r>
+              <a:rPr lang="en-US" altLang="ko-KR" dirty="0"/>
+              <a:t>)</a:t>
+            </a:r>
+          </a:p>
+          <a:p>
+            <a:r>
+              <a:rPr lang="en-US" altLang="ko-KR" dirty="0"/>
+              <a:t>values(10, 100000,  '2022-06-03' )</a:t>
+            </a:r>
+          </a:p>
+          <a:p>
+            <a:r>
+              <a:rPr lang="en-US" altLang="ko-KR" dirty="0"/>
+              <a:t>      , (10, 50000, now());</a:t>
+            </a:r>
+            <a:endParaRPr lang="ko-KR" altLang="en-US" dirty="0"/>
+          </a:p>
+        </p:txBody>
+      </p:sp>
+      <p:pic>
+        <p:nvPicPr>
+          <p:cNvPr id="6" name="그림 5"/>
+          <p:cNvPicPr>
+            <a:picLocks noChangeAspect="1"/>
+          </p:cNvPicPr>
+          <p:nvPr/>
+        </p:nvPicPr>
+        <p:blipFill>
+          <a:blip r:embed="rId2"/>
+          <a:stretch>
+            <a:fillRect/>
+          </a:stretch>
+        </p:blipFill>
+        <p:spPr>
+          <a:xfrm>
+            <a:off x="585398" y="2783445"/>
+            <a:ext cx="7456311" cy="3883189"/>
+          </a:xfrm>
+          <a:prstGeom prst="rect">
+            <a:avLst/>
+          </a:prstGeom>
+        </p:spPr>
+      </p:pic>
     </p:spTree>
     <p:extLst>
       <p:ext uri="{BB962C8B-B14F-4D97-AF65-F5344CB8AC3E}">
-        <p14:creationId xmlns:p14="http://schemas.microsoft.com/office/powerpoint/2010/main" val="1316545266"/>
+        <p14:creationId xmlns:p14="http://schemas.microsoft.com/office/powerpoint/2010/main" val="2270181304"/>
       </p:ext>
     </p:extLst>
   </p:cSld>
@@ -16223,7 +17111,7 @@
       </p:grpSpPr>
       <p:sp>
         <p:nvSpPr>
-          <p:cNvPr id="44" name="도형 17"/>
+          <p:cNvPr id="2" name="도형 17"/>
           <p:cNvSpPr>
             <a:spLocks/>
           </p:cNvSpPr>
@@ -16273,7 +17161,7 @@
       </p:sp>
       <p:sp>
         <p:nvSpPr>
-          <p:cNvPr id="7" name="내용 개체 틀 2"/>
+          <p:cNvPr id="3" name="내용 개체 틀 2"/>
           <p:cNvSpPr txBox="1">
             <a:spLocks/>
           </p:cNvSpPr>
@@ -16459,113 +17347,123 @@
               <a:buNone/>
             </a:pPr>
             <a:r>
-              <a:rPr lang="en-US" altLang="ko-KR" dirty="0"/>
-              <a:t>2) Read : </a:t>
-            </a:r>
-            <a:r>
-              <a:rPr lang="ko-KR" altLang="en-US" dirty="0"/>
-              <a:t>조회 </a:t>
-            </a:r>
-            <a:r>
-              <a:rPr lang="en-US" altLang="ko-KR" dirty="0"/>
-              <a:t>(SELECT)</a:t>
+              <a:rPr lang="ko-KR" altLang="en-US" dirty="0" smtClean="0"/>
+              <a:t>실습 </a:t>
+            </a:r>
+            <a:r>
+              <a:rPr lang="en-US" altLang="ko-KR" dirty="0" smtClean="0"/>
+              <a:t>1. </a:t>
+            </a:r>
+            <a:r>
+              <a:rPr lang="ko-KR" altLang="en-US" dirty="0" smtClean="0"/>
+              <a:t>고객관리대장 테이블에 새로운 고객 </a:t>
+            </a:r>
+            <a:r>
+              <a:rPr lang="en-US" altLang="ko-KR" dirty="0" smtClean="0"/>
+              <a:t>5</a:t>
+            </a:r>
+            <a:r>
+              <a:rPr lang="ko-KR" altLang="en-US" dirty="0" smtClean="0"/>
+              <a:t>명을 더 입력하고 </a:t>
+            </a:r>
+            <a:r>
+              <a:rPr lang="ko-KR" altLang="en-US" dirty="0" err="1" smtClean="0"/>
+              <a:t>출력하시오</a:t>
+            </a:r>
+            <a:r>
+              <a:rPr lang="en-US" altLang="ko-KR" dirty="0" smtClean="0"/>
+              <a:t>.</a:t>
             </a:r>
           </a:p>
           <a:p>
             <a:pPr marL="0" indent="0">
               <a:buNone/>
             </a:pPr>
-            <a:r>
-              <a:rPr lang="en-US" altLang="ko-KR" sz="2400" dirty="0"/>
-              <a:t>   - </a:t>
-            </a:r>
-            <a:r>
-              <a:rPr lang="ko-KR" altLang="en-US" sz="2400" dirty="0"/>
-              <a:t>테이블에 저장된 내용을 조회하는 명령어</a:t>
-            </a:r>
-            <a:endParaRPr lang="en-US" altLang="ko-KR" sz="2400" dirty="0"/>
-          </a:p>
-          <a:p>
-            <a:pPr marL="457200" indent="-457200">
-              <a:lnSpc>
-                <a:spcPct val="150000"/>
-              </a:lnSpc>
-              <a:buFont typeface="Arial" panose="020B0604020202020204" pitchFamily="34" charset="0"/>
-              <a:buChar char="•"/>
-            </a:pPr>
-            <a:r>
-              <a:rPr lang="ko-KR" altLang="en-US" sz="2800" dirty="0"/>
-              <a:t>기본유형</a:t>
-            </a:r>
-            <a:endParaRPr lang="en-US" altLang="ko-KR" sz="2800" dirty="0"/>
-          </a:p>
-          <a:p>
-            <a:pPr marL="800100" lvl="1" indent="-342900">
-              <a:lnSpc>
-                <a:spcPct val="150000"/>
-              </a:lnSpc>
-              <a:buFont typeface="Arial" panose="020B0604020202020204" pitchFamily="34" charset="0"/>
-              <a:buChar char="•"/>
-            </a:pPr>
-            <a:r>
-              <a:rPr lang="en-US" altLang="ko-KR" sz="2400" dirty="0"/>
-              <a:t>Select </a:t>
-            </a:r>
-            <a:r>
-              <a:rPr lang="ko-KR" altLang="en-US" sz="2400" dirty="0" err="1"/>
-              <a:t>컬럼명</a:t>
-            </a:r>
-            <a:r>
-              <a:rPr lang="ko-KR" altLang="en-US" sz="2400" dirty="0"/>
-              <a:t> </a:t>
-            </a:r>
-            <a:r>
-              <a:rPr lang="en-US" altLang="ko-KR" sz="2400" dirty="0"/>
-              <a:t>from </a:t>
-            </a:r>
-            <a:r>
-              <a:rPr lang="ko-KR" altLang="en-US" sz="2400" dirty="0"/>
-              <a:t>테이블명 </a:t>
-            </a:r>
-            <a:r>
-              <a:rPr lang="en-US" altLang="ko-KR" sz="2400" dirty="0"/>
-              <a:t>where </a:t>
-            </a:r>
-            <a:r>
-              <a:rPr lang="ko-KR" altLang="en-US" sz="2400" dirty="0"/>
-              <a:t>조건</a:t>
-            </a:r>
-            <a:endParaRPr lang="en-US" altLang="ko-KR" sz="2400" dirty="0"/>
-          </a:p>
-          <a:p>
-            <a:pPr marL="800100" lvl="1" indent="-342900">
-              <a:lnSpc>
-                <a:spcPct val="150000"/>
-              </a:lnSpc>
-              <a:buFont typeface="Arial" panose="020B0604020202020204" pitchFamily="34" charset="0"/>
-              <a:buChar char="•"/>
-            </a:pPr>
-            <a:r>
-              <a:rPr lang="en-US" altLang="ko-KR" sz="2400" dirty="0" smtClean="0"/>
-              <a:t>group </a:t>
-            </a:r>
-            <a:r>
-              <a:rPr lang="en-US" altLang="ko-KR" sz="2400" dirty="0"/>
-              <a:t>by, order by, having</a:t>
-            </a:r>
-            <a:r>
-              <a:rPr lang="ko-KR" altLang="en-US" sz="2400" dirty="0"/>
-              <a:t>을 사용 할 수 있음</a:t>
-            </a:r>
-            <a:r>
-              <a:rPr lang="en-US" altLang="ko-KR" sz="2400" dirty="0"/>
+            <a:endParaRPr lang="en-US" altLang="ko-KR" dirty="0"/>
+          </a:p>
+          <a:p>
+            <a:pPr marL="0" indent="0">
+              <a:buNone/>
+            </a:pPr>
+            <a:r>
+              <a:rPr lang="ko-KR" altLang="en-US" dirty="0" smtClean="0"/>
+              <a:t>실습 </a:t>
+            </a:r>
+            <a:r>
+              <a:rPr lang="en-US" altLang="ko-KR" dirty="0" smtClean="0"/>
+              <a:t>2. </a:t>
+            </a:r>
+            <a:r>
+              <a:rPr lang="ko-KR" altLang="en-US" dirty="0" smtClean="0"/>
+              <a:t>상품권관리대장에 당첨 정보 </a:t>
+            </a:r>
+            <a:r>
+              <a:rPr lang="en-US" altLang="ko-KR" dirty="0" smtClean="0"/>
+              <a:t>5</a:t>
+            </a:r>
+            <a:r>
+              <a:rPr lang="ko-KR" altLang="en-US" dirty="0" smtClean="0"/>
+              <a:t>건을 입력 후 출력 하시오</a:t>
+            </a:r>
+            <a:r>
+              <a:rPr lang="en-US" altLang="ko-KR" dirty="0" smtClean="0"/>
+              <a:t>. </a:t>
+            </a:r>
+          </a:p>
+          <a:p>
+            <a:pPr marL="0" indent="0">
+              <a:buNone/>
+            </a:pPr>
+            <a:endParaRPr lang="en-US" altLang="ko-KR" dirty="0"/>
+          </a:p>
+          <a:p>
+            <a:pPr marL="0" indent="0">
+              <a:buNone/>
+            </a:pPr>
+            <a:r>
+              <a:rPr lang="ko-KR" altLang="en-US" dirty="0" smtClean="0"/>
+              <a:t>실습 </a:t>
+            </a:r>
+            <a:r>
+              <a:rPr lang="en-US" altLang="ko-KR" dirty="0" smtClean="0"/>
+              <a:t>3. </a:t>
+            </a:r>
+            <a:r>
+              <a:rPr lang="ko-KR" altLang="en-US" dirty="0" smtClean="0"/>
+              <a:t>고객관리대장에 </a:t>
+            </a:r>
+            <a:r>
+              <a:rPr lang="en-US" altLang="ko-KR" dirty="0" err="1" smtClean="0"/>
+              <a:t>c_id</a:t>
+            </a:r>
+            <a:r>
+              <a:rPr lang="en-US" altLang="ko-KR" dirty="0" smtClean="0"/>
+              <a:t> = 2 </a:t>
+            </a:r>
+            <a:r>
+              <a:rPr lang="ko-KR" altLang="en-US" dirty="0" smtClean="0"/>
+              <a:t>인 내용으로 </a:t>
+            </a:r>
+            <a:r>
+              <a:rPr lang="en-US" altLang="ko-KR" dirty="0" err="1" smtClean="0"/>
+              <a:t>c_id</a:t>
+            </a:r>
+            <a:r>
+              <a:rPr lang="ko-KR" altLang="en-US" dirty="0" smtClean="0"/>
+              <a:t>와 </a:t>
+            </a:r>
+            <a:r>
+              <a:rPr lang="en-US" altLang="ko-KR" dirty="0" err="1" smtClean="0"/>
+              <a:t>c_name</a:t>
+            </a:r>
+            <a:r>
+              <a:rPr lang="ko-KR" altLang="en-US" dirty="0" smtClean="0"/>
+              <a:t>을 다른 값을 넣어 새로운 고객을 생성 하시오</a:t>
+            </a:r>
+            <a:r>
+              <a:rPr lang="en-US" altLang="ko-KR" dirty="0" smtClean="0"/>
               <a:t>.</a:t>
             </a:r>
-          </a:p>
-          <a:p>
-            <a:pPr marL="514350" indent="-514350">
-              <a:buAutoNum type="arabicParenR"/>
-            </a:pPr>
             <a:endParaRPr lang="en-US" altLang="ko-KR" dirty="0"/>
           </a:p>
         </p:txBody>
@@ -16573,7 +17471,7 @@
     </p:spTree>
     <p:extLst>
       <p:ext uri="{BB962C8B-B14F-4D97-AF65-F5344CB8AC3E}">
-        <p14:creationId xmlns:p14="http://schemas.microsoft.com/office/powerpoint/2010/main" val="4199747788"/>
+        <p14:creationId xmlns:p14="http://schemas.microsoft.com/office/powerpoint/2010/main" val="1316545266"/>
       </p:ext>
     </p:extLst>
   </p:cSld>
@@ -16838,130 +17736,6 @@
               <a:buNone/>
             </a:pPr>
             <a:r>
-              <a:rPr lang="en-US" altLang="ko-KR" dirty="0" smtClean="0"/>
-              <a:t>2.1) Select - </a:t>
-            </a:r>
-            <a:r>
-              <a:rPr lang="ko-KR" altLang="en-US" dirty="0" smtClean="0"/>
-              <a:t>조건</a:t>
-            </a:r>
-            <a:endParaRPr lang="en-US" altLang="ko-KR" dirty="0"/>
-          </a:p>
-          <a:p>
-            <a:pPr marL="0" indent="0">
-              <a:buNone/>
-            </a:pPr>
-            <a:r>
-              <a:rPr lang="ko-KR" altLang="en-US" dirty="0" smtClean="0"/>
-              <a:t>고객 번호 </a:t>
-            </a:r>
-            <a:r>
-              <a:rPr lang="en-US" altLang="ko-KR" dirty="0" smtClean="0"/>
-              <a:t>6</a:t>
-            </a:r>
-            <a:r>
-              <a:rPr lang="ko-KR" altLang="en-US" dirty="0" smtClean="0"/>
-              <a:t>이상인 사람이 발급 받은 상품권의 금액 출력</a:t>
-            </a:r>
-            <a:endParaRPr lang="en-US" altLang="ko-KR" dirty="0" smtClean="0"/>
-          </a:p>
-          <a:p>
-            <a:pPr marL="0" indent="0">
-              <a:buNone/>
-            </a:pPr>
-            <a:r>
-              <a:rPr lang="en-US" altLang="ko-KR" dirty="0" smtClean="0"/>
-              <a:t>select </a:t>
-            </a:r>
-            <a:r>
-              <a:rPr lang="en-US" altLang="ko-KR" dirty="0" err="1" smtClean="0"/>
-              <a:t>voucher_amount</a:t>
-            </a:r>
-            <a:endParaRPr lang="en-US" altLang="ko-KR" dirty="0" smtClean="0"/>
-          </a:p>
-          <a:p>
-            <a:pPr marL="0" indent="0">
-              <a:buNone/>
-            </a:pPr>
-            <a:r>
-              <a:rPr lang="en-US" altLang="ko-KR" dirty="0"/>
-              <a:t> </a:t>
-            </a:r>
-            <a:r>
-              <a:rPr lang="en-US" altLang="ko-KR" dirty="0" smtClean="0"/>
-              <a:t> from voucher</a:t>
-            </a:r>
-          </a:p>
-          <a:p>
-            <a:pPr marL="0" indent="0">
-              <a:buNone/>
-            </a:pPr>
-            <a:r>
-              <a:rPr lang="en-US" altLang="ko-KR" dirty="0"/>
-              <a:t> </a:t>
-            </a:r>
-            <a:r>
-              <a:rPr lang="en-US" altLang="ko-KR" dirty="0" smtClean="0"/>
-              <a:t>where </a:t>
-            </a:r>
-            <a:r>
-              <a:rPr lang="en-US" altLang="ko-KR" dirty="0" err="1" smtClean="0"/>
-              <a:t>c_id</a:t>
-            </a:r>
-            <a:r>
-              <a:rPr lang="en-US" altLang="ko-KR" dirty="0" smtClean="0"/>
-              <a:t> &gt; 5;</a:t>
-            </a:r>
-            <a:endParaRPr lang="en-US" altLang="ko-KR" dirty="0"/>
-          </a:p>
-        </p:txBody>
-      </p:sp>
-      <p:pic>
-        <p:nvPicPr>
-          <p:cNvPr id="2" name="그림 1"/>
-          <p:cNvPicPr>
-            <a:picLocks noChangeAspect="1"/>
-          </p:cNvPicPr>
-          <p:nvPr/>
-        </p:nvPicPr>
-        <p:blipFill>
-          <a:blip r:embed="rId2"/>
-          <a:stretch>
-            <a:fillRect/>
-          </a:stretch>
-        </p:blipFill>
-        <p:spPr>
-          <a:xfrm>
-            <a:off x="4002066" y="3558029"/>
-            <a:ext cx="2648320" cy="2238687"/>
-          </a:xfrm>
-          <a:prstGeom prst="rect">
-            <a:avLst/>
-          </a:prstGeom>
-        </p:spPr>
-      </p:pic>
-      <p:sp>
-        <p:nvSpPr>
-          <p:cNvPr id="3" name="직사각형 2"/>
-          <p:cNvSpPr/>
-          <p:nvPr/>
-        </p:nvSpPr>
-        <p:spPr>
-          <a:xfrm>
-            <a:off x="3807842" y="358710"/>
-            <a:ext cx="2622256" cy="369332"/>
-          </a:xfrm>
-          <a:prstGeom prst="rect">
-            <a:avLst/>
-          </a:prstGeom>
-        </p:spPr>
-        <p:txBody>
-          <a:bodyPr wrap="none">
-            <a:spAutoFit/>
-          </a:bodyPr>
-          <a:lstStyle/>
-          <a:p>
-            <a:r>
               <a:rPr lang="en-US" altLang="ko-KR" dirty="0"/>
               <a:t>2) Read : </a:t>
             </a:r>
@@ -16973,13 +17747,110 @@
               <a:rPr lang="en-US" altLang="ko-KR" dirty="0"/>
               <a:t>(SELECT)</a:t>
             </a:r>
+          </a:p>
+          <a:p>
+            <a:pPr marL="0" indent="0">
+              <a:buNone/>
+            </a:pPr>
+            <a:r>
+              <a:rPr lang="en-US" altLang="ko-KR" sz="2400" dirty="0"/>
+              <a:t>   - </a:t>
+            </a:r>
+            <a:r>
+              <a:rPr lang="ko-KR" altLang="en-US" sz="2400" dirty="0"/>
+              <a:t>테이블에 저장된 내용을 조회하는 명령어</a:t>
+            </a:r>
+            <a:endParaRPr lang="en-US" altLang="ko-KR" sz="2400" dirty="0"/>
+          </a:p>
+          <a:p>
+            <a:pPr marL="457200" indent="-457200">
+              <a:lnSpc>
+                <a:spcPct val="150000"/>
+              </a:lnSpc>
+              <a:buFont typeface="Arial" panose="020B0604020202020204" pitchFamily="34" charset="0"/>
+              <a:buChar char="•"/>
+            </a:pPr>
+            <a:r>
+              <a:rPr lang="ko-KR" altLang="en-US" sz="2800" dirty="0"/>
+              <a:t>기본유형</a:t>
+            </a:r>
+            <a:endParaRPr lang="en-US" altLang="ko-KR" sz="2800" dirty="0"/>
+          </a:p>
+          <a:p>
+            <a:pPr marL="800100" lvl="1" indent="-342900">
+              <a:lnSpc>
+                <a:spcPct val="150000"/>
+              </a:lnSpc>
+              <a:buFont typeface="Arial" panose="020B0604020202020204" pitchFamily="34" charset="0"/>
+              <a:buChar char="•"/>
+            </a:pPr>
+            <a:r>
+              <a:rPr lang="en-US" altLang="ko-KR" sz="2400" dirty="0"/>
+              <a:t>Select </a:t>
+            </a:r>
+            <a:r>
+              <a:rPr lang="ko-KR" altLang="en-US" sz="2400" dirty="0" err="1"/>
+              <a:t>컬럼명</a:t>
+            </a:r>
+            <a:r>
+              <a:rPr lang="ko-KR" altLang="en-US" sz="2400" dirty="0"/>
+              <a:t> </a:t>
+            </a:r>
+            <a:r>
+              <a:rPr lang="en-US" altLang="ko-KR" sz="2400" dirty="0"/>
+              <a:t>from </a:t>
+            </a:r>
+            <a:r>
+              <a:rPr lang="ko-KR" altLang="en-US" sz="2400" dirty="0"/>
+              <a:t>테이블명 </a:t>
+            </a:r>
+            <a:r>
+              <a:rPr lang="en-US" altLang="ko-KR" sz="2400" dirty="0"/>
+              <a:t>where </a:t>
+            </a:r>
+            <a:r>
+              <a:rPr lang="ko-KR" altLang="en-US" sz="2400" dirty="0"/>
+              <a:t>조건</a:t>
+            </a:r>
+            <a:endParaRPr lang="en-US" altLang="ko-KR" sz="2400" dirty="0"/>
+          </a:p>
+          <a:p>
+            <a:pPr marL="800100" lvl="1" indent="-342900">
+              <a:lnSpc>
+                <a:spcPct val="150000"/>
+              </a:lnSpc>
+              <a:buFont typeface="Arial" panose="020B0604020202020204" pitchFamily="34" charset="0"/>
+              <a:buChar char="•"/>
+            </a:pPr>
+            <a:r>
+              <a:rPr lang="en-US" altLang="ko-KR" sz="2400" dirty="0" smtClean="0"/>
+              <a:t>group </a:t>
+            </a:r>
+            <a:r>
+              <a:rPr lang="en-US" altLang="ko-KR" sz="2400" dirty="0"/>
+              <a:t>by, order by, having</a:t>
+            </a:r>
+            <a:r>
+              <a:rPr lang="ko-KR" altLang="en-US" sz="2400" dirty="0"/>
+              <a:t>을 사용 할 수 있음</a:t>
+            </a:r>
+            <a:r>
+              <a:rPr lang="en-US" altLang="ko-KR" sz="2400" dirty="0"/>
+              <a:t>.</a:t>
+            </a:r>
+          </a:p>
+          <a:p>
+            <a:pPr marL="514350" indent="-514350">
+              <a:buAutoNum type="arabicParenR"/>
+            </a:pPr>
+            <a:endParaRPr lang="en-US" altLang="ko-KR" dirty="0"/>
           </a:p>
         </p:txBody>
       </p:sp>
     </p:spTree>
     <p:extLst>
       <p:ext uri="{BB962C8B-B14F-4D97-AF65-F5344CB8AC3E}">
-        <p14:creationId xmlns:p14="http://schemas.microsoft.com/office/powerpoint/2010/main" val="1995850048"/>
+        <p14:creationId xmlns:p14="http://schemas.microsoft.com/office/powerpoint/2010/main" val="4199747788"/>
       </p:ext>
     </p:extLst>
   </p:cSld>
@@ -17245,11 +18116,11 @@
             </a:pPr>
             <a:r>
               <a:rPr lang="en-US" altLang="ko-KR" dirty="0" smtClean="0"/>
-              <a:t>2.2) Select – </a:t>
+              <a:t>2.1) Select - </a:t>
             </a:r>
             <a:r>
               <a:rPr lang="ko-KR" altLang="en-US" dirty="0" smtClean="0"/>
-              <a:t>정렬</a:t>
+              <a:t>조건</a:t>
             </a:r>
             <a:endParaRPr lang="en-US" altLang="ko-KR" dirty="0"/>
           </a:p>
@@ -17259,7 +18130,15 @@
             </a:pPr>
             <a:r>
               <a:rPr lang="ko-KR" altLang="en-US" dirty="0" smtClean="0"/>
-              <a:t>발급된 상품권의 일자 순서 별 출력</a:t>
+              <a:t>고객 번호 </a:t>
+            </a:r>
+            <a:r>
+              <a:rPr lang="en-US" altLang="ko-KR" dirty="0" smtClean="0"/>
+              <a:t>6</a:t>
+            </a:r>
+            <a:r>
+              <a:rPr lang="ko-KR" altLang="en-US" dirty="0" smtClean="0"/>
+              <a:t>이상인 사람이 발급 받은 상품권의 금액 출력</a:t>
             </a:r>
             <a:endParaRPr lang="en-US" altLang="ko-KR" dirty="0" smtClean="0"/>
           </a:p>
@@ -17282,73 +18161,41 @@
               <a:buNone/>
             </a:pPr>
             <a:r>
-              <a:rPr lang="en-US" altLang="ko-KR" dirty="0" smtClean="0"/>
-              <a:t>  from voucher</a:t>
-            </a:r>
-          </a:p>
-          <a:p>
-            <a:pPr marL="0" indent="0">
-              <a:buNone/>
-            </a:pPr>
-            <a:r>
               <a:rPr lang="en-US" altLang="ko-KR" dirty="0"/>
               <a:t> </a:t>
             </a:r>
             <a:r>
               <a:rPr lang="en-US" altLang="ko-KR" dirty="0" smtClean="0"/>
-              <a:t>order by </a:t>
+              <a:t> from voucher</a:t>
+            </a:r>
+          </a:p>
+          <a:p>
+            <a:pPr marL="0" indent="0">
+              <a:buNone/>
+            </a:pPr>
+            <a:r>
+              <a:rPr lang="en-US" altLang="ko-KR" dirty="0"/>
+              <a:t> </a:t>
+            </a:r>
+            <a:r>
+              <a:rPr lang="en-US" altLang="ko-KR" dirty="0" smtClean="0"/>
+              <a:t>where </a:t>
             </a:r>
             <a:r>
               <a:rPr lang="en-US" altLang="ko-KR" dirty="0" err="1" smtClean="0"/>
-              <a:t>issue_date</a:t>
+              <a:t>c_id</a:t>
             </a:r>
             <a:r>
               <a:rPr lang="en-US" altLang="ko-KR" dirty="0" smtClean="0"/>
-              <a:t>;</a:t>
+              <a:t> &gt; 5;</a:t>
             </a:r>
             <a:endParaRPr lang="en-US" altLang="ko-KR" dirty="0"/>
-          </a:p>
-        </p:txBody>
-      </p:sp>
-      <p:sp>
-        <p:nvSpPr>
-          <p:cNvPr id="3" name="직사각형 2"/>
-          <p:cNvSpPr/>
-          <p:nvPr/>
-        </p:nvSpPr>
-        <p:spPr>
-          <a:xfrm>
-            <a:off x="3807842" y="358710"/>
-            <a:ext cx="2622256" cy="369332"/>
-          </a:xfrm>
-          <a:prstGeom prst="rect">
-            <a:avLst/>
-          </a:prstGeom>
-        </p:spPr>
-        <p:txBody>
-          <a:bodyPr wrap="none">
-            <a:spAutoFit/>
-          </a:bodyPr>
-          <a:lstStyle/>
-          <a:p>
-            <a:r>
-              <a:rPr lang="en-US" altLang="ko-KR" dirty="0"/>
-              <a:t>2) Read : </a:t>
-            </a:r>
-            <a:r>
-              <a:rPr lang="ko-KR" altLang="en-US" dirty="0"/>
-              <a:t>조회 </a:t>
-            </a:r>
-            <a:r>
-              <a:rPr lang="en-US" altLang="ko-KR" dirty="0"/>
-              <a:t>(SELECT)</a:t>
-            </a:r>
           </a:p>
         </p:txBody>
       </p:sp>
       <p:pic>
         <p:nvPicPr>
-          <p:cNvPr id="4" name="그림 3"/>
+          <p:cNvPr id="2" name="그림 1"/>
           <p:cNvPicPr>
             <a:picLocks noChangeAspect="1"/>
           </p:cNvPicPr>
@@ -17362,18 +18209,54 @@
         </p:blipFill>
         <p:spPr>
           <a:xfrm>
-            <a:off x="6790512" y="1600200"/>
-            <a:ext cx="4172532" cy="4839375"/>
+            <a:off x="4002066" y="3558029"/>
+            <a:ext cx="2648320" cy="2238687"/>
           </a:xfrm>
           <a:prstGeom prst="rect">
             <a:avLst/>
           </a:prstGeom>
         </p:spPr>
       </p:pic>
+      <p:sp>
+        <p:nvSpPr>
+          <p:cNvPr id="3" name="직사각형 2"/>
+          <p:cNvSpPr/>
+          <p:nvPr/>
+        </p:nvSpPr>
+        <p:spPr>
+          <a:xfrm>
+            <a:off x="3807842" y="358710"/>
+            <a:ext cx="2622256" cy="369332"/>
+          </a:xfrm>
+          <a:prstGeom prst="rect">
+            <a:avLst/>
+          </a:prstGeom>
+        </p:spPr>
+        <p:txBody>
+          <a:bodyPr wrap="none">
+            <a:spAutoFit/>
+          </a:bodyPr>
+          <a:lstStyle/>
+          <a:p>
+            <a:r>
+              <a:rPr lang="en-US" altLang="ko-KR" dirty="0"/>
+              <a:t>2) Read : </a:t>
+            </a:r>
+            <a:r>
+              <a:rPr lang="ko-KR" altLang="en-US" dirty="0"/>
+              <a:t>조회 </a:t>
+            </a:r>
+            <a:r>
+              <a:rPr lang="en-US" altLang="ko-KR" dirty="0"/>
+              <a:t>(SELECT)</a:t>
+            </a:r>
+          </a:p>
+        </p:txBody>
+      </p:sp>
     </p:spTree>
     <p:extLst>
       <p:ext uri="{BB962C8B-B14F-4D97-AF65-F5344CB8AC3E}">
-        <p14:creationId xmlns:p14="http://schemas.microsoft.com/office/powerpoint/2010/main" val="3263055344"/>
+        <p14:creationId xmlns:p14="http://schemas.microsoft.com/office/powerpoint/2010/main" val="1995850048"/>
       </p:ext>
     </p:extLst>
   </p:cSld>

--- a/database/7강 SQL CRUD.pptx
+++ b/database/7강 SQL CRUD.pptx
@@ -22,16 +22,17 @@
     <p:sldId id="420" r:id="rId16"/>
     <p:sldId id="421" r:id="rId17"/>
     <p:sldId id="429" r:id="rId18"/>
-    <p:sldId id="419" r:id="rId19"/>
-    <p:sldId id="422" r:id="rId20"/>
-    <p:sldId id="431" r:id="rId21"/>
-    <p:sldId id="408" r:id="rId22"/>
-    <p:sldId id="424" r:id="rId23"/>
-    <p:sldId id="426" r:id="rId24"/>
-    <p:sldId id="409" r:id="rId25"/>
-    <p:sldId id="427" r:id="rId26"/>
-    <p:sldId id="428" r:id="rId27"/>
-    <p:sldId id="412" r:id="rId28"/>
+    <p:sldId id="432" r:id="rId19"/>
+    <p:sldId id="419" r:id="rId20"/>
+    <p:sldId id="422" r:id="rId21"/>
+    <p:sldId id="431" r:id="rId22"/>
+    <p:sldId id="408" r:id="rId23"/>
+    <p:sldId id="424" r:id="rId24"/>
+    <p:sldId id="426" r:id="rId25"/>
+    <p:sldId id="409" r:id="rId26"/>
+    <p:sldId id="427" r:id="rId27"/>
+    <p:sldId id="428" r:id="rId28"/>
+    <p:sldId id="412" r:id="rId29"/>
   </p:sldIdLst>
   <p:sldSz cx="12192000" cy="6858000"/>
   <p:notesSz cx="6858000" cy="9144000"/>
@@ -155,6 +156,7 @@
             <p14:sldId id="420"/>
             <p14:sldId id="421"/>
             <p14:sldId id="429"/>
+            <p14:sldId id="432"/>
             <p14:sldId id="419"/>
             <p14:sldId id="422"/>
             <p14:sldId id="431"/>
@@ -341,7 +343,7 @@
                 </a:solidFill>
               </a:rPr>
               <a:pPr/>
-              <a:t>2022-06-03</a:t>
+              <a:t>2022-06-04</a:t>
             </a:fld>
             <a:endParaRPr lang="ko-KR" altLang="en-US">
               <a:solidFill>
@@ -571,7 +573,7 @@
                 </a:solidFill>
               </a:rPr>
               <a:pPr/>
-              <a:t>2022-06-03</a:t>
+              <a:t>2022-06-04</a:t>
             </a:fld>
             <a:endParaRPr lang="ko-KR" altLang="en-US">
               <a:solidFill>
@@ -811,7 +813,7 @@
                 </a:solidFill>
               </a:rPr>
               <a:pPr/>
-              <a:t>2022-06-03</a:t>
+              <a:t>2022-06-04</a:t>
             </a:fld>
             <a:endParaRPr lang="ko-KR" altLang="en-US">
               <a:solidFill>
@@ -1043,7 +1045,7 @@
                 <a:latin typeface="맑은 고딕" charset="0"/>
                 <a:ea typeface="맑은 고딕" charset="0"/>
               </a:rPr>
-              <a:t>2022-06-03</a:t>
+              <a:t>2022-06-04</a:t>
             </a:fld>
             <a:endParaRPr lang="ko-KR" altLang="en-US">
               <a:solidFill>
@@ -1322,7 +1324,7 @@
                 <a:latin typeface="맑은 고딕" charset="0"/>
                 <a:ea typeface="맑은 고딕" charset="0"/>
               </a:rPr>
-              <a:t>2022-06-03</a:t>
+              <a:t>2022-06-04</a:t>
             </a:fld>
             <a:endParaRPr lang="ko-KR" altLang="en-US">
               <a:solidFill>
@@ -1564,7 +1566,7 @@
                 <a:latin typeface="맑은 고딕" charset="0"/>
                 <a:ea typeface="맑은 고딕" charset="0"/>
               </a:rPr>
-              <a:t>2022-06-03</a:t>
+              <a:t>2022-06-04</a:t>
             </a:fld>
             <a:endParaRPr lang="ko-KR" altLang="en-US">
               <a:solidFill>
@@ -1919,7 +1921,7 @@
                 <a:latin typeface="맑은 고딕" charset="0"/>
                 <a:ea typeface="맑은 고딕" charset="0"/>
               </a:rPr>
-              <a:t>2022-06-03</a:t>
+              <a:t>2022-06-04</a:t>
             </a:fld>
             <a:endParaRPr lang="ko-KR" altLang="en-US">
               <a:solidFill>
@@ -2352,7 +2354,7 @@
                 <a:latin typeface="맑은 고딕" charset="0"/>
                 <a:ea typeface="맑은 고딕" charset="0"/>
               </a:rPr>
-              <a:t>2022-06-03</a:t>
+              <a:t>2022-06-04</a:t>
             </a:fld>
             <a:endParaRPr lang="ko-KR" altLang="en-US">
               <a:solidFill>
@@ -2555,7 +2557,7 @@
                 <a:latin typeface="맑은 고딕" charset="0"/>
                 <a:ea typeface="맑은 고딕" charset="0"/>
               </a:rPr>
-              <a:t>2022-06-03</a:t>
+              <a:t>2022-06-04</a:t>
             </a:fld>
             <a:endParaRPr lang="ko-KR" altLang="en-US">
               <a:solidFill>
@@ -2719,7 +2721,7 @@
                 <a:latin typeface="맑은 고딕" charset="0"/>
                 <a:ea typeface="맑은 고딕" charset="0"/>
               </a:rPr>
-              <a:t>2022-06-03</a:t>
+              <a:t>2022-06-04</a:t>
             </a:fld>
             <a:endParaRPr lang="ko-KR" altLang="en-US">
               <a:solidFill>
@@ -3037,7 +3039,7 @@
                 <a:latin typeface="맑은 고딕" charset="0"/>
                 <a:ea typeface="맑은 고딕" charset="0"/>
               </a:rPr>
-              <a:t>2022-06-03</a:t>
+              <a:t>2022-06-04</a:t>
             </a:fld>
             <a:endParaRPr lang="ko-KR" altLang="en-US">
               <a:solidFill>
@@ -3277,7 +3279,7 @@
                 </a:solidFill>
               </a:rPr>
               <a:pPr/>
-              <a:t>2022-06-03</a:t>
+              <a:t>2022-06-04</a:t>
             </a:fld>
             <a:endParaRPr lang="ko-KR" altLang="en-US">
               <a:solidFill>
@@ -3529,7 +3531,7 @@
                 <a:latin typeface="맑은 고딕" charset="0"/>
                 <a:ea typeface="맑은 고딕" charset="0"/>
               </a:rPr>
-              <a:t>2022-06-03</a:t>
+              <a:t>2022-06-04</a:t>
             </a:fld>
             <a:endParaRPr lang="ko-KR" altLang="en-US">
               <a:solidFill>
@@ -3808,7 +3810,7 @@
                 <a:latin typeface="맑은 고딕" charset="0"/>
                 <a:ea typeface="맑은 고딕" charset="0"/>
               </a:rPr>
-              <a:t>2022-06-03</a:t>
+              <a:t>2022-06-04</a:t>
             </a:fld>
             <a:endParaRPr lang="ko-KR" altLang="en-US">
               <a:solidFill>
@@ -4087,7 +4089,7 @@
                 <a:latin typeface="맑은 고딕" charset="0"/>
                 <a:ea typeface="맑은 고딕" charset="0"/>
               </a:rPr>
-              <a:t>2022-06-03</a:t>
+              <a:t>2022-06-04</a:t>
             </a:fld>
             <a:endParaRPr lang="ko-KR" altLang="en-US">
               <a:solidFill>
@@ -4404,7 +4406,7 @@
                 </a:solidFill>
               </a:rPr>
               <a:pPr/>
-              <a:t>2022-06-03</a:t>
+              <a:t>2022-06-04</a:t>
             </a:fld>
             <a:endParaRPr lang="ko-KR" altLang="en-US">
               <a:solidFill>
@@ -4701,7 +4703,7 @@
                 </a:solidFill>
               </a:rPr>
               <a:pPr/>
-              <a:t>2022-06-03</a:t>
+              <a:t>2022-06-04</a:t>
             </a:fld>
             <a:endParaRPr lang="ko-KR" altLang="en-US">
               <a:solidFill>
@@ -5145,7 +5147,7 @@
                 </a:solidFill>
               </a:rPr>
               <a:pPr/>
-              <a:t>2022-06-03</a:t>
+              <a:t>2022-06-04</a:t>
             </a:fld>
             <a:endParaRPr lang="ko-KR" altLang="en-US">
               <a:solidFill>
@@ -5318,7 +5320,7 @@
                 </a:solidFill>
               </a:rPr>
               <a:pPr/>
-              <a:t>2022-06-03</a:t>
+              <a:t>2022-06-04</a:t>
             </a:fld>
             <a:endParaRPr lang="ko-KR" altLang="en-US">
               <a:solidFill>
@@ -5463,7 +5465,7 @@
                 </a:solidFill>
               </a:rPr>
               <a:pPr/>
-              <a:t>2022-06-03</a:t>
+              <a:t>2022-06-04</a:t>
             </a:fld>
             <a:endParaRPr lang="ko-KR" altLang="en-US">
               <a:solidFill>
@@ -6832,7 +6834,7 @@
                 </a:solidFill>
               </a:rPr>
               <a:pPr/>
-              <a:t>2022-06-03</a:t>
+              <a:t>2022-06-04</a:t>
             </a:fld>
             <a:endParaRPr lang="ko-KR" altLang="en-US">
               <a:solidFill>
@@ -7152,7 +7154,7 @@
                 </a:solidFill>
               </a:rPr>
               <a:pPr/>
-              <a:t>2022-06-03</a:t>
+              <a:t>2022-06-04</a:t>
             </a:fld>
             <a:endParaRPr lang="ko-KR" altLang="en-US">
               <a:solidFill>
@@ -7425,7 +7427,7 @@
                 </a:solidFill>
               </a:rPr>
               <a:pPr/>
-              <a:t>2022-06-03</a:t>
+              <a:t>2022-06-04</a:t>
             </a:fld>
             <a:endParaRPr lang="ko-KR" altLang="en-US">
               <a:solidFill>
@@ -8026,7 +8028,7 @@
                 <a:latin typeface="맑은 고딕" charset="0"/>
                 <a:ea typeface="맑은 고딕" charset="0"/>
               </a:rPr>
-              <a:t>2022-06-03</a:t>
+              <a:t>2022-06-04</a:t>
             </a:fld>
             <a:endParaRPr lang="ko-KR" altLang="en-US">
               <a:solidFill>
@@ -8555,11 +8557,11 @@
               <a:buNone/>
             </a:pPr>
             <a:r>
-              <a:rPr lang="en-US" altLang="ko-KR" dirty="0" smtClean="0"/>
+              <a:rPr lang="en-US" altLang="ko-KR" dirty="0"/>
               <a:t>2.2) Select – </a:t>
             </a:r>
             <a:r>
-              <a:rPr lang="ko-KR" altLang="en-US" dirty="0" smtClean="0"/>
+              <a:rPr lang="ko-KR" altLang="en-US" dirty="0"/>
               <a:t>정렬</a:t>
             </a:r>
             <a:endParaRPr lang="en-US" altLang="ko-KR" dirty="0"/>
@@ -8569,31 +8571,31 @@
               <a:buNone/>
             </a:pPr>
             <a:r>
-              <a:rPr lang="ko-KR" altLang="en-US" dirty="0" smtClean="0"/>
+              <a:rPr lang="ko-KR" altLang="en-US" dirty="0"/>
               <a:t>발급된 상품권의 일자 순서 별 출력</a:t>
             </a:r>
-            <a:endParaRPr lang="en-US" altLang="ko-KR" dirty="0" smtClean="0"/>
+            <a:endParaRPr lang="en-US" altLang="ko-KR" dirty="0"/>
           </a:p>
           <a:p>
             <a:pPr marL="0" indent="0">
               <a:buNone/>
             </a:pPr>
             <a:r>
-              <a:rPr lang="en-US" altLang="ko-KR" dirty="0" smtClean="0"/>
+              <a:rPr lang="en-US" altLang="ko-KR" dirty="0"/>
               <a:t>select </a:t>
             </a:r>
             <a:r>
-              <a:rPr lang="en-US" altLang="ko-KR" dirty="0" err="1" smtClean="0"/>
+              <a:rPr lang="en-US" altLang="ko-KR" dirty="0" err="1"/>
               <a:t>voucher_amount</a:t>
             </a:r>
-            <a:endParaRPr lang="en-US" altLang="ko-KR" dirty="0" smtClean="0"/>
+            <a:endParaRPr lang="en-US" altLang="ko-KR" dirty="0"/>
           </a:p>
           <a:p>
             <a:pPr marL="0" indent="0">
               <a:buNone/>
             </a:pPr>
             <a:r>
-              <a:rPr lang="en-US" altLang="ko-KR" dirty="0" smtClean="0"/>
+              <a:rPr lang="en-US" altLang="ko-KR" dirty="0"/>
               <a:t>  from voucher</a:t>
             </a:r>
           </a:p>
@@ -8603,21 +8605,16 @@
             </a:pPr>
             <a:r>
               <a:rPr lang="en-US" altLang="ko-KR" dirty="0"/>
-              <a:t> </a:t>
-            </a:r>
-            <a:r>
-              <a:rPr lang="en-US" altLang="ko-KR" dirty="0" smtClean="0"/>
-              <a:t>order by </a:t>
-            </a:r>
-            <a:r>
-              <a:rPr lang="en-US" altLang="ko-KR" dirty="0" err="1" smtClean="0"/>
+              <a:t> order by </a:t>
+            </a:r>
+            <a:r>
+              <a:rPr lang="en-US" altLang="ko-KR" dirty="0" err="1"/>
               <a:t>issue_date</a:t>
             </a:r>
             <a:r>
-              <a:rPr lang="en-US" altLang="ko-KR" dirty="0" smtClean="0"/>
+              <a:rPr lang="en-US" altLang="ko-KR" dirty="0"/>
               <a:t>;</a:t>
             </a:r>
-            <a:endParaRPr lang="en-US" altLang="ko-KR" dirty="0"/>
           </a:p>
         </p:txBody>
       </p:sp>
@@ -8949,9 +8946,18 @@
               <a:buNone/>
             </a:pPr>
             <a:r>
-              <a:rPr lang="en-US" altLang="ko-KR" dirty="0" smtClean="0"/>
+              <a:rPr lang="en-US" altLang="ko-KR" dirty="0"/>
               <a:t>2.3) Select - group by</a:t>
             </a:r>
+          </a:p>
+          <a:p>
+            <a:pPr marL="0" indent="0">
+              <a:buNone/>
+            </a:pPr>
+            <a:r>
+              <a:rPr lang="ko-KR" altLang="en-US" dirty="0"/>
+              <a:t>발급된 상품권의 종류 출력</a:t>
+            </a:r>
             <a:endParaRPr lang="en-US" altLang="ko-KR" dirty="0"/>
           </a:p>
           <a:p>
@@ -8959,67 +8965,40 @@
               <a:buNone/>
             </a:pPr>
             <a:r>
-              <a:rPr lang="ko-KR" altLang="en-US" dirty="0" smtClean="0"/>
-              <a:t>발급</a:t>
-            </a:r>
-            <a:r>
-              <a:rPr lang="ko-KR" altLang="en-US" dirty="0"/>
-              <a:t>된</a:t>
-            </a:r>
-            <a:r>
-              <a:rPr lang="ko-KR" altLang="en-US" dirty="0" smtClean="0"/>
-              <a:t> 상품권의 종류 출력</a:t>
-            </a:r>
-            <a:endParaRPr lang="en-US" altLang="ko-KR" dirty="0" smtClean="0"/>
+              <a:rPr lang="en-US" altLang="ko-KR" dirty="0"/>
+              <a:t>select </a:t>
+            </a:r>
+            <a:r>
+              <a:rPr lang="en-US" altLang="ko-KR" dirty="0" err="1"/>
+              <a:t>voucher_amount</a:t>
+            </a:r>
+            <a:endParaRPr lang="en-US" altLang="ko-KR" dirty="0"/>
           </a:p>
           <a:p>
             <a:pPr marL="0" indent="0">
               <a:buNone/>
             </a:pPr>
             <a:r>
-              <a:rPr lang="en-US" altLang="ko-KR" dirty="0" smtClean="0"/>
-              <a:t>select </a:t>
-            </a:r>
-            <a:r>
-              <a:rPr lang="en-US" altLang="ko-KR" dirty="0" err="1" smtClean="0"/>
+              <a:rPr lang="en-US" altLang="ko-KR" dirty="0"/>
+              <a:t>  from voucher</a:t>
+            </a:r>
+          </a:p>
+          <a:p>
+            <a:pPr marL="0" indent="0">
+              <a:buNone/>
+            </a:pPr>
+            <a:r>
+              <a:rPr lang="en-US" altLang="ko-KR" dirty="0"/>
+              <a:t> group by </a:t>
+            </a:r>
+            <a:r>
+              <a:rPr lang="en-US" altLang="ko-KR" dirty="0" err="1"/>
               <a:t>voucher_amount</a:t>
             </a:r>
-            <a:endParaRPr lang="en-US" altLang="ko-KR" dirty="0" smtClean="0"/>
-          </a:p>
-          <a:p>
-            <a:pPr marL="0" indent="0">
-              <a:buNone/>
-            </a:pPr>
             <a:r>
               <a:rPr lang="en-US" altLang="ko-KR" dirty="0"/>
-              <a:t> </a:t>
-            </a:r>
-            <a:r>
-              <a:rPr lang="en-US" altLang="ko-KR" dirty="0" smtClean="0"/>
-              <a:t> from voucher</a:t>
-            </a:r>
-          </a:p>
-          <a:p>
-            <a:pPr marL="0" indent="0">
-              <a:buNone/>
-            </a:pPr>
-            <a:r>
-              <a:rPr lang="en-US" altLang="ko-KR" dirty="0"/>
-              <a:t> </a:t>
-            </a:r>
-            <a:r>
-              <a:rPr lang="en-US" altLang="ko-KR" dirty="0" smtClean="0"/>
-              <a:t>group by </a:t>
-            </a:r>
-            <a:r>
-              <a:rPr lang="en-US" altLang="ko-KR" dirty="0" err="1" smtClean="0"/>
-              <a:t>voucher_amount</a:t>
-            </a:r>
-            <a:r>
-              <a:rPr lang="en-US" altLang="ko-KR" dirty="0" smtClean="0"/>
               <a:t>;</a:t>
             </a:r>
-            <a:endParaRPr lang="en-US" altLang="ko-KR" dirty="0"/>
           </a:p>
         </p:txBody>
       </p:sp>
@@ -9351,11 +9330,11 @@
               <a:buNone/>
             </a:pPr>
             <a:r>
-              <a:rPr lang="en-US" altLang="ko-KR" dirty="0" smtClean="0"/>
+              <a:rPr lang="en-US" altLang="ko-KR" dirty="0"/>
               <a:t>2.3) Select - group by , </a:t>
             </a:r>
             <a:r>
-              <a:rPr lang="ko-KR" altLang="en-US" dirty="0" smtClean="0"/>
+              <a:rPr lang="ko-KR" altLang="en-US" dirty="0"/>
               <a:t>그룹 함수</a:t>
             </a:r>
             <a:endParaRPr lang="en-US" altLang="ko-KR" dirty="0"/>
@@ -9365,41 +9344,33 @@
               <a:buNone/>
             </a:pPr>
             <a:r>
-              <a:rPr lang="ko-KR" altLang="en-US" dirty="0" smtClean="0"/>
-              <a:t>발급</a:t>
-            </a:r>
-            <a:r>
               <a:rPr lang="ko-KR" altLang="en-US" dirty="0"/>
-              <a:t>된</a:t>
-            </a:r>
-            <a:r>
-              <a:rPr lang="ko-KR" altLang="en-US" dirty="0" smtClean="0"/>
-              <a:t> 상품권의 종류별 건수 출력</a:t>
-            </a:r>
-            <a:endParaRPr lang="en-US" altLang="ko-KR" dirty="0" smtClean="0"/>
+              <a:t>발급된 상품권의 종류별 건수 출력</a:t>
+            </a:r>
+            <a:endParaRPr lang="en-US" altLang="ko-KR" dirty="0"/>
           </a:p>
           <a:p>
             <a:pPr marL="0" indent="0">
               <a:buNone/>
             </a:pPr>
             <a:r>
-              <a:rPr lang="en-US" altLang="ko-KR" dirty="0" smtClean="0"/>
+              <a:rPr lang="en-US" altLang="ko-KR" dirty="0"/>
               <a:t>select </a:t>
             </a:r>
             <a:r>
-              <a:rPr lang="en-US" altLang="ko-KR" dirty="0" err="1" smtClean="0"/>
+              <a:rPr lang="en-US" altLang="ko-KR" dirty="0" err="1"/>
               <a:t>voucher_amount</a:t>
             </a:r>
             <a:r>
-              <a:rPr lang="en-US" altLang="ko-KR" dirty="0" smtClean="0"/>
+              <a:rPr lang="en-US" altLang="ko-KR" dirty="0"/>
               <a:t>, count(</a:t>
             </a:r>
             <a:r>
-              <a:rPr lang="en-US" altLang="ko-KR" dirty="0" err="1" smtClean="0"/>
+              <a:rPr lang="en-US" altLang="ko-KR" dirty="0" err="1"/>
               <a:t>voucher_amount</a:t>
             </a:r>
             <a:r>
-              <a:rPr lang="en-US" altLang="ko-KR" dirty="0" smtClean="0"/>
+              <a:rPr lang="en-US" altLang="ko-KR" dirty="0"/>
               <a:t>)</a:t>
             </a:r>
           </a:p>
@@ -9409,11 +9380,7 @@
             </a:pPr>
             <a:r>
               <a:rPr lang="en-US" altLang="ko-KR" dirty="0"/>
-              <a:t> </a:t>
-            </a:r>
-            <a:r>
-              <a:rPr lang="en-US" altLang="ko-KR" dirty="0" smtClean="0"/>
-              <a:t> from voucher</a:t>
+              <a:t>  from voucher</a:t>
             </a:r>
           </a:p>
           <a:p>
@@ -9422,21 +9389,16 @@
             </a:pPr>
             <a:r>
               <a:rPr lang="en-US" altLang="ko-KR" dirty="0"/>
-              <a:t> </a:t>
-            </a:r>
-            <a:r>
-              <a:rPr lang="en-US" altLang="ko-KR" dirty="0" smtClean="0"/>
-              <a:t>group by </a:t>
-            </a:r>
-            <a:r>
-              <a:rPr lang="en-US" altLang="ko-KR" dirty="0" err="1" smtClean="0"/>
+              <a:t> group by </a:t>
+            </a:r>
+            <a:r>
+              <a:rPr lang="en-US" altLang="ko-KR" dirty="0" err="1"/>
               <a:t>voucher_amount</a:t>
             </a:r>
             <a:r>
-              <a:rPr lang="en-US" altLang="ko-KR" dirty="0" smtClean="0"/>
+              <a:rPr lang="en-US" altLang="ko-KR" dirty="0"/>
               <a:t>;</a:t>
             </a:r>
-            <a:endParaRPr lang="en-US" altLang="ko-KR" dirty="0"/>
           </a:p>
         </p:txBody>
       </p:sp>
@@ -9768,11 +9730,11 @@
               <a:buNone/>
             </a:pPr>
             <a:r>
-              <a:rPr lang="en-US" altLang="ko-KR" dirty="0" smtClean="0"/>
+              <a:rPr lang="en-US" altLang="ko-KR" dirty="0"/>
               <a:t>2.3) Select - group by , </a:t>
             </a:r>
             <a:r>
-              <a:rPr lang="ko-KR" altLang="en-US" dirty="0" smtClean="0"/>
+              <a:rPr lang="ko-KR" altLang="en-US" dirty="0"/>
               <a:t>그룹 함수</a:t>
             </a:r>
             <a:endParaRPr lang="en-US" altLang="ko-KR" dirty="0"/>
@@ -9782,33 +9744,25 @@
               <a:buNone/>
             </a:pPr>
             <a:r>
-              <a:rPr lang="ko-KR" altLang="en-US" dirty="0" smtClean="0"/>
-              <a:t>발급</a:t>
-            </a:r>
-            <a:r>
               <a:rPr lang="ko-KR" altLang="en-US" dirty="0"/>
-              <a:t>된</a:t>
-            </a:r>
-            <a:r>
-              <a:rPr lang="ko-KR" altLang="en-US" dirty="0" smtClean="0"/>
-              <a:t> 상품권의 전체 건수 출력</a:t>
-            </a:r>
-            <a:endParaRPr lang="en-US" altLang="ko-KR" dirty="0" smtClean="0"/>
+              <a:t>발급된 상품권의 전체 건수 출력</a:t>
+            </a:r>
+            <a:endParaRPr lang="en-US" altLang="ko-KR" dirty="0"/>
           </a:p>
           <a:p>
             <a:pPr marL="0" indent="0">
               <a:buNone/>
             </a:pPr>
             <a:r>
-              <a:rPr lang="en-US" altLang="ko-KR" dirty="0" smtClean="0"/>
+              <a:rPr lang="en-US" altLang="ko-KR" dirty="0"/>
               <a:t>select count(</a:t>
             </a:r>
             <a:r>
-              <a:rPr lang="en-US" altLang="ko-KR" dirty="0" err="1" smtClean="0"/>
+              <a:rPr lang="en-US" altLang="ko-KR" dirty="0" err="1"/>
               <a:t>voucher_amount</a:t>
             </a:r>
             <a:r>
-              <a:rPr lang="en-US" altLang="ko-KR" dirty="0" smtClean="0"/>
+              <a:rPr lang="en-US" altLang="ko-KR" dirty="0"/>
               <a:t>)</a:t>
             </a:r>
           </a:p>
@@ -9818,13 +9772,8 @@
             </a:pPr>
             <a:r>
               <a:rPr lang="en-US" altLang="ko-KR" dirty="0"/>
-              <a:t> </a:t>
-            </a:r>
-            <a:r>
-              <a:rPr lang="en-US" altLang="ko-KR" dirty="0" smtClean="0"/>
-              <a:t> from voucher;</a:t>
-            </a:r>
-            <a:endParaRPr lang="en-US" altLang="ko-KR" dirty="0"/>
+              <a:t>  from voucher;</a:t>
+            </a:r>
           </a:p>
         </p:txBody>
       </p:sp>
@@ -10156,11 +10105,11 @@
               <a:buNone/>
             </a:pPr>
             <a:r>
-              <a:rPr lang="en-US" altLang="ko-KR" dirty="0" smtClean="0"/>
+              <a:rPr lang="en-US" altLang="ko-KR" dirty="0"/>
               <a:t>2.3) Select - group by , </a:t>
             </a:r>
             <a:r>
-              <a:rPr lang="ko-KR" altLang="en-US" dirty="0" smtClean="0"/>
+              <a:rPr lang="ko-KR" altLang="en-US" dirty="0"/>
               <a:t>그룹 함수</a:t>
             </a:r>
             <a:endParaRPr lang="en-US" altLang="ko-KR" dirty="0"/>
@@ -10170,57 +10119,44 @@
               <a:buNone/>
             </a:pPr>
             <a:r>
-              <a:rPr lang="ko-KR" altLang="en-US" dirty="0" smtClean="0"/>
-              <a:t>발급</a:t>
-            </a:r>
-            <a:r>
               <a:rPr lang="ko-KR" altLang="en-US" dirty="0"/>
-              <a:t>된</a:t>
-            </a:r>
-            <a:r>
-              <a:rPr lang="ko-KR" altLang="en-US" dirty="0" smtClean="0"/>
-              <a:t> 상품권</a:t>
-            </a:r>
-            <a:r>
-              <a:rPr lang="en-US" altLang="ko-KR" dirty="0" smtClean="0"/>
-              <a:t> </a:t>
-            </a:r>
-            <a:r>
-              <a:rPr lang="ko-KR" altLang="en-US" dirty="0" smtClean="0"/>
-              <a:t>중 가장 높은 금액 출력</a:t>
-            </a:r>
-            <a:endParaRPr lang="en-US" altLang="ko-KR" dirty="0" smtClean="0"/>
-          </a:p>
-          <a:p>
-            <a:pPr marL="0" indent="0">
-              <a:buNone/>
-            </a:pPr>
-            <a:r>
-              <a:rPr lang="en-US" altLang="ko-KR" dirty="0" smtClean="0"/>
-              <a:t>select max(</a:t>
-            </a:r>
-            <a:r>
-              <a:rPr lang="en-US" altLang="ko-KR" dirty="0" err="1" smtClean="0"/>
-              <a:t>voucher_amount</a:t>
-            </a:r>
-            <a:r>
-              <a:rPr lang="en-US" altLang="ko-KR" dirty="0" smtClean="0"/>
-              <a:t>)</a:t>
-            </a:r>
-          </a:p>
-          <a:p>
-            <a:pPr marL="0" indent="0">
-              <a:buNone/>
-            </a:pPr>
+              <a:t>발급된 상품권</a:t>
+            </a:r>
             <a:r>
               <a:rPr lang="en-US" altLang="ko-KR" dirty="0"/>
               <a:t> </a:t>
             </a:r>
             <a:r>
-              <a:rPr lang="en-US" altLang="ko-KR" dirty="0" smtClean="0"/>
-              <a:t> from voucher;</a:t>
+              <a:rPr lang="ko-KR" altLang="en-US" dirty="0"/>
+              <a:t>중 가장 높은 금액 출력</a:t>
             </a:r>
             <a:endParaRPr lang="en-US" altLang="ko-KR" dirty="0"/>
+          </a:p>
+          <a:p>
+            <a:pPr marL="0" indent="0">
+              <a:buNone/>
+            </a:pPr>
+            <a:r>
+              <a:rPr lang="en-US" altLang="ko-KR" dirty="0"/>
+              <a:t>select max(</a:t>
+            </a:r>
+            <a:r>
+              <a:rPr lang="en-US" altLang="ko-KR" dirty="0" err="1"/>
+              <a:t>voucher_amount</a:t>
+            </a:r>
+            <a:r>
+              <a:rPr lang="en-US" altLang="ko-KR" dirty="0"/>
+              <a:t>)</a:t>
+            </a:r>
+          </a:p>
+          <a:p>
+            <a:pPr marL="0" indent="0">
+              <a:buNone/>
+            </a:pPr>
+            <a:r>
+              <a:rPr lang="en-US" altLang="ko-KR" dirty="0"/>
+              <a:t>  from voucher;</a:t>
+            </a:r>
           </a:p>
         </p:txBody>
       </p:sp>
@@ -10552,11 +10488,11 @@
               <a:buNone/>
             </a:pPr>
             <a:r>
-              <a:rPr lang="en-US" altLang="ko-KR" dirty="0" smtClean="0"/>
+              <a:rPr lang="en-US" altLang="ko-KR" dirty="0"/>
               <a:t>2.3) Select - group by , </a:t>
             </a:r>
             <a:r>
-              <a:rPr lang="ko-KR" altLang="en-US" dirty="0" smtClean="0"/>
+              <a:rPr lang="ko-KR" altLang="en-US" dirty="0"/>
               <a:t>그룹 함수</a:t>
             </a:r>
             <a:endParaRPr lang="en-US" altLang="ko-KR" dirty="0"/>
@@ -10566,57 +10502,44 @@
               <a:buNone/>
             </a:pPr>
             <a:r>
-              <a:rPr lang="ko-KR" altLang="en-US" dirty="0" smtClean="0"/>
-              <a:t>발급</a:t>
-            </a:r>
-            <a:r>
               <a:rPr lang="ko-KR" altLang="en-US" dirty="0"/>
-              <a:t>된</a:t>
-            </a:r>
-            <a:r>
-              <a:rPr lang="ko-KR" altLang="en-US" dirty="0" smtClean="0"/>
-              <a:t> 상품권</a:t>
-            </a:r>
-            <a:r>
-              <a:rPr lang="en-US" altLang="ko-KR" dirty="0" smtClean="0"/>
-              <a:t> </a:t>
-            </a:r>
-            <a:r>
-              <a:rPr lang="ko-KR" altLang="en-US" dirty="0" smtClean="0"/>
-              <a:t>중 가장 낮은 금액 출력</a:t>
-            </a:r>
-            <a:endParaRPr lang="en-US" altLang="ko-KR" dirty="0" smtClean="0"/>
-          </a:p>
-          <a:p>
-            <a:pPr marL="0" indent="0">
-              <a:buNone/>
-            </a:pPr>
-            <a:r>
-              <a:rPr lang="en-US" altLang="ko-KR" dirty="0" smtClean="0"/>
-              <a:t>select min(</a:t>
-            </a:r>
-            <a:r>
-              <a:rPr lang="en-US" altLang="ko-KR" dirty="0" err="1" smtClean="0"/>
-              <a:t>voucher_amount</a:t>
-            </a:r>
-            <a:r>
-              <a:rPr lang="en-US" altLang="ko-KR" dirty="0" smtClean="0"/>
-              <a:t>)</a:t>
-            </a:r>
-          </a:p>
-          <a:p>
-            <a:pPr marL="0" indent="0">
-              <a:buNone/>
-            </a:pPr>
+              <a:t>발급된 상품권</a:t>
+            </a:r>
             <a:r>
               <a:rPr lang="en-US" altLang="ko-KR" dirty="0"/>
               <a:t> </a:t>
             </a:r>
             <a:r>
-              <a:rPr lang="en-US" altLang="ko-KR" dirty="0" smtClean="0"/>
-              <a:t> from voucher;</a:t>
+              <a:rPr lang="ko-KR" altLang="en-US" dirty="0"/>
+              <a:t>중 가장 낮은 금액 출력</a:t>
             </a:r>
             <a:endParaRPr lang="en-US" altLang="ko-KR" dirty="0"/>
+          </a:p>
+          <a:p>
+            <a:pPr marL="0" indent="0">
+              <a:buNone/>
+            </a:pPr>
+            <a:r>
+              <a:rPr lang="en-US" altLang="ko-KR" dirty="0"/>
+              <a:t>select min(</a:t>
+            </a:r>
+            <a:r>
+              <a:rPr lang="en-US" altLang="ko-KR" dirty="0" err="1"/>
+              <a:t>voucher_amount</a:t>
+            </a:r>
+            <a:r>
+              <a:rPr lang="en-US" altLang="ko-KR" dirty="0"/>
+              <a:t>)</a:t>
+            </a:r>
+          </a:p>
+          <a:p>
+            <a:pPr marL="0" indent="0">
+              <a:buNone/>
+            </a:pPr>
+            <a:r>
+              <a:rPr lang="en-US" altLang="ko-KR" dirty="0"/>
+              <a:t>  from voucher;</a:t>
+            </a:r>
           </a:p>
         </p:txBody>
       </p:sp>
@@ -10948,11 +10871,11 @@
               <a:buNone/>
             </a:pPr>
             <a:r>
-              <a:rPr lang="en-US" altLang="ko-KR" dirty="0" smtClean="0"/>
+              <a:rPr lang="en-US" altLang="ko-KR" dirty="0"/>
               <a:t>2.3) Select - group by , </a:t>
             </a:r>
             <a:r>
-              <a:rPr lang="ko-KR" altLang="en-US" dirty="0" smtClean="0"/>
+              <a:rPr lang="ko-KR" altLang="en-US" dirty="0"/>
               <a:t>그룹 함수</a:t>
             </a:r>
             <a:endParaRPr lang="en-US" altLang="ko-KR" dirty="0"/>
@@ -10962,41 +10885,33 @@
               <a:buNone/>
             </a:pPr>
             <a:r>
-              <a:rPr lang="ko-KR" altLang="en-US" dirty="0" smtClean="0"/>
-              <a:t>발급</a:t>
-            </a:r>
-            <a:r>
               <a:rPr lang="ko-KR" altLang="en-US" dirty="0"/>
-              <a:t>된</a:t>
-            </a:r>
-            <a:r>
-              <a:rPr lang="ko-KR" altLang="en-US" dirty="0" smtClean="0"/>
-              <a:t> 상품권의 평균 금액 출력</a:t>
-            </a:r>
-            <a:endParaRPr lang="en-US" altLang="ko-KR" dirty="0" smtClean="0"/>
+              <a:t>발급된 상품권의 평균 금액 출력</a:t>
+            </a:r>
+            <a:endParaRPr lang="en-US" altLang="ko-KR" dirty="0"/>
           </a:p>
           <a:p>
             <a:pPr marL="0" indent="0">
               <a:buNone/>
             </a:pPr>
             <a:r>
-              <a:rPr lang="en-US" altLang="ko-KR" dirty="0" smtClean="0"/>
+              <a:rPr lang="en-US" altLang="ko-KR" dirty="0"/>
               <a:t>Select </a:t>
             </a:r>
             <a:r>
-              <a:rPr lang="en-US" altLang="ko-KR" dirty="0" err="1" smtClean="0"/>
+              <a:rPr lang="en-US" altLang="ko-KR" dirty="0" err="1"/>
               <a:t>avg</a:t>
             </a:r>
             <a:r>
-              <a:rPr lang="en-US" altLang="ko-KR" dirty="0" smtClean="0"/>
+              <a:rPr lang="en-US" altLang="ko-KR" dirty="0"/>
               <a:t>(</a:t>
             </a:r>
             <a:r>
-              <a:rPr lang="en-US" altLang="ko-KR" dirty="0" err="1" smtClean="0"/>
+              <a:rPr lang="en-US" altLang="ko-KR" dirty="0" err="1"/>
               <a:t>voucher_amount</a:t>
             </a:r>
             <a:r>
-              <a:rPr lang="en-US" altLang="ko-KR" dirty="0" smtClean="0"/>
+              <a:rPr lang="en-US" altLang="ko-KR" dirty="0"/>
               <a:t>)</a:t>
             </a:r>
           </a:p>
@@ -11006,13 +10921,8 @@
             </a:pPr>
             <a:r>
               <a:rPr lang="en-US" altLang="ko-KR" dirty="0"/>
-              <a:t> </a:t>
-            </a:r>
-            <a:r>
-              <a:rPr lang="en-US" altLang="ko-KR" dirty="0" smtClean="0"/>
-              <a:t> from voucher;</a:t>
-            </a:r>
-            <a:endParaRPr lang="en-US" altLang="ko-KR" dirty="0"/>
+              <a:t>  from voucher;</a:t>
+            </a:r>
           </a:p>
         </p:txBody>
       </p:sp>
@@ -11344,32 +11254,402 @@
               <a:buNone/>
             </a:pPr>
             <a:r>
-              <a:rPr lang="en-US" altLang="ko-KR" dirty="0" smtClean="0"/>
+              <a:rPr lang="en-US" altLang="ko-KR" dirty="0"/>
+              <a:t>2.3) Select - group by , </a:t>
+            </a:r>
+            <a:r>
+              <a:rPr lang="ko-KR" altLang="en-US" dirty="0"/>
+              <a:t>그룹 함수</a:t>
+            </a:r>
+            <a:endParaRPr lang="en-US" altLang="ko-KR" dirty="0"/>
+          </a:p>
+          <a:p>
+            <a:pPr marL="0" indent="0">
+              <a:buNone/>
+            </a:pPr>
+            <a:r>
+              <a:rPr lang="ko-KR" altLang="en-US" dirty="0"/>
+              <a:t>발급된 상품권의 합계 금액 출력</a:t>
+            </a:r>
+            <a:endParaRPr lang="en-US" altLang="ko-KR" dirty="0"/>
+          </a:p>
+          <a:p>
+            <a:pPr marL="0" indent="0">
+              <a:buNone/>
+            </a:pPr>
+            <a:r>
+              <a:rPr lang="en-US" altLang="ko-KR" dirty="0"/>
+              <a:t>Select sum(</a:t>
+            </a:r>
+            <a:r>
+              <a:rPr lang="en-US" altLang="ko-KR" dirty="0" err="1"/>
+              <a:t>voucher_amount</a:t>
+            </a:r>
+            <a:r>
+              <a:rPr lang="en-US" altLang="ko-KR" dirty="0"/>
+              <a:t>)</a:t>
+            </a:r>
+          </a:p>
+          <a:p>
+            <a:pPr marL="0" indent="0">
+              <a:buNone/>
+            </a:pPr>
+            <a:r>
+              <a:rPr lang="en-US" altLang="ko-KR" dirty="0"/>
+              <a:t>  from voucher;</a:t>
+            </a:r>
+          </a:p>
+        </p:txBody>
+      </p:sp>
+      <p:sp>
+        <p:nvSpPr>
+          <p:cNvPr id="3" name="직사각형 2"/>
+          <p:cNvSpPr/>
+          <p:nvPr/>
+        </p:nvSpPr>
+        <p:spPr>
+          <a:xfrm>
+            <a:off x="3807842" y="358710"/>
+            <a:ext cx="2622256" cy="369332"/>
+          </a:xfrm>
+          <a:prstGeom prst="rect">
+            <a:avLst/>
+          </a:prstGeom>
+        </p:spPr>
+        <p:txBody>
+          <a:bodyPr wrap="none">
+            <a:spAutoFit/>
+          </a:bodyPr>
+          <a:lstStyle/>
+          <a:p>
+            <a:r>
+              <a:rPr lang="en-US" altLang="ko-KR" dirty="0"/>
+              <a:t>2) Read : </a:t>
+            </a:r>
+            <a:r>
+              <a:rPr lang="ko-KR" altLang="en-US" dirty="0"/>
+              <a:t>조회 </a:t>
+            </a:r>
+            <a:r>
+              <a:rPr lang="en-US" altLang="ko-KR" dirty="0"/>
+              <a:t>(SELECT)</a:t>
+            </a:r>
+          </a:p>
+        </p:txBody>
+      </p:sp>
+      <p:pic>
+        <p:nvPicPr>
+          <p:cNvPr id="4" name="그림 3"/>
+          <p:cNvPicPr>
+            <a:picLocks noChangeAspect="1"/>
+          </p:cNvPicPr>
+          <p:nvPr/>
+        </p:nvPicPr>
+        <p:blipFill>
+          <a:blip r:embed="rId2"/>
+          <a:stretch>
+            <a:fillRect/>
+          </a:stretch>
+        </p:blipFill>
+        <p:spPr>
+          <a:xfrm>
+            <a:off x="5528899" y="3237404"/>
+            <a:ext cx="5706660" cy="3157686"/>
+          </a:xfrm>
+          <a:prstGeom prst="rect">
+            <a:avLst/>
+          </a:prstGeom>
+        </p:spPr>
+      </p:pic>
+    </p:spTree>
+    <p:extLst>
+      <p:ext uri="{BB962C8B-B14F-4D97-AF65-F5344CB8AC3E}">
+        <p14:creationId xmlns:p14="http://schemas.microsoft.com/office/powerpoint/2010/main" val="3835722553"/>
+      </p:ext>
+    </p:extLst>
+  </p:cSld>
+  <p:clrMapOvr>
+    <a:masterClrMapping/>
+  </p:clrMapOvr>
+</p:sld>
+</file>
+
+<file path=ppt/slides/slide18.xml><?xml version="1.0" encoding="utf-8"?>
+<p:sld xmlns:a="http://schemas.openxmlformats.org/drawingml/2006/main" xmlns:r="http://schemas.openxmlformats.org/officeDocument/2006/relationships" xmlns:p="http://schemas.openxmlformats.org/presentationml/2006/main">
+  <p:cSld>
+    <p:spTree>
+      <p:nvGrpSpPr>
+        <p:cNvPr id="1" name=""/>
+        <p:cNvGrpSpPr/>
+        <p:nvPr/>
+      </p:nvGrpSpPr>
+      <p:grpSpPr>
+        <a:xfrm>
+          <a:off x="0" y="0"/>
+          <a:ext cx="0" cy="0"/>
+          <a:chOff x="0" y="0"/>
+          <a:chExt cx="0" cy="0"/>
+        </a:xfrm>
+      </p:grpSpPr>
+      <p:sp>
+        <p:nvSpPr>
+          <p:cNvPr id="44" name="도형 17"/>
+          <p:cNvSpPr>
+            <a:spLocks/>
+          </p:cNvSpPr>
+          <p:nvPr/>
+        </p:nvSpPr>
+        <p:spPr>
+          <a:xfrm>
+            <a:off x="765868" y="316230"/>
+            <a:ext cx="1293944" cy="454292"/>
+          </a:xfrm>
+          <a:prstGeom prst="rect">
+            <a:avLst/>
+          </a:prstGeom>
+          <a:ln w="0">
+            <a:noFill/>
+            <a:prstDash/>
+          </a:ln>
+        </p:spPr>
+        <p:txBody>
+          <a:bodyPr vert="horz" wrap="none" lIns="91440" tIns="45720" rIns="91440" bIns="45720" numCol="1" anchor="t">
+            <a:spAutoFit/>
+          </a:bodyPr>
+          <a:lstStyle/>
+          <a:p>
+            <a:pPr marL="0" indent="0" latinLnBrk="0">
+              <a:lnSpc>
+                <a:spcPct val="150000"/>
+              </a:lnSpc>
+              <a:buFontTx/>
+              <a:buNone/>
+            </a:pPr>
+            <a:r>
+              <a:rPr lang="en-US" altLang="ko-KR" dirty="0">
+                <a:solidFill>
+                  <a:schemeClr val="bg1"/>
+                </a:solidFill>
+              </a:rPr>
+              <a:t>SQL CRUD</a:t>
+            </a:r>
+            <a:endParaRPr lang="ko-KR" altLang="en-US" dirty="0">
+              <a:solidFill>
+                <a:schemeClr val="bg1"/>
+              </a:solidFill>
+            </a:endParaRPr>
+          </a:p>
+        </p:txBody>
+      </p:sp>
+      <p:sp>
+        <p:nvSpPr>
+          <p:cNvPr id="7" name="내용 개체 틀 2"/>
+          <p:cNvSpPr txBox="1">
+            <a:spLocks/>
+          </p:cNvSpPr>
+          <p:nvPr/>
+        </p:nvSpPr>
+        <p:spPr>
+          <a:xfrm>
+            <a:off x="457200" y="1600200"/>
+            <a:ext cx="11290300" cy="4525963"/>
+          </a:xfrm>
+          <a:prstGeom prst="rect">
+            <a:avLst/>
+          </a:prstGeom>
+        </p:spPr>
+        <p:txBody>
+          <a:bodyPr/>
+          <a:lstStyle>
+            <a:lvl1pPr marL="228600" indent="-228600" algn="l" defTabSz="914400" rtl="0" eaLnBrk="1" latinLnBrk="1" hangingPunct="1">
+              <a:lnSpc>
+                <a:spcPct val="90000"/>
+              </a:lnSpc>
+              <a:spcBef>
+                <a:spcPts val="1000"/>
+              </a:spcBef>
+              <a:buFont typeface="Arial" panose="020B0604020202020204" pitchFamily="34" charset="0"/>
+              <a:buChar char="•"/>
+              <a:defRPr sz="2800" kern="1200">
+                <a:solidFill>
+                  <a:schemeClr val="tx1"/>
+                </a:solidFill>
+                <a:latin typeface="+mn-lt"/>
+                <a:ea typeface="+mn-ea"/>
+                <a:cs typeface="+mn-cs"/>
+              </a:defRPr>
+            </a:lvl1pPr>
+            <a:lvl2pPr marL="685800" indent="-228600" algn="l" defTabSz="914400" rtl="0" eaLnBrk="1" latinLnBrk="1" hangingPunct="1">
+              <a:lnSpc>
+                <a:spcPct val="90000"/>
+              </a:lnSpc>
+              <a:spcBef>
+                <a:spcPts val="500"/>
+              </a:spcBef>
+              <a:buFont typeface="Arial" panose="020B0604020202020204" pitchFamily="34" charset="0"/>
+              <a:buChar char="•"/>
+              <a:defRPr sz="2400" kern="1200">
+                <a:solidFill>
+                  <a:schemeClr val="tx1"/>
+                </a:solidFill>
+                <a:latin typeface="+mn-lt"/>
+                <a:ea typeface="+mn-ea"/>
+                <a:cs typeface="+mn-cs"/>
+              </a:defRPr>
+            </a:lvl2pPr>
+            <a:lvl3pPr marL="1143000" indent="-228600" algn="l" defTabSz="914400" rtl="0" eaLnBrk="1" latinLnBrk="1" hangingPunct="1">
+              <a:lnSpc>
+                <a:spcPct val="90000"/>
+              </a:lnSpc>
+              <a:spcBef>
+                <a:spcPts val="500"/>
+              </a:spcBef>
+              <a:buFont typeface="Arial" panose="020B0604020202020204" pitchFamily="34" charset="0"/>
+              <a:buChar char="•"/>
+              <a:defRPr sz="2000" kern="1200">
+                <a:solidFill>
+                  <a:schemeClr val="tx1"/>
+                </a:solidFill>
+                <a:latin typeface="+mn-lt"/>
+                <a:ea typeface="+mn-ea"/>
+                <a:cs typeface="+mn-cs"/>
+              </a:defRPr>
+            </a:lvl3pPr>
+            <a:lvl4pPr marL="1600200" indent="-228600" algn="l" defTabSz="914400" rtl="0" eaLnBrk="1" latinLnBrk="1" hangingPunct="1">
+              <a:lnSpc>
+                <a:spcPct val="90000"/>
+              </a:lnSpc>
+              <a:spcBef>
+                <a:spcPts val="500"/>
+              </a:spcBef>
+              <a:buFont typeface="Arial" panose="020B0604020202020204" pitchFamily="34" charset="0"/>
+              <a:buChar char="•"/>
+              <a:defRPr sz="1800" kern="1200">
+                <a:solidFill>
+                  <a:schemeClr val="tx1"/>
+                </a:solidFill>
+                <a:latin typeface="+mn-lt"/>
+                <a:ea typeface="+mn-ea"/>
+                <a:cs typeface="+mn-cs"/>
+              </a:defRPr>
+            </a:lvl4pPr>
+            <a:lvl5pPr marL="2057400" indent="-228600" algn="l" defTabSz="914400" rtl="0" eaLnBrk="1" latinLnBrk="1" hangingPunct="1">
+              <a:lnSpc>
+                <a:spcPct val="90000"/>
+              </a:lnSpc>
+              <a:spcBef>
+                <a:spcPts val="500"/>
+              </a:spcBef>
+              <a:buFont typeface="Arial" panose="020B0604020202020204" pitchFamily="34" charset="0"/>
+              <a:buChar char="•"/>
+              <a:defRPr sz="1800" kern="1200">
+                <a:solidFill>
+                  <a:schemeClr val="tx1"/>
+                </a:solidFill>
+                <a:latin typeface="+mn-lt"/>
+                <a:ea typeface="+mn-ea"/>
+                <a:cs typeface="+mn-cs"/>
+              </a:defRPr>
+            </a:lvl5pPr>
+            <a:lvl6pPr marL="2514600" indent="-228600" algn="l" defTabSz="914400" rtl="0" eaLnBrk="1" latinLnBrk="1" hangingPunct="1">
+              <a:lnSpc>
+                <a:spcPct val="90000"/>
+              </a:lnSpc>
+              <a:spcBef>
+                <a:spcPts val="500"/>
+              </a:spcBef>
+              <a:buFont typeface="Arial" panose="020B0604020202020204" pitchFamily="34" charset="0"/>
+              <a:buChar char="•"/>
+              <a:defRPr sz="1800" kern="1200">
+                <a:solidFill>
+                  <a:schemeClr val="tx1"/>
+                </a:solidFill>
+                <a:latin typeface="+mn-lt"/>
+                <a:ea typeface="+mn-ea"/>
+                <a:cs typeface="+mn-cs"/>
+              </a:defRPr>
+            </a:lvl6pPr>
+            <a:lvl7pPr marL="2971800" indent="-228600" algn="l" defTabSz="914400" rtl="0" eaLnBrk="1" latinLnBrk="1" hangingPunct="1">
+              <a:lnSpc>
+                <a:spcPct val="90000"/>
+              </a:lnSpc>
+              <a:spcBef>
+                <a:spcPts val="500"/>
+              </a:spcBef>
+              <a:buFont typeface="Arial" panose="020B0604020202020204" pitchFamily="34" charset="0"/>
+              <a:buChar char="•"/>
+              <a:defRPr sz="1800" kern="1200">
+                <a:solidFill>
+                  <a:schemeClr val="tx1"/>
+                </a:solidFill>
+                <a:latin typeface="+mn-lt"/>
+                <a:ea typeface="+mn-ea"/>
+                <a:cs typeface="+mn-cs"/>
+              </a:defRPr>
+            </a:lvl7pPr>
+            <a:lvl8pPr marL="3429000" indent="-228600" algn="l" defTabSz="914400" rtl="0" eaLnBrk="1" latinLnBrk="1" hangingPunct="1">
+              <a:lnSpc>
+                <a:spcPct val="90000"/>
+              </a:lnSpc>
+              <a:spcBef>
+                <a:spcPts val="500"/>
+              </a:spcBef>
+              <a:buFont typeface="Arial" panose="020B0604020202020204" pitchFamily="34" charset="0"/>
+              <a:buChar char="•"/>
+              <a:defRPr sz="1800" kern="1200">
+                <a:solidFill>
+                  <a:schemeClr val="tx1"/>
+                </a:solidFill>
+                <a:latin typeface="+mn-lt"/>
+                <a:ea typeface="+mn-ea"/>
+                <a:cs typeface="+mn-cs"/>
+              </a:defRPr>
+            </a:lvl8pPr>
+            <a:lvl9pPr marL="3886200" indent="-228600" algn="l" defTabSz="914400" rtl="0" eaLnBrk="1" latinLnBrk="1" hangingPunct="1">
+              <a:lnSpc>
+                <a:spcPct val="90000"/>
+              </a:lnSpc>
+              <a:spcBef>
+                <a:spcPts val="500"/>
+              </a:spcBef>
+              <a:buFont typeface="Arial" panose="020B0604020202020204" pitchFamily="34" charset="0"/>
+              <a:buChar char="•"/>
+              <a:defRPr sz="1800" kern="1200">
+                <a:solidFill>
+                  <a:schemeClr val="tx1"/>
+                </a:solidFill>
+                <a:latin typeface="+mn-lt"/>
+                <a:ea typeface="+mn-ea"/>
+                <a:cs typeface="+mn-cs"/>
+              </a:defRPr>
+            </a:lvl9pPr>
+          </a:lstStyle>
+          <a:p>
+            <a:pPr marL="0" indent="0">
+              <a:buNone/>
+            </a:pPr>
+            <a:r>
+              <a:rPr lang="en-US" altLang="ko-KR" dirty="0"/>
               <a:t>2.4) Select - having</a:t>
             </a:r>
+          </a:p>
+          <a:p>
+            <a:pPr marL="0" indent="0">
+              <a:buNone/>
+            </a:pPr>
+            <a:r>
+              <a:rPr lang="ko-KR" altLang="en-US" dirty="0"/>
+              <a:t>발급된 상품권의 종류별 건수 중 </a:t>
+            </a:r>
+            <a:r>
+              <a:rPr lang="en-US" altLang="ko-KR" dirty="0"/>
+              <a:t>3</a:t>
+            </a:r>
+            <a:r>
+              <a:rPr lang="ko-KR" altLang="en-US" dirty="0"/>
+              <a:t>개 이상인 내용만 출력</a:t>
+            </a:r>
             <a:endParaRPr lang="en-US" altLang="ko-KR" dirty="0"/>
-          </a:p>
-          <a:p>
-            <a:pPr marL="0" indent="0">
-              <a:buNone/>
-            </a:pPr>
-            <a:r>
-              <a:rPr lang="ko-KR" altLang="en-US" dirty="0"/>
-              <a:t>발급된 상품권의 종류별 건수 </a:t>
-            </a:r>
-            <a:r>
-              <a:rPr lang="ko-KR" altLang="en-US" dirty="0" smtClean="0"/>
-              <a:t>중 </a:t>
-            </a:r>
-            <a:r>
-              <a:rPr lang="en-US" altLang="ko-KR" dirty="0" smtClean="0"/>
-              <a:t>3</a:t>
-            </a:r>
-            <a:r>
-              <a:rPr lang="ko-KR" altLang="en-US" dirty="0" smtClean="0"/>
-              <a:t>개 이상인 내용만 출력</a:t>
-            </a:r>
-            <a:endParaRPr lang="en-US" altLang="ko-KR" dirty="0" smtClean="0"/>
           </a:p>
           <a:p>
             <a:pPr marL="0" indent="0">
@@ -11511,453 +11791,6 @@
 </p:sld>
 </file>
 
-<file path=ppt/slides/slide18.xml><?xml version="1.0" encoding="utf-8"?>
-<p:sld xmlns:a="http://schemas.openxmlformats.org/drawingml/2006/main" xmlns:r="http://schemas.openxmlformats.org/officeDocument/2006/relationships" xmlns:p="http://schemas.openxmlformats.org/presentationml/2006/main">
-  <p:cSld>
-    <p:spTree>
-      <p:nvGrpSpPr>
-        <p:cNvPr id="1" name=""/>
-        <p:cNvGrpSpPr/>
-        <p:nvPr/>
-      </p:nvGrpSpPr>
-      <p:grpSpPr>
-        <a:xfrm>
-          <a:off x="0" y="0"/>
-          <a:ext cx="0" cy="0"/>
-          <a:chOff x="0" y="0"/>
-          <a:chExt cx="0" cy="0"/>
-        </a:xfrm>
-      </p:grpSpPr>
-      <p:sp>
-        <p:nvSpPr>
-          <p:cNvPr id="2" name="도형 17"/>
-          <p:cNvSpPr>
-            <a:spLocks/>
-          </p:cNvSpPr>
-          <p:nvPr/>
-        </p:nvSpPr>
-        <p:spPr>
-          <a:xfrm>
-            <a:off x="765868" y="316230"/>
-            <a:ext cx="1293944" cy="454292"/>
-          </a:xfrm>
-          <a:prstGeom prst="rect">
-            <a:avLst/>
-          </a:prstGeom>
-          <a:ln w="0">
-            <a:noFill/>
-            <a:prstDash/>
-          </a:ln>
-        </p:spPr>
-        <p:txBody>
-          <a:bodyPr vert="horz" wrap="none" lIns="91440" tIns="45720" rIns="91440" bIns="45720" numCol="1" anchor="t">
-            <a:spAutoFit/>
-          </a:bodyPr>
-          <a:lstStyle/>
-          <a:p>
-            <a:pPr marL="0" indent="0" latinLnBrk="0">
-              <a:lnSpc>
-                <a:spcPct val="150000"/>
-              </a:lnSpc>
-              <a:buFontTx/>
-              <a:buNone/>
-            </a:pPr>
-            <a:r>
-              <a:rPr lang="en-US" altLang="ko-KR" dirty="0">
-                <a:solidFill>
-                  <a:schemeClr val="bg1"/>
-                </a:solidFill>
-              </a:rPr>
-              <a:t>SQL CRUD</a:t>
-            </a:r>
-            <a:endParaRPr lang="ko-KR" altLang="en-US" dirty="0">
-              <a:solidFill>
-                <a:schemeClr val="bg1"/>
-              </a:solidFill>
-            </a:endParaRPr>
-          </a:p>
-        </p:txBody>
-      </p:sp>
-      <p:sp>
-        <p:nvSpPr>
-          <p:cNvPr id="3" name="내용 개체 틀 2"/>
-          <p:cNvSpPr txBox="1">
-            <a:spLocks/>
-          </p:cNvSpPr>
-          <p:nvPr/>
-        </p:nvSpPr>
-        <p:spPr>
-          <a:xfrm>
-            <a:off x="457200" y="1600200"/>
-            <a:ext cx="11290300" cy="4525963"/>
-          </a:xfrm>
-          <a:prstGeom prst="rect">
-            <a:avLst/>
-          </a:prstGeom>
-        </p:spPr>
-        <p:txBody>
-          <a:bodyPr/>
-          <a:lstStyle>
-            <a:lvl1pPr marL="228600" indent="-228600" algn="l" defTabSz="914400" rtl="0" eaLnBrk="1" latinLnBrk="1" hangingPunct="1">
-              <a:lnSpc>
-                <a:spcPct val="90000"/>
-              </a:lnSpc>
-              <a:spcBef>
-                <a:spcPts val="1000"/>
-              </a:spcBef>
-              <a:buFont typeface="Arial" panose="020B0604020202020204" pitchFamily="34" charset="0"/>
-              <a:buChar char="•"/>
-              <a:defRPr sz="2800" kern="1200">
-                <a:solidFill>
-                  <a:schemeClr val="tx1"/>
-                </a:solidFill>
-                <a:latin typeface="+mn-lt"/>
-                <a:ea typeface="+mn-ea"/>
-                <a:cs typeface="+mn-cs"/>
-              </a:defRPr>
-            </a:lvl1pPr>
-            <a:lvl2pPr marL="685800" indent="-228600" algn="l" defTabSz="914400" rtl="0" eaLnBrk="1" latinLnBrk="1" hangingPunct="1">
-              <a:lnSpc>
-                <a:spcPct val="90000"/>
-              </a:lnSpc>
-              <a:spcBef>
-                <a:spcPts val="500"/>
-              </a:spcBef>
-              <a:buFont typeface="Arial" panose="020B0604020202020204" pitchFamily="34" charset="0"/>
-              <a:buChar char="•"/>
-              <a:defRPr sz="2400" kern="1200">
-                <a:solidFill>
-                  <a:schemeClr val="tx1"/>
-                </a:solidFill>
-                <a:latin typeface="+mn-lt"/>
-                <a:ea typeface="+mn-ea"/>
-                <a:cs typeface="+mn-cs"/>
-              </a:defRPr>
-            </a:lvl2pPr>
-            <a:lvl3pPr marL="1143000" indent="-228600" algn="l" defTabSz="914400" rtl="0" eaLnBrk="1" latinLnBrk="1" hangingPunct="1">
-              <a:lnSpc>
-                <a:spcPct val="90000"/>
-              </a:lnSpc>
-              <a:spcBef>
-                <a:spcPts val="500"/>
-              </a:spcBef>
-              <a:buFont typeface="Arial" panose="020B0604020202020204" pitchFamily="34" charset="0"/>
-              <a:buChar char="•"/>
-              <a:defRPr sz="2000" kern="1200">
-                <a:solidFill>
-                  <a:schemeClr val="tx1"/>
-                </a:solidFill>
-                <a:latin typeface="+mn-lt"/>
-                <a:ea typeface="+mn-ea"/>
-                <a:cs typeface="+mn-cs"/>
-              </a:defRPr>
-            </a:lvl3pPr>
-            <a:lvl4pPr marL="1600200" indent="-228600" algn="l" defTabSz="914400" rtl="0" eaLnBrk="1" latinLnBrk="1" hangingPunct="1">
-              <a:lnSpc>
-                <a:spcPct val="90000"/>
-              </a:lnSpc>
-              <a:spcBef>
-                <a:spcPts val="500"/>
-              </a:spcBef>
-              <a:buFont typeface="Arial" panose="020B0604020202020204" pitchFamily="34" charset="0"/>
-              <a:buChar char="•"/>
-              <a:defRPr sz="1800" kern="1200">
-                <a:solidFill>
-                  <a:schemeClr val="tx1"/>
-                </a:solidFill>
-                <a:latin typeface="+mn-lt"/>
-                <a:ea typeface="+mn-ea"/>
-                <a:cs typeface="+mn-cs"/>
-              </a:defRPr>
-            </a:lvl4pPr>
-            <a:lvl5pPr marL="2057400" indent="-228600" algn="l" defTabSz="914400" rtl="0" eaLnBrk="1" latinLnBrk="1" hangingPunct="1">
-              <a:lnSpc>
-                <a:spcPct val="90000"/>
-              </a:lnSpc>
-              <a:spcBef>
-                <a:spcPts val="500"/>
-              </a:spcBef>
-              <a:buFont typeface="Arial" panose="020B0604020202020204" pitchFamily="34" charset="0"/>
-              <a:buChar char="•"/>
-              <a:defRPr sz="1800" kern="1200">
-                <a:solidFill>
-                  <a:schemeClr val="tx1"/>
-                </a:solidFill>
-                <a:latin typeface="+mn-lt"/>
-                <a:ea typeface="+mn-ea"/>
-                <a:cs typeface="+mn-cs"/>
-              </a:defRPr>
-            </a:lvl5pPr>
-            <a:lvl6pPr marL="2514600" indent="-228600" algn="l" defTabSz="914400" rtl="0" eaLnBrk="1" latinLnBrk="1" hangingPunct="1">
-              <a:lnSpc>
-                <a:spcPct val="90000"/>
-              </a:lnSpc>
-              <a:spcBef>
-                <a:spcPts val="500"/>
-              </a:spcBef>
-              <a:buFont typeface="Arial" panose="020B0604020202020204" pitchFamily="34" charset="0"/>
-              <a:buChar char="•"/>
-              <a:defRPr sz="1800" kern="1200">
-                <a:solidFill>
-                  <a:schemeClr val="tx1"/>
-                </a:solidFill>
-                <a:latin typeface="+mn-lt"/>
-                <a:ea typeface="+mn-ea"/>
-                <a:cs typeface="+mn-cs"/>
-              </a:defRPr>
-            </a:lvl6pPr>
-            <a:lvl7pPr marL="2971800" indent="-228600" algn="l" defTabSz="914400" rtl="0" eaLnBrk="1" latinLnBrk="1" hangingPunct="1">
-              <a:lnSpc>
-                <a:spcPct val="90000"/>
-              </a:lnSpc>
-              <a:spcBef>
-                <a:spcPts val="500"/>
-              </a:spcBef>
-              <a:buFont typeface="Arial" panose="020B0604020202020204" pitchFamily="34" charset="0"/>
-              <a:buChar char="•"/>
-              <a:defRPr sz="1800" kern="1200">
-                <a:solidFill>
-                  <a:schemeClr val="tx1"/>
-                </a:solidFill>
-                <a:latin typeface="+mn-lt"/>
-                <a:ea typeface="+mn-ea"/>
-                <a:cs typeface="+mn-cs"/>
-              </a:defRPr>
-            </a:lvl7pPr>
-            <a:lvl8pPr marL="3429000" indent="-228600" algn="l" defTabSz="914400" rtl="0" eaLnBrk="1" latinLnBrk="1" hangingPunct="1">
-              <a:lnSpc>
-                <a:spcPct val="90000"/>
-              </a:lnSpc>
-              <a:spcBef>
-                <a:spcPts val="500"/>
-              </a:spcBef>
-              <a:buFont typeface="Arial" panose="020B0604020202020204" pitchFamily="34" charset="0"/>
-              <a:buChar char="•"/>
-              <a:defRPr sz="1800" kern="1200">
-                <a:solidFill>
-                  <a:schemeClr val="tx1"/>
-                </a:solidFill>
-                <a:latin typeface="+mn-lt"/>
-                <a:ea typeface="+mn-ea"/>
-                <a:cs typeface="+mn-cs"/>
-              </a:defRPr>
-            </a:lvl8pPr>
-            <a:lvl9pPr marL="3886200" indent="-228600" algn="l" defTabSz="914400" rtl="0" eaLnBrk="1" latinLnBrk="1" hangingPunct="1">
-              <a:lnSpc>
-                <a:spcPct val="90000"/>
-              </a:lnSpc>
-              <a:spcBef>
-                <a:spcPts val="500"/>
-              </a:spcBef>
-              <a:buFont typeface="Arial" panose="020B0604020202020204" pitchFamily="34" charset="0"/>
-              <a:buChar char="•"/>
-              <a:defRPr sz="1800" kern="1200">
-                <a:solidFill>
-                  <a:schemeClr val="tx1"/>
-                </a:solidFill>
-                <a:latin typeface="+mn-lt"/>
-                <a:ea typeface="+mn-ea"/>
-                <a:cs typeface="+mn-cs"/>
-              </a:defRPr>
-            </a:lvl9pPr>
-          </a:lstStyle>
-          <a:p>
-            <a:pPr marL="0" indent="0">
-              <a:buNone/>
-            </a:pPr>
-            <a:r>
-              <a:rPr lang="ko-KR" altLang="en-US" dirty="0" smtClean="0"/>
-              <a:t>실습 </a:t>
-            </a:r>
-            <a:r>
-              <a:rPr lang="en-US" altLang="ko-KR" dirty="0"/>
-              <a:t>4</a:t>
-            </a:r>
-            <a:r>
-              <a:rPr lang="en-US" altLang="ko-KR" dirty="0" smtClean="0"/>
-              <a:t>. </a:t>
-            </a:r>
-            <a:r>
-              <a:rPr lang="ko-KR" altLang="en-US" dirty="0" smtClean="0"/>
-              <a:t>상품권발급대장 내용 중 가장 낮은 금액들의 총 합계를 출력 하시오</a:t>
-            </a:r>
-            <a:r>
-              <a:rPr lang="en-US" altLang="ko-KR" dirty="0" smtClean="0"/>
-              <a:t>.</a:t>
-            </a:r>
-          </a:p>
-          <a:p>
-            <a:pPr marL="0" indent="0">
-              <a:buNone/>
-            </a:pPr>
-            <a:endParaRPr lang="en-US" altLang="ko-KR" dirty="0"/>
-          </a:p>
-          <a:p>
-            <a:pPr marL="0" indent="0">
-              <a:buNone/>
-            </a:pPr>
-            <a:r>
-              <a:rPr lang="ko-KR" altLang="en-US" dirty="0" smtClean="0"/>
-              <a:t>실습 </a:t>
-            </a:r>
-            <a:r>
-              <a:rPr lang="en-US" altLang="ko-KR" dirty="0"/>
-              <a:t>5</a:t>
-            </a:r>
-            <a:r>
-              <a:rPr lang="en-US" altLang="ko-KR" dirty="0" smtClean="0"/>
-              <a:t>. </a:t>
-            </a:r>
-            <a:r>
-              <a:rPr lang="ko-KR" altLang="en-US" dirty="0" smtClean="0"/>
-              <a:t>상품권을 많이 받은 순서대로 </a:t>
-            </a:r>
-            <a:r>
-              <a:rPr lang="ko-KR" altLang="en-US" dirty="0" err="1" smtClean="0"/>
-              <a:t>출력하시오</a:t>
-            </a:r>
-            <a:r>
-              <a:rPr lang="en-US" altLang="ko-KR" dirty="0" smtClean="0"/>
-              <a:t>.(</a:t>
-            </a:r>
-            <a:r>
-              <a:rPr lang="ko-KR" altLang="en-US" dirty="0" smtClean="0"/>
-              <a:t>상품권의 개수만</a:t>
-            </a:r>
-            <a:r>
-              <a:rPr lang="en-US" altLang="ko-KR" dirty="0" smtClean="0"/>
-              <a:t>)</a:t>
-            </a:r>
-          </a:p>
-          <a:p>
-            <a:pPr marL="0" indent="0">
-              <a:buNone/>
-            </a:pPr>
-            <a:endParaRPr lang="en-US" altLang="ko-KR" dirty="0"/>
-          </a:p>
-          <a:p>
-            <a:pPr marL="0" indent="0">
-              <a:buNone/>
-            </a:pPr>
-            <a:r>
-              <a:rPr lang="ko-KR" altLang="en-US" dirty="0" smtClean="0"/>
-              <a:t>실습 </a:t>
-            </a:r>
-            <a:r>
-              <a:rPr lang="en-US" altLang="ko-KR" dirty="0"/>
-              <a:t>6</a:t>
-            </a:r>
-            <a:r>
-              <a:rPr lang="en-US" altLang="ko-KR" dirty="0" smtClean="0"/>
-              <a:t>. </a:t>
-            </a:r>
-            <a:r>
-              <a:rPr lang="ko-KR" altLang="en-US" dirty="0" smtClean="0"/>
-              <a:t>고객관리대장 중 </a:t>
-            </a:r>
-            <a:r>
-              <a:rPr lang="ko-KR" altLang="en-US" dirty="0" err="1" smtClean="0"/>
-              <a:t>고객등급의</a:t>
-            </a:r>
-            <a:r>
-              <a:rPr lang="ko-KR" altLang="en-US" dirty="0" smtClean="0"/>
-              <a:t> 종류를 출력 하시오</a:t>
-            </a:r>
-            <a:r>
-              <a:rPr lang="en-US" altLang="ko-KR" dirty="0" smtClean="0"/>
-              <a:t>.</a:t>
-            </a:r>
-          </a:p>
-          <a:p>
-            <a:pPr marL="0" indent="0">
-              <a:buNone/>
-            </a:pPr>
-            <a:endParaRPr lang="en-US" altLang="ko-KR" dirty="0"/>
-          </a:p>
-          <a:p>
-            <a:pPr marL="0" indent="0">
-              <a:buNone/>
-            </a:pPr>
-            <a:r>
-              <a:rPr lang="ko-KR" altLang="en-US" dirty="0" smtClean="0"/>
-              <a:t>실습 </a:t>
-            </a:r>
-            <a:r>
-              <a:rPr lang="en-US" altLang="ko-KR" dirty="0"/>
-              <a:t>7</a:t>
-            </a:r>
-            <a:r>
-              <a:rPr lang="en-US" altLang="ko-KR" dirty="0" smtClean="0"/>
-              <a:t>. </a:t>
-            </a:r>
-            <a:r>
-              <a:rPr lang="ko-KR" altLang="en-US" dirty="0" smtClean="0"/>
-              <a:t>고객관리대장 중 </a:t>
-            </a:r>
-            <a:r>
-              <a:rPr lang="ko-KR" altLang="en-US" dirty="0" err="1" smtClean="0"/>
-              <a:t>고객등급별</a:t>
-            </a:r>
-            <a:r>
-              <a:rPr lang="ko-KR" altLang="en-US" dirty="0" smtClean="0"/>
-              <a:t> 고객 수를 출력 하시오</a:t>
-            </a:r>
-            <a:r>
-              <a:rPr lang="en-US" altLang="ko-KR" dirty="0" smtClean="0"/>
-              <a:t>.</a:t>
-            </a:r>
-          </a:p>
-          <a:p>
-            <a:pPr marL="0" indent="0">
-              <a:buNone/>
-            </a:pPr>
-            <a:endParaRPr lang="en-US" altLang="ko-KR" dirty="0"/>
-          </a:p>
-          <a:p>
-            <a:pPr marL="0" indent="0">
-              <a:buNone/>
-            </a:pPr>
-            <a:r>
-              <a:rPr lang="ko-KR" altLang="en-US" dirty="0" smtClean="0"/>
-              <a:t>실습 </a:t>
-            </a:r>
-            <a:r>
-              <a:rPr lang="en-US" altLang="ko-KR" dirty="0" smtClean="0"/>
-              <a:t>8. </a:t>
-            </a:r>
-            <a:r>
-              <a:rPr lang="ko-KR" altLang="en-US" dirty="0" smtClean="0"/>
-              <a:t>고객관리대장 중 같은 나이가 </a:t>
-            </a:r>
-            <a:r>
-              <a:rPr lang="en-US" altLang="ko-KR" dirty="0" smtClean="0"/>
-              <a:t>2</a:t>
-            </a:r>
-            <a:r>
-              <a:rPr lang="ko-KR" altLang="en-US" dirty="0" smtClean="0"/>
-              <a:t>명 이상인 나이를 출력 하시오</a:t>
-            </a:r>
-            <a:r>
-              <a:rPr lang="en-US" altLang="ko-KR" dirty="0" smtClean="0"/>
-              <a:t>.</a:t>
-            </a:r>
-            <a:endParaRPr lang="en-US" altLang="ko-KR" dirty="0"/>
-          </a:p>
-        </p:txBody>
-      </p:sp>
-    </p:spTree>
-    <p:extLst>
-      <p:ext uri="{BB962C8B-B14F-4D97-AF65-F5344CB8AC3E}">
-        <p14:creationId xmlns:p14="http://schemas.microsoft.com/office/powerpoint/2010/main" val="784779482"/>
-      </p:ext>
-    </p:extLst>
-  </p:cSld>
-  <p:clrMapOvr>
-    <a:masterClrMapping/>
-  </p:clrMapOvr>
-</p:sld>
-</file>
-
 <file path=ppt/slides/slide19.xml><?xml version="1.0" encoding="utf-8"?>
 <p:sld xmlns:a="http://schemas.openxmlformats.org/drawingml/2006/main" xmlns:r="http://schemas.openxmlformats.org/officeDocument/2006/relationships" xmlns:p="http://schemas.openxmlformats.org/presentationml/2006/main">
   <p:cSld>
@@ -12035,7 +11868,7 @@
         </p:nvSpPr>
         <p:spPr>
           <a:xfrm>
-            <a:off x="457200" y="1600200"/>
+            <a:off x="457200" y="1200805"/>
             <a:ext cx="11290300" cy="4525963"/>
           </a:xfrm>
           <a:prstGeom prst="rect">
@@ -12213,22 +12046,21 @@
               <a:buNone/>
             </a:pPr>
             <a:r>
-              <a:rPr lang="ko-KR" altLang="en-US" dirty="0" smtClean="0"/>
+              <a:rPr lang="ko-KR" altLang="en-US" dirty="0"/>
               <a:t>실습 </a:t>
             </a:r>
             <a:r>
-              <a:rPr lang="en-US" altLang="ko-KR" dirty="0" smtClean="0"/>
-              <a:t>9. </a:t>
-            </a:r>
-            <a:r>
-              <a:rPr lang="ko-KR" altLang="en-US" dirty="0" smtClean="0"/>
-              <a:t>고객관리대장의 고객 나이 평균을 구하시오</a:t>
-            </a:r>
-            <a:r>
-              <a:rPr lang="en-US" altLang="ko-KR" dirty="0" smtClean="0"/>
+              <a:rPr lang="en-US" altLang="ko-KR" dirty="0"/>
+              <a:t>4. </a:t>
+            </a:r>
+            <a:r>
+              <a:rPr lang="ko-KR" altLang="en-US" dirty="0"/>
+              <a:t>상품권발급대장 내용 중 가장 낮은 금액인 상품권들의 총 합계를 출력 하시오</a:t>
+            </a:r>
+            <a:r>
+              <a:rPr lang="en-US" altLang="ko-KR" dirty="0"/>
               <a:t>.</a:t>
             </a:r>
-            <a:endParaRPr lang="en-US" altLang="ko-KR" dirty="0" smtClean="0"/>
           </a:p>
           <a:p>
             <a:pPr marL="0" indent="0">
@@ -12241,71 +12073,101 @@
               <a:buNone/>
             </a:pPr>
             <a:r>
-              <a:rPr lang="ko-KR" altLang="en-US" dirty="0" smtClean="0"/>
+              <a:rPr lang="ko-KR" altLang="en-US" dirty="0"/>
               <a:t>실습 </a:t>
             </a:r>
             <a:r>
-              <a:rPr lang="en-US" altLang="ko-KR" dirty="0" smtClean="0"/>
-              <a:t>10. </a:t>
-            </a:r>
-            <a:r>
-              <a:rPr lang="ko-KR" altLang="en-US" dirty="0" smtClean="0"/>
-              <a:t>상품권발급대장의 내용으로 금액별 건수를 출력 하시오</a:t>
-            </a:r>
-            <a:r>
-              <a:rPr lang="en-US" altLang="ko-KR" dirty="0" smtClean="0"/>
+              <a:rPr lang="en-US" altLang="ko-KR" dirty="0"/>
+              <a:t>5. </a:t>
+            </a:r>
+            <a:r>
+              <a:rPr lang="ko-KR" altLang="en-US" dirty="0"/>
+              <a:t>상품권을 많이 받은 사람 순서대로 </a:t>
+            </a:r>
+            <a:r>
+              <a:rPr lang="ko-KR" altLang="en-US" dirty="0" err="1"/>
+              <a:t>출력하시오</a:t>
+            </a:r>
+            <a:r>
+              <a:rPr lang="en-US" altLang="ko-KR" dirty="0"/>
+              <a:t>.(</a:t>
+            </a:r>
+            <a:r>
+              <a:rPr lang="ko-KR" altLang="en-US" dirty="0"/>
+              <a:t>상품권의 개수만</a:t>
+            </a:r>
+            <a:r>
+              <a:rPr lang="en-US" altLang="ko-KR" dirty="0"/>
+              <a:t>)</a:t>
+            </a:r>
+          </a:p>
+          <a:p>
+            <a:pPr marL="0" indent="0">
+              <a:buNone/>
+            </a:pPr>
+            <a:endParaRPr lang="en-US" altLang="ko-KR" dirty="0"/>
+          </a:p>
+          <a:p>
+            <a:pPr marL="0" indent="0">
+              <a:buNone/>
+            </a:pPr>
+            <a:r>
+              <a:rPr lang="ko-KR" altLang="en-US" dirty="0"/>
+              <a:t>실습 </a:t>
+            </a:r>
+            <a:r>
+              <a:rPr lang="en-US" altLang="ko-KR" dirty="0"/>
+              <a:t>6. </a:t>
+            </a:r>
+            <a:r>
+              <a:rPr lang="ko-KR" altLang="en-US" dirty="0"/>
+              <a:t>고객관리대장 중 </a:t>
+            </a:r>
+            <a:r>
+              <a:rPr lang="ko-KR" altLang="en-US" dirty="0" err="1"/>
+              <a:t>고객등급의</a:t>
+            </a:r>
+            <a:r>
+              <a:rPr lang="ko-KR" altLang="en-US" dirty="0"/>
+              <a:t> 종류를 출력 하시오</a:t>
+            </a:r>
+            <a:r>
+              <a:rPr lang="en-US" altLang="ko-KR" dirty="0"/>
               <a:t>.</a:t>
             </a:r>
-            <a:endParaRPr lang="en-US" altLang="ko-KR" dirty="0" smtClean="0"/>
           </a:p>
           <a:p>
             <a:pPr marL="0" indent="0">
               <a:buNone/>
             </a:pPr>
-            <a:endParaRPr lang="en-US" altLang="ko-KR" dirty="0" smtClean="0"/>
+            <a:endParaRPr lang="en-US" altLang="ko-KR" dirty="0"/>
           </a:p>
           <a:p>
             <a:pPr marL="0" indent="0">
               <a:buNone/>
             </a:pPr>
             <a:r>
-              <a:rPr lang="ko-KR" altLang="en-US" dirty="0" smtClean="0"/>
+              <a:rPr lang="ko-KR" altLang="en-US" dirty="0"/>
               <a:t>실습 </a:t>
             </a:r>
             <a:r>
-              <a:rPr lang="en-US" altLang="ko-KR" dirty="0" smtClean="0"/>
-              <a:t>11. </a:t>
-            </a:r>
-            <a:r>
-              <a:rPr lang="ko-KR" altLang="en-US" dirty="0" smtClean="0"/>
-              <a:t>상품권발급대장의 내용으로 최대값</a:t>
-            </a:r>
-            <a:r>
-              <a:rPr lang="en-US" altLang="ko-KR" dirty="0" smtClean="0"/>
-              <a:t>, </a:t>
-            </a:r>
-            <a:r>
-              <a:rPr lang="ko-KR" altLang="en-US" dirty="0" smtClean="0"/>
-              <a:t>최소값</a:t>
-            </a:r>
-            <a:r>
-              <a:rPr lang="en-US" altLang="ko-KR" dirty="0" smtClean="0"/>
-              <a:t>, </a:t>
-            </a:r>
-            <a:r>
-              <a:rPr lang="ko-KR" altLang="en-US" dirty="0" smtClean="0"/>
-              <a:t>평균값</a:t>
-            </a:r>
-            <a:r>
-              <a:rPr lang="en-US" altLang="ko-KR" dirty="0" smtClean="0"/>
-              <a:t>, </a:t>
-            </a:r>
-            <a:r>
-              <a:rPr lang="ko-KR" altLang="en-US" dirty="0" smtClean="0"/>
-              <a:t>합계를 구하시오</a:t>
-            </a:r>
-            <a:r>
-              <a:rPr lang="en-US" altLang="ko-KR" dirty="0" smtClean="0"/>
+              <a:rPr lang="en-US" altLang="ko-KR" dirty="0"/>
+              <a:t>7. </a:t>
+            </a:r>
+            <a:r>
+              <a:rPr lang="ko-KR" altLang="en-US" dirty="0"/>
+              <a:t>고객관리대장 중 </a:t>
+            </a:r>
+            <a:r>
+              <a:rPr lang="ko-KR" altLang="en-US" dirty="0" err="1"/>
+              <a:t>고객등급별</a:t>
+            </a:r>
+            <a:r>
+              <a:rPr lang="ko-KR" altLang="en-US" dirty="0"/>
+              <a:t> 고객 수를 출력 하시오</a:t>
+            </a:r>
+            <a:r>
+              <a:rPr lang="en-US" altLang="ko-KR" dirty="0"/>
               <a:t>.</a:t>
             </a:r>
           </a:p>
@@ -12314,13 +12176,42 @@
               <a:buNone/>
             </a:pPr>
             <a:endParaRPr lang="en-US" altLang="ko-KR" dirty="0"/>
+          </a:p>
+          <a:p>
+            <a:pPr marL="0" indent="0">
+              <a:buNone/>
+            </a:pPr>
+            <a:r>
+              <a:rPr lang="ko-KR" altLang="en-US" dirty="0"/>
+              <a:t>실습 </a:t>
+            </a:r>
+            <a:r>
+              <a:rPr lang="en-US" altLang="ko-KR" dirty="0"/>
+              <a:t>8. </a:t>
+            </a:r>
+            <a:r>
+              <a:rPr lang="ko-KR" altLang="en-US" dirty="0"/>
+              <a:t>고객관리대장 중 같은 나이가 </a:t>
+            </a:r>
+            <a:r>
+              <a:rPr lang="en-US" altLang="ko-KR" dirty="0"/>
+              <a:t>2</a:t>
+            </a:r>
+            <a:r>
+              <a:rPr lang="ko-KR" altLang="en-US" dirty="0"/>
+              <a:t>명 이상인 나이를 출력 하시오</a:t>
+            </a:r>
+            <a:r>
+              <a:rPr lang="en-US" altLang="ko-KR" dirty="0"/>
+              <a:t>.</a:t>
+            </a:r>
           </a:p>
         </p:txBody>
       </p:sp>
     </p:spTree>
     <p:extLst>
       <p:ext uri="{BB962C8B-B14F-4D97-AF65-F5344CB8AC3E}">
-        <p14:creationId xmlns:p14="http://schemas.microsoft.com/office/powerpoint/2010/main" val="1107778778"/>
+        <p14:creationId xmlns:p14="http://schemas.microsoft.com/office/powerpoint/2010/main" val="784779482"/>
       </p:ext>
     </p:extLst>
   </p:cSld>
@@ -12686,7 +12577,7 @@
       </p:grpSpPr>
       <p:sp>
         <p:nvSpPr>
-          <p:cNvPr id="44" name="도형 17"/>
+          <p:cNvPr id="2" name="도형 17"/>
           <p:cNvSpPr>
             <a:spLocks/>
           </p:cNvSpPr>
@@ -12736,7 +12627,7 @@
       </p:sp>
       <p:sp>
         <p:nvSpPr>
-          <p:cNvPr id="7" name="내용 개체 틀 2"/>
+          <p:cNvPr id="3" name="내용 개체 틀 2"/>
           <p:cNvSpPr txBox="1">
             <a:spLocks/>
           </p:cNvSpPr>
@@ -12922,94 +12813,103 @@
               <a:buNone/>
             </a:pPr>
             <a:r>
+              <a:rPr lang="ko-KR" altLang="en-US" dirty="0"/>
+              <a:t>실습 </a:t>
+            </a:r>
+            <a:r>
               <a:rPr lang="en-US" altLang="ko-KR" dirty="0"/>
-              <a:t>3) Update : </a:t>
+              <a:t>9. </a:t>
             </a:r>
             <a:r>
               <a:rPr lang="ko-KR" altLang="en-US" dirty="0"/>
-              <a:t>수정 </a:t>
+              <a:t>고객관리대장의 고객 나이 평균을 구하시오</a:t>
             </a:r>
             <a:r>
               <a:rPr lang="en-US" altLang="ko-KR" dirty="0"/>
-              <a:t>(UPDATE)</a:t>
+              <a:t>.</a:t>
             </a:r>
           </a:p>
           <a:p>
             <a:pPr marL="0" indent="0">
               <a:buNone/>
             </a:pPr>
-            <a:r>
-              <a:rPr lang="en-US" altLang="ko-KR" sz="2400" dirty="0"/>
-              <a:t>   - </a:t>
-            </a:r>
-            <a:r>
-              <a:rPr lang="ko-KR" altLang="en-US" sz="2400" dirty="0"/>
-              <a:t>테이블에 저장된 내용을 변경 하는 명령어</a:t>
-            </a:r>
-            <a:endParaRPr lang="en-US" altLang="ko-KR" sz="2400" dirty="0"/>
-          </a:p>
-          <a:p>
-            <a:pPr marL="457200" indent="-457200">
-              <a:lnSpc>
-                <a:spcPct val="150000"/>
-              </a:lnSpc>
-              <a:buFont typeface="Arial" panose="020B0604020202020204" pitchFamily="34" charset="0"/>
-              <a:buChar char="•"/>
-            </a:pPr>
-            <a:r>
-              <a:rPr lang="ko-KR" altLang="en-US" sz="2800" dirty="0"/>
-              <a:t>기본유형</a:t>
-            </a:r>
-            <a:endParaRPr lang="en-US" altLang="ko-KR" sz="2800" dirty="0"/>
-          </a:p>
-          <a:p>
-            <a:pPr marL="800100" lvl="1" indent="-342900">
-              <a:lnSpc>
-                <a:spcPct val="150000"/>
-              </a:lnSpc>
-              <a:buFont typeface="Arial" panose="020B0604020202020204" pitchFamily="34" charset="0"/>
-              <a:buChar char="•"/>
-            </a:pPr>
-            <a:r>
-              <a:rPr lang="en-US" altLang="ko-KR" sz="2400" dirty="0"/>
-              <a:t>Update </a:t>
-            </a:r>
-            <a:r>
-              <a:rPr lang="ko-KR" altLang="en-US" sz="2400" dirty="0"/>
-              <a:t>테이블명 </a:t>
-            </a:r>
-            <a:r>
-              <a:rPr lang="en-US" altLang="ko-KR" sz="2400" dirty="0"/>
-              <a:t>set </a:t>
-            </a:r>
-            <a:r>
-              <a:rPr lang="ko-KR" altLang="en-US" sz="2400" dirty="0" err="1"/>
-              <a:t>컬럼명</a:t>
-            </a:r>
-            <a:r>
-              <a:rPr lang="en-US" altLang="ko-KR" sz="2400" dirty="0"/>
-              <a:t>1 = </a:t>
-            </a:r>
-            <a:r>
-              <a:rPr lang="ko-KR" altLang="en-US" sz="2400" dirty="0"/>
-              <a:t>값</a:t>
-            </a:r>
-            <a:r>
-              <a:rPr lang="en-US" altLang="ko-KR" sz="2400" dirty="0"/>
-              <a:t>1, … where </a:t>
-            </a:r>
-            <a:r>
-              <a:rPr lang="ko-KR" altLang="en-US" sz="2400" dirty="0"/>
-              <a:t>조건</a:t>
-            </a:r>
-            <a:r>
-              <a:rPr lang="en-US" altLang="ko-KR" sz="2400" dirty="0"/>
-              <a:t>;</a:t>
-            </a:r>
-          </a:p>
-          <a:p>
-            <a:pPr marL="514350" indent="-514350">
-              <a:buAutoNum type="arabicParenR"/>
+            <a:endParaRPr lang="en-US" altLang="ko-KR" dirty="0"/>
+          </a:p>
+          <a:p>
+            <a:pPr marL="0" indent="0">
+              <a:buNone/>
+            </a:pPr>
+            <a:r>
+              <a:rPr lang="ko-KR" altLang="en-US" dirty="0"/>
+              <a:t>실습 </a:t>
+            </a:r>
+            <a:r>
+              <a:rPr lang="en-US" altLang="ko-KR" dirty="0"/>
+              <a:t>10. </a:t>
+            </a:r>
+            <a:r>
+              <a:rPr lang="ko-KR" altLang="en-US" dirty="0"/>
+              <a:t>상품권발급대장의 내용으로 금액별 건수를 출력 하시오</a:t>
+            </a:r>
+            <a:r>
+              <a:rPr lang="en-US" altLang="ko-KR" dirty="0"/>
+              <a:t>.</a:t>
+            </a:r>
+          </a:p>
+          <a:p>
+            <a:pPr marL="0" indent="0">
+              <a:buNone/>
+            </a:pPr>
+            <a:endParaRPr lang="en-US" altLang="ko-KR" dirty="0"/>
+          </a:p>
+          <a:p>
+            <a:pPr marL="0" indent="0">
+              <a:buNone/>
+            </a:pPr>
+            <a:r>
+              <a:rPr lang="ko-KR" altLang="en-US" dirty="0"/>
+              <a:t>실습 </a:t>
+            </a:r>
+            <a:r>
+              <a:rPr lang="en-US" altLang="ko-KR" dirty="0"/>
+              <a:t>11. </a:t>
+            </a:r>
+            <a:r>
+              <a:rPr lang="ko-KR" altLang="en-US" dirty="0"/>
+              <a:t>상품권발급대장의 내용으로 최대값</a:t>
+            </a:r>
+            <a:r>
+              <a:rPr lang="en-US" altLang="ko-KR" dirty="0"/>
+              <a:t>, </a:t>
+            </a:r>
+            <a:r>
+              <a:rPr lang="ko-KR" altLang="en-US" dirty="0"/>
+              <a:t>최소값</a:t>
+            </a:r>
+            <a:r>
+              <a:rPr lang="en-US" altLang="ko-KR" dirty="0"/>
+              <a:t>, </a:t>
+            </a:r>
+            <a:r>
+              <a:rPr lang="ko-KR" altLang="en-US" dirty="0"/>
+              <a:t>평균값</a:t>
+            </a:r>
+            <a:r>
+              <a:rPr lang="en-US" altLang="ko-KR" dirty="0"/>
+              <a:t>, </a:t>
+            </a:r>
+            <a:r>
+              <a:rPr lang="ko-KR" altLang="en-US" dirty="0"/>
+              <a:t>합계를 구하시오</a:t>
+            </a:r>
+            <a:r>
+              <a:rPr lang="en-US" altLang="ko-KR" dirty="0"/>
+              <a:t>.</a:t>
+            </a:r>
+          </a:p>
+          <a:p>
+            <a:pPr marL="0" indent="0">
+              <a:buNone/>
             </a:pPr>
             <a:endParaRPr lang="en-US" altLang="ko-KR" dirty="0"/>
           </a:p>
@@ -13018,7 +12918,7 @@
     </p:spTree>
     <p:extLst>
       <p:ext uri="{BB962C8B-B14F-4D97-AF65-F5344CB8AC3E}">
-        <p14:creationId xmlns:p14="http://schemas.microsoft.com/office/powerpoint/2010/main" val="3912451849"/>
+        <p14:creationId xmlns:p14="http://schemas.microsoft.com/office/powerpoint/2010/main" val="1107778778"/>
       </p:ext>
     </p:extLst>
   </p:cSld>
@@ -13301,15 +13201,368 @@
             </a:pPr>
             <a:r>
               <a:rPr lang="en-US" altLang="ko-KR" sz="2400" dirty="0"/>
-              <a:t>   </a:t>
-            </a:r>
-            <a:r>
-              <a:rPr lang="en-US" altLang="ko-KR" sz="2400" dirty="0" smtClean="0"/>
-              <a:t> </a:t>
-            </a:r>
+              <a:t>   - </a:t>
+            </a:r>
+            <a:r>
+              <a:rPr lang="ko-KR" altLang="en-US" sz="2400" dirty="0"/>
+              <a:t>테이블에 저장된 내용을 변경 하는 명령어</a:t>
+            </a:r>
+            <a:endParaRPr lang="en-US" altLang="ko-KR" sz="2400" dirty="0"/>
+          </a:p>
+          <a:p>
+            <a:pPr marL="457200" indent="-457200">
+              <a:lnSpc>
+                <a:spcPct val="150000"/>
+              </a:lnSpc>
+              <a:buFont typeface="Arial" panose="020B0604020202020204" pitchFamily="34" charset="0"/>
+              <a:buChar char="•"/>
+            </a:pPr>
+            <a:r>
+              <a:rPr lang="ko-KR" altLang="en-US" sz="2800" dirty="0"/>
+              <a:t>기본유형</a:t>
+            </a:r>
+            <a:endParaRPr lang="en-US" altLang="ko-KR" sz="2800" dirty="0"/>
+          </a:p>
+          <a:p>
+            <a:pPr marL="800100" lvl="1" indent="-342900">
+              <a:lnSpc>
+                <a:spcPct val="150000"/>
+              </a:lnSpc>
+              <a:buFont typeface="Arial" panose="020B0604020202020204" pitchFamily="34" charset="0"/>
+              <a:buChar char="•"/>
+            </a:pPr>
             <a:r>
               <a:rPr lang="en-US" altLang="ko-KR" sz="2400" dirty="0"/>
-              <a:t>update customer set </a:t>
+              <a:t>Update </a:t>
+            </a:r>
+            <a:r>
+              <a:rPr lang="ko-KR" altLang="en-US" sz="2400" dirty="0"/>
+              <a:t>테이블명 </a:t>
+            </a:r>
+            <a:r>
+              <a:rPr lang="en-US" altLang="ko-KR" sz="2400" dirty="0"/>
+              <a:t>set </a:t>
+            </a:r>
+            <a:r>
+              <a:rPr lang="ko-KR" altLang="en-US" sz="2400" dirty="0" err="1"/>
+              <a:t>컬럼명</a:t>
+            </a:r>
+            <a:r>
+              <a:rPr lang="en-US" altLang="ko-KR" sz="2400" dirty="0"/>
+              <a:t>1 = </a:t>
+            </a:r>
+            <a:r>
+              <a:rPr lang="ko-KR" altLang="en-US" sz="2400" dirty="0"/>
+              <a:t>값</a:t>
+            </a:r>
+            <a:r>
+              <a:rPr lang="en-US" altLang="ko-KR" sz="2400" dirty="0"/>
+              <a:t>1, … where </a:t>
+            </a:r>
+            <a:r>
+              <a:rPr lang="ko-KR" altLang="en-US" sz="2400" dirty="0"/>
+              <a:t>조건</a:t>
+            </a:r>
+            <a:r>
+              <a:rPr lang="en-US" altLang="ko-KR" sz="2400" dirty="0"/>
+              <a:t>;</a:t>
+            </a:r>
+          </a:p>
+          <a:p>
+            <a:pPr marL="514350" indent="-514350">
+              <a:buAutoNum type="arabicParenR"/>
+            </a:pPr>
+            <a:endParaRPr lang="en-US" altLang="ko-KR" dirty="0"/>
+          </a:p>
+        </p:txBody>
+      </p:sp>
+    </p:spTree>
+    <p:extLst>
+      <p:ext uri="{BB962C8B-B14F-4D97-AF65-F5344CB8AC3E}">
+        <p14:creationId xmlns:p14="http://schemas.microsoft.com/office/powerpoint/2010/main" val="3912451849"/>
+      </p:ext>
+    </p:extLst>
+  </p:cSld>
+  <p:clrMapOvr>
+    <a:masterClrMapping/>
+  </p:clrMapOvr>
+</p:sld>
+</file>
+
+<file path=ppt/slides/slide22.xml><?xml version="1.0" encoding="utf-8"?>
+<p:sld xmlns:a="http://schemas.openxmlformats.org/drawingml/2006/main" xmlns:r="http://schemas.openxmlformats.org/officeDocument/2006/relationships" xmlns:p="http://schemas.openxmlformats.org/presentationml/2006/main">
+  <p:cSld>
+    <p:spTree>
+      <p:nvGrpSpPr>
+        <p:cNvPr id="1" name=""/>
+        <p:cNvGrpSpPr/>
+        <p:nvPr/>
+      </p:nvGrpSpPr>
+      <p:grpSpPr>
+        <a:xfrm>
+          <a:off x="0" y="0"/>
+          <a:ext cx="0" cy="0"/>
+          <a:chOff x="0" y="0"/>
+          <a:chExt cx="0" cy="0"/>
+        </a:xfrm>
+      </p:grpSpPr>
+      <p:sp>
+        <p:nvSpPr>
+          <p:cNvPr id="44" name="도형 17"/>
+          <p:cNvSpPr>
+            <a:spLocks/>
+          </p:cNvSpPr>
+          <p:nvPr/>
+        </p:nvSpPr>
+        <p:spPr>
+          <a:xfrm>
+            <a:off x="765868" y="316230"/>
+            <a:ext cx="1293944" cy="454292"/>
+          </a:xfrm>
+          <a:prstGeom prst="rect">
+            <a:avLst/>
+          </a:prstGeom>
+          <a:ln w="0">
+            <a:noFill/>
+            <a:prstDash/>
+          </a:ln>
+        </p:spPr>
+        <p:txBody>
+          <a:bodyPr vert="horz" wrap="none" lIns="91440" tIns="45720" rIns="91440" bIns="45720" numCol="1" anchor="t">
+            <a:spAutoFit/>
+          </a:bodyPr>
+          <a:lstStyle/>
+          <a:p>
+            <a:pPr marL="0" indent="0" latinLnBrk="0">
+              <a:lnSpc>
+                <a:spcPct val="150000"/>
+              </a:lnSpc>
+              <a:buFontTx/>
+              <a:buNone/>
+            </a:pPr>
+            <a:r>
+              <a:rPr lang="en-US" altLang="ko-KR" dirty="0">
+                <a:solidFill>
+                  <a:schemeClr val="bg1"/>
+                </a:solidFill>
+              </a:rPr>
+              <a:t>SQL CRUD</a:t>
+            </a:r>
+            <a:endParaRPr lang="ko-KR" altLang="en-US" dirty="0">
+              <a:solidFill>
+                <a:schemeClr val="bg1"/>
+              </a:solidFill>
+            </a:endParaRPr>
+          </a:p>
+        </p:txBody>
+      </p:sp>
+      <p:sp>
+        <p:nvSpPr>
+          <p:cNvPr id="7" name="내용 개체 틀 2"/>
+          <p:cNvSpPr txBox="1">
+            <a:spLocks/>
+          </p:cNvSpPr>
+          <p:nvPr/>
+        </p:nvSpPr>
+        <p:spPr>
+          <a:xfrm>
+            <a:off x="457200" y="1600200"/>
+            <a:ext cx="11290300" cy="4525963"/>
+          </a:xfrm>
+          <a:prstGeom prst="rect">
+            <a:avLst/>
+          </a:prstGeom>
+        </p:spPr>
+        <p:txBody>
+          <a:bodyPr/>
+          <a:lstStyle>
+            <a:lvl1pPr marL="228600" indent="-228600" algn="l" defTabSz="914400" rtl="0" eaLnBrk="1" latinLnBrk="1" hangingPunct="1">
+              <a:lnSpc>
+                <a:spcPct val="90000"/>
+              </a:lnSpc>
+              <a:spcBef>
+                <a:spcPts val="1000"/>
+              </a:spcBef>
+              <a:buFont typeface="Arial" panose="020B0604020202020204" pitchFamily="34" charset="0"/>
+              <a:buChar char="•"/>
+              <a:defRPr sz="2800" kern="1200">
+                <a:solidFill>
+                  <a:schemeClr val="tx1"/>
+                </a:solidFill>
+                <a:latin typeface="+mn-lt"/>
+                <a:ea typeface="+mn-ea"/>
+                <a:cs typeface="+mn-cs"/>
+              </a:defRPr>
+            </a:lvl1pPr>
+            <a:lvl2pPr marL="685800" indent="-228600" algn="l" defTabSz="914400" rtl="0" eaLnBrk="1" latinLnBrk="1" hangingPunct="1">
+              <a:lnSpc>
+                <a:spcPct val="90000"/>
+              </a:lnSpc>
+              <a:spcBef>
+                <a:spcPts val="500"/>
+              </a:spcBef>
+              <a:buFont typeface="Arial" panose="020B0604020202020204" pitchFamily="34" charset="0"/>
+              <a:buChar char="•"/>
+              <a:defRPr sz="2400" kern="1200">
+                <a:solidFill>
+                  <a:schemeClr val="tx1"/>
+                </a:solidFill>
+                <a:latin typeface="+mn-lt"/>
+                <a:ea typeface="+mn-ea"/>
+                <a:cs typeface="+mn-cs"/>
+              </a:defRPr>
+            </a:lvl2pPr>
+            <a:lvl3pPr marL="1143000" indent="-228600" algn="l" defTabSz="914400" rtl="0" eaLnBrk="1" latinLnBrk="1" hangingPunct="1">
+              <a:lnSpc>
+                <a:spcPct val="90000"/>
+              </a:lnSpc>
+              <a:spcBef>
+                <a:spcPts val="500"/>
+              </a:spcBef>
+              <a:buFont typeface="Arial" panose="020B0604020202020204" pitchFamily="34" charset="0"/>
+              <a:buChar char="•"/>
+              <a:defRPr sz="2000" kern="1200">
+                <a:solidFill>
+                  <a:schemeClr val="tx1"/>
+                </a:solidFill>
+                <a:latin typeface="+mn-lt"/>
+                <a:ea typeface="+mn-ea"/>
+                <a:cs typeface="+mn-cs"/>
+              </a:defRPr>
+            </a:lvl3pPr>
+            <a:lvl4pPr marL="1600200" indent="-228600" algn="l" defTabSz="914400" rtl="0" eaLnBrk="1" latinLnBrk="1" hangingPunct="1">
+              <a:lnSpc>
+                <a:spcPct val="90000"/>
+              </a:lnSpc>
+              <a:spcBef>
+                <a:spcPts val="500"/>
+              </a:spcBef>
+              <a:buFont typeface="Arial" panose="020B0604020202020204" pitchFamily="34" charset="0"/>
+              <a:buChar char="•"/>
+              <a:defRPr sz="1800" kern="1200">
+                <a:solidFill>
+                  <a:schemeClr val="tx1"/>
+                </a:solidFill>
+                <a:latin typeface="+mn-lt"/>
+                <a:ea typeface="+mn-ea"/>
+                <a:cs typeface="+mn-cs"/>
+              </a:defRPr>
+            </a:lvl4pPr>
+            <a:lvl5pPr marL="2057400" indent="-228600" algn="l" defTabSz="914400" rtl="0" eaLnBrk="1" latinLnBrk="1" hangingPunct="1">
+              <a:lnSpc>
+                <a:spcPct val="90000"/>
+              </a:lnSpc>
+              <a:spcBef>
+                <a:spcPts val="500"/>
+              </a:spcBef>
+              <a:buFont typeface="Arial" panose="020B0604020202020204" pitchFamily="34" charset="0"/>
+              <a:buChar char="•"/>
+              <a:defRPr sz="1800" kern="1200">
+                <a:solidFill>
+                  <a:schemeClr val="tx1"/>
+                </a:solidFill>
+                <a:latin typeface="+mn-lt"/>
+                <a:ea typeface="+mn-ea"/>
+                <a:cs typeface="+mn-cs"/>
+              </a:defRPr>
+            </a:lvl5pPr>
+            <a:lvl6pPr marL="2514600" indent="-228600" algn="l" defTabSz="914400" rtl="0" eaLnBrk="1" latinLnBrk="1" hangingPunct="1">
+              <a:lnSpc>
+                <a:spcPct val="90000"/>
+              </a:lnSpc>
+              <a:spcBef>
+                <a:spcPts val="500"/>
+              </a:spcBef>
+              <a:buFont typeface="Arial" panose="020B0604020202020204" pitchFamily="34" charset="0"/>
+              <a:buChar char="•"/>
+              <a:defRPr sz="1800" kern="1200">
+                <a:solidFill>
+                  <a:schemeClr val="tx1"/>
+                </a:solidFill>
+                <a:latin typeface="+mn-lt"/>
+                <a:ea typeface="+mn-ea"/>
+                <a:cs typeface="+mn-cs"/>
+              </a:defRPr>
+            </a:lvl6pPr>
+            <a:lvl7pPr marL="2971800" indent="-228600" algn="l" defTabSz="914400" rtl="0" eaLnBrk="1" latinLnBrk="1" hangingPunct="1">
+              <a:lnSpc>
+                <a:spcPct val="90000"/>
+              </a:lnSpc>
+              <a:spcBef>
+                <a:spcPts val="500"/>
+              </a:spcBef>
+              <a:buFont typeface="Arial" panose="020B0604020202020204" pitchFamily="34" charset="0"/>
+              <a:buChar char="•"/>
+              <a:defRPr sz="1800" kern="1200">
+                <a:solidFill>
+                  <a:schemeClr val="tx1"/>
+                </a:solidFill>
+                <a:latin typeface="+mn-lt"/>
+                <a:ea typeface="+mn-ea"/>
+                <a:cs typeface="+mn-cs"/>
+              </a:defRPr>
+            </a:lvl7pPr>
+            <a:lvl8pPr marL="3429000" indent="-228600" algn="l" defTabSz="914400" rtl="0" eaLnBrk="1" latinLnBrk="1" hangingPunct="1">
+              <a:lnSpc>
+                <a:spcPct val="90000"/>
+              </a:lnSpc>
+              <a:spcBef>
+                <a:spcPts val="500"/>
+              </a:spcBef>
+              <a:buFont typeface="Arial" panose="020B0604020202020204" pitchFamily="34" charset="0"/>
+              <a:buChar char="•"/>
+              <a:defRPr sz="1800" kern="1200">
+                <a:solidFill>
+                  <a:schemeClr val="tx1"/>
+                </a:solidFill>
+                <a:latin typeface="+mn-lt"/>
+                <a:ea typeface="+mn-ea"/>
+                <a:cs typeface="+mn-cs"/>
+              </a:defRPr>
+            </a:lvl8pPr>
+            <a:lvl9pPr marL="3886200" indent="-228600" algn="l" defTabSz="914400" rtl="0" eaLnBrk="1" latinLnBrk="1" hangingPunct="1">
+              <a:lnSpc>
+                <a:spcPct val="90000"/>
+              </a:lnSpc>
+              <a:spcBef>
+                <a:spcPts val="500"/>
+              </a:spcBef>
+              <a:buFont typeface="Arial" panose="020B0604020202020204" pitchFamily="34" charset="0"/>
+              <a:buChar char="•"/>
+              <a:defRPr sz="1800" kern="1200">
+                <a:solidFill>
+                  <a:schemeClr val="tx1"/>
+                </a:solidFill>
+                <a:latin typeface="+mn-lt"/>
+                <a:ea typeface="+mn-ea"/>
+                <a:cs typeface="+mn-cs"/>
+              </a:defRPr>
+            </a:lvl9pPr>
+          </a:lstStyle>
+          <a:p>
+            <a:pPr marL="0" indent="0">
+              <a:buNone/>
+            </a:pPr>
+            <a:r>
+              <a:rPr lang="en-US" altLang="ko-KR" dirty="0"/>
+              <a:t>3) Update : </a:t>
+            </a:r>
+            <a:r>
+              <a:rPr lang="ko-KR" altLang="en-US" dirty="0"/>
+              <a:t>수정 </a:t>
+            </a:r>
+            <a:r>
+              <a:rPr lang="en-US" altLang="ko-KR" dirty="0"/>
+              <a:t>(UPDATE)</a:t>
+            </a:r>
+          </a:p>
+          <a:p>
+            <a:pPr marL="0" indent="0">
+              <a:buNone/>
+            </a:pPr>
+            <a:r>
+              <a:rPr lang="en-US" altLang="ko-KR" sz="2400" dirty="0"/>
+              <a:t>    update customer set </a:t>
             </a:r>
             <a:r>
               <a:rPr lang="en-US" altLang="ko-KR" sz="2400" dirty="0" err="1"/>
@@ -13326,15 +13579,7 @@
             </a:pPr>
             <a:r>
               <a:rPr lang="en-US" altLang="ko-KR" sz="2400" dirty="0"/>
-              <a:t>    </a:t>
-            </a:r>
-            <a:r>
-              <a:rPr lang="en-US" altLang="ko-KR" sz="2400" dirty="0" smtClean="0"/>
-              <a:t>  </a:t>
-            </a:r>
-            <a:r>
-              <a:rPr lang="en-US" altLang="ko-KR" sz="2400" dirty="0"/>
-              <a:t>where </a:t>
+              <a:t>      where </a:t>
             </a:r>
             <a:r>
               <a:rPr lang="en-US" altLang="ko-KR" sz="2400" dirty="0" err="1"/>
@@ -13344,7 +13589,6 @@
               <a:rPr lang="en-US" altLang="ko-KR" sz="2400" dirty="0"/>
               <a:t> = 22;</a:t>
             </a:r>
-            <a:endParaRPr lang="en-US" altLang="ko-KR" sz="2400" dirty="0" smtClean="0"/>
           </a:p>
           <a:p>
             <a:pPr marL="0" indent="0">
@@ -13357,19 +13601,19 @@
               <a:buNone/>
             </a:pPr>
             <a:r>
-              <a:rPr lang="en-US" altLang="ko-KR" dirty="0" smtClean="0"/>
+              <a:rPr lang="en-US" altLang="ko-KR" dirty="0"/>
               <a:t>* </a:t>
             </a:r>
             <a:r>
-              <a:rPr lang="ko-KR" altLang="en-US" dirty="0" smtClean="0"/>
+              <a:rPr lang="ko-KR" altLang="en-US" dirty="0"/>
               <a:t>조건 없는 </a:t>
             </a:r>
             <a:r>
-              <a:rPr lang="en-US" altLang="ko-KR" dirty="0" smtClean="0"/>
+              <a:rPr lang="en-US" altLang="ko-KR" dirty="0"/>
               <a:t>update </a:t>
             </a:r>
             <a:r>
-              <a:rPr lang="ko-KR" altLang="en-US" dirty="0" smtClean="0"/>
+              <a:rPr lang="ko-KR" altLang="en-US" dirty="0"/>
               <a:t>금지</a:t>
             </a:r>
             <a:endParaRPr lang="en-US" altLang="ko-KR" dirty="0"/>
@@ -13413,486 +13657,6 @@
 </p:sld>
 </file>
 
-<file path=ppt/slides/slide22.xml><?xml version="1.0" encoding="utf-8"?>
-<p:sld xmlns:a="http://schemas.openxmlformats.org/drawingml/2006/main" xmlns:r="http://schemas.openxmlformats.org/officeDocument/2006/relationships" xmlns:p="http://schemas.openxmlformats.org/presentationml/2006/main">
-  <p:cSld>
-    <p:spTree>
-      <p:nvGrpSpPr>
-        <p:cNvPr id="1" name=""/>
-        <p:cNvGrpSpPr/>
-        <p:nvPr/>
-      </p:nvGrpSpPr>
-      <p:grpSpPr>
-        <a:xfrm>
-          <a:off x="0" y="0"/>
-          <a:ext cx="0" cy="0"/>
-          <a:chOff x="0" y="0"/>
-          <a:chExt cx="0" cy="0"/>
-        </a:xfrm>
-      </p:grpSpPr>
-      <p:sp>
-        <p:nvSpPr>
-          <p:cNvPr id="2" name="도형 17"/>
-          <p:cNvSpPr>
-            <a:spLocks/>
-          </p:cNvSpPr>
-          <p:nvPr/>
-        </p:nvSpPr>
-        <p:spPr>
-          <a:xfrm>
-            <a:off x="765868" y="316230"/>
-            <a:ext cx="1293944" cy="454292"/>
-          </a:xfrm>
-          <a:prstGeom prst="rect">
-            <a:avLst/>
-          </a:prstGeom>
-          <a:ln w="0">
-            <a:noFill/>
-            <a:prstDash/>
-          </a:ln>
-        </p:spPr>
-        <p:txBody>
-          <a:bodyPr vert="horz" wrap="none" lIns="91440" tIns="45720" rIns="91440" bIns="45720" numCol="1" anchor="t">
-            <a:spAutoFit/>
-          </a:bodyPr>
-          <a:lstStyle/>
-          <a:p>
-            <a:pPr marL="0" indent="0" latinLnBrk="0">
-              <a:lnSpc>
-                <a:spcPct val="150000"/>
-              </a:lnSpc>
-              <a:buFontTx/>
-              <a:buNone/>
-            </a:pPr>
-            <a:r>
-              <a:rPr lang="en-US" altLang="ko-KR" dirty="0">
-                <a:solidFill>
-                  <a:schemeClr val="bg1"/>
-                </a:solidFill>
-              </a:rPr>
-              <a:t>SQL CRUD</a:t>
-            </a:r>
-            <a:endParaRPr lang="ko-KR" altLang="en-US" dirty="0">
-              <a:solidFill>
-                <a:schemeClr val="bg1"/>
-              </a:solidFill>
-            </a:endParaRPr>
-          </a:p>
-        </p:txBody>
-      </p:sp>
-      <p:sp>
-        <p:nvSpPr>
-          <p:cNvPr id="3" name="내용 개체 틀 2"/>
-          <p:cNvSpPr txBox="1">
-            <a:spLocks/>
-          </p:cNvSpPr>
-          <p:nvPr/>
-        </p:nvSpPr>
-        <p:spPr>
-          <a:xfrm>
-            <a:off x="457200" y="1600200"/>
-            <a:ext cx="11290300" cy="4525963"/>
-          </a:xfrm>
-          <a:prstGeom prst="rect">
-            <a:avLst/>
-          </a:prstGeom>
-        </p:spPr>
-        <p:txBody>
-          <a:bodyPr/>
-          <a:lstStyle>
-            <a:lvl1pPr marL="228600" indent="-228600" algn="l" defTabSz="914400" rtl="0" eaLnBrk="1" latinLnBrk="1" hangingPunct="1">
-              <a:lnSpc>
-                <a:spcPct val="90000"/>
-              </a:lnSpc>
-              <a:spcBef>
-                <a:spcPts val="1000"/>
-              </a:spcBef>
-              <a:buFont typeface="Arial" panose="020B0604020202020204" pitchFamily="34" charset="0"/>
-              <a:buChar char="•"/>
-              <a:defRPr sz="2800" kern="1200">
-                <a:solidFill>
-                  <a:schemeClr val="tx1"/>
-                </a:solidFill>
-                <a:latin typeface="+mn-lt"/>
-                <a:ea typeface="+mn-ea"/>
-                <a:cs typeface="+mn-cs"/>
-              </a:defRPr>
-            </a:lvl1pPr>
-            <a:lvl2pPr marL="685800" indent="-228600" algn="l" defTabSz="914400" rtl="0" eaLnBrk="1" latinLnBrk="1" hangingPunct="1">
-              <a:lnSpc>
-                <a:spcPct val="90000"/>
-              </a:lnSpc>
-              <a:spcBef>
-                <a:spcPts val="500"/>
-              </a:spcBef>
-              <a:buFont typeface="Arial" panose="020B0604020202020204" pitchFamily="34" charset="0"/>
-              <a:buChar char="•"/>
-              <a:defRPr sz="2400" kern="1200">
-                <a:solidFill>
-                  <a:schemeClr val="tx1"/>
-                </a:solidFill>
-                <a:latin typeface="+mn-lt"/>
-                <a:ea typeface="+mn-ea"/>
-                <a:cs typeface="+mn-cs"/>
-              </a:defRPr>
-            </a:lvl2pPr>
-            <a:lvl3pPr marL="1143000" indent="-228600" algn="l" defTabSz="914400" rtl="0" eaLnBrk="1" latinLnBrk="1" hangingPunct="1">
-              <a:lnSpc>
-                <a:spcPct val="90000"/>
-              </a:lnSpc>
-              <a:spcBef>
-                <a:spcPts val="500"/>
-              </a:spcBef>
-              <a:buFont typeface="Arial" panose="020B0604020202020204" pitchFamily="34" charset="0"/>
-              <a:buChar char="•"/>
-              <a:defRPr sz="2000" kern="1200">
-                <a:solidFill>
-                  <a:schemeClr val="tx1"/>
-                </a:solidFill>
-                <a:latin typeface="+mn-lt"/>
-                <a:ea typeface="+mn-ea"/>
-                <a:cs typeface="+mn-cs"/>
-              </a:defRPr>
-            </a:lvl3pPr>
-            <a:lvl4pPr marL="1600200" indent="-228600" algn="l" defTabSz="914400" rtl="0" eaLnBrk="1" latinLnBrk="1" hangingPunct="1">
-              <a:lnSpc>
-                <a:spcPct val="90000"/>
-              </a:lnSpc>
-              <a:spcBef>
-                <a:spcPts val="500"/>
-              </a:spcBef>
-              <a:buFont typeface="Arial" panose="020B0604020202020204" pitchFamily="34" charset="0"/>
-              <a:buChar char="•"/>
-              <a:defRPr sz="1800" kern="1200">
-                <a:solidFill>
-                  <a:schemeClr val="tx1"/>
-                </a:solidFill>
-                <a:latin typeface="+mn-lt"/>
-                <a:ea typeface="+mn-ea"/>
-                <a:cs typeface="+mn-cs"/>
-              </a:defRPr>
-            </a:lvl4pPr>
-            <a:lvl5pPr marL="2057400" indent="-228600" algn="l" defTabSz="914400" rtl="0" eaLnBrk="1" latinLnBrk="1" hangingPunct="1">
-              <a:lnSpc>
-                <a:spcPct val="90000"/>
-              </a:lnSpc>
-              <a:spcBef>
-                <a:spcPts val="500"/>
-              </a:spcBef>
-              <a:buFont typeface="Arial" panose="020B0604020202020204" pitchFamily="34" charset="0"/>
-              <a:buChar char="•"/>
-              <a:defRPr sz="1800" kern="1200">
-                <a:solidFill>
-                  <a:schemeClr val="tx1"/>
-                </a:solidFill>
-                <a:latin typeface="+mn-lt"/>
-                <a:ea typeface="+mn-ea"/>
-                <a:cs typeface="+mn-cs"/>
-              </a:defRPr>
-            </a:lvl5pPr>
-            <a:lvl6pPr marL="2514600" indent="-228600" algn="l" defTabSz="914400" rtl="0" eaLnBrk="1" latinLnBrk="1" hangingPunct="1">
-              <a:lnSpc>
-                <a:spcPct val="90000"/>
-              </a:lnSpc>
-              <a:spcBef>
-                <a:spcPts val="500"/>
-              </a:spcBef>
-              <a:buFont typeface="Arial" panose="020B0604020202020204" pitchFamily="34" charset="0"/>
-              <a:buChar char="•"/>
-              <a:defRPr sz="1800" kern="1200">
-                <a:solidFill>
-                  <a:schemeClr val="tx1"/>
-                </a:solidFill>
-                <a:latin typeface="+mn-lt"/>
-                <a:ea typeface="+mn-ea"/>
-                <a:cs typeface="+mn-cs"/>
-              </a:defRPr>
-            </a:lvl6pPr>
-            <a:lvl7pPr marL="2971800" indent="-228600" algn="l" defTabSz="914400" rtl="0" eaLnBrk="1" latinLnBrk="1" hangingPunct="1">
-              <a:lnSpc>
-                <a:spcPct val="90000"/>
-              </a:lnSpc>
-              <a:spcBef>
-                <a:spcPts val="500"/>
-              </a:spcBef>
-              <a:buFont typeface="Arial" panose="020B0604020202020204" pitchFamily="34" charset="0"/>
-              <a:buChar char="•"/>
-              <a:defRPr sz="1800" kern="1200">
-                <a:solidFill>
-                  <a:schemeClr val="tx1"/>
-                </a:solidFill>
-                <a:latin typeface="+mn-lt"/>
-                <a:ea typeface="+mn-ea"/>
-                <a:cs typeface="+mn-cs"/>
-              </a:defRPr>
-            </a:lvl7pPr>
-            <a:lvl8pPr marL="3429000" indent="-228600" algn="l" defTabSz="914400" rtl="0" eaLnBrk="1" latinLnBrk="1" hangingPunct="1">
-              <a:lnSpc>
-                <a:spcPct val="90000"/>
-              </a:lnSpc>
-              <a:spcBef>
-                <a:spcPts val="500"/>
-              </a:spcBef>
-              <a:buFont typeface="Arial" panose="020B0604020202020204" pitchFamily="34" charset="0"/>
-              <a:buChar char="•"/>
-              <a:defRPr sz="1800" kern="1200">
-                <a:solidFill>
-                  <a:schemeClr val="tx1"/>
-                </a:solidFill>
-                <a:latin typeface="+mn-lt"/>
-                <a:ea typeface="+mn-ea"/>
-                <a:cs typeface="+mn-cs"/>
-              </a:defRPr>
-            </a:lvl8pPr>
-            <a:lvl9pPr marL="3886200" indent="-228600" algn="l" defTabSz="914400" rtl="0" eaLnBrk="1" latinLnBrk="1" hangingPunct="1">
-              <a:lnSpc>
-                <a:spcPct val="90000"/>
-              </a:lnSpc>
-              <a:spcBef>
-                <a:spcPts val="500"/>
-              </a:spcBef>
-              <a:buFont typeface="Arial" panose="020B0604020202020204" pitchFamily="34" charset="0"/>
-              <a:buChar char="•"/>
-              <a:defRPr sz="1800" kern="1200">
-                <a:solidFill>
-                  <a:schemeClr val="tx1"/>
-                </a:solidFill>
-                <a:latin typeface="+mn-lt"/>
-                <a:ea typeface="+mn-ea"/>
-                <a:cs typeface="+mn-cs"/>
-              </a:defRPr>
-            </a:lvl9pPr>
-          </a:lstStyle>
-          <a:p>
-            <a:pPr marL="0" indent="0">
-              <a:buNone/>
-            </a:pPr>
-            <a:r>
-              <a:rPr lang="ko-KR" altLang="en-US" dirty="0" smtClean="0"/>
-              <a:t>실습 </a:t>
-            </a:r>
-            <a:r>
-              <a:rPr lang="en-US" altLang="ko-KR" dirty="0" smtClean="0"/>
-              <a:t>12. </a:t>
-            </a:r>
-            <a:r>
-              <a:rPr lang="ko-KR" altLang="en-US" dirty="0" smtClean="0"/>
-              <a:t>고객관리대장의 </a:t>
-            </a:r>
-            <a:r>
-              <a:rPr lang="en-US" altLang="ko-KR" dirty="0" err="1" smtClean="0"/>
-              <a:t>c_id</a:t>
-            </a:r>
-            <a:r>
-              <a:rPr lang="en-US" altLang="ko-KR" dirty="0" smtClean="0"/>
-              <a:t> =22 </a:t>
-            </a:r>
-            <a:r>
-              <a:rPr lang="ko-KR" altLang="en-US" dirty="0" smtClean="0"/>
-              <a:t>의 </a:t>
-            </a:r>
-            <a:r>
-              <a:rPr lang="en-US" altLang="ko-KR" dirty="0" smtClean="0"/>
-              <a:t>level </a:t>
-            </a:r>
-            <a:r>
-              <a:rPr lang="ko-KR" altLang="en-US" dirty="0" smtClean="0"/>
-              <a:t>을 </a:t>
-            </a:r>
-            <a:r>
-              <a:rPr lang="en-US" altLang="ko-KR" dirty="0" smtClean="0"/>
-              <a:t>GREEN</a:t>
-            </a:r>
-            <a:r>
-              <a:rPr lang="ko-KR" altLang="en-US" dirty="0" smtClean="0"/>
-              <a:t>으로 변경 하시오</a:t>
-            </a:r>
-            <a:r>
-              <a:rPr lang="en-US" altLang="ko-KR" dirty="0" smtClean="0"/>
-              <a:t>.</a:t>
-            </a:r>
-          </a:p>
-          <a:p>
-            <a:pPr marL="0" indent="0">
-              <a:buNone/>
-            </a:pPr>
-            <a:endParaRPr lang="en-US" altLang="ko-KR" dirty="0"/>
-          </a:p>
-          <a:p>
-            <a:pPr marL="0" indent="0">
-              <a:buNone/>
-            </a:pPr>
-            <a:r>
-              <a:rPr lang="ko-KR" altLang="en-US" dirty="0" smtClean="0"/>
-              <a:t>실습 </a:t>
-            </a:r>
-            <a:r>
-              <a:rPr lang="en-US" altLang="ko-KR" dirty="0" smtClean="0"/>
-              <a:t>13. </a:t>
-            </a:r>
-            <a:r>
-              <a:rPr lang="ko-KR" altLang="en-US" dirty="0" smtClean="0"/>
-              <a:t>고객관리대장의 등급 중 </a:t>
-            </a:r>
-            <a:r>
-              <a:rPr lang="en-US" altLang="ko-KR" dirty="0" smtClean="0"/>
-              <a:t>BLACK</a:t>
-            </a:r>
-            <a:r>
-              <a:rPr lang="ko-KR" altLang="en-US" dirty="0" smtClean="0"/>
-              <a:t>를 </a:t>
-            </a:r>
-            <a:r>
-              <a:rPr lang="en-US" altLang="ko-KR" dirty="0" smtClean="0"/>
-              <a:t>WHITE</a:t>
-            </a:r>
-            <a:r>
-              <a:rPr lang="ko-KR" altLang="en-US" dirty="0" smtClean="0"/>
-              <a:t>로 변경 하시오</a:t>
-            </a:r>
-            <a:r>
-              <a:rPr lang="en-US" altLang="ko-KR" dirty="0" smtClean="0"/>
-              <a:t>.</a:t>
-            </a:r>
-          </a:p>
-          <a:p>
-            <a:pPr marL="0" indent="0">
-              <a:buNone/>
-            </a:pPr>
-            <a:endParaRPr lang="en-US" altLang="ko-KR" dirty="0"/>
-          </a:p>
-          <a:p>
-            <a:pPr marL="0" indent="0">
-              <a:buNone/>
-            </a:pPr>
-            <a:r>
-              <a:rPr lang="ko-KR" altLang="en-US" dirty="0"/>
-              <a:t>실습 </a:t>
-            </a:r>
-            <a:r>
-              <a:rPr lang="en-US" altLang="ko-KR" dirty="0" smtClean="0"/>
-              <a:t>14. </a:t>
-            </a:r>
-            <a:r>
-              <a:rPr lang="ko-KR" altLang="en-US" dirty="0" smtClean="0"/>
-              <a:t>고객관리대장의 나이가 </a:t>
-            </a:r>
-            <a:r>
-              <a:rPr lang="en-US" altLang="ko-KR" dirty="0" smtClean="0"/>
-              <a:t>30</a:t>
-            </a:r>
-            <a:r>
-              <a:rPr lang="ko-KR" altLang="en-US" dirty="0" smtClean="0"/>
-              <a:t>세 이상인 경우 등급을 </a:t>
-            </a:r>
-            <a:r>
-              <a:rPr lang="en-US" altLang="ko-KR" dirty="0" smtClean="0"/>
-              <a:t>VIP</a:t>
-            </a:r>
-            <a:r>
-              <a:rPr lang="ko-KR" altLang="en-US" dirty="0" smtClean="0"/>
-              <a:t>로 </a:t>
-            </a:r>
-            <a:r>
-              <a:rPr lang="ko-KR" altLang="en-US" dirty="0" err="1" smtClean="0"/>
-              <a:t>변경하시오</a:t>
-            </a:r>
-            <a:r>
-              <a:rPr lang="en-US" altLang="ko-KR" dirty="0" smtClean="0"/>
-              <a:t>.</a:t>
-            </a:r>
-          </a:p>
-          <a:p>
-            <a:pPr marL="0" indent="0">
-              <a:buNone/>
-            </a:pPr>
-            <a:endParaRPr lang="en-US" altLang="ko-KR" dirty="0"/>
-          </a:p>
-          <a:p>
-            <a:pPr marL="0" indent="0">
-              <a:buNone/>
-            </a:pPr>
-            <a:r>
-              <a:rPr lang="ko-KR" altLang="en-US" dirty="0" smtClean="0"/>
-              <a:t>실습 </a:t>
-            </a:r>
-            <a:r>
-              <a:rPr lang="en-US" altLang="ko-KR" dirty="0" smtClean="0"/>
-              <a:t>15. </a:t>
-            </a:r>
-            <a:r>
-              <a:rPr lang="ko-KR" altLang="en-US" dirty="0" smtClean="0"/>
-              <a:t>고객관리대장의 </a:t>
-            </a:r>
-            <a:r>
-              <a:rPr lang="en-US" altLang="ko-KR" dirty="0" smtClean="0"/>
-              <a:t>level</a:t>
-            </a:r>
-            <a:r>
-              <a:rPr lang="ko-KR" altLang="en-US" dirty="0" smtClean="0"/>
-              <a:t>이 </a:t>
-            </a:r>
-            <a:r>
-              <a:rPr lang="en-US" altLang="ko-KR" dirty="0" smtClean="0"/>
-              <a:t>null </a:t>
-            </a:r>
-            <a:r>
-              <a:rPr lang="ko-KR" altLang="en-US" dirty="0" smtClean="0"/>
-              <a:t>인 경우 </a:t>
-            </a:r>
-            <a:r>
-              <a:rPr lang="en-US" altLang="ko-KR" dirty="0" smtClean="0"/>
-              <a:t>level</a:t>
-            </a:r>
-            <a:r>
-              <a:rPr lang="ko-KR" altLang="en-US" dirty="0" smtClean="0"/>
-              <a:t>을 </a:t>
-            </a:r>
-            <a:r>
-              <a:rPr lang="en-US" altLang="ko-KR" dirty="0" smtClean="0"/>
-              <a:t>GREEN</a:t>
-            </a:r>
-            <a:r>
-              <a:rPr lang="ko-KR" altLang="en-US" dirty="0" smtClean="0"/>
-              <a:t>으로 </a:t>
-            </a:r>
-            <a:r>
-              <a:rPr lang="ko-KR" altLang="en-US" dirty="0" err="1" smtClean="0"/>
-              <a:t>변경하시오</a:t>
-            </a:r>
-            <a:r>
-              <a:rPr lang="en-US" altLang="ko-KR" dirty="0" smtClean="0"/>
-              <a:t>.</a:t>
-            </a:r>
-            <a:endParaRPr lang="en-US" altLang="ko-KR" dirty="0"/>
-          </a:p>
-          <a:p>
-            <a:pPr marL="0" indent="0">
-              <a:buNone/>
-            </a:pPr>
-            <a:endParaRPr lang="en-US" altLang="ko-KR" dirty="0" smtClean="0"/>
-          </a:p>
-          <a:p>
-            <a:pPr marL="0" indent="0">
-              <a:buNone/>
-            </a:pPr>
-            <a:endParaRPr lang="en-US" altLang="ko-KR" dirty="0"/>
-          </a:p>
-        </p:txBody>
-      </p:sp>
-    </p:spTree>
-    <p:extLst>
-      <p:ext uri="{BB962C8B-B14F-4D97-AF65-F5344CB8AC3E}">
-        <p14:creationId xmlns:p14="http://schemas.microsoft.com/office/powerpoint/2010/main" val="3189188132"/>
-      </p:ext>
-    </p:extLst>
-  </p:cSld>
-  <p:clrMapOvr>
-    <a:masterClrMapping/>
-  </p:clrMapOvr>
-</p:sld>
-</file>
-
 <file path=ppt/slides/slide23.xml><?xml version="1.0" encoding="utf-8"?>
 <p:sld xmlns:a="http://schemas.openxmlformats.org/drawingml/2006/main" xmlns:r="http://schemas.openxmlformats.org/officeDocument/2006/relationships" xmlns:p="http://schemas.openxmlformats.org/presentationml/2006/main">
   <p:cSld>
@@ -13912,7 +13676,7 @@
       </p:grpSpPr>
       <p:sp>
         <p:nvSpPr>
-          <p:cNvPr id="44" name="도형 17"/>
+          <p:cNvPr id="2" name="도형 17"/>
           <p:cNvSpPr>
             <a:spLocks/>
           </p:cNvSpPr>
@@ -13962,7 +13726,7 @@
       </p:sp>
       <p:sp>
         <p:nvSpPr>
-          <p:cNvPr id="7" name="내용 개체 틀 2"/>
+          <p:cNvPr id="3" name="내용 개체 틀 2"/>
           <p:cNvSpPr txBox="1">
             <a:spLocks/>
           </p:cNvSpPr>
@@ -14148,100 +13912,212 @@
               <a:buNone/>
             </a:pPr>
             <a:r>
+              <a:rPr lang="ko-KR" altLang="en-US" dirty="0"/>
+              <a:t>실습 </a:t>
+            </a:r>
+            <a:r>
               <a:rPr lang="en-US" altLang="ko-KR" dirty="0"/>
-              <a:t>4) Delete : </a:t>
+              <a:t>12. </a:t>
             </a:r>
             <a:r>
               <a:rPr lang="ko-KR" altLang="en-US" dirty="0"/>
-              <a:t>삭제 </a:t>
+              <a:t>고객관리대장의 </a:t>
+            </a:r>
+            <a:r>
+              <a:rPr lang="en-US" altLang="ko-KR" dirty="0" err="1"/>
+              <a:t>c_id</a:t>
             </a:r>
             <a:r>
               <a:rPr lang="en-US" altLang="ko-KR" dirty="0"/>
-              <a:t>(DELETE)</a:t>
+              <a:t> =22 </a:t>
+            </a:r>
+            <a:r>
+              <a:rPr lang="ko-KR" altLang="en-US" dirty="0"/>
+              <a:t>의 </a:t>
+            </a:r>
+            <a:r>
+              <a:rPr lang="en-US" altLang="ko-KR" dirty="0"/>
+              <a:t>level </a:t>
+            </a:r>
+            <a:r>
+              <a:rPr lang="ko-KR" altLang="en-US" dirty="0"/>
+              <a:t>을 </a:t>
+            </a:r>
+            <a:r>
+              <a:rPr lang="en-US" altLang="ko-KR" dirty="0"/>
+              <a:t>GREEN</a:t>
+            </a:r>
+            <a:r>
+              <a:rPr lang="ko-KR" altLang="en-US" dirty="0"/>
+              <a:t>으로 변경 하시오</a:t>
+            </a:r>
+            <a:r>
+              <a:rPr lang="en-US" altLang="ko-KR" dirty="0"/>
+              <a:t>.</a:t>
             </a:r>
           </a:p>
           <a:p>
             <a:pPr marL="0" indent="0">
               <a:buNone/>
             </a:pPr>
-            <a:r>
-              <a:rPr lang="en-US" altLang="ko-KR" sz="2400" dirty="0"/>
-              <a:t>   - </a:t>
-            </a:r>
-            <a:r>
-              <a:rPr lang="ko-KR" altLang="en-US" sz="2400" dirty="0"/>
-              <a:t>테이블에 저장된 내용을 삭제 하는 명령어</a:t>
-            </a:r>
-            <a:endParaRPr lang="en-US" altLang="ko-KR" sz="2400" dirty="0"/>
-          </a:p>
-          <a:p>
-            <a:pPr marL="457200" indent="-457200">
-              <a:lnSpc>
-                <a:spcPct val="150000"/>
-              </a:lnSpc>
-              <a:buFont typeface="Arial" panose="020B0604020202020204" pitchFamily="34" charset="0"/>
-              <a:buChar char="•"/>
-            </a:pPr>
-            <a:r>
-              <a:rPr lang="ko-KR" altLang="en-US" sz="2800" dirty="0"/>
-              <a:t>기본유형</a:t>
-            </a:r>
-            <a:endParaRPr lang="en-US" altLang="ko-KR" sz="2800" dirty="0"/>
-          </a:p>
-          <a:p>
-            <a:pPr marL="800100" lvl="1" indent="-342900">
-              <a:lnSpc>
-                <a:spcPct val="150000"/>
-              </a:lnSpc>
-              <a:buFont typeface="Arial" panose="020B0604020202020204" pitchFamily="34" charset="0"/>
-              <a:buChar char="•"/>
-            </a:pPr>
-            <a:r>
-              <a:rPr lang="en-US" altLang="ko-KR" sz="2400" dirty="0"/>
-              <a:t>Delete from </a:t>
-            </a:r>
-            <a:r>
-              <a:rPr lang="ko-KR" altLang="en-US" sz="2400" dirty="0"/>
-              <a:t>테이블명 </a:t>
-            </a:r>
-            <a:r>
-              <a:rPr lang="en-US" altLang="ko-KR" sz="2400" dirty="0"/>
-              <a:t>where </a:t>
-            </a:r>
-            <a:r>
-              <a:rPr lang="ko-KR" altLang="en-US" sz="2400" dirty="0"/>
-              <a:t>조건</a:t>
-            </a:r>
-            <a:r>
-              <a:rPr lang="en-US" altLang="ko-KR" sz="2400" dirty="0"/>
-              <a:t>;</a:t>
-            </a:r>
+            <a:endParaRPr lang="en-US" altLang="ko-KR" dirty="0"/>
           </a:p>
           <a:p>
             <a:pPr marL="0" indent="0">
               <a:buNone/>
             </a:pPr>
             <a:r>
+              <a:rPr lang="ko-KR" altLang="en-US" dirty="0"/>
+              <a:t>실습 </a:t>
+            </a:r>
+            <a:r>
               <a:rPr lang="en-US" altLang="ko-KR" dirty="0"/>
-              <a:t>* </a:t>
+              <a:t>13. </a:t>
             </a:r>
             <a:r>
               <a:rPr lang="ko-KR" altLang="en-US" dirty="0"/>
-              <a:t>조건 없는 </a:t>
-            </a:r>
-            <a:r>
-              <a:rPr lang="en-US" altLang="ko-KR" dirty="0" smtClean="0"/>
-              <a:t>delete </a:t>
+              <a:t>고객관리대장의 등급 중 </a:t>
+            </a:r>
+            <a:r>
+              <a:rPr lang="en-US" altLang="ko-KR" dirty="0"/>
+              <a:t>BLACK</a:t>
             </a:r>
             <a:r>
               <a:rPr lang="ko-KR" altLang="en-US" dirty="0"/>
-              <a:t>금지</a:t>
-            </a:r>
+              <a:t>를 </a:t>
+            </a:r>
+            <a:r>
+              <a:rPr lang="en-US" altLang="ko-KR" dirty="0"/>
+              <a:t>WHITE</a:t>
+            </a:r>
+            <a:r>
+              <a:rPr lang="ko-KR" altLang="en-US" dirty="0"/>
+              <a:t>로 변경 하시오</a:t>
+            </a:r>
+            <a:r>
+              <a:rPr lang="en-US" altLang="ko-KR" dirty="0"/>
+              <a:t>.</a:t>
+            </a:r>
+          </a:p>
+          <a:p>
+            <a:pPr marL="0" indent="0">
+              <a:buNone/>
+            </a:pPr>
             <a:endParaRPr lang="en-US" altLang="ko-KR" dirty="0"/>
           </a:p>
           <a:p>
-            <a:pPr marL="514350" indent="-514350">
-              <a:buAutoNum type="arabicParenR"/>
+            <a:pPr marL="0" indent="0">
+              <a:buNone/>
+            </a:pPr>
+            <a:r>
+              <a:rPr lang="ko-KR" altLang="en-US" dirty="0"/>
+              <a:t>실습 </a:t>
+            </a:r>
+            <a:r>
+              <a:rPr lang="en-US" altLang="ko-KR" dirty="0"/>
+              <a:t>14. </a:t>
+            </a:r>
+            <a:r>
+              <a:rPr lang="ko-KR" altLang="en-US" dirty="0"/>
+              <a:t>고객관리대장의 나이가 </a:t>
+            </a:r>
+            <a:r>
+              <a:rPr lang="en-US" altLang="ko-KR" dirty="0"/>
+              <a:t>30</a:t>
+            </a:r>
+            <a:r>
+              <a:rPr lang="ko-KR" altLang="en-US" dirty="0"/>
+              <a:t>세 이상인 경우 등급을 </a:t>
+            </a:r>
+            <a:r>
+              <a:rPr lang="en-US" altLang="ko-KR" dirty="0"/>
+              <a:t>VIP</a:t>
+            </a:r>
+            <a:r>
+              <a:rPr lang="ko-KR" altLang="en-US" dirty="0"/>
+              <a:t>로 </a:t>
+            </a:r>
+            <a:r>
+              <a:rPr lang="ko-KR" altLang="en-US" dirty="0" err="1"/>
+              <a:t>변경하시오</a:t>
+            </a:r>
+            <a:r>
+              <a:rPr lang="en-US" altLang="ko-KR" dirty="0"/>
+              <a:t>.</a:t>
+            </a:r>
+          </a:p>
+          <a:p>
+            <a:pPr marL="0" indent="0">
+              <a:buNone/>
+            </a:pPr>
+            <a:endParaRPr lang="en-US" altLang="ko-KR" dirty="0"/>
+          </a:p>
+          <a:p>
+            <a:pPr marL="0" indent="0">
+              <a:buNone/>
+            </a:pPr>
+            <a:r>
+              <a:rPr lang="ko-KR" altLang="en-US" dirty="0"/>
+              <a:t>실습 </a:t>
+            </a:r>
+            <a:r>
+              <a:rPr lang="en-US" altLang="ko-KR" dirty="0"/>
+              <a:t>15. </a:t>
+            </a:r>
+            <a:r>
+              <a:rPr lang="ko-KR" altLang="en-US" dirty="0"/>
+              <a:t>고객관리대장의 </a:t>
+            </a:r>
+            <a:r>
+              <a:rPr lang="en-US" altLang="ko-KR" dirty="0"/>
+              <a:t>level</a:t>
+            </a:r>
+            <a:r>
+              <a:rPr lang="ko-KR" altLang="en-US" dirty="0"/>
+              <a:t>이 </a:t>
+            </a:r>
+            <a:r>
+              <a:rPr lang="en-US" altLang="ko-KR" dirty="0"/>
+              <a:t>null </a:t>
+            </a:r>
+            <a:r>
+              <a:rPr lang="ko-KR" altLang="en-US" dirty="0"/>
+              <a:t>인 경우 </a:t>
+            </a:r>
+            <a:r>
+              <a:rPr lang="en-US" altLang="ko-KR" dirty="0"/>
+              <a:t>level</a:t>
+            </a:r>
+            <a:r>
+              <a:rPr lang="ko-KR" altLang="en-US" dirty="0"/>
+              <a:t>을 </a:t>
+            </a:r>
+            <a:r>
+              <a:rPr lang="en-US" altLang="ko-KR" dirty="0"/>
+              <a:t>GREEN</a:t>
+            </a:r>
+            <a:r>
+              <a:rPr lang="ko-KR" altLang="en-US" dirty="0"/>
+              <a:t>으로 </a:t>
+            </a:r>
+            <a:r>
+              <a:rPr lang="ko-KR" altLang="en-US" dirty="0" err="1"/>
+              <a:t>변경하시오</a:t>
+            </a:r>
+            <a:r>
+              <a:rPr lang="en-US" altLang="ko-KR" dirty="0"/>
+              <a:t>.</a:t>
+            </a:r>
+          </a:p>
+          <a:p>
+            <a:pPr marL="0" indent="0">
+              <a:buNone/>
+            </a:pPr>
+            <a:endParaRPr lang="en-US" altLang="ko-KR" dirty="0"/>
+          </a:p>
+          <a:p>
+            <a:pPr marL="0" indent="0">
+              <a:buNone/>
             </a:pPr>
             <a:endParaRPr lang="en-US" altLang="ko-KR" dirty="0"/>
           </a:p>
@@ -14250,7 +14126,7 @@
     </p:spTree>
     <p:extLst>
       <p:ext uri="{BB962C8B-B14F-4D97-AF65-F5344CB8AC3E}">
-        <p14:creationId xmlns:p14="http://schemas.microsoft.com/office/powerpoint/2010/main" val="563273446"/>
+        <p14:creationId xmlns:p14="http://schemas.microsoft.com/office/powerpoint/2010/main" val="3189188132"/>
       </p:ext>
     </p:extLst>
   </p:cSld>
@@ -14536,34 +14412,388 @@
               <a:t>   - </a:t>
             </a:r>
             <a:r>
-              <a:rPr lang="en-US" altLang="ko-KR" sz="2400" dirty="0" smtClean="0"/>
-              <a:t>delete </a:t>
-            </a:r>
+              <a:rPr lang="ko-KR" altLang="en-US" sz="2400" dirty="0"/>
+              <a:t>테이블에 저장된 내용을 삭제 하는 명령어</a:t>
+            </a:r>
+            <a:endParaRPr lang="en-US" altLang="ko-KR" sz="2400" dirty="0"/>
+          </a:p>
+          <a:p>
+            <a:pPr marL="457200" indent="-457200">
+              <a:lnSpc>
+                <a:spcPct val="150000"/>
+              </a:lnSpc>
+              <a:buFont typeface="Arial" panose="020B0604020202020204" pitchFamily="34" charset="0"/>
+              <a:buChar char="•"/>
+            </a:pPr>
+            <a:r>
+              <a:rPr lang="ko-KR" altLang="en-US" sz="2800" dirty="0"/>
+              <a:t>기본유형</a:t>
+            </a:r>
+            <a:endParaRPr lang="en-US" altLang="ko-KR" sz="2800" dirty="0"/>
+          </a:p>
+          <a:p>
+            <a:pPr marL="800100" lvl="1" indent="-342900">
+              <a:lnSpc>
+                <a:spcPct val="150000"/>
+              </a:lnSpc>
+              <a:buFont typeface="Arial" panose="020B0604020202020204" pitchFamily="34" charset="0"/>
+              <a:buChar char="•"/>
+            </a:pPr>
             <a:r>
               <a:rPr lang="en-US" altLang="ko-KR" sz="2400" dirty="0"/>
-              <a:t>from </a:t>
-            </a:r>
-            <a:r>
-              <a:rPr lang="en-US" altLang="ko-KR" sz="2400" dirty="0" smtClean="0"/>
-              <a:t>customer</a:t>
-            </a:r>
-            <a:r>
-              <a:rPr lang="ko-KR" altLang="en-US" sz="2400" dirty="0" smtClean="0"/>
-              <a:t> </a:t>
+              <a:t>Delete from </a:t>
+            </a:r>
+            <a:r>
+              <a:rPr lang="ko-KR" altLang="en-US" sz="2400" dirty="0"/>
+              <a:t>테이블명 </a:t>
             </a:r>
             <a:r>
               <a:rPr lang="en-US" altLang="ko-KR" sz="2400" dirty="0"/>
               <a:t>where </a:t>
             </a:r>
             <a:r>
-              <a:rPr lang="en-US" altLang="ko-KR" sz="2400" dirty="0" err="1" smtClean="0"/>
+              <a:rPr lang="ko-KR" altLang="en-US" sz="2400" dirty="0"/>
+              <a:t>조건</a:t>
+            </a:r>
+            <a:r>
+              <a:rPr lang="en-US" altLang="ko-KR" sz="2400" dirty="0"/>
+              <a:t>;</a:t>
+            </a:r>
+          </a:p>
+          <a:p>
+            <a:pPr marL="0" indent="0">
+              <a:buNone/>
+            </a:pPr>
+            <a:r>
+              <a:rPr lang="en-US" altLang="ko-KR" dirty="0"/>
+              <a:t>* </a:t>
+            </a:r>
+            <a:r>
+              <a:rPr lang="ko-KR" altLang="en-US" dirty="0"/>
+              <a:t>조건 없는 </a:t>
+            </a:r>
+            <a:r>
+              <a:rPr lang="en-US" altLang="ko-KR" dirty="0"/>
+              <a:t>delete </a:t>
+            </a:r>
+            <a:r>
+              <a:rPr lang="ko-KR" altLang="en-US" dirty="0"/>
+              <a:t>금지</a:t>
+            </a:r>
+            <a:endParaRPr lang="en-US" altLang="ko-KR" dirty="0"/>
+          </a:p>
+          <a:p>
+            <a:pPr marL="514350" indent="-514350">
+              <a:buAutoNum type="arabicParenR"/>
+            </a:pPr>
+            <a:endParaRPr lang="en-US" altLang="ko-KR" dirty="0"/>
+          </a:p>
+        </p:txBody>
+      </p:sp>
+    </p:spTree>
+    <p:extLst>
+      <p:ext uri="{BB962C8B-B14F-4D97-AF65-F5344CB8AC3E}">
+        <p14:creationId xmlns:p14="http://schemas.microsoft.com/office/powerpoint/2010/main" val="563273446"/>
+      </p:ext>
+    </p:extLst>
+  </p:cSld>
+  <p:clrMapOvr>
+    <a:masterClrMapping/>
+  </p:clrMapOvr>
+</p:sld>
+</file>
+
+<file path=ppt/slides/slide25.xml><?xml version="1.0" encoding="utf-8"?>
+<p:sld xmlns:a="http://schemas.openxmlformats.org/drawingml/2006/main" xmlns:r="http://schemas.openxmlformats.org/officeDocument/2006/relationships" xmlns:p="http://schemas.openxmlformats.org/presentationml/2006/main">
+  <p:cSld>
+    <p:spTree>
+      <p:nvGrpSpPr>
+        <p:cNvPr id="1" name=""/>
+        <p:cNvGrpSpPr/>
+        <p:nvPr/>
+      </p:nvGrpSpPr>
+      <p:grpSpPr>
+        <a:xfrm>
+          <a:off x="0" y="0"/>
+          <a:ext cx="0" cy="0"/>
+          <a:chOff x="0" y="0"/>
+          <a:chExt cx="0" cy="0"/>
+        </a:xfrm>
+      </p:grpSpPr>
+      <p:sp>
+        <p:nvSpPr>
+          <p:cNvPr id="44" name="도형 17"/>
+          <p:cNvSpPr>
+            <a:spLocks/>
+          </p:cNvSpPr>
+          <p:nvPr/>
+        </p:nvSpPr>
+        <p:spPr>
+          <a:xfrm>
+            <a:off x="765868" y="316230"/>
+            <a:ext cx="1293944" cy="454292"/>
+          </a:xfrm>
+          <a:prstGeom prst="rect">
+            <a:avLst/>
+          </a:prstGeom>
+          <a:ln w="0">
+            <a:noFill/>
+            <a:prstDash/>
+          </a:ln>
+        </p:spPr>
+        <p:txBody>
+          <a:bodyPr vert="horz" wrap="none" lIns="91440" tIns="45720" rIns="91440" bIns="45720" numCol="1" anchor="t">
+            <a:spAutoFit/>
+          </a:bodyPr>
+          <a:lstStyle/>
+          <a:p>
+            <a:pPr marL="0" indent="0" latinLnBrk="0">
+              <a:lnSpc>
+                <a:spcPct val="150000"/>
+              </a:lnSpc>
+              <a:buFontTx/>
+              <a:buNone/>
+            </a:pPr>
+            <a:r>
+              <a:rPr lang="en-US" altLang="ko-KR" dirty="0">
+                <a:solidFill>
+                  <a:schemeClr val="bg1"/>
+                </a:solidFill>
+              </a:rPr>
+              <a:t>SQL CRUD</a:t>
+            </a:r>
+            <a:endParaRPr lang="ko-KR" altLang="en-US" dirty="0">
+              <a:solidFill>
+                <a:schemeClr val="bg1"/>
+              </a:solidFill>
+            </a:endParaRPr>
+          </a:p>
+        </p:txBody>
+      </p:sp>
+      <p:sp>
+        <p:nvSpPr>
+          <p:cNvPr id="7" name="내용 개체 틀 2"/>
+          <p:cNvSpPr txBox="1">
+            <a:spLocks/>
+          </p:cNvSpPr>
+          <p:nvPr/>
+        </p:nvSpPr>
+        <p:spPr>
+          <a:xfrm>
+            <a:off x="457200" y="1600200"/>
+            <a:ext cx="11290300" cy="4525963"/>
+          </a:xfrm>
+          <a:prstGeom prst="rect">
+            <a:avLst/>
+          </a:prstGeom>
+        </p:spPr>
+        <p:txBody>
+          <a:bodyPr/>
+          <a:lstStyle>
+            <a:lvl1pPr marL="228600" indent="-228600" algn="l" defTabSz="914400" rtl="0" eaLnBrk="1" latinLnBrk="1" hangingPunct="1">
+              <a:lnSpc>
+                <a:spcPct val="90000"/>
+              </a:lnSpc>
+              <a:spcBef>
+                <a:spcPts val="1000"/>
+              </a:spcBef>
+              <a:buFont typeface="Arial" panose="020B0604020202020204" pitchFamily="34" charset="0"/>
+              <a:buChar char="•"/>
+              <a:defRPr sz="2800" kern="1200">
+                <a:solidFill>
+                  <a:schemeClr val="tx1"/>
+                </a:solidFill>
+                <a:latin typeface="+mn-lt"/>
+                <a:ea typeface="+mn-ea"/>
+                <a:cs typeface="+mn-cs"/>
+              </a:defRPr>
+            </a:lvl1pPr>
+            <a:lvl2pPr marL="685800" indent="-228600" algn="l" defTabSz="914400" rtl="0" eaLnBrk="1" latinLnBrk="1" hangingPunct="1">
+              <a:lnSpc>
+                <a:spcPct val="90000"/>
+              </a:lnSpc>
+              <a:spcBef>
+                <a:spcPts val="500"/>
+              </a:spcBef>
+              <a:buFont typeface="Arial" panose="020B0604020202020204" pitchFamily="34" charset="0"/>
+              <a:buChar char="•"/>
+              <a:defRPr sz="2400" kern="1200">
+                <a:solidFill>
+                  <a:schemeClr val="tx1"/>
+                </a:solidFill>
+                <a:latin typeface="+mn-lt"/>
+                <a:ea typeface="+mn-ea"/>
+                <a:cs typeface="+mn-cs"/>
+              </a:defRPr>
+            </a:lvl2pPr>
+            <a:lvl3pPr marL="1143000" indent="-228600" algn="l" defTabSz="914400" rtl="0" eaLnBrk="1" latinLnBrk="1" hangingPunct="1">
+              <a:lnSpc>
+                <a:spcPct val="90000"/>
+              </a:lnSpc>
+              <a:spcBef>
+                <a:spcPts val="500"/>
+              </a:spcBef>
+              <a:buFont typeface="Arial" panose="020B0604020202020204" pitchFamily="34" charset="0"/>
+              <a:buChar char="•"/>
+              <a:defRPr sz="2000" kern="1200">
+                <a:solidFill>
+                  <a:schemeClr val="tx1"/>
+                </a:solidFill>
+                <a:latin typeface="+mn-lt"/>
+                <a:ea typeface="+mn-ea"/>
+                <a:cs typeface="+mn-cs"/>
+              </a:defRPr>
+            </a:lvl3pPr>
+            <a:lvl4pPr marL="1600200" indent="-228600" algn="l" defTabSz="914400" rtl="0" eaLnBrk="1" latinLnBrk="1" hangingPunct="1">
+              <a:lnSpc>
+                <a:spcPct val="90000"/>
+              </a:lnSpc>
+              <a:spcBef>
+                <a:spcPts val="500"/>
+              </a:spcBef>
+              <a:buFont typeface="Arial" panose="020B0604020202020204" pitchFamily="34" charset="0"/>
+              <a:buChar char="•"/>
+              <a:defRPr sz="1800" kern="1200">
+                <a:solidFill>
+                  <a:schemeClr val="tx1"/>
+                </a:solidFill>
+                <a:latin typeface="+mn-lt"/>
+                <a:ea typeface="+mn-ea"/>
+                <a:cs typeface="+mn-cs"/>
+              </a:defRPr>
+            </a:lvl4pPr>
+            <a:lvl5pPr marL="2057400" indent="-228600" algn="l" defTabSz="914400" rtl="0" eaLnBrk="1" latinLnBrk="1" hangingPunct="1">
+              <a:lnSpc>
+                <a:spcPct val="90000"/>
+              </a:lnSpc>
+              <a:spcBef>
+                <a:spcPts val="500"/>
+              </a:spcBef>
+              <a:buFont typeface="Arial" panose="020B0604020202020204" pitchFamily="34" charset="0"/>
+              <a:buChar char="•"/>
+              <a:defRPr sz="1800" kern="1200">
+                <a:solidFill>
+                  <a:schemeClr val="tx1"/>
+                </a:solidFill>
+                <a:latin typeface="+mn-lt"/>
+                <a:ea typeface="+mn-ea"/>
+                <a:cs typeface="+mn-cs"/>
+              </a:defRPr>
+            </a:lvl5pPr>
+            <a:lvl6pPr marL="2514600" indent="-228600" algn="l" defTabSz="914400" rtl="0" eaLnBrk="1" latinLnBrk="1" hangingPunct="1">
+              <a:lnSpc>
+                <a:spcPct val="90000"/>
+              </a:lnSpc>
+              <a:spcBef>
+                <a:spcPts val="500"/>
+              </a:spcBef>
+              <a:buFont typeface="Arial" panose="020B0604020202020204" pitchFamily="34" charset="0"/>
+              <a:buChar char="•"/>
+              <a:defRPr sz="1800" kern="1200">
+                <a:solidFill>
+                  <a:schemeClr val="tx1"/>
+                </a:solidFill>
+                <a:latin typeface="+mn-lt"/>
+                <a:ea typeface="+mn-ea"/>
+                <a:cs typeface="+mn-cs"/>
+              </a:defRPr>
+            </a:lvl6pPr>
+            <a:lvl7pPr marL="2971800" indent="-228600" algn="l" defTabSz="914400" rtl="0" eaLnBrk="1" latinLnBrk="1" hangingPunct="1">
+              <a:lnSpc>
+                <a:spcPct val="90000"/>
+              </a:lnSpc>
+              <a:spcBef>
+                <a:spcPts val="500"/>
+              </a:spcBef>
+              <a:buFont typeface="Arial" panose="020B0604020202020204" pitchFamily="34" charset="0"/>
+              <a:buChar char="•"/>
+              <a:defRPr sz="1800" kern="1200">
+                <a:solidFill>
+                  <a:schemeClr val="tx1"/>
+                </a:solidFill>
+                <a:latin typeface="+mn-lt"/>
+                <a:ea typeface="+mn-ea"/>
+                <a:cs typeface="+mn-cs"/>
+              </a:defRPr>
+            </a:lvl7pPr>
+            <a:lvl8pPr marL="3429000" indent="-228600" algn="l" defTabSz="914400" rtl="0" eaLnBrk="1" latinLnBrk="1" hangingPunct="1">
+              <a:lnSpc>
+                <a:spcPct val="90000"/>
+              </a:lnSpc>
+              <a:spcBef>
+                <a:spcPts val="500"/>
+              </a:spcBef>
+              <a:buFont typeface="Arial" panose="020B0604020202020204" pitchFamily="34" charset="0"/>
+              <a:buChar char="•"/>
+              <a:defRPr sz="1800" kern="1200">
+                <a:solidFill>
+                  <a:schemeClr val="tx1"/>
+                </a:solidFill>
+                <a:latin typeface="+mn-lt"/>
+                <a:ea typeface="+mn-ea"/>
+                <a:cs typeface="+mn-cs"/>
+              </a:defRPr>
+            </a:lvl8pPr>
+            <a:lvl9pPr marL="3886200" indent="-228600" algn="l" defTabSz="914400" rtl="0" eaLnBrk="1" latinLnBrk="1" hangingPunct="1">
+              <a:lnSpc>
+                <a:spcPct val="90000"/>
+              </a:lnSpc>
+              <a:spcBef>
+                <a:spcPts val="500"/>
+              </a:spcBef>
+              <a:buFont typeface="Arial" panose="020B0604020202020204" pitchFamily="34" charset="0"/>
+              <a:buChar char="•"/>
+              <a:defRPr sz="1800" kern="1200">
+                <a:solidFill>
+                  <a:schemeClr val="tx1"/>
+                </a:solidFill>
+                <a:latin typeface="+mn-lt"/>
+                <a:ea typeface="+mn-ea"/>
+                <a:cs typeface="+mn-cs"/>
+              </a:defRPr>
+            </a:lvl9pPr>
+          </a:lstStyle>
+          <a:p>
+            <a:pPr marL="0" indent="0">
+              <a:buNone/>
+            </a:pPr>
+            <a:r>
+              <a:rPr lang="en-US" altLang="ko-KR" dirty="0"/>
+              <a:t>4) Delete : </a:t>
+            </a:r>
+            <a:r>
+              <a:rPr lang="ko-KR" altLang="en-US" dirty="0"/>
+              <a:t>삭제 </a:t>
+            </a:r>
+            <a:r>
+              <a:rPr lang="en-US" altLang="ko-KR" dirty="0"/>
+              <a:t>(DELETE)</a:t>
+            </a:r>
+          </a:p>
+          <a:p>
+            <a:pPr marL="0" indent="0">
+              <a:buNone/>
+            </a:pPr>
+            <a:r>
+              <a:rPr lang="en-US" altLang="ko-KR" sz="2400" dirty="0"/>
+              <a:t>   - delete from customer</a:t>
+            </a:r>
+            <a:r>
+              <a:rPr lang="ko-KR" altLang="en-US" sz="2400" dirty="0"/>
+              <a:t> </a:t>
+            </a:r>
+            <a:r>
+              <a:rPr lang="en-US" altLang="ko-KR" sz="2400" dirty="0"/>
+              <a:t>where </a:t>
+            </a:r>
+            <a:r>
+              <a:rPr lang="en-US" altLang="ko-KR" sz="2400" dirty="0" err="1"/>
               <a:t>c_id</a:t>
             </a:r>
             <a:r>
-              <a:rPr lang="en-US" altLang="ko-KR" sz="2400" dirty="0" smtClean="0"/>
+              <a:rPr lang="en-US" altLang="ko-KR" sz="2400" dirty="0"/>
               <a:t> = 23;</a:t>
             </a:r>
-            <a:endParaRPr lang="en-US" altLang="ko-KR" sz="2400" dirty="0"/>
           </a:p>
           <a:p>
             <a:pPr marL="514350" indent="-514350">
@@ -14610,392 +14840,6 @@
 </p:sld>
 </file>
 
-<file path=ppt/slides/slide25.xml><?xml version="1.0" encoding="utf-8"?>
-<p:sld xmlns:a="http://schemas.openxmlformats.org/drawingml/2006/main" xmlns:r="http://schemas.openxmlformats.org/officeDocument/2006/relationships" xmlns:p="http://schemas.openxmlformats.org/presentationml/2006/main">
-  <p:cSld>
-    <p:spTree>
-      <p:nvGrpSpPr>
-        <p:cNvPr id="1" name=""/>
-        <p:cNvGrpSpPr/>
-        <p:nvPr/>
-      </p:nvGrpSpPr>
-      <p:grpSpPr>
-        <a:xfrm>
-          <a:off x="0" y="0"/>
-          <a:ext cx="0" cy="0"/>
-          <a:chOff x="0" y="0"/>
-          <a:chExt cx="0" cy="0"/>
-        </a:xfrm>
-      </p:grpSpPr>
-      <p:sp>
-        <p:nvSpPr>
-          <p:cNvPr id="2" name="도형 17"/>
-          <p:cNvSpPr>
-            <a:spLocks/>
-          </p:cNvSpPr>
-          <p:nvPr/>
-        </p:nvSpPr>
-        <p:spPr>
-          <a:xfrm>
-            <a:off x="765868" y="316230"/>
-            <a:ext cx="1293944" cy="454292"/>
-          </a:xfrm>
-          <a:prstGeom prst="rect">
-            <a:avLst/>
-          </a:prstGeom>
-          <a:ln w="0">
-            <a:noFill/>
-            <a:prstDash/>
-          </a:ln>
-        </p:spPr>
-        <p:txBody>
-          <a:bodyPr vert="horz" wrap="none" lIns="91440" tIns="45720" rIns="91440" bIns="45720" numCol="1" anchor="t">
-            <a:spAutoFit/>
-          </a:bodyPr>
-          <a:lstStyle/>
-          <a:p>
-            <a:pPr marL="0" indent="0" latinLnBrk="0">
-              <a:lnSpc>
-                <a:spcPct val="150000"/>
-              </a:lnSpc>
-              <a:buFontTx/>
-              <a:buNone/>
-            </a:pPr>
-            <a:r>
-              <a:rPr lang="en-US" altLang="ko-KR" dirty="0">
-                <a:solidFill>
-                  <a:schemeClr val="bg1"/>
-                </a:solidFill>
-              </a:rPr>
-              <a:t>SQL CRUD</a:t>
-            </a:r>
-            <a:endParaRPr lang="ko-KR" altLang="en-US" dirty="0">
-              <a:solidFill>
-                <a:schemeClr val="bg1"/>
-              </a:solidFill>
-            </a:endParaRPr>
-          </a:p>
-        </p:txBody>
-      </p:sp>
-      <p:sp>
-        <p:nvSpPr>
-          <p:cNvPr id="3" name="내용 개체 틀 2"/>
-          <p:cNvSpPr txBox="1">
-            <a:spLocks/>
-          </p:cNvSpPr>
-          <p:nvPr/>
-        </p:nvSpPr>
-        <p:spPr>
-          <a:xfrm>
-            <a:off x="457200" y="1600200"/>
-            <a:ext cx="11290300" cy="4525963"/>
-          </a:xfrm>
-          <a:prstGeom prst="rect">
-            <a:avLst/>
-          </a:prstGeom>
-        </p:spPr>
-        <p:txBody>
-          <a:bodyPr/>
-          <a:lstStyle>
-            <a:lvl1pPr marL="228600" indent="-228600" algn="l" defTabSz="914400" rtl="0" eaLnBrk="1" latinLnBrk="1" hangingPunct="1">
-              <a:lnSpc>
-                <a:spcPct val="90000"/>
-              </a:lnSpc>
-              <a:spcBef>
-                <a:spcPts val="1000"/>
-              </a:spcBef>
-              <a:buFont typeface="Arial" panose="020B0604020202020204" pitchFamily="34" charset="0"/>
-              <a:buChar char="•"/>
-              <a:defRPr sz="2800" kern="1200">
-                <a:solidFill>
-                  <a:schemeClr val="tx1"/>
-                </a:solidFill>
-                <a:latin typeface="+mn-lt"/>
-                <a:ea typeface="+mn-ea"/>
-                <a:cs typeface="+mn-cs"/>
-              </a:defRPr>
-            </a:lvl1pPr>
-            <a:lvl2pPr marL="685800" indent="-228600" algn="l" defTabSz="914400" rtl="0" eaLnBrk="1" latinLnBrk="1" hangingPunct="1">
-              <a:lnSpc>
-                <a:spcPct val="90000"/>
-              </a:lnSpc>
-              <a:spcBef>
-                <a:spcPts val="500"/>
-              </a:spcBef>
-              <a:buFont typeface="Arial" panose="020B0604020202020204" pitchFamily="34" charset="0"/>
-              <a:buChar char="•"/>
-              <a:defRPr sz="2400" kern="1200">
-                <a:solidFill>
-                  <a:schemeClr val="tx1"/>
-                </a:solidFill>
-                <a:latin typeface="+mn-lt"/>
-                <a:ea typeface="+mn-ea"/>
-                <a:cs typeface="+mn-cs"/>
-              </a:defRPr>
-            </a:lvl2pPr>
-            <a:lvl3pPr marL="1143000" indent="-228600" algn="l" defTabSz="914400" rtl="0" eaLnBrk="1" latinLnBrk="1" hangingPunct="1">
-              <a:lnSpc>
-                <a:spcPct val="90000"/>
-              </a:lnSpc>
-              <a:spcBef>
-                <a:spcPts val="500"/>
-              </a:spcBef>
-              <a:buFont typeface="Arial" panose="020B0604020202020204" pitchFamily="34" charset="0"/>
-              <a:buChar char="•"/>
-              <a:defRPr sz="2000" kern="1200">
-                <a:solidFill>
-                  <a:schemeClr val="tx1"/>
-                </a:solidFill>
-                <a:latin typeface="+mn-lt"/>
-                <a:ea typeface="+mn-ea"/>
-                <a:cs typeface="+mn-cs"/>
-              </a:defRPr>
-            </a:lvl3pPr>
-            <a:lvl4pPr marL="1600200" indent="-228600" algn="l" defTabSz="914400" rtl="0" eaLnBrk="1" latinLnBrk="1" hangingPunct="1">
-              <a:lnSpc>
-                <a:spcPct val="90000"/>
-              </a:lnSpc>
-              <a:spcBef>
-                <a:spcPts val="500"/>
-              </a:spcBef>
-              <a:buFont typeface="Arial" panose="020B0604020202020204" pitchFamily="34" charset="0"/>
-              <a:buChar char="•"/>
-              <a:defRPr sz="1800" kern="1200">
-                <a:solidFill>
-                  <a:schemeClr val="tx1"/>
-                </a:solidFill>
-                <a:latin typeface="+mn-lt"/>
-                <a:ea typeface="+mn-ea"/>
-                <a:cs typeface="+mn-cs"/>
-              </a:defRPr>
-            </a:lvl4pPr>
-            <a:lvl5pPr marL="2057400" indent="-228600" algn="l" defTabSz="914400" rtl="0" eaLnBrk="1" latinLnBrk="1" hangingPunct="1">
-              <a:lnSpc>
-                <a:spcPct val="90000"/>
-              </a:lnSpc>
-              <a:spcBef>
-                <a:spcPts val="500"/>
-              </a:spcBef>
-              <a:buFont typeface="Arial" panose="020B0604020202020204" pitchFamily="34" charset="0"/>
-              <a:buChar char="•"/>
-              <a:defRPr sz="1800" kern="1200">
-                <a:solidFill>
-                  <a:schemeClr val="tx1"/>
-                </a:solidFill>
-                <a:latin typeface="+mn-lt"/>
-                <a:ea typeface="+mn-ea"/>
-                <a:cs typeface="+mn-cs"/>
-              </a:defRPr>
-            </a:lvl5pPr>
-            <a:lvl6pPr marL="2514600" indent="-228600" algn="l" defTabSz="914400" rtl="0" eaLnBrk="1" latinLnBrk="1" hangingPunct="1">
-              <a:lnSpc>
-                <a:spcPct val="90000"/>
-              </a:lnSpc>
-              <a:spcBef>
-                <a:spcPts val="500"/>
-              </a:spcBef>
-              <a:buFont typeface="Arial" panose="020B0604020202020204" pitchFamily="34" charset="0"/>
-              <a:buChar char="•"/>
-              <a:defRPr sz="1800" kern="1200">
-                <a:solidFill>
-                  <a:schemeClr val="tx1"/>
-                </a:solidFill>
-                <a:latin typeface="+mn-lt"/>
-                <a:ea typeface="+mn-ea"/>
-                <a:cs typeface="+mn-cs"/>
-              </a:defRPr>
-            </a:lvl6pPr>
-            <a:lvl7pPr marL="2971800" indent="-228600" algn="l" defTabSz="914400" rtl="0" eaLnBrk="1" latinLnBrk="1" hangingPunct="1">
-              <a:lnSpc>
-                <a:spcPct val="90000"/>
-              </a:lnSpc>
-              <a:spcBef>
-                <a:spcPts val="500"/>
-              </a:spcBef>
-              <a:buFont typeface="Arial" panose="020B0604020202020204" pitchFamily="34" charset="0"/>
-              <a:buChar char="•"/>
-              <a:defRPr sz="1800" kern="1200">
-                <a:solidFill>
-                  <a:schemeClr val="tx1"/>
-                </a:solidFill>
-                <a:latin typeface="+mn-lt"/>
-                <a:ea typeface="+mn-ea"/>
-                <a:cs typeface="+mn-cs"/>
-              </a:defRPr>
-            </a:lvl7pPr>
-            <a:lvl8pPr marL="3429000" indent="-228600" algn="l" defTabSz="914400" rtl="0" eaLnBrk="1" latinLnBrk="1" hangingPunct="1">
-              <a:lnSpc>
-                <a:spcPct val="90000"/>
-              </a:lnSpc>
-              <a:spcBef>
-                <a:spcPts val="500"/>
-              </a:spcBef>
-              <a:buFont typeface="Arial" panose="020B0604020202020204" pitchFamily="34" charset="0"/>
-              <a:buChar char="•"/>
-              <a:defRPr sz="1800" kern="1200">
-                <a:solidFill>
-                  <a:schemeClr val="tx1"/>
-                </a:solidFill>
-                <a:latin typeface="+mn-lt"/>
-                <a:ea typeface="+mn-ea"/>
-                <a:cs typeface="+mn-cs"/>
-              </a:defRPr>
-            </a:lvl8pPr>
-            <a:lvl9pPr marL="3886200" indent="-228600" algn="l" defTabSz="914400" rtl="0" eaLnBrk="1" latinLnBrk="1" hangingPunct="1">
-              <a:lnSpc>
-                <a:spcPct val="90000"/>
-              </a:lnSpc>
-              <a:spcBef>
-                <a:spcPts val="500"/>
-              </a:spcBef>
-              <a:buFont typeface="Arial" panose="020B0604020202020204" pitchFamily="34" charset="0"/>
-              <a:buChar char="•"/>
-              <a:defRPr sz="1800" kern="1200">
-                <a:solidFill>
-                  <a:schemeClr val="tx1"/>
-                </a:solidFill>
-                <a:latin typeface="+mn-lt"/>
-                <a:ea typeface="+mn-ea"/>
-                <a:cs typeface="+mn-cs"/>
-              </a:defRPr>
-            </a:lvl9pPr>
-          </a:lstStyle>
-          <a:p>
-            <a:pPr marL="0" indent="0">
-              <a:buNone/>
-            </a:pPr>
-            <a:r>
-              <a:rPr lang="ko-KR" altLang="en-US" dirty="0" smtClean="0"/>
-              <a:t>실습 </a:t>
-            </a:r>
-            <a:r>
-              <a:rPr lang="en-US" altLang="ko-KR" dirty="0" smtClean="0"/>
-              <a:t>16. </a:t>
-            </a:r>
-            <a:r>
-              <a:rPr lang="ko-KR" altLang="en-US" dirty="0" smtClean="0"/>
-              <a:t>고객관리대장의 </a:t>
-            </a:r>
-            <a:r>
-              <a:rPr lang="en-US" altLang="ko-KR" dirty="0" smtClean="0"/>
-              <a:t>‘</a:t>
-            </a:r>
-            <a:r>
-              <a:rPr lang="ko-KR" altLang="en-US" dirty="0" smtClean="0"/>
-              <a:t>무명이</a:t>
-            </a:r>
-            <a:r>
-              <a:rPr lang="en-US" altLang="ko-KR" dirty="0" smtClean="0"/>
-              <a:t>‘</a:t>
-            </a:r>
-            <a:r>
-              <a:rPr lang="ko-KR" altLang="en-US" dirty="0" smtClean="0"/>
-              <a:t>를 삭제 하시오</a:t>
-            </a:r>
-            <a:r>
-              <a:rPr lang="en-US" altLang="ko-KR" dirty="0" smtClean="0"/>
-              <a:t>.</a:t>
-            </a:r>
-          </a:p>
-          <a:p>
-            <a:pPr marL="0" indent="0">
-              <a:buNone/>
-            </a:pPr>
-            <a:endParaRPr lang="en-US" altLang="ko-KR" dirty="0"/>
-          </a:p>
-          <a:p>
-            <a:pPr marL="0" indent="0">
-              <a:buNone/>
-            </a:pPr>
-            <a:r>
-              <a:rPr lang="ko-KR" altLang="en-US" dirty="0" smtClean="0"/>
-              <a:t>실습 </a:t>
-            </a:r>
-            <a:r>
-              <a:rPr lang="en-US" altLang="ko-KR" dirty="0" smtClean="0"/>
-              <a:t>17. </a:t>
-            </a:r>
-            <a:r>
-              <a:rPr lang="ko-KR" altLang="en-US" dirty="0" smtClean="0"/>
-              <a:t>고객관리대장의 </a:t>
-            </a:r>
-            <a:r>
-              <a:rPr lang="en-US" altLang="ko-KR" dirty="0" smtClean="0"/>
-              <a:t>WHITE </a:t>
-            </a:r>
-            <a:r>
-              <a:rPr lang="ko-KR" altLang="en-US" dirty="0" smtClean="0"/>
-              <a:t>등급을 모두 삭제 하시오</a:t>
-            </a:r>
-            <a:r>
-              <a:rPr lang="en-US" altLang="ko-KR" dirty="0" smtClean="0"/>
-              <a:t>.</a:t>
-            </a:r>
-          </a:p>
-          <a:p>
-            <a:pPr marL="0" indent="0">
-              <a:buNone/>
-            </a:pPr>
-            <a:endParaRPr lang="en-US" altLang="ko-KR" dirty="0"/>
-          </a:p>
-          <a:p>
-            <a:pPr marL="0" indent="0">
-              <a:buNone/>
-            </a:pPr>
-            <a:r>
-              <a:rPr lang="ko-KR" altLang="en-US" dirty="0" smtClean="0"/>
-              <a:t>실습 </a:t>
-            </a:r>
-            <a:r>
-              <a:rPr lang="en-US" altLang="ko-KR" dirty="0" smtClean="0"/>
-              <a:t>18. </a:t>
-            </a:r>
-            <a:r>
-              <a:rPr lang="ko-KR" altLang="en-US" dirty="0" smtClean="0"/>
-              <a:t>상품권발급대장의 지급된 금액을 변경 하시오</a:t>
-            </a:r>
-            <a:endParaRPr lang="en-US" altLang="ko-KR" dirty="0" smtClean="0"/>
-          </a:p>
-          <a:p>
-            <a:pPr marL="0" indent="0">
-              <a:buNone/>
-            </a:pPr>
-            <a:r>
-              <a:rPr lang="en-US" altLang="ko-KR" dirty="0"/>
-              <a:t> </a:t>
-            </a:r>
-            <a:r>
-              <a:rPr lang="en-US" altLang="ko-KR" dirty="0" smtClean="0"/>
-              <a:t>          (200000 -&gt; 300000)</a:t>
-            </a:r>
-          </a:p>
-          <a:p>
-            <a:pPr marL="0" indent="0">
-              <a:buNone/>
-            </a:pPr>
-            <a:endParaRPr lang="en-US" altLang="ko-KR" dirty="0" smtClean="0"/>
-          </a:p>
-          <a:p>
-            <a:pPr marL="0" indent="0">
-              <a:buNone/>
-            </a:pPr>
-            <a:endParaRPr lang="en-US" altLang="ko-KR" dirty="0"/>
-          </a:p>
-        </p:txBody>
-      </p:sp>
-    </p:spTree>
-    <p:extLst>
-      <p:ext uri="{BB962C8B-B14F-4D97-AF65-F5344CB8AC3E}">
-        <p14:creationId xmlns:p14="http://schemas.microsoft.com/office/powerpoint/2010/main" val="1451357317"/>
-      </p:ext>
-    </p:extLst>
-  </p:cSld>
-  <p:clrMapOvr>
-    <a:masterClrMapping/>
-  </p:clrMapOvr>
-</p:sld>
-</file>
-
 <file path=ppt/slides/slide26.xml><?xml version="1.0" encoding="utf-8"?>
 <p:sld xmlns:a="http://schemas.openxmlformats.org/drawingml/2006/main" xmlns:r="http://schemas.openxmlformats.org/officeDocument/2006/relationships" xmlns:p="http://schemas.openxmlformats.org/presentationml/2006/main">
   <p:cSld>
@@ -15251,43 +15095,425 @@
               <a:buNone/>
             </a:pPr>
             <a:r>
-              <a:rPr lang="ko-KR" altLang="en-US" dirty="0" smtClean="0"/>
+              <a:rPr lang="ko-KR" altLang="en-US" dirty="0"/>
+              <a:t>실습 </a:t>
+            </a:r>
+            <a:r>
+              <a:rPr lang="en-US" altLang="ko-KR" dirty="0"/>
+              <a:t>16. </a:t>
+            </a:r>
+            <a:r>
+              <a:rPr lang="ko-KR" altLang="en-US" dirty="0"/>
+              <a:t>고객관리대장의 </a:t>
+            </a:r>
+            <a:r>
+              <a:rPr lang="en-US" altLang="ko-KR" dirty="0"/>
+              <a:t>‘</a:t>
+            </a:r>
+            <a:r>
+              <a:rPr lang="ko-KR" altLang="en-US" dirty="0"/>
+              <a:t>무명이</a:t>
+            </a:r>
+            <a:r>
+              <a:rPr lang="en-US" altLang="ko-KR" dirty="0"/>
+              <a:t>‘</a:t>
+            </a:r>
+            <a:r>
+              <a:rPr lang="ko-KR" altLang="en-US" dirty="0"/>
+              <a:t>를 삭제 하시오</a:t>
+            </a:r>
+            <a:r>
+              <a:rPr lang="en-US" altLang="ko-KR" dirty="0"/>
+              <a:t>.</a:t>
+            </a:r>
+          </a:p>
+          <a:p>
+            <a:pPr marL="0" indent="0">
+              <a:buNone/>
+            </a:pPr>
+            <a:endParaRPr lang="en-US" altLang="ko-KR" dirty="0"/>
+          </a:p>
+          <a:p>
+            <a:pPr marL="0" indent="0">
+              <a:buNone/>
+            </a:pPr>
+            <a:r>
+              <a:rPr lang="ko-KR" altLang="en-US" dirty="0"/>
+              <a:t>실습 </a:t>
+            </a:r>
+            <a:r>
+              <a:rPr lang="en-US" altLang="ko-KR" dirty="0"/>
+              <a:t>17. </a:t>
+            </a:r>
+            <a:r>
+              <a:rPr lang="ko-KR" altLang="en-US" dirty="0"/>
+              <a:t>고객관리대장의 </a:t>
+            </a:r>
+            <a:r>
+              <a:rPr lang="en-US" altLang="ko-KR" dirty="0"/>
+              <a:t>WHITE </a:t>
+            </a:r>
+            <a:r>
+              <a:rPr lang="ko-KR" altLang="en-US" dirty="0"/>
+              <a:t>등급을 모두 삭제 하시오</a:t>
+            </a:r>
+            <a:r>
+              <a:rPr lang="en-US" altLang="ko-KR" dirty="0"/>
+              <a:t>.</a:t>
+            </a:r>
+          </a:p>
+          <a:p>
+            <a:pPr marL="0" indent="0">
+              <a:buNone/>
+            </a:pPr>
+            <a:endParaRPr lang="en-US" altLang="ko-KR" dirty="0"/>
+          </a:p>
+          <a:p>
+            <a:pPr marL="0" indent="0">
+              <a:buNone/>
+            </a:pPr>
+            <a:r>
+              <a:rPr lang="ko-KR" altLang="en-US" dirty="0"/>
+              <a:t>실습 </a:t>
+            </a:r>
+            <a:r>
+              <a:rPr lang="en-US" altLang="ko-KR" dirty="0"/>
+              <a:t>18. </a:t>
+            </a:r>
+            <a:r>
+              <a:rPr lang="ko-KR" altLang="en-US" dirty="0"/>
+              <a:t>상품권발급대장의 지급된 금액을 변경 하시오</a:t>
+            </a:r>
+            <a:endParaRPr lang="en-US" altLang="ko-KR" dirty="0"/>
+          </a:p>
+          <a:p>
+            <a:pPr marL="0" indent="0">
+              <a:buNone/>
+            </a:pPr>
+            <a:r>
+              <a:rPr lang="en-US" altLang="ko-KR" dirty="0"/>
+              <a:t>           (200000 -&gt; 300000)</a:t>
+            </a:r>
+          </a:p>
+          <a:p>
+            <a:pPr marL="0" indent="0">
+              <a:buNone/>
+            </a:pPr>
+            <a:endParaRPr lang="en-US" altLang="ko-KR" dirty="0"/>
+          </a:p>
+          <a:p>
+            <a:pPr marL="0" indent="0">
+              <a:buNone/>
+            </a:pPr>
+            <a:endParaRPr lang="en-US" altLang="ko-KR" dirty="0"/>
+          </a:p>
+        </p:txBody>
+      </p:sp>
+    </p:spTree>
+    <p:extLst>
+      <p:ext uri="{BB962C8B-B14F-4D97-AF65-F5344CB8AC3E}">
+        <p14:creationId xmlns:p14="http://schemas.microsoft.com/office/powerpoint/2010/main" val="1451357317"/>
+      </p:ext>
+    </p:extLst>
+  </p:cSld>
+  <p:clrMapOvr>
+    <a:masterClrMapping/>
+  </p:clrMapOvr>
+</p:sld>
+</file>
+
+<file path=ppt/slides/slide27.xml><?xml version="1.0" encoding="utf-8"?>
+<p:sld xmlns:a="http://schemas.openxmlformats.org/drawingml/2006/main" xmlns:r="http://schemas.openxmlformats.org/officeDocument/2006/relationships" xmlns:p="http://schemas.openxmlformats.org/presentationml/2006/main">
+  <p:cSld>
+    <p:spTree>
+      <p:nvGrpSpPr>
+        <p:cNvPr id="1" name=""/>
+        <p:cNvGrpSpPr/>
+        <p:nvPr/>
+      </p:nvGrpSpPr>
+      <p:grpSpPr>
+        <a:xfrm>
+          <a:off x="0" y="0"/>
+          <a:ext cx="0" cy="0"/>
+          <a:chOff x="0" y="0"/>
+          <a:chExt cx="0" cy="0"/>
+        </a:xfrm>
+      </p:grpSpPr>
+      <p:sp>
+        <p:nvSpPr>
+          <p:cNvPr id="2" name="도형 17"/>
+          <p:cNvSpPr>
+            <a:spLocks/>
+          </p:cNvSpPr>
+          <p:nvPr/>
+        </p:nvSpPr>
+        <p:spPr>
+          <a:xfrm>
+            <a:off x="765868" y="316230"/>
+            <a:ext cx="1293944" cy="454292"/>
+          </a:xfrm>
+          <a:prstGeom prst="rect">
+            <a:avLst/>
+          </a:prstGeom>
+          <a:ln w="0">
+            <a:noFill/>
+            <a:prstDash/>
+          </a:ln>
+        </p:spPr>
+        <p:txBody>
+          <a:bodyPr vert="horz" wrap="none" lIns="91440" tIns="45720" rIns="91440" bIns="45720" numCol="1" anchor="t">
+            <a:spAutoFit/>
+          </a:bodyPr>
+          <a:lstStyle/>
+          <a:p>
+            <a:pPr marL="0" indent="0" latinLnBrk="0">
+              <a:lnSpc>
+                <a:spcPct val="150000"/>
+              </a:lnSpc>
+              <a:buFontTx/>
+              <a:buNone/>
+            </a:pPr>
+            <a:r>
+              <a:rPr lang="en-US" altLang="ko-KR" dirty="0">
+                <a:solidFill>
+                  <a:schemeClr val="bg1"/>
+                </a:solidFill>
+              </a:rPr>
+              <a:t>SQL CRUD</a:t>
+            </a:r>
+            <a:endParaRPr lang="ko-KR" altLang="en-US" dirty="0">
+              <a:solidFill>
+                <a:schemeClr val="bg1"/>
+              </a:solidFill>
+            </a:endParaRPr>
+          </a:p>
+        </p:txBody>
+      </p:sp>
+      <p:sp>
+        <p:nvSpPr>
+          <p:cNvPr id="3" name="내용 개체 틀 2"/>
+          <p:cNvSpPr txBox="1">
+            <a:spLocks/>
+          </p:cNvSpPr>
+          <p:nvPr/>
+        </p:nvSpPr>
+        <p:spPr>
+          <a:xfrm>
+            <a:off x="457200" y="1600200"/>
+            <a:ext cx="11290300" cy="4525963"/>
+          </a:xfrm>
+          <a:prstGeom prst="rect">
+            <a:avLst/>
+          </a:prstGeom>
+        </p:spPr>
+        <p:txBody>
+          <a:bodyPr/>
+          <a:lstStyle>
+            <a:lvl1pPr marL="228600" indent="-228600" algn="l" defTabSz="914400" rtl="0" eaLnBrk="1" latinLnBrk="1" hangingPunct="1">
+              <a:lnSpc>
+                <a:spcPct val="90000"/>
+              </a:lnSpc>
+              <a:spcBef>
+                <a:spcPts val="1000"/>
+              </a:spcBef>
+              <a:buFont typeface="Arial" panose="020B0604020202020204" pitchFamily="34" charset="0"/>
+              <a:buChar char="•"/>
+              <a:defRPr sz="2800" kern="1200">
+                <a:solidFill>
+                  <a:schemeClr val="tx1"/>
+                </a:solidFill>
+                <a:latin typeface="+mn-lt"/>
+                <a:ea typeface="+mn-ea"/>
+                <a:cs typeface="+mn-cs"/>
+              </a:defRPr>
+            </a:lvl1pPr>
+            <a:lvl2pPr marL="685800" indent="-228600" algn="l" defTabSz="914400" rtl="0" eaLnBrk="1" latinLnBrk="1" hangingPunct="1">
+              <a:lnSpc>
+                <a:spcPct val="90000"/>
+              </a:lnSpc>
+              <a:spcBef>
+                <a:spcPts val="500"/>
+              </a:spcBef>
+              <a:buFont typeface="Arial" panose="020B0604020202020204" pitchFamily="34" charset="0"/>
+              <a:buChar char="•"/>
+              <a:defRPr sz="2400" kern="1200">
+                <a:solidFill>
+                  <a:schemeClr val="tx1"/>
+                </a:solidFill>
+                <a:latin typeface="+mn-lt"/>
+                <a:ea typeface="+mn-ea"/>
+                <a:cs typeface="+mn-cs"/>
+              </a:defRPr>
+            </a:lvl2pPr>
+            <a:lvl3pPr marL="1143000" indent="-228600" algn="l" defTabSz="914400" rtl="0" eaLnBrk="1" latinLnBrk="1" hangingPunct="1">
+              <a:lnSpc>
+                <a:spcPct val="90000"/>
+              </a:lnSpc>
+              <a:spcBef>
+                <a:spcPts val="500"/>
+              </a:spcBef>
+              <a:buFont typeface="Arial" panose="020B0604020202020204" pitchFamily="34" charset="0"/>
+              <a:buChar char="•"/>
+              <a:defRPr sz="2000" kern="1200">
+                <a:solidFill>
+                  <a:schemeClr val="tx1"/>
+                </a:solidFill>
+                <a:latin typeface="+mn-lt"/>
+                <a:ea typeface="+mn-ea"/>
+                <a:cs typeface="+mn-cs"/>
+              </a:defRPr>
+            </a:lvl3pPr>
+            <a:lvl4pPr marL="1600200" indent="-228600" algn="l" defTabSz="914400" rtl="0" eaLnBrk="1" latinLnBrk="1" hangingPunct="1">
+              <a:lnSpc>
+                <a:spcPct val="90000"/>
+              </a:lnSpc>
+              <a:spcBef>
+                <a:spcPts val="500"/>
+              </a:spcBef>
+              <a:buFont typeface="Arial" panose="020B0604020202020204" pitchFamily="34" charset="0"/>
+              <a:buChar char="•"/>
+              <a:defRPr sz="1800" kern="1200">
+                <a:solidFill>
+                  <a:schemeClr val="tx1"/>
+                </a:solidFill>
+                <a:latin typeface="+mn-lt"/>
+                <a:ea typeface="+mn-ea"/>
+                <a:cs typeface="+mn-cs"/>
+              </a:defRPr>
+            </a:lvl4pPr>
+            <a:lvl5pPr marL="2057400" indent="-228600" algn="l" defTabSz="914400" rtl="0" eaLnBrk="1" latinLnBrk="1" hangingPunct="1">
+              <a:lnSpc>
+                <a:spcPct val="90000"/>
+              </a:lnSpc>
+              <a:spcBef>
+                <a:spcPts val="500"/>
+              </a:spcBef>
+              <a:buFont typeface="Arial" panose="020B0604020202020204" pitchFamily="34" charset="0"/>
+              <a:buChar char="•"/>
+              <a:defRPr sz="1800" kern="1200">
+                <a:solidFill>
+                  <a:schemeClr val="tx1"/>
+                </a:solidFill>
+                <a:latin typeface="+mn-lt"/>
+                <a:ea typeface="+mn-ea"/>
+                <a:cs typeface="+mn-cs"/>
+              </a:defRPr>
+            </a:lvl5pPr>
+            <a:lvl6pPr marL="2514600" indent="-228600" algn="l" defTabSz="914400" rtl="0" eaLnBrk="1" latinLnBrk="1" hangingPunct="1">
+              <a:lnSpc>
+                <a:spcPct val="90000"/>
+              </a:lnSpc>
+              <a:spcBef>
+                <a:spcPts val="500"/>
+              </a:spcBef>
+              <a:buFont typeface="Arial" panose="020B0604020202020204" pitchFamily="34" charset="0"/>
+              <a:buChar char="•"/>
+              <a:defRPr sz="1800" kern="1200">
+                <a:solidFill>
+                  <a:schemeClr val="tx1"/>
+                </a:solidFill>
+                <a:latin typeface="+mn-lt"/>
+                <a:ea typeface="+mn-ea"/>
+                <a:cs typeface="+mn-cs"/>
+              </a:defRPr>
+            </a:lvl6pPr>
+            <a:lvl7pPr marL="2971800" indent="-228600" algn="l" defTabSz="914400" rtl="0" eaLnBrk="1" latinLnBrk="1" hangingPunct="1">
+              <a:lnSpc>
+                <a:spcPct val="90000"/>
+              </a:lnSpc>
+              <a:spcBef>
+                <a:spcPts val="500"/>
+              </a:spcBef>
+              <a:buFont typeface="Arial" panose="020B0604020202020204" pitchFamily="34" charset="0"/>
+              <a:buChar char="•"/>
+              <a:defRPr sz="1800" kern="1200">
+                <a:solidFill>
+                  <a:schemeClr val="tx1"/>
+                </a:solidFill>
+                <a:latin typeface="+mn-lt"/>
+                <a:ea typeface="+mn-ea"/>
+                <a:cs typeface="+mn-cs"/>
+              </a:defRPr>
+            </a:lvl7pPr>
+            <a:lvl8pPr marL="3429000" indent="-228600" algn="l" defTabSz="914400" rtl="0" eaLnBrk="1" latinLnBrk="1" hangingPunct="1">
+              <a:lnSpc>
+                <a:spcPct val="90000"/>
+              </a:lnSpc>
+              <a:spcBef>
+                <a:spcPts val="500"/>
+              </a:spcBef>
+              <a:buFont typeface="Arial" panose="020B0604020202020204" pitchFamily="34" charset="0"/>
+              <a:buChar char="•"/>
+              <a:defRPr sz="1800" kern="1200">
+                <a:solidFill>
+                  <a:schemeClr val="tx1"/>
+                </a:solidFill>
+                <a:latin typeface="+mn-lt"/>
+                <a:ea typeface="+mn-ea"/>
+                <a:cs typeface="+mn-cs"/>
+              </a:defRPr>
+            </a:lvl8pPr>
+            <a:lvl9pPr marL="3886200" indent="-228600" algn="l" defTabSz="914400" rtl="0" eaLnBrk="1" latinLnBrk="1" hangingPunct="1">
+              <a:lnSpc>
+                <a:spcPct val="90000"/>
+              </a:lnSpc>
+              <a:spcBef>
+                <a:spcPts val="500"/>
+              </a:spcBef>
+              <a:buFont typeface="Arial" panose="020B0604020202020204" pitchFamily="34" charset="0"/>
+              <a:buChar char="•"/>
+              <a:defRPr sz="1800" kern="1200">
+                <a:solidFill>
+                  <a:schemeClr val="tx1"/>
+                </a:solidFill>
+                <a:latin typeface="+mn-lt"/>
+                <a:ea typeface="+mn-ea"/>
+                <a:cs typeface="+mn-cs"/>
+              </a:defRPr>
+            </a:lvl9pPr>
+          </a:lstStyle>
+          <a:p>
+            <a:pPr marL="0" indent="0">
+              <a:buNone/>
+            </a:pPr>
+            <a:r>
+              <a:rPr lang="ko-KR" altLang="en-US" dirty="0"/>
               <a:t>추가 실습 </a:t>
             </a:r>
             <a:r>
-              <a:rPr lang="en-US" altLang="ko-KR" dirty="0" smtClean="0"/>
+              <a:rPr lang="en-US" altLang="ko-KR" dirty="0"/>
               <a:t>1. </a:t>
             </a:r>
             <a:r>
-              <a:rPr lang="ko-KR" altLang="en-US" dirty="0" smtClean="0"/>
+              <a:rPr lang="ko-KR" altLang="en-US" dirty="0"/>
               <a:t>사원</a:t>
             </a:r>
             <a:r>
-              <a:rPr lang="en-US" altLang="ko-KR" dirty="0" smtClean="0"/>
+              <a:rPr lang="en-US" altLang="ko-KR" dirty="0"/>
               <a:t>, </a:t>
             </a:r>
             <a:r>
-              <a:rPr lang="ko-KR" altLang="en-US" dirty="0" smtClean="0"/>
+              <a:rPr lang="ko-KR" altLang="en-US" dirty="0"/>
               <a:t>부서 테이블을 만들고 </a:t>
             </a:r>
             <a:r>
-              <a:rPr lang="en-US" altLang="ko-KR" dirty="0" smtClean="0"/>
+              <a:rPr lang="en-US" altLang="ko-KR" dirty="0"/>
               <a:t>3</a:t>
             </a:r>
             <a:r>
-              <a:rPr lang="ko-KR" altLang="en-US" dirty="0" smtClean="0"/>
+              <a:rPr lang="ko-KR" altLang="en-US" dirty="0"/>
               <a:t>개의 부서</a:t>
             </a:r>
             <a:r>
-              <a:rPr lang="en-US" altLang="ko-KR" dirty="0" smtClean="0"/>
+              <a:rPr lang="en-US" altLang="ko-KR" dirty="0"/>
               <a:t>, 10</a:t>
             </a:r>
             <a:r>
-              <a:rPr lang="ko-KR" altLang="en-US" dirty="0" smtClean="0"/>
+              <a:rPr lang="ko-KR" altLang="en-US" dirty="0"/>
               <a:t>명의 직원을 입력 하시오</a:t>
             </a:r>
             <a:r>
-              <a:rPr lang="en-US" altLang="ko-KR" dirty="0" smtClean="0"/>
+              <a:rPr lang="en-US" altLang="ko-KR" dirty="0"/>
               <a:t>.</a:t>
             </a:r>
           </a:p>
@@ -15301,7 +15527,7 @@
             <a:pPr marL="0" indent="0">
               <a:buNone/>
             </a:pPr>
-            <a:endParaRPr lang="en-US" altLang="ko-KR" sz="2400" dirty="0" smtClean="0"/>
+            <a:endParaRPr lang="en-US" altLang="ko-KR" sz="2400" dirty="0"/>
           </a:p>
           <a:p>
             <a:pPr marL="0" indent="0">
@@ -15313,7 +15539,7 @@
             <a:pPr marL="0" indent="0">
               <a:buNone/>
             </a:pPr>
-            <a:endParaRPr lang="en-US" altLang="ko-KR" sz="2400" dirty="0" smtClean="0"/>
+            <a:endParaRPr lang="en-US" altLang="ko-KR" sz="2400" dirty="0"/>
           </a:p>
           <a:p>
             <a:pPr marL="0" indent="0">
@@ -15330,47 +15556,43 @@
               <a:t>추가 실습 </a:t>
             </a:r>
             <a:r>
-              <a:rPr lang="en-US" altLang="ko-KR" sz="2400" dirty="0" smtClean="0"/>
+              <a:rPr lang="en-US" altLang="ko-KR" sz="2400" dirty="0"/>
               <a:t>2. </a:t>
             </a:r>
             <a:r>
-              <a:rPr lang="ko-KR" altLang="en-US" sz="2400" dirty="0" err="1" smtClean="0"/>
+              <a:rPr lang="ko-KR" altLang="en-US" sz="2400" dirty="0" err="1"/>
               <a:t>상품권발급</a:t>
             </a:r>
             <a:r>
               <a:rPr lang="ko-KR" altLang="en-US" sz="2400" dirty="0"/>
-              <a:t> </a:t>
-            </a:r>
-            <a:r>
-              <a:rPr lang="ko-KR" altLang="en-US" sz="2400" dirty="0" smtClean="0"/>
-              <a:t>내용을 </a:t>
-            </a:r>
-            <a:r>
-              <a:rPr lang="ko-KR" altLang="en-US" sz="2400" dirty="0" err="1" smtClean="0"/>
+              <a:t> 내용을 </a:t>
+            </a:r>
+            <a:r>
+              <a:rPr lang="ko-KR" altLang="en-US" sz="2400" dirty="0" err="1"/>
               <a:t>일자별로</a:t>
             </a:r>
             <a:r>
-              <a:rPr lang="ko-KR" altLang="en-US" sz="2400" dirty="0" smtClean="0"/>
+              <a:rPr lang="ko-KR" altLang="en-US" sz="2400" dirty="0"/>
               <a:t> 합계</a:t>
             </a:r>
             <a:r>
-              <a:rPr lang="en-US" altLang="ko-KR" sz="2400" dirty="0" smtClean="0"/>
+              <a:rPr lang="en-US" altLang="ko-KR" sz="2400" dirty="0"/>
               <a:t>, </a:t>
             </a:r>
             <a:r>
-              <a:rPr lang="ko-KR" altLang="en-US" sz="2400" dirty="0" smtClean="0"/>
+              <a:rPr lang="ko-KR" altLang="en-US" sz="2400" dirty="0"/>
               <a:t>평균</a:t>
             </a:r>
             <a:r>
-              <a:rPr lang="en-US" altLang="ko-KR" sz="2400" dirty="0" smtClean="0"/>
+              <a:rPr lang="en-US" altLang="ko-KR" sz="2400" dirty="0"/>
               <a:t>, </a:t>
             </a:r>
             <a:r>
-              <a:rPr lang="ko-KR" altLang="en-US" sz="2400" dirty="0" smtClean="0"/>
+              <a:rPr lang="ko-KR" altLang="en-US" sz="2400" dirty="0"/>
               <a:t>건수를 출력 하시오</a:t>
             </a:r>
             <a:r>
-              <a:rPr lang="en-US" altLang="ko-KR" sz="2400" dirty="0" smtClean="0"/>
+              <a:rPr lang="en-US" altLang="ko-KR" sz="2400" dirty="0"/>
               <a:t>.</a:t>
             </a:r>
           </a:p>
@@ -15384,7 +15606,48 @@
             <a:pPr marL="0" indent="0">
               <a:buNone/>
             </a:pPr>
-            <a:endParaRPr lang="en-US" altLang="ko-KR" sz="2400" dirty="0" smtClean="0"/>
+            <a:r>
+              <a:rPr lang="ko-KR" altLang="en-US" sz="2400" dirty="0"/>
+              <a:t>추가 실습 </a:t>
+            </a:r>
+            <a:r>
+              <a:rPr lang="en-US" altLang="ko-KR" sz="2400" dirty="0"/>
+              <a:t>3. “</a:t>
+            </a:r>
+            <a:r>
+              <a:rPr lang="ko-KR" altLang="en-US" sz="2400" dirty="0"/>
+              <a:t>추가 실습</a:t>
+            </a:r>
+            <a:r>
+              <a:rPr lang="en-US" altLang="ko-KR" sz="2400" dirty="0"/>
+              <a:t> 1”</a:t>
+            </a:r>
+            <a:r>
+              <a:rPr lang="ko-KR" altLang="en-US" sz="2400" dirty="0"/>
+              <a:t>의 사원 테이블에서 직원들의 월급여를 </a:t>
+            </a:r>
+            <a:r>
+              <a:rPr lang="en-US" altLang="ko-KR" sz="2400" dirty="0"/>
+              <a:t>50%</a:t>
+            </a:r>
+            <a:r>
+              <a:rPr lang="ko-KR" altLang="en-US" sz="2400" dirty="0"/>
+              <a:t>상승 </a:t>
+            </a:r>
+            <a:r>
+              <a:rPr lang="ko-KR" altLang="en-US" sz="2400" dirty="0" err="1"/>
+              <a:t>시키시오</a:t>
+            </a:r>
+            <a:r>
+              <a:rPr lang="en-US" altLang="ko-KR" sz="2400" dirty="0"/>
+              <a:t>.</a:t>
+            </a:r>
+          </a:p>
+          <a:p>
+            <a:pPr marL="0" indent="0">
+              <a:buNone/>
+            </a:pPr>
+            <a:endParaRPr lang="en-US" altLang="ko-KR" sz="2400" dirty="0"/>
           </a:p>
           <a:p>
             <a:pPr marL="0" indent="0">
@@ -16236,15 +16499,15 @@
           <a:lstStyle/>
           <a:p>
             <a:r>
-              <a:rPr lang="en-US" altLang="ko-KR" dirty="0" smtClean="0"/>
+              <a:rPr lang="en-US" altLang="ko-KR" dirty="0"/>
               <a:t>INSERT </a:t>
             </a:r>
             <a:r>
-              <a:rPr lang="ko-KR" altLang="en-US" dirty="0" smtClean="0"/>
+              <a:rPr lang="ko-KR" altLang="en-US" dirty="0"/>
               <a:t>예제 </a:t>
             </a:r>
             <a:r>
-              <a:rPr lang="en-US" altLang="ko-KR" dirty="0" smtClean="0"/>
+              <a:rPr lang="en-US" altLang="ko-KR" dirty="0"/>
               <a:t>1</a:t>
             </a:r>
             <a:endParaRPr lang="ko-KR" altLang="en-US" dirty="0"/>
@@ -16273,15 +16536,15 @@
           <a:lstStyle/>
           <a:p>
             <a:r>
-              <a:rPr lang="en-US" altLang="ko-KR" dirty="0" smtClean="0"/>
+              <a:rPr lang="en-US" altLang="ko-KR" dirty="0"/>
               <a:t>INSERT </a:t>
             </a:r>
             <a:r>
-              <a:rPr lang="ko-KR" altLang="en-US" dirty="0" smtClean="0"/>
+              <a:rPr lang="ko-KR" altLang="en-US" dirty="0"/>
               <a:t>예제 </a:t>
             </a:r>
             <a:r>
-              <a:rPr lang="en-US" altLang="ko-KR" dirty="0" smtClean="0"/>
+              <a:rPr lang="en-US" altLang="ko-KR" dirty="0"/>
               <a:t>2</a:t>
             </a:r>
           </a:p>
@@ -16604,15 +16867,15 @@
           <a:lstStyle/>
           <a:p>
             <a:r>
-              <a:rPr lang="en-US" altLang="ko-KR" dirty="0" smtClean="0"/>
+              <a:rPr lang="en-US" altLang="ko-KR" dirty="0"/>
               <a:t>INSERT </a:t>
             </a:r>
             <a:r>
-              <a:rPr lang="ko-KR" altLang="en-US" dirty="0" smtClean="0"/>
+              <a:rPr lang="ko-KR" altLang="en-US" dirty="0"/>
               <a:t>예제 </a:t>
             </a:r>
             <a:r>
-              <a:rPr lang="en-US" altLang="ko-KR" dirty="0" smtClean="0"/>
+              <a:rPr lang="en-US" altLang="ko-KR" dirty="0"/>
               <a:t>3</a:t>
             </a:r>
           </a:p>
@@ -16995,20 +17258,20 @@
           <a:lstStyle/>
           <a:p>
             <a:r>
-              <a:rPr lang="en-US" altLang="ko-KR" dirty="0" smtClean="0"/>
+              <a:rPr lang="en-US" altLang="ko-KR" dirty="0"/>
               <a:t>INSERT </a:t>
             </a:r>
             <a:r>
-              <a:rPr lang="ko-KR" altLang="en-US" dirty="0" smtClean="0"/>
+              <a:rPr lang="ko-KR" altLang="en-US" dirty="0"/>
               <a:t>예제 </a:t>
             </a:r>
             <a:r>
-              <a:rPr lang="en-US" altLang="ko-KR" dirty="0" smtClean="0"/>
+              <a:rPr lang="en-US" altLang="ko-KR" dirty="0"/>
               <a:t>4</a:t>
             </a:r>
           </a:p>
           <a:p>
-            <a:endParaRPr lang="en-US" altLang="ko-KR" dirty="0" smtClean="0"/>
+            <a:endParaRPr lang="en-US" altLang="ko-KR" dirty="0"/>
           </a:p>
           <a:p>
             <a:r>
@@ -17347,31 +17610,31 @@
               <a:buNone/>
             </a:pPr>
             <a:r>
-              <a:rPr lang="ko-KR" altLang="en-US" dirty="0" smtClean="0"/>
+              <a:rPr lang="ko-KR" altLang="en-US" dirty="0"/>
               <a:t>실습 </a:t>
             </a:r>
             <a:r>
-              <a:rPr lang="en-US" altLang="ko-KR" dirty="0" smtClean="0"/>
+              <a:rPr lang="en-US" altLang="ko-KR" dirty="0"/>
               <a:t>1. </a:t>
             </a:r>
             <a:r>
-              <a:rPr lang="ko-KR" altLang="en-US" dirty="0" smtClean="0"/>
+              <a:rPr lang="ko-KR" altLang="en-US" dirty="0"/>
               <a:t>고객관리대장 테이블에 새로운 고객 </a:t>
             </a:r>
             <a:r>
-              <a:rPr lang="en-US" altLang="ko-KR" dirty="0" smtClean="0"/>
+              <a:rPr lang="en-US" altLang="ko-KR" dirty="0"/>
               <a:t>5</a:t>
             </a:r>
             <a:r>
-              <a:rPr lang="ko-KR" altLang="en-US" dirty="0" smtClean="0"/>
+              <a:rPr lang="ko-KR" altLang="en-US" dirty="0"/>
               <a:t>명을 더 입력하고 </a:t>
             </a:r>
             <a:r>
-              <a:rPr lang="ko-KR" altLang="en-US" dirty="0" err="1" smtClean="0"/>
+              <a:rPr lang="ko-KR" altLang="en-US" dirty="0" err="1"/>
               <a:t>출력하시오</a:t>
             </a:r>
             <a:r>
-              <a:rPr lang="en-US" altLang="ko-KR" dirty="0" smtClean="0"/>
+              <a:rPr lang="en-US" altLang="ko-KR" dirty="0"/>
               <a:t>.</a:t>
             </a:r>
           </a:p>
@@ -17386,27 +17649,27 @@
               <a:buNone/>
             </a:pPr>
             <a:r>
-              <a:rPr lang="ko-KR" altLang="en-US" dirty="0" smtClean="0"/>
+              <a:rPr lang="ko-KR" altLang="en-US" dirty="0"/>
               <a:t>실습 </a:t>
             </a:r>
             <a:r>
-              <a:rPr lang="en-US" altLang="ko-KR" dirty="0" smtClean="0"/>
+              <a:rPr lang="en-US" altLang="ko-KR" dirty="0"/>
               <a:t>2. </a:t>
             </a:r>
             <a:r>
-              <a:rPr lang="ko-KR" altLang="en-US" dirty="0" smtClean="0"/>
-              <a:t>상품권관리대장에 당첨 정보 </a:t>
-            </a:r>
-            <a:r>
-              <a:rPr lang="en-US" altLang="ko-KR" dirty="0" smtClean="0"/>
+              <a:rPr lang="ko-KR" altLang="en-US" dirty="0"/>
+              <a:t>상품권관리대장에 지급 정보 </a:t>
+            </a:r>
+            <a:r>
+              <a:rPr lang="en-US" altLang="ko-KR" dirty="0"/>
               <a:t>5</a:t>
             </a:r>
             <a:r>
-              <a:rPr lang="ko-KR" altLang="en-US" dirty="0" smtClean="0"/>
+              <a:rPr lang="ko-KR" altLang="en-US" dirty="0"/>
               <a:t>건을 입력 후 출력 하시오</a:t>
             </a:r>
             <a:r>
-              <a:rPr lang="en-US" altLang="ko-KR" dirty="0" smtClean="0"/>
+              <a:rPr lang="en-US" altLang="ko-KR" dirty="0"/>
               <a:t>. </a:t>
             </a:r>
           </a:p>
@@ -17421,50 +17684,49 @@
               <a:buNone/>
             </a:pPr>
             <a:r>
-              <a:rPr lang="ko-KR" altLang="en-US" dirty="0" smtClean="0"/>
+              <a:rPr lang="ko-KR" altLang="en-US" dirty="0"/>
               <a:t>실습 </a:t>
             </a:r>
             <a:r>
-              <a:rPr lang="en-US" altLang="ko-KR" dirty="0" smtClean="0"/>
+              <a:rPr lang="en-US" altLang="ko-KR" dirty="0"/>
               <a:t>3. </a:t>
             </a:r>
             <a:r>
-              <a:rPr lang="ko-KR" altLang="en-US" dirty="0" smtClean="0"/>
+              <a:rPr lang="ko-KR" altLang="en-US" dirty="0"/>
               <a:t>고객관리대장에 </a:t>
             </a:r>
             <a:r>
-              <a:rPr lang="en-US" altLang="ko-KR" dirty="0" err="1" smtClean="0"/>
+              <a:rPr lang="en-US" altLang="ko-KR" dirty="0" err="1"/>
               <a:t>c_id</a:t>
             </a:r>
             <a:r>
-              <a:rPr lang="en-US" altLang="ko-KR" dirty="0" smtClean="0"/>
+              <a:rPr lang="en-US" altLang="ko-KR" dirty="0"/>
               <a:t> = 2 </a:t>
             </a:r>
             <a:r>
-              <a:rPr lang="ko-KR" altLang="en-US" dirty="0" smtClean="0"/>
+              <a:rPr lang="ko-KR" altLang="en-US" dirty="0"/>
               <a:t>인 내용으로 </a:t>
             </a:r>
             <a:r>
-              <a:rPr lang="en-US" altLang="ko-KR" dirty="0" err="1" smtClean="0"/>
+              <a:rPr lang="en-US" altLang="ko-KR" dirty="0" err="1"/>
               <a:t>c_id</a:t>
             </a:r>
             <a:r>
-              <a:rPr lang="ko-KR" altLang="en-US" dirty="0" smtClean="0"/>
+              <a:rPr lang="ko-KR" altLang="en-US" dirty="0"/>
               <a:t>와 </a:t>
             </a:r>
             <a:r>
-              <a:rPr lang="en-US" altLang="ko-KR" dirty="0" err="1" smtClean="0"/>
+              <a:rPr lang="en-US" altLang="ko-KR" dirty="0" err="1"/>
               <a:t>c_name</a:t>
             </a:r>
             <a:r>
-              <a:rPr lang="ko-KR" altLang="en-US" dirty="0" smtClean="0"/>
+              <a:rPr lang="ko-KR" altLang="en-US" dirty="0"/>
               <a:t>을 다른 값을 넣어 새로운 고객을 생성 하시오</a:t>
             </a:r>
             <a:r>
-              <a:rPr lang="en-US" altLang="ko-KR" dirty="0" smtClean="0"/>
+              <a:rPr lang="en-US" altLang="ko-KR" dirty="0"/>
               <a:t>.</a:t>
             </a:r>
-            <a:endParaRPr lang="en-US" altLang="ko-KR" dirty="0"/>
           </a:p>
         </p:txBody>
       </p:sp>
@@ -17823,12 +18085,8 @@
               <a:buChar char="•"/>
             </a:pPr>
             <a:r>
-              <a:rPr lang="en-US" altLang="ko-KR" sz="2400" dirty="0" smtClean="0"/>
-              <a:t>group </a:t>
-            </a:r>
-            <a:r>
               <a:rPr lang="en-US" altLang="ko-KR" sz="2400" dirty="0"/>
-              <a:t>by, order by, having</a:t>
+              <a:t>group by, order by, having</a:t>
             </a:r>
             <a:r>
               <a:rPr lang="ko-KR" altLang="en-US" sz="2400" dirty="0"/>
@@ -18115,11 +18373,11 @@
               <a:buNone/>
             </a:pPr>
             <a:r>
-              <a:rPr lang="en-US" altLang="ko-KR" dirty="0" smtClean="0"/>
+              <a:rPr lang="en-US" altLang="ko-KR" dirty="0"/>
               <a:t>2.1) Select - </a:t>
             </a:r>
             <a:r>
-              <a:rPr lang="ko-KR" altLang="en-US" dirty="0" smtClean="0"/>
+              <a:rPr lang="ko-KR" altLang="en-US" dirty="0"/>
               <a:t>조건</a:t>
             </a:r>
             <a:endParaRPr lang="en-US" altLang="ko-KR" dirty="0"/>
@@ -18129,32 +18387,32 @@
               <a:buNone/>
             </a:pPr>
             <a:r>
-              <a:rPr lang="ko-KR" altLang="en-US" dirty="0" smtClean="0"/>
+              <a:rPr lang="ko-KR" altLang="en-US" dirty="0"/>
               <a:t>고객 번호 </a:t>
             </a:r>
             <a:r>
-              <a:rPr lang="en-US" altLang="ko-KR" dirty="0" smtClean="0"/>
+              <a:rPr lang="en-US" altLang="ko-KR" dirty="0"/>
               <a:t>6</a:t>
             </a:r>
             <a:r>
-              <a:rPr lang="ko-KR" altLang="en-US" dirty="0" smtClean="0"/>
+              <a:rPr lang="ko-KR" altLang="en-US" dirty="0"/>
               <a:t>이상인 사람이 발급 받은 상품권의 금액 출력</a:t>
             </a:r>
-            <a:endParaRPr lang="en-US" altLang="ko-KR" dirty="0" smtClean="0"/>
+            <a:endParaRPr lang="en-US" altLang="ko-KR" dirty="0"/>
           </a:p>
           <a:p>
             <a:pPr marL="0" indent="0">
               <a:buNone/>
             </a:pPr>
             <a:r>
-              <a:rPr lang="en-US" altLang="ko-KR" dirty="0" smtClean="0"/>
+              <a:rPr lang="en-US" altLang="ko-KR" dirty="0"/>
               <a:t>select </a:t>
             </a:r>
             <a:r>
-              <a:rPr lang="en-US" altLang="ko-KR" dirty="0" err="1" smtClean="0"/>
+              <a:rPr lang="en-US" altLang="ko-KR" dirty="0" err="1"/>
               <a:t>voucher_amount</a:t>
             </a:r>
-            <a:endParaRPr lang="en-US" altLang="ko-KR" dirty="0" smtClean="0"/>
+            <a:endParaRPr lang="en-US" altLang="ko-KR" dirty="0"/>
           </a:p>
           <a:p>
             <a:pPr marL="0" indent="0">
@@ -18162,11 +18420,7 @@
             </a:pPr>
             <a:r>
               <a:rPr lang="en-US" altLang="ko-KR" dirty="0"/>
-              <a:t> </a:t>
-            </a:r>
-            <a:r>
-              <a:rPr lang="en-US" altLang="ko-KR" dirty="0" smtClean="0"/>
-              <a:t> from voucher</a:t>
+              <a:t>  from voucher</a:t>
             </a:r>
           </a:p>
           <a:p>
@@ -18175,21 +18429,16 @@
             </a:pPr>
             <a:r>
               <a:rPr lang="en-US" altLang="ko-KR" dirty="0"/>
-              <a:t> </a:t>
-            </a:r>
-            <a:r>
-              <a:rPr lang="en-US" altLang="ko-KR" dirty="0" smtClean="0"/>
-              <a:t>where </a:t>
-            </a:r>
-            <a:r>
-              <a:rPr lang="en-US" altLang="ko-KR" dirty="0" err="1" smtClean="0"/>
+              <a:t> where </a:t>
+            </a:r>
+            <a:r>
+              <a:rPr lang="en-US" altLang="ko-KR" dirty="0" err="1"/>
               <a:t>c_id</a:t>
             </a:r>
             <a:r>
-              <a:rPr lang="en-US" altLang="ko-KR" dirty="0" smtClean="0"/>
+              <a:rPr lang="en-US" altLang="ko-KR" dirty="0"/>
               <a:t> &gt; 5;</a:t>
             </a:r>
-            <a:endParaRPr lang="en-US" altLang="ko-KR" dirty="0"/>
           </a:p>
         </p:txBody>
       </p:sp>
